--- a/lectures/lecture-11/Lecture 11 - Lecture.pptx
+++ b/lectures/lecture-11/Lecture 11 - Lecture.pptx
@@ -143,6 +143,1676 @@
     </p:ext>
   </p:extLst>
 </p:presentation>
+</file>
+
+<file path=ppt/ink/ink1.xml><?xml version="1.0" encoding="utf-8"?>
+<inkml:ink xmlns:inkml="http://www.w3.org/2003/InkML">
+  <inkml:definitions>
+    <inkml:context xml:id="ctx0">
+      <inkml:inkSource xml:id="inkSrc0">
+        <inkml:traceFormat>
+          <inkml:channel name="X" type="integer" min="-2.14748E9" max="2.14748E9" units="cm"/>
+          <inkml:channel name="Y" type="integer" min="-2.14748E9" max="2.14748E9" units="cm"/>
+          <inkml:channel name="F" type="integer" max="32767" units="dev"/>
+          <inkml:channel name="OA" type="integer" max="360" units="deg"/>
+          <inkml:channel name="OE" type="integer" max="90" units="deg"/>
+        </inkml:traceFormat>
+        <inkml:channelProperties>
+          <inkml:channelProperty channel="X" name="resolution" value="1000" units="1/cm"/>
+          <inkml:channelProperty channel="Y" name="resolution" value="1000" units="1/cm"/>
+          <inkml:channelProperty channel="F" name="resolution" value="0" units="1/dev"/>
+          <inkml:channelProperty channel="OA" name="resolution" value="1000" units="1/deg"/>
+          <inkml:channelProperty channel="OE" name="resolution" value="1000" units="1/deg"/>
+        </inkml:channelProperties>
+      </inkml:inkSource>
+      <inkml:timestamp xml:id="ts0" timeString="2021-07-14T16:30:59.049"/>
+    </inkml:context>
+    <inkml:brush xml:id="br0">
+      <inkml:brushProperty name="width" value="0.05" units="cm"/>
+      <inkml:brushProperty name="height" value="0.05" units="cm"/>
+      <inkml:brushProperty name="color" value="#FF0066"/>
+    </inkml:brush>
+  </inkml:definitions>
+  <inkml:trace contextRef="#ctx0" brushRef="#br0">47 376 5528 0 0,'-13'-2'-785'0'0,"11"2"1252"0"0,-1 0 1 0 0,0-1-1 0 0,0 1 1 0 0,1-1-1 0 0,-1 0 1 0 0,0 0 0 0 0,1 0-1 0 0,-4-2 1 0 0,5 3-213 0 0,1-1 1 0 0,-1 0 0 0 0,0 1-1 0 0,1-1 1 0 0,-1 0 0 0 0,1 0-1 0 0,0 1 1 0 0,-1-1 0 0 0,1 0 0 0 0,-1 0-1 0 0,1 0 1 0 0,0 0 0 0 0,0 0-1 0 0,0 1 1 0 0,-1-1 0 0 0,1 0-1 0 0,0 0 1 0 0,0 0 0 0 0,0 0 0 0 0,0 0-1 0 0,0 0 1 0 0,1 0 0 0 0,-1 1-1 0 0,0-1 1 0 0,0 0 0 0 0,0 0-1 0 0,1 0 1 0 0,-1 0 0 0 0,1 0-1 0 0,-1 1 1 0 0,1-2 0 0 0,12-24 2387 0 0,31-48 0 0 0,-17 31-1632 0 0,-7 11-476 0 0,1 0 0 0 0,46-51 0 0 0,-43 61-236 0 0,-23 21-284 0 0,1 0 0 0 0,-1 0 0 0 0,1 0 0 0 0,0 0 0 0 0,-1 0 0 0 0,1 0 0 0 0,-1 0 0 0 0,1 1 0 0 0,0-1 0 0 0,0 0 0 0 0,0 1 0 0 0,-1 0 0 0 0,1-1 0 0 0,3 1 0 0 0,-4 0-18 0 0,0 1 0 0 0,0-1 0 0 0,-1 1 0 0 0,1-1 0 0 0,0 1 0 0 0,0 0 0 0 0,-1-1 0 0 0,1 1 0 0 0,0 0 0 0 0,-1-1 0 0 0,1 1 0 0 0,-1 0 0 0 0,1 0 0 0 0,-1 0 0 0 0,1 0 0 0 0,-1-1 0 0 0,1 1 0 0 0,-1 0 0 0 0,0 0 0 0 0,0 0 0 0 0,1 0 0 0 0,-1 0 0 0 0,0 0 0 0 0,0 0 0 0 0,0 0 0 0 0,0 0 0 0 0,0 0 0 0 0,-1 1 0 0 0,1 3-14 0 0,0 1 0 0 0,0-1 0 0 0,-3 10 1 0 0,-20 64 81 0 0,-41 94 0 0 0,29-102-1 0 0,33-67-64 0 0,1-2 0 0 0,1 0 0 0 0,-1 0 0 0 0,-1 0 0 0 0,1 0 0 0 0,0 0 0 0 0,0-1 0 0 0,-3 4 0 0 0,4-6 10 0 0,-1 1-1 0 0,1 0 1 0 0,0-1 0 0 0,0 1-1 0 0,0 0 1 0 0,0 0 0 0 0,0-1-1 0 0,0 1 1 0 0,-1 0-1 0 0,1-1 1 0 0,0 1 0 0 0,0 0-1 0 0,0-1 1 0 0,0 1 0 0 0,0 0-1 0 0,0-1 1 0 0,0 1-1 0 0,0 0 1 0 0,0-1 0 0 0,0 1-1 0 0,1 0 1 0 0,-1-1-1 0 0,0 1 1 0 0,0 0 0 0 0,0-1-1 0 0,0 1 1 0 0,0 0 0 0 0,1-1-1 0 0,3-14 192 0 0,11-26 153 0 0,-10 26-211 0 0,1-1 1 0 0,13-25-1 0 0,7-3 25 0 0,45-69 216 0 0,-48 80-228 0 0,-14 18-85 0 0,1 0 1 0 0,1 1 0 0 0,24-23 0 0 0,-25 30-85 0 0,-9 7 12 0 0,-1 0 0 0 0,0 0 0 0 0,0 0-1 0 0,0 0 1 0 0,0 0 0 0 0,1 0 0 0 0,-1 1-1 0 0,0-1 1 0 0,0 0 0 0 0,0 0 0 0 0,0 0-1 0 0,0 0 1 0 0,0 0 0 0 0,0 0 0 0 0,1 0-1 0 0,-1 0 1 0 0,0 1 0 0 0,0-1 0 0 0,0 0-1 0 0,0 0 1 0 0,0 0 0 0 0,0 0 0 0 0,0 0-1 0 0,0 1 1 0 0,0-1 0 0 0,0 0 0 0 0,0 0-1 0 0,0 0 1 0 0,0 0 0 0 0,0 1 0 0 0,0-1-1 0 0,0 0 1 0 0,0 0 0 0 0,0 0 0 0 0,0 0-1 0 0,0 0 1 0 0,0 1 0 0 0,0-1 0 0 0,-7 24-113 0 0,4-14 94 0 0,-5 14 27 0 0,-2 0 0 0 0,-19 36 0 0 0,-8 19 40 0 0,21-39 84 0 0,7-19-83 0 0,0 0 1 0 0,-5 27-1 0 0,13-46-48 0 0,1 0 0 0 0,0 0 0 0 0,0 0 0 0 0,0 0 0 0 0,0-1 0 0 0,0 1 0 0 0,1 0 0 0 0,-1 0 0 0 0,1 2 0 0 0,-1-4 0 0 0,0 1 0 0 0,0-1 0 0 0,0 1 0 0 0,0-1 0 0 0,1 0 0 0 0,-1 1 0 0 0,0-1 0 0 0,0 1 0 0 0,0-1 0 0 0,1 0 0 0 0,-1 1 0 0 0,0-1 0 0 0,1 0 0 0 0,-1 1 0 0 0,0-1 0 0 0,1 0 0 0 0,-1 0 0 0 0,0 1 0 0 0,1-1 0 0 0,-1 0 0 0 0,0 0 0 0 0,1 0 0 0 0,-1 1 0 0 0,1-1 0 0 0,-1 0 0 0 0,0 0 0 0 0,1 0 0 0 0,-1 0 0 0 0,1 0 0 0 0,-1 0 0 0 0,1 0 0 0 0,-1 0 0 0 0,0 0 0 0 0,1 0 0 0 0,-1 0 0 0 0,1 0 0 0 0,-1 0 0 0 0,1 0 0 0 0,-1 0 0 0 0,0 0 0 0 0,1-1 0 0 0,-1 1 0 0 0,1 0 0 0 0,-1 0 0 0 0,1-1 0 0 0,8-4 0 0 0,0-1 0 0 0,-1 0 0 0 0,0-1 0 0 0,0 1 0 0 0,10-13 0 0 0,34-44 0 0 0,-16 17 11 0 0,-17 22 32 0 0,15-16 85 0 0,-30 36-119 0 0,0 0 0 0 0,0 1 1 0 0,0-1-1 0 0,0 1 0 0 0,0 0 1 0 0,1 0-1 0 0,6-2 0 0 0,-10 4-8 0 0,-1 1 0 0 0,1 0 0 0 0,0 0 0 0 0,0 0 0 0 0,0-1-1 0 0,-1 1 1 0 0,1 0 0 0 0,0 0 0 0 0,0 0 0 0 0,0 0 0 0 0,-1 0 0 0 0,1 0 0 0 0,0 1-1 0 0,0-1 1 0 0,0 0 0 0 0,-1 0 0 0 0,1 1 0 0 0,0-1 0 0 0,0 0 0 0 0,-1 1 0 0 0,1-1-1 0 0,0 1 1 0 0,-1-1 0 0 0,1 1 0 0 0,0-1 0 0 0,-1 1 0 0 0,1-1 0 0 0,-1 1 0 0 0,1 0-1 0 0,-1-1 1 0 0,1 1 0 0 0,-1 0 0 0 0,1-1 0 0 0,-1 1 0 0 0,0 0 0 0 0,1 0 0 0 0,-1 0-1 0 0,2 3 7 0 0,-1-1-1 0 0,0 0 0 0 0,0 1 0 0 0,0 0 0 0 0,-1-1 0 0 0,1 1 1 0 0,-1 4-1 0 0,-1 18 4 0 0,-1 1 1 0 0,-1 0 0 0 0,-1-1-1 0 0,-1 1 1 0 0,-11 29 0 0 0,12-44-2 0 0,0 1 0 0 0,1 0-1 0 0,1 0 1 0 0,0 1 0 0 0,0 14 0 0 0,2-28-9 0 0,0-1 0 0 0,0 1 0 0 0,0 0 0 0 0,1 0 0 0 0,-1 0 0 0 0,0 0 0 0 0,0 0 0 0 0,0 0 0 0 0,0 0 0 0 0,0 0 0 0 0,0 0 0 0 0,0 0 0 0 0,0 0 0 0 0,0 0 0 0 0,1 0 0 0 0,-1-1 0 0 0,0 1 0 0 0,0 0 0 0 0,0 0 0 0 0,0 0 0 0 0,0 0 0 0 0,0 0 0 0 0,0 0 0 0 0,1 0 0 0 0,-1 0 0 0 0,0 0 0 0 0,0 0 0 0 0,0 0 0 0 0,0 0 0 0 0,0 1 0 0 0,0-1 0 0 0,0 0 0 0 0,1 0 0 0 0,-1 0 0 0 0,0 0 0 0 0,0 0 0 0 0,0 0 0 0 0,0 0 0 0 0,0 0 0 0 0,0 0 0 0 0,0 0 0 0 0,0 0 0 0 0,0 0 0 0 0,1 0 0 0 0,-1 1 0 0 0,0-1 0 0 0,0 0 0 0 0,0 0 0 0 0,0 0 0 0 0,0 0 0 0 0,0 0 0 0 0,0 0 0 0 0,0 0 0 0 0,0 0 0 0 0,0 1 0 0 0,0-1 0 0 0,0 0 0 0 0,0 0 0 0 0,6-8 0 0 0,-6 7 0 0 0,25-41 0 0 0,23-54 0 0 0,3-5 0 0 0,-40 81 0 0 0,1 1 0 0 0,1 1 0 0 0,15-18 0 0 0,-22 30 0 0 0,-3 2 0 0 0,0 0 0 0 0,1 0 0 0 0,0 0 0 0 0,-1 0 0 0 0,2 0 0 0 0,-1 1 0 0 0,0 0 0 0 0,0 0 0 0 0,1 0 0 0 0,0 1 0 0 0,-1-1 0 0 0,10-2 0 0 0,-6 6 0 0 0,-7 1 0 0 0,0 1 0 0 0,0-1 0 0 0,0 1 0 0 0,0-1 0 0 0,-1 1 0 0 0,1-1 0 0 0,-1 1 0 0 0,0 0 0 0 0,1-1 0 0 0,-1 1 0 0 0,0 0 0 0 0,-1-1 0 0 0,0 6 0 0 0,-3 8-85 0 0,0 1 0 0 0,-1-1 0 0 0,-1 1 0 0 0,-1-1 0 0 0,-10 17 0 0 0,-9 23-33 0 0,14-28 362 0 0,6-15-278 0 0,1 0 1 0 0,0 0-1 0 0,1 0 1 0 0,-4 21-1 0 0,6-23-146 0 0,2-11 179 0 0,0 1 1 0 0,0-1-1 0 0,-1 0 0 0 0,1 0 1 0 0,0 0-1 0 0,0 0 0 0 0,0 0 1 0 0,0 1-1 0 0,0-1 0 0 0,0 0 1 0 0,0 0-1 0 0,0 0 0 0 0,0 0 0 0 0,0 1 1 0 0,0-1-1 0 0,0 0 0 0 0,0 0 1 0 0,0 0-1 0 0,1 0 0 0 0,-1 1 1 0 0,0-1-1 0 0,0 0 0 0 0,0 0 1 0 0,0 0-1 0 0,0 0 0 0 0,0 1 0 0 0,0-1 1 0 0,0 0-1 0 0,0 0 0 0 0,1 0 1 0 0,-1 0-1 0 0,0 0 0 0 0,0 0 1 0 0,0 0-1 0 0,0 0 0 0 0,0 1 1 0 0,1-1-1 0 0,-1 0 0 0 0,0 0 0 0 0,0 0 1 0 0,0 0-1 0 0,0 0 0 0 0,1 0 1 0 0,-1 0-1 0 0,0 0 0 0 0,0 0 1 0 0,0 0-1 0 0,0 0 0 0 0,1 0 1 0 0,-1 0-1 0 0,0 0 0 0 0,0 0 1 0 0,0 0-1 0 0,0 0 0 0 0,1 0 0 0 0,-1 0 1 0 0,0 0-1 0 0,0 0 0 0 0,0-1 1 0 0,0 1-1 0 0,0 0 0 0 0,1 0 1 0 0,-1 0-1 0 0,0 0 0 0 0,10-4 10 0 0,1-5-9 0 0,-1 1 0 0 0,0-1 0 0 0,14-17 0 0 0,-14 16 0 0 0,4-7 0 0 0,24-38 0 0 0,-8 12 0 0 0,11-16 374 0 0,-23 32-9 0 0,1 0 0 0 0,1 2 0 0 0,37-37 1 0 0,-36 47-753 0 0,-20 15 383 0 0,-1 0 1 0 0,0-1-1 0 0,0 1 0 0 0,0 0 0 0 0,1 0 1 0 0,-1 0-1 0 0,0-1 0 0 0,0 1 1 0 0,1 0-1 0 0,-1 0 0 0 0,0 0 0 0 0,0 0 1 0 0,1 0-1 0 0,-1-1 0 0 0,0 1 1 0 0,0 0-1 0 0,1 0 0 0 0,-1 0 0 0 0,0 0 1 0 0,1 0-1 0 0,-1 0 0 0 0,0 0 0 0 0,1 0 1 0 0,-1 0-1 0 0,0 0 0 0 0,0 0 1 0 0,1 0-1 0 0,-1 0 0 0 0,0 0 0 0 0,1 1 1 0 0,-1-1-1 0 0,0 0 0 0 0,0 0 0 0 0,1 0 1 0 0,-1 0-1 0 0,0 0 0 0 0,0 1 1 0 0,1-1-1 0 0,-1 0 0 0 0,0 0 0 0 0,0 0 1 0 0,0 1-1 0 0,1-1 0 0 0,-1 0 1 0 0,0 0-1 0 0,0 1 0 0 0,0-1 0 0 0,0 0 1 0 0,1 1-1 0 0,-1-1-10 0 0,1 2 14 0 0,0 0 0 0 0,0-1 0 0 0,-1 1 0 0 0,1 0 0 0 0,0 0 0 0 0,-1-1 0 0 0,1 1 0 0 0,-1 0 0 0 0,0 0 0 0 0,1 0 0 0 0,-1 0 0 0 0,0 0 0 0 0,0 3 0 0 0,-5 28 0 0 0,3-17 0 0 0,-28 132 0 0 0,5-36 0 0 0,23-99 0 0 0,0-8 0 0 0,1-1 0 0 0,0 1 0 0 0,1 0 0 0 0,-1 0 0 0 0,1-1 0 0 0,0 7 0 0 0,0-11 0 0 0,0 0 0 0 0,0 0 0 0 0,0 0 0 0 0,0 1 0 0 0,0-1 0 0 0,1 0 0 0 0,-1 0 0 0 0,0 0 0 0 0,0 1 0 0 0,0-1 0 0 0,0 0 0 0 0,0 0 0 0 0,0 0 0 0 0,0 1 0 0 0,0-1 0 0 0,0 0 0 0 0,0 0 0 0 0,1 0 0 0 0,-1 1 0 0 0,0-1 0 0 0,0 0 0 0 0,0 0 0 0 0,0 0 0 0 0,1 0 0 0 0,-1 0 0 0 0,0 0 0 0 0,0 1 0 0 0,0-1 0 0 0,1 0 0 0 0,-1 0 0 0 0,0 0 0 0 0,0 0 0 0 0,0 0 0 0 0,1 0 0 0 0,-1 0 0 0 0,0 0 0 0 0,0 0 0 0 0,0 0 0 0 0,1 0 0 0 0,-1 0 0 0 0,0 0 0 0 0,0 0 0 0 0,0 0 0 0 0,1 0 0 0 0,-1 0 0 0 0,0 0 0 0 0,0 0 0 0 0,1-1 0 0 0,5-3 0 0 0,-6 4 0 0 0,6-4 5 0 0,-1 0-1 0 0,0-1 1 0 0,0 0-1 0 0,0 0 1 0 0,-1-1-1 0 0,7-9 1 0 0,20-41 58 0 0,-22 38-41 0 0,4-11-10 0 0,-10 22-12 0 0,-1 1 0 0 0,1 0-1 0 0,0 0 1 0 0,0 0 0 0 0,1 0 0 0 0,0 1 0 0 0,6-9 0 0 0,-2 5 17 0 0,-8 8-15 0 0,1 0 1 0 0,-1 0-1 0 0,1 0 1 0 0,0 0-1 0 0,-1 0 1 0 0,1 0-1 0 0,0 0 1 0 0,0 0-1 0 0,0 0 1 0 0,0 1-1 0 0,0-1 1 0 0,0 0-1 0 0,0 1 1 0 0,0-1-1 0 0,0 1 1 0 0,0-1-1 0 0,0 1 1 0 0,1-1-1 0 0,-1 1-2 0 0,-1 0 0 0 0,0 0 0 0 0,0 0 0 0 0,1 0 0 0 0,-1 0 0 0 0,0 0 0 0 0,1 0 0 0 0,-1 0 0 0 0,0 0 0 0 0,0 0 0 0 0,1 0 0 0 0,-1 0 0 0 0,0 1 0 0 0,0-1 0 0 0,1 0 0 0 0,-1 0 0 0 0,0 0 0 0 0,0 0 0 0 0,1 1 0 0 0,-1-1 0 0 0,0 0 0 0 0,0 0 0 0 0,0 0 0 0 0,1 1 0 0 0,-1-1 0 0 0,0 0 0 0 0,0 0 0 0 0,0 1 0 0 0,0-1 0 0 0,0 0 0 0 0,0 0 0 0 0,1 1 0 0 0,-1-1 0 0 0,0 0 0 0 0,0 0 0 0 0,0 1 0 0 0,0-1 0 0 0,0 0 0 0 0,0 1 0 0 0,0-1 0 0 0,0 0 0 0 0,0 0 0 0 0,0 1 0 0 0,0-1 0 0 0,0 0 0 0 0,-1 1 0 0 0,1-1 0 0 0,1 30 0 0 0,-1 0 0 0 0,-2 0 0 0 0,-1 0 0 0 0,-9 39 0 0 0,-3 30 0 0 0,15-96 0 0 0,0 0 0 0 0,-1 0 0 0 0,1 0 0 0 0,1 0 0 0 0,-1 0 0 0 0,0 0 0 0 0,1 0 0 0 0,0 0 0 0 0,-1 0 0 0 0,1-1 0 0 0,0 1 0 0 0,0 0 0 0 0,1 0 0 0 0,2 4 0 0 0,-3-7 0 0 0,0 1 0 0 0,0-1 0 0 0,0 0 0 0 0,0 1 0 0 0,0-1 0 0 0,0 0 0 0 0,0 0 0 0 0,0 0 0 0 0,0 1 0 0 0,0-1 0 0 0,0 0 0 0 0,0 0 0 0 0,0-1 0 0 0,0 1 0 0 0,0 0 0 0 0,0 0 0 0 0,0 0 0 0 0,0-1 0 0 0,0 1 0 0 0,0-1 0 0 0,1 0 0 0 0,22-11 0 0 0,-21 9 0 0 0,0 1 0 0 0,0-1 0 0 0,-1 0 0 0 0,1 0 0 0 0,-1 0 0 0 0,4-6 0 0 0,11-13 0 0 0,-2 8 4 0 0,-1-2-1 0 0,15-20 1 0 0,68-100 49 0 0,-80 112-53 0 0,-5 5 0 0 0,0 1 0 0 0,2 1 0 0 0,17-18 0 0 0,-21 28 11 0 0,-10 7-10 0 0,0 0 0 0 0,0-1 1 0 0,1 1-1 0 0,-1 0 0 0 0,0 0 0 0 0,0 0 0 0 0,1-1 1 0 0,-1 1-1 0 0,0 0 0 0 0,1 0 0 0 0,-1 0 1 0 0,0 0-1 0 0,1-1 0 0 0,-1 1 0 0 0,0 0 1 0 0,1 0-1 0 0,-1 0 0 0 0,0 0 0 0 0,1 0 1 0 0,-1 0-1 0 0,0 0 0 0 0,1 0 0 0 0,-1 0 1 0 0,0 0-1 0 0,1 0 0 0 0,-1 0 0 0 0,0 0 1 0 0,1 1-1 0 0,-1-1 0 0 0,0 0 0 0 0,1 0 1 0 0,-1 0-1 0 0,0 0 0 0 0,1 1 0 0 0,-1-1 0 0 0,0 0 1 0 0,0 0-1 0 0,1 0 0 0 0,-1 1 0 0 0,0-1 1 0 0,0 0-1 0 0,1 0 0 0 0,-1 1 0 0 0,0-1 1 0 0,0 0-1 0 0,0 1 0 0 0,2 12-9 0 0,-2-13 11 0 0,-1 28 10 0 0,-2 0 0 0 0,-1 0 0 0 0,-1 0-1 0 0,-16 48 1 0 0,17-56-13 0 0,-4 29 0 0 0,7-38 0 0 0,1 6 0 0 0,0-17 0 0 0,0 0 0 0 0,0 0 0 0 0,0 1 0 0 0,0-1 0 0 0,0 0 0 0 0,0 0 0 0 0,0 1 0 0 0,0-1 0 0 0,0 0 0 0 0,0 0 0 0 0,0 0 0 0 0,0 1 0 0 0,0-1 0 0 0,1 0 0 0 0,-1 0 0 0 0,0 0 0 0 0,0 1 0 0 0,0-1 0 0 0,0 0 0 0 0,1 0 0 0 0,-1 0 0 0 0,0 0 0 0 0,0 1 0 0 0,0-1 0 0 0,1 0 0 0 0,-1 0 0 0 0,0 0 0 0 0,0 0 0 0 0,1 0 0 0 0,-1 0 0 0 0,0 0 0 0 0,0 0 0 0 0,1 0 0 0 0,-1 0 0 0 0,0 0 0 0 0,0 0 0 0 0,1 0 0 0 0,-1 0 0 0 0,0 0 0 0 0,0 0 0 0 0,1 0 0 0 0,-1 0 0 0 0,0 0 0 0 0,0 0 0 0 0,0 0 0 0 0,1 0 0 0 0,-1-1 0 0 0,6-3 0 0 0,-1-1 0 0 0,1 0 0 0 0,-1 0 0 0 0,-1-1 0 0 0,1 0 0 0 0,-1 0 0 0 0,0 0 0 0 0,0 0 0 0 0,-1-1 0 0 0,4-9 0 0 0,7-11 0 0 0,3-4 6 0 0,-4 8 18 0 0,28-40-1 0 0,-19 44-12 0 0,-11 10-11 0 0,-11 9 0 0 0,0 0 0 0 0,1 0 0 0 0,-1-1 0 0 0,1 1 0 0 0,-1 0 0 0 0,0 0 0 0 0,1 0 0 0 0,-1 0 0 0 0,0 0 0 0 0,1 0 0 0 0,-1 0 0 0 0,1 0 0 0 0,-1 0 0 0 0,0 0 0 0 0,1 0 0 0 0,-1 0 0 0 0,1 0 0 0 0,-1 1 0 0 0,0-1 0 0 0,1 0 0 0 0,-1 0 0 0 0,0 0 0 0 0,1 0 0 0 0,-1 1 0 0 0,0-1 0 0 0,1 0 0 0 0,-1 0 0 0 0,0 1 0 0 0,0-1 0 0 0,1 0 0 0 0,-1 0 0 0 0,0 1 0 0 0,0-1 0 0 0,1 0 0 0 0,-1 1 0 0 0,0-1 0 0 0,0 0 0 0 0,0 1 0 0 0,0-1 0 0 0,0 1 0 0 0,1-1 0 0 0,7 19 0 0 0,-7-16 0 0 0,2 5 0 0 0,0 1 0 0 0,-1 0 0 0 0,-1 0 0 0 0,2 12 0 0 0,2 15 0 0 0,-3-27 5 0 0,-2-8-13 0 0,0 1-1 0 0,0-1 1 0 0,0 1-1 0 0,1-1 1 0 0,-1 1-1 0 0,1-1 1 0 0,-1 1-1 0 0,1-1 1 0 0,0 0-1 0 0,-1 1 1 0 0,1-1-1 0 0,0 0 1 0 0,0 1 0 0 0,0-1-1 0 0,0 0 1 0 0,0 0-1 0 0,0 0 1 0 0,0 0-1 0 0,0 0 1 0 0,1 0-1 0 0,-1 0 1 0 0,0 0-1 0 0,1 0 1 0 0,1 0-1 0 0,0 1-119 0 0,0 0 0 0 0,1-1 0 0 0,-1 0 0 0 0,1 1 0 0 0,0-1-1 0 0,4 1 1 0 0,12-3-3366 0 0</inkml:trace>
+</inkml:ink>
+</file>
+
+<file path=ppt/ink/ink10.xml><?xml version="1.0" encoding="utf-8"?>
+<inkml:ink xmlns:inkml="http://www.w3.org/2003/InkML">
+  <inkml:definitions>
+    <inkml:context xml:id="ctx0">
+      <inkml:inkSource xml:id="inkSrc0">
+        <inkml:traceFormat>
+          <inkml:channel name="X" type="integer" min="-2.14748E9" max="2.14748E9" units="cm"/>
+          <inkml:channel name="Y" type="integer" min="-2.14748E9" max="2.14748E9" units="cm"/>
+          <inkml:channel name="F" type="integer" max="32767" units="dev"/>
+          <inkml:channel name="OA" type="integer" max="360" units="deg"/>
+          <inkml:channel name="OE" type="integer" max="90" units="deg"/>
+        </inkml:traceFormat>
+        <inkml:channelProperties>
+          <inkml:channelProperty channel="X" name="resolution" value="1000" units="1/cm"/>
+          <inkml:channelProperty channel="Y" name="resolution" value="1000" units="1/cm"/>
+          <inkml:channelProperty channel="F" name="resolution" value="0" units="1/dev"/>
+          <inkml:channelProperty channel="OA" name="resolution" value="1000" units="1/deg"/>
+          <inkml:channelProperty channel="OE" name="resolution" value="1000" units="1/deg"/>
+        </inkml:channelProperties>
+      </inkml:inkSource>
+      <inkml:timestamp xml:id="ts0" timeString="2021-07-14T16:31:07.987"/>
+    </inkml:context>
+    <inkml:brush xml:id="br0">
+      <inkml:brushProperty name="width" value="0.05" units="cm"/>
+      <inkml:brushProperty name="height" value="0.05" units="cm"/>
+      <inkml:brushProperty name="color" value="#FF0066"/>
+    </inkml:brush>
+  </inkml:definitions>
+  <inkml:trace contextRef="#ctx0" brushRef="#br0">0 491 4144 0 0,'7'2'11402'0'0,"-5"-3"-11037"0"0,1 0 1 0 0,-1 0-1 0 0,0 0 0 0 0,0 0 0 0 0,0-1 0 0 0,0 1 0 0 0,0-1 1 0 0,0 1-1 0 0,0-1 0 0 0,-1 0 0 0 0,1 0 0 0 0,0 0 0 0 0,-1 0 1 0 0,0 0-1 0 0,1 0 0 0 0,-1 0 0 0 0,2-4 0 0 0,2-7 263 0 0,0 1 1 0 0,3-16-1 0 0,-5 16-195 0 0,87-295 1977 0 0,-84 289-2282 0 0,-4 8-42 0 0,1 0 1 0 0,1 0-1 0 0,0 0 1 0 0,0 0-1 0 0,6-9 1 0 0,-9 18 178 0 0,0 1-250 0 0,0 1 1 0 0,0-1-1 0 0,0 0 0 0 0,0 1 1 0 0,0-1-1 0 0,0 1 0 0 0,0-1 1 0 0,0 1-1 0 0,0-1 0 0 0,-1 1 1 0 0,1 0-1 0 0,0 0 0 0 0,0-1 1 0 0,-1 1-1 0 0,1 0 0 0 0,0 0 1 0 0,-1 0-1 0 0,1 0 0 0 0,0 0 1 0 0,0 1-1 0 0,8 21 135 0 0,16 69 146 0 0,19 59 351 0 0,-35-128-615 0 0,0 0 1 0 0,2 0-1 0 0,0-1 0 0 0,19 26 0 0 0,29 41-283 0 0,-53-79 217 0 0</inkml:trace>
+</inkml:ink>
+</file>
+
+<file path=ppt/ink/ink11.xml><?xml version="1.0" encoding="utf-8"?>
+<inkml:ink xmlns:inkml="http://www.w3.org/2003/InkML">
+  <inkml:definitions>
+    <inkml:context xml:id="ctx0">
+      <inkml:inkSource xml:id="inkSrc0">
+        <inkml:traceFormat>
+          <inkml:channel name="X" type="integer" min="-2.14748E9" max="2.14748E9" units="cm"/>
+          <inkml:channel name="Y" type="integer" min="-2.14748E9" max="2.14748E9" units="cm"/>
+          <inkml:channel name="F" type="integer" max="32767" units="dev"/>
+          <inkml:channel name="OA" type="integer" max="360" units="deg"/>
+          <inkml:channel name="OE" type="integer" max="90" units="deg"/>
+        </inkml:traceFormat>
+        <inkml:channelProperties>
+          <inkml:channelProperty channel="X" name="resolution" value="1000" units="1/cm"/>
+          <inkml:channelProperty channel="Y" name="resolution" value="1000" units="1/cm"/>
+          <inkml:channelProperty channel="F" name="resolution" value="0" units="1/dev"/>
+          <inkml:channelProperty channel="OA" name="resolution" value="1000" units="1/deg"/>
+          <inkml:channelProperty channel="OE" name="resolution" value="1000" units="1/deg"/>
+        </inkml:channelProperties>
+      </inkml:inkSource>
+      <inkml:timestamp xml:id="ts0" timeString="2021-07-14T16:31:08.344"/>
+    </inkml:context>
+    <inkml:brush xml:id="br0">
+      <inkml:brushProperty name="width" value="0.05" units="cm"/>
+      <inkml:brushProperty name="height" value="0.05" units="cm"/>
+      <inkml:brushProperty name="color" value="#FF0066"/>
+    </inkml:brush>
+  </inkml:definitions>
+  <inkml:trace contextRef="#ctx0" brushRef="#br0">44 7 5064 0 0,'-13'3'-2120'0'0,"-18"2"20086"0"0,47-11-15093 0 0,-4 3-2592 0 0,1 1-1 0 0,0 1 0 0 0,-1-1 0 0 0,1 2 0 0 0,0 0 1 0 0,25 3-1 0 0,-18-1-900 0 0,29-2 1 0 0,-24-2-728 0 0</inkml:trace>
+</inkml:ink>
+</file>
+
+<file path=ppt/ink/ink12.xml><?xml version="1.0" encoding="utf-8"?>
+<inkml:ink xmlns:inkml="http://www.w3.org/2003/InkML">
+  <inkml:definitions>
+    <inkml:context xml:id="ctx0">
+      <inkml:inkSource xml:id="inkSrc0">
+        <inkml:traceFormat>
+          <inkml:channel name="X" type="integer" min="-2.14748E9" max="2.14748E9" units="cm"/>
+          <inkml:channel name="Y" type="integer" min="-2.14748E9" max="2.14748E9" units="cm"/>
+          <inkml:channel name="F" type="integer" max="32767" units="dev"/>
+          <inkml:channel name="OA" type="integer" max="360" units="deg"/>
+          <inkml:channel name="OE" type="integer" max="90" units="deg"/>
+        </inkml:traceFormat>
+        <inkml:channelProperties>
+          <inkml:channelProperty channel="X" name="resolution" value="1000" units="1/cm"/>
+          <inkml:channelProperty channel="Y" name="resolution" value="1000" units="1/cm"/>
+          <inkml:channelProperty channel="F" name="resolution" value="0" units="1/dev"/>
+          <inkml:channelProperty channel="OA" name="resolution" value="1000" units="1/deg"/>
+          <inkml:channelProperty channel="OE" name="resolution" value="1000" units="1/deg"/>
+        </inkml:channelProperties>
+      </inkml:inkSource>
+      <inkml:timestamp xml:id="ts0" timeString="2021-07-14T16:31:08.858"/>
+    </inkml:context>
+    <inkml:brush xml:id="br0">
+      <inkml:brushProperty name="width" value="0.05" units="cm"/>
+      <inkml:brushProperty name="height" value="0.05" units="cm"/>
+      <inkml:brushProperty name="color" value="#FF0066"/>
+    </inkml:brush>
+  </inkml:definitions>
+  <inkml:trace contextRef="#ctx0" brushRef="#br0">1 103 4144 0 0,'0'0'7268'0'0,"6"0"-5046"0"0,6-3 92 0 0,0-1 1 0 0,16-7-1 0 0,23-15 575 0 0,-28 15-2143 0 0,33-13 0 0 0,-41 18-702 0 0,33-12-1133 0 0</inkml:trace>
+</inkml:ink>
+</file>
+
+<file path=ppt/ink/ink13.xml><?xml version="1.0" encoding="utf-8"?>
+<inkml:ink xmlns:inkml="http://www.w3.org/2003/InkML">
+  <inkml:definitions>
+    <inkml:context xml:id="ctx0">
+      <inkml:inkSource xml:id="inkSrc0">
+        <inkml:traceFormat>
+          <inkml:channel name="X" type="integer" min="-2.14748E9" max="2.14748E9" units="cm"/>
+          <inkml:channel name="Y" type="integer" min="-2.14748E9" max="2.14748E9" units="cm"/>
+          <inkml:channel name="F" type="integer" max="32767" units="dev"/>
+          <inkml:channel name="OA" type="integer" max="360" units="deg"/>
+          <inkml:channel name="OE" type="integer" max="90" units="deg"/>
+        </inkml:traceFormat>
+        <inkml:channelProperties>
+          <inkml:channelProperty channel="X" name="resolution" value="1000" units="1/cm"/>
+          <inkml:channelProperty channel="Y" name="resolution" value="1000" units="1/cm"/>
+          <inkml:channelProperty channel="F" name="resolution" value="0" units="1/dev"/>
+          <inkml:channelProperty channel="OA" name="resolution" value="1000" units="1/deg"/>
+          <inkml:channelProperty channel="OE" name="resolution" value="1000" units="1/deg"/>
+        </inkml:channelProperties>
+      </inkml:inkSource>
+      <inkml:timestamp xml:id="ts0" timeString="2021-07-14T16:31:09.215"/>
+    </inkml:context>
+    <inkml:brush xml:id="br0">
+      <inkml:brushProperty name="width" value="0.05" units="cm"/>
+      <inkml:brushProperty name="height" value="0.05" units="cm"/>
+      <inkml:brushProperty name="color" value="#FF0066"/>
+    </inkml:brush>
+  </inkml:definitions>
+  <inkml:trace contextRef="#ctx0" brushRef="#br0">81 1 8288 0 0,'0'0'638'0'0,"-13"13"1740"0"0,12-12-1552 0 0,-1 1 0 0 0,1 0 0 0 0,0-1 0 0 0,-1 1 0 0 0,1 0 0 0 0,0 0 0 0 0,-1 2 0 0 0,-5 18 1472 0 0,1 23-2169 0 0,5-36 450 0 0,1-6-504 0 0,0 1 0 0 0,-1-1 1 0 0,2 1-1 0 0,-1-1 0 0 0,0 1 0 0 0,0-1 1 0 0,1 0-1 0 0,0 1 0 0 0,0-1 0 0 0,0 0 1 0 0,0 1-1 0 0,0-1 0 0 0,1 0 0 0 0,-1 0 0 0 0,1 0 1 0 0,0 0-1 0 0,3 3 0 0 0,-2-3-26 0 0,0-1 0 0 0,0 1 0 0 0,0-1 0 0 0,0 0 0 0 0,0 0 0 0 0,0 0 0 0 0,1-1 0 0 0,-1 1 0 0 0,1-1 0 0 0,-1 0 0 0 0,1 0 1 0 0,0 0-1 0 0,-1 0 0 0 0,1 0 0 0 0,6-1 0 0 0,13 2 97 0 0,-1-2 563 0 0,0 2 0 0 0,0 1-1 0 0,35 9 1 0 0,-56-12-677 0 0,0 1 0 0 0,1-1 0 0 0,-1 1 0 0 0,0 0 0 0 0,0-1 0 0 0,1 1 0 0 0,-1 0 0 0 0,0 0 0 0 0,0 0 0 0 0,0 0 0 0 0,0 0 0 0 0,0 0 0 0 0,0 0 0 0 0,0 0 0 0 0,-1 0 0 0 0,1 0 0 0 0,0 1 0 0 0,-1-1 0 0 0,1 0 0 0 0,-1 0-1 0 0,1 1 1 0 0,-1-1 0 0 0,1 0 0 0 0,-1 1 0 0 0,0-1 0 0 0,0 1 0 0 0,0-1 0 0 0,0 0 0 0 0,0 1 0 0 0,0-1 0 0 0,0 1 0 0 0,0-1 0 0 0,0 0 0 0 0,-1 3 0 0 0,-1 3 45 0 0,0-1 1 0 0,0 0-1 0 0,0 0 0 0 0,-1 0 0 0 0,0-1 1 0 0,-4 8-1 0 0,-10 11 102 0 0,-1 0 0 0 0,-40 41 0 0 0,-51 35-3308 0 0,68-64-2436 0 0,17-16-2840 0 0</inkml:trace>
+</inkml:ink>
+</file>
+
+<file path=ppt/ink/ink14.xml><?xml version="1.0" encoding="utf-8"?>
+<inkml:ink xmlns:inkml="http://www.w3.org/2003/InkML">
+  <inkml:definitions>
+    <inkml:context xml:id="ctx0">
+      <inkml:inkSource xml:id="inkSrc0">
+        <inkml:traceFormat>
+          <inkml:channel name="X" type="integer" min="-2.14748E9" max="2.14748E9" units="cm"/>
+          <inkml:channel name="Y" type="integer" min="-2.14748E9" max="2.14748E9" units="cm"/>
+          <inkml:channel name="F" type="integer" max="32767" units="dev"/>
+          <inkml:channel name="OA" type="integer" max="360" units="deg"/>
+          <inkml:channel name="OE" type="integer" max="90" units="deg"/>
+        </inkml:traceFormat>
+        <inkml:channelProperties>
+          <inkml:channelProperty channel="X" name="resolution" value="1000" units="1/cm"/>
+          <inkml:channelProperty channel="Y" name="resolution" value="1000" units="1/cm"/>
+          <inkml:channelProperty channel="F" name="resolution" value="0" units="1/dev"/>
+          <inkml:channelProperty channel="OA" name="resolution" value="1000" units="1/deg"/>
+          <inkml:channelProperty channel="OE" name="resolution" value="1000" units="1/deg"/>
+        </inkml:channelProperties>
+      </inkml:inkSource>
+      <inkml:timestamp xml:id="ts0" timeString="2021-07-14T16:31:09.858"/>
+    </inkml:context>
+    <inkml:brush xml:id="br0">
+      <inkml:brushProperty name="width" value="0.05" units="cm"/>
+      <inkml:brushProperty name="height" value="0.05" units="cm"/>
+      <inkml:brushProperty name="color" value="#FF0066"/>
+    </inkml:brush>
+  </inkml:definitions>
+  <inkml:trace contextRef="#ctx0" brushRef="#br0">225 407 5064 0 0,'-15'-13'337'0'0,"2"0"744"0"0,2 9 2511 0 0,6 3-2896 0 0,0 1 0 0 0,0 0-1 0 0,1 0 1 0 0,-1 0-1 0 0,0 1 1 0 0,0-1-1 0 0,0 1 1 0 0,0 0-1 0 0,1 1 1 0 0,-1-1 0 0 0,0 1-1 0 0,-7 4 1 0 0,5-2-395 0 0,0 0 0 0 0,1 1 0 0 0,0 0 1 0 0,0 0-1 0 0,0 0 0 0 0,1 1 0 0 0,-8 10 0 0 0,5-6-318 0 0,1 1-1 0 0,1 0 1 0 0,0 0-1 0 0,0 1 1 0 0,1-1-1 0 0,1 1 1 0 0,0 0-1 0 0,0 1 1 0 0,-2 24-1 0 0,4-17 16 0 0,0 0 0 0 0,3 25 0 0 0,-1-40 7 0 0,1 0 0 0 0,-1 0 0 0 0,1-1 0 0 0,0 1 0 0 0,0 0 0 0 0,1 0-1 0 0,-1 0 1 0 0,1-1 0 0 0,0 1 0 0 0,1-1 0 0 0,-1 1 0 0 0,1-1-1 0 0,0 0 1 0 0,6 7 0 0 0,-8-9 11 0 0,1-1-1 0 0,0 0 1 0 0,-1 1 0 0 0,1-1-1 0 0,0 0 1 0 0,0 0-1 0 0,0 0 1 0 0,0 0 0 0 0,0 0-1 0 0,0-1 1 0 0,0 1 0 0 0,1-1-1 0 0,-1 1 1 0 0,0-1 0 0 0,0 0-1 0 0,4 0 1 0 0,-3 0 13 0 0,1-1-1 0 0,-1 1 1 0 0,0-1 0 0 0,0 0-1 0 0,0 0 1 0 0,1 0 0 0 0,-1-1 0 0 0,0 1-1 0 0,-1-1 1 0 0,5-2 0 0 0,-1-1 36 0 0,1 0 0 0 0,-1-1-1 0 0,0 0 1 0 0,0 0 0 0 0,-1 0 0 0 0,1-1 0 0 0,-1 0-1 0 0,4-7 1 0 0,89-205 865 0 0,-67 141-572 0 0,-13 28 35 0 0,15-62 0 0 0,-14 39 25 0 0,-7 31 424 0 0,9-51 0 0 0,-22 82-369 0 0,-3 17-162 0 0,-6 19-27 0 0,-3 28-223 0 0,-9 87-1 0 0,9-48-133 0 0,-4 44 762 0 0,1 40-783 0 0,15-168-23 0 0,1 0 1 0 0,1 0-1 0 0,-1 1 1 0 0,4 13-1 0 0,-3-18-21 0 0,0 0 0 0 0,0-1 0 0 0,1 1 0 0 0,-1 0 0 0 0,1-1 0 0 0,0 0 0 0 0,0 1 0 0 0,0-1 0 0 0,0 0 0 0 0,1 0 0 0 0,4 6 0 0 0,-6-9-21 0 0,0 1-1 0 0,0 0 1 0 0,0-1-1 0 0,-1 1 1 0 0,1-1-1 0 0,0 1 1 0 0,0-1-1 0 0,0 0 0 0 0,0 1 1 0 0,0-1-1 0 0,0 0 1 0 0,0 0-1 0 0,0 1 1 0 0,0-1-1 0 0,0 0 1 0 0,1 0-1 0 0,6 0-2264 0 0</inkml:trace>
+</inkml:ink>
+</file>
+
+<file path=ppt/ink/ink15.xml><?xml version="1.0" encoding="utf-8"?>
+<inkml:ink xmlns:inkml="http://www.w3.org/2003/InkML">
+  <inkml:definitions>
+    <inkml:context xml:id="ctx0">
+      <inkml:inkSource xml:id="inkSrc0">
+        <inkml:traceFormat>
+          <inkml:channel name="X" type="integer" min="-2.14748E9" max="2.14748E9" units="cm"/>
+          <inkml:channel name="Y" type="integer" min="-2.14748E9" max="2.14748E9" units="cm"/>
+          <inkml:channel name="F" type="integer" max="32767" units="dev"/>
+          <inkml:channel name="OA" type="integer" max="360" units="deg"/>
+          <inkml:channel name="OE" type="integer" max="90" units="deg"/>
+        </inkml:traceFormat>
+        <inkml:channelProperties>
+          <inkml:channelProperty channel="X" name="resolution" value="1000" units="1/cm"/>
+          <inkml:channelProperty channel="Y" name="resolution" value="1000" units="1/cm"/>
+          <inkml:channelProperty channel="F" name="resolution" value="0" units="1/dev"/>
+          <inkml:channelProperty channel="OA" name="resolution" value="1000" units="1/deg"/>
+          <inkml:channelProperty channel="OE" name="resolution" value="1000" units="1/deg"/>
+        </inkml:channelProperties>
+      </inkml:inkSource>
+      <inkml:timestamp xml:id="ts0" timeString="2021-07-14T16:31:10.386"/>
+    </inkml:context>
+    <inkml:brush xml:id="br0">
+      <inkml:brushProperty name="width" value="0.05" units="cm"/>
+      <inkml:brushProperty name="height" value="0.05" units="cm"/>
+      <inkml:brushProperty name="color" value="#FF0066"/>
+    </inkml:brush>
+  </inkml:definitions>
+  <inkml:trace contextRef="#ctx0" brushRef="#br0">96 51 5064 0 0,'-1'-1'164'0'0,"0"0"1"0"0,0-1-1 0 0,0 1 0 0 0,0 0 1 0 0,0 0-1 0 0,0 0 0 0 0,0 0 1 0 0,-1 0-1 0 0,1 0 0 0 0,0 0 1 0 0,-1 0-1 0 0,1 0 0 0 0,-1 1 1 0 0,-1-2-1 0 0,1 2 481 0 0,1 0-1 0 0,-1 0 1 0 0,0 0-1 0 0,1 0 1 0 0,-1 1-1 0 0,1-1 1 0 0,-1 0 0 0 0,1 1-1 0 0,-1-1 1 0 0,1 1-1 0 0,-1 0 1 0 0,1-1-1 0 0,0 1 1 0 0,-1 0 0 0 0,-1 1-1 0 0,-1 1-403 0 0,0 0 1 0 0,1 1-1 0 0,-1-1 0 0 0,1 1 1 0 0,0-1-1 0 0,0 1 0 0 0,0 0 1 0 0,1 0-1 0 0,-1 0 0 0 0,1 1 0 0 0,0-1 1 0 0,0 1-1 0 0,1-1 0 0 0,-1 1 1 0 0,0 4-1 0 0,0 0-141 0 0,0 0 0 0 0,1 0 0 0 0,0 1 0 0 0,1-1 0 0 0,0 0 0 0 0,0 0 0 0 0,2 10 0 0 0,0-11-75 0 0,-1 0 0 0 0,1 0-1 0 0,1 0 1 0 0,0-1 0 0 0,0 1-1 0 0,0-1 1 0 0,1 0-1 0 0,0 0 1 0 0,0 0 0 0 0,8 8-1 0 0,-10-12-10 0 0,0-1 0 0 0,0 0 0 0 0,0 0 0 0 0,0 0 0 0 0,1 0 0 0 0,-1 0 0 0 0,1-1 0 0 0,-1 1 0 0 0,1-1 0 0 0,-1 0-1 0 0,1 0 1 0 0,0 0 0 0 0,0 0 0 0 0,0 0 0 0 0,0 0 0 0 0,0-1 0 0 0,-1 1 0 0 0,1-1 0 0 0,0 0 0 0 0,0 0 0 0 0,0 0 0 0 0,0 0 0 0 0,0-1-1 0 0,0 1 1 0 0,0-1 0 0 0,0 1 0 0 0,0-1 0 0 0,0 0 0 0 0,-1 0 0 0 0,6-3 0 0 0,0-2 81 0 0,-1 1-1 0 0,1-1 1 0 0,-1 0 0 0 0,-1 0-1 0 0,1-1 1 0 0,-1 0 0 0 0,10-14-1 0 0,-1-5 456 0 0,-2 0 0 0 0,16-40 0 0 0,-10 21-186 0 0,11-27 2658 0 0,-29 70-2551 0 0,0 4-462 0 0,0 1 0 0 0,0-1 0 0 0,0 0 0 0 0,0 0 1 0 0,0 0-1 0 0,0 1 0 0 0,0 3 0 0 0,3 34 91 0 0,-3-28-92 0 0,0 1-1 0 0,1 0 1 0 0,0-1-1 0 0,1 1 0 0 0,0-1 1 0 0,6 15-1 0 0,-4-19 17 0 0,-1 0 0 0 0,1 0-1 0 0,0-1 1 0 0,1 1 0 0 0,-1-1 0 0 0,1 0-1 0 0,1 0 1 0 0,12 9 0 0 0,-14-12-24 0 0,0 0 0 0 0,1-1 1 0 0,-1 1-1 0 0,1-1 1 0 0,0-1-1 0 0,0 1 0 0 0,0-1 1 0 0,1 0-1 0 0,-1 0 0 0 0,0-1 1 0 0,1 0-1 0 0,-1 0 0 0 0,8 0 1 0 0,-6-2 2 0 0,0 0 1 0 0,-1 0-1 0 0,1-1 1 0 0,-1 0-1 0 0,1 0 1 0 0,-1-1-1 0 0,0 1 1 0 0,0-2 0 0 0,0 1-1 0 0,0-1 1 0 0,-1 0-1 0 0,1-1 1 0 0,-1 0-1 0 0,0 1 1 0 0,-1-2-1 0 0,9-8 1 0 0,-8 7-21 0 0,0 1 1 0 0,-1-1-1 0 0,0-1 1 0 0,0 1-1 0 0,0 0 1 0 0,-1-1-1 0 0,-1 0 1 0 0,1 0-1 0 0,-1 0 0 0 0,0-1 1 0 0,-1 1-1 0 0,0-1 1 0 0,0 0-1 0 0,0-11 1 0 0,-2 17 28 0 0,0 0-1 0 0,-1 0 1 0 0,1 0 0 0 0,-1-1 0 0 0,1 1 0 0 0,-1 0-1 0 0,0 0 1 0 0,0 0 0 0 0,-1 0 0 0 0,1 0 0 0 0,0 1-1 0 0,-1-1 1 0 0,-3-5 0 0 0,3 7-18 0 0,1 0-1 0 0,0-1 1 0 0,0 1-1 0 0,-1 0 1 0 0,1 0-1 0 0,-1 0 1 0 0,1 0-1 0 0,-1 0 0 0 0,1 0 1 0 0,-1 1-1 0 0,0-1 1 0 0,1 0-1 0 0,-1 1 1 0 0,0-1-1 0 0,0 1 1 0 0,1 0-1 0 0,-1 0 1 0 0,0-1-1 0 0,0 1 1 0 0,1 0-1 0 0,-1 1 1 0 0,0-1-1 0 0,0 0 1 0 0,1 0-1 0 0,-4 2 1 0 0,0 0 10 0 0,0 0 0 0 0,0 0 0 0 0,0 1 0 0 0,0 0 0 0 0,0 0 1 0 0,1 0-1 0 0,-1 1 0 0 0,1-1 0 0 0,0 1 0 0 0,0 0 0 0 0,1 1 0 0 0,-1-1 0 0 0,1 0 1 0 0,0 1-1 0 0,0 0 0 0 0,-3 7 0 0 0,-2 4-4 0 0,1 0-1 0 0,1 1 1 0 0,-7 33 0 0 0,11-39 6 0 0,0 0 0 0 0,1 0-1 0 0,0 0 1 0 0,1 0 0 0 0,0 0 0 0 0,2 14-1 0 0,-1-17-50 0 0,1-1 0 0 0,-1 0-1 0 0,1 0 1 0 0,1 0 0 0 0,0 0-1 0 0,0 0 1 0 0,0-1-1 0 0,0 0 1 0 0,1 1 0 0 0,6 6-1 0 0,-8-10-52 0 0,0-1 0 0 0,0 0-1 0 0,1-1 1 0 0,-1 1 0 0 0,0 0 0 0 0,1-1-1 0 0,-1 1 1 0 0,1-1 0 0 0,-1 0-1 0 0,1 1 1 0 0,0-2 0 0 0,0 1-1 0 0,0 0 1 0 0,-1 0 0 0 0,1-1-1 0 0,0 1 1 0 0,5-1 0 0 0,4 0-658 0 0,0-1 1 0 0,24-4-1 0 0,-15 2-671 0 0,14-2-4563 0 0,1 1-1721 0 0</inkml:trace>
+</inkml:ink>
+</file>
+
+<file path=ppt/ink/ink16.xml><?xml version="1.0" encoding="utf-8"?>
+<inkml:ink xmlns:inkml="http://www.w3.org/2003/InkML">
+  <inkml:definitions>
+    <inkml:context xml:id="ctx0">
+      <inkml:inkSource xml:id="inkSrc0">
+        <inkml:traceFormat>
+          <inkml:channel name="X" type="integer" min="-2.14748E9" max="2.14748E9" units="cm"/>
+          <inkml:channel name="Y" type="integer" min="-2.14748E9" max="2.14748E9" units="cm"/>
+          <inkml:channel name="F" type="integer" max="32767" units="dev"/>
+          <inkml:channel name="OA" type="integer" max="360" units="deg"/>
+          <inkml:channel name="OE" type="integer" max="90" units="deg"/>
+        </inkml:traceFormat>
+        <inkml:channelProperties>
+          <inkml:channelProperty channel="X" name="resolution" value="1000" units="1/cm"/>
+          <inkml:channelProperty channel="Y" name="resolution" value="1000" units="1/cm"/>
+          <inkml:channelProperty channel="F" name="resolution" value="0" units="1/dev"/>
+          <inkml:channelProperty channel="OA" name="resolution" value="1000" units="1/deg"/>
+          <inkml:channelProperty channel="OE" name="resolution" value="1000" units="1/deg"/>
+        </inkml:channelProperties>
+      </inkml:inkSource>
+      <inkml:timestamp xml:id="ts0" timeString="2021-07-14T16:31:10.805"/>
+    </inkml:context>
+    <inkml:brush xml:id="br0">
+      <inkml:brushProperty name="width" value="0.05" units="cm"/>
+      <inkml:brushProperty name="height" value="0.05" units="cm"/>
+      <inkml:brushProperty name="color" value="#FF0066"/>
+    </inkml:brush>
+  </inkml:definitions>
+  <inkml:trace contextRef="#ctx0" brushRef="#br0">42 38 17823 0 0,'0'-9'515'0'0,"-1"-15"922"0"0,-1 19-646 0 0,-12 15 1898 0 0,12-7-2555 0 0,0 0 0 0 0,1 0-1 0 0,-1 0 1 0 0,0 0-1 0 0,1 0 1 0 0,0 0 0 0 0,0 0-1 0 0,0 0 1 0 0,0 0-1 0 0,1 1 1 0 0,-1-1 0 0 0,1 0-1 0 0,0 6 1 0 0,-2 7 135 0 0,-3 30-212 0 0,3-1 0 0 0,4 67 0 0 0,-2-111-56 0 0,14 358 839 0 0,-9-306-454 0 0,-3-39-462 0 0,0 1 0 0 0,-1-1 0 0 0,-1 1 1 0 0,-2 24-1 0 0,-2-29-244 0 0,4-10 259 0 0,0 1 0 0 0,0-1 0 0 0,0 0 1 0 0,-1 0-1 0 0,1 1 0 0 0,0-1 0 0 0,0 0 0 0 0,0 0 0 0 0,0 1 0 0 0,-1-1 0 0 0,1 0 1 0 0,0 0-1 0 0,0 0 0 0 0,0 1 0 0 0,-1-1 0 0 0,1 0 0 0 0,0 0 0 0 0,0 0 0 0 0,-1 0 1 0 0,1 0-1 0 0,0 1 0 0 0,-1-1 0 0 0,1 0 0 0 0,0 0 0 0 0,0 0 0 0 0,-1 0 0 0 0,1 0 0 0 0,0 0 1 0 0,-1 0-1 0 0,1 0 0 0 0,0 0 0 0 0,0 0 0 0 0,-1 0 0 0 0,1 0 0 0 0,-8-5-1839 0 0</inkml:trace>
+</inkml:ink>
+</file>
+
+<file path=ppt/ink/ink17.xml><?xml version="1.0" encoding="utf-8"?>
+<inkml:ink xmlns:inkml="http://www.w3.org/2003/InkML">
+  <inkml:definitions>
+    <inkml:context xml:id="ctx0">
+      <inkml:inkSource xml:id="inkSrc0">
+        <inkml:traceFormat>
+          <inkml:channel name="X" type="integer" min="-2.14748E9" max="2.14748E9" units="cm"/>
+          <inkml:channel name="Y" type="integer" min="-2.14748E9" max="2.14748E9" units="cm"/>
+          <inkml:channel name="F" type="integer" max="32767" units="dev"/>
+          <inkml:channel name="OA" type="integer" max="360" units="deg"/>
+          <inkml:channel name="OE" type="integer" max="90" units="deg"/>
+        </inkml:traceFormat>
+        <inkml:channelProperties>
+          <inkml:channelProperty channel="X" name="resolution" value="1000" units="1/cm"/>
+          <inkml:channelProperty channel="Y" name="resolution" value="1000" units="1/cm"/>
+          <inkml:channelProperty channel="F" name="resolution" value="0" units="1/dev"/>
+          <inkml:channelProperty channel="OA" name="resolution" value="1000" units="1/deg"/>
+          <inkml:channelProperty channel="OE" name="resolution" value="1000" units="1/deg"/>
+        </inkml:channelProperties>
+      </inkml:inkSource>
+      <inkml:timestamp xml:id="ts0" timeString="2021-07-14T16:31:11.182"/>
+    </inkml:context>
+    <inkml:brush xml:id="br0">
+      <inkml:brushProperty name="width" value="0.05" units="cm"/>
+      <inkml:brushProperty name="height" value="0.05" units="cm"/>
+      <inkml:brushProperty name="color" value="#FF0066"/>
+    </inkml:brush>
+  </inkml:definitions>
+  <inkml:trace contextRef="#ctx0" brushRef="#br0">15 58 19087 0 0,'-12'-8'878'0'0,"9"7"-21"0"0,11-2-386 0 0,3 0 235 0 0,0 1 0 0 0,1 0-1 0 0,-1 1 1 0 0,1 0 0 0 0,11 1 0 0 0,62 7 487 0 0,-10 0-797 0 0,-9-7-1428 0 0,0-2 0 0 0,67-11 0 0 0,-107 8-814 0 0</inkml:trace>
+  <inkml:trace contextRef="#ctx0" brushRef="#br0" timeOffset="1">680 1 4608 0 0,'-7'0'365'0'0,"-1"1"0"0"0,1 1 1 0 0,0-1-1 0 0,0 1 0 0 0,0 0 1 0 0,0 1-1 0 0,-13 6 0 0 0,-1 2 5604 0 0,-22 15-1 0 0,34-19-5469 0 0,-1 0-1 0 0,1 1 1 0 0,0 0 0 0 0,0 1-1 0 0,1-1 1 0 0,0 2-1 0 0,1-1 1 0 0,0 1-1 0 0,0 0 1 0 0,-6 14-1 0 0,12-22-423 0 0,0 1 0 0 0,1-1 0 0 0,-1 0 0 0 0,1 1-1 0 0,-1-1 1 0 0,1 1 0 0 0,0 3 0 0 0,3 8-51 0 0,2-11 9 0 0,-4-3-1 0 0,3 2 49 0 0,0 0 0 0 0,-1-1 0 0 0,1 0-1 0 0,0 0 1 0 0,0 0 0 0 0,0 0 0 0 0,0 0-1 0 0,0-1 1 0 0,0 0 0 0 0,0 0 0 0 0,0 0-1 0 0,0 0 1 0 0,0-1 0 0 0,0 0 0 0 0,-1 1 0 0 0,1-1-1 0 0,0-1 1 0 0,5-1 0 0 0,7-4-463 0 0,-1-1 0 0 0,0 0 0 0 0,15-12 1 0 0,3-1-993 0 0,26-14-1837 0 0,-31 18 1564 0 0</inkml:trace>
+</inkml:ink>
+</file>
+
+<file path=ppt/ink/ink18.xml><?xml version="1.0" encoding="utf-8"?>
+<inkml:ink xmlns:inkml="http://www.w3.org/2003/InkML">
+  <inkml:definitions>
+    <inkml:context xml:id="ctx0">
+      <inkml:inkSource xml:id="inkSrc0">
+        <inkml:traceFormat>
+          <inkml:channel name="X" type="integer" min="-2.14748E9" max="2.14748E9" units="cm"/>
+          <inkml:channel name="Y" type="integer" min="-2.14748E9" max="2.14748E9" units="cm"/>
+          <inkml:channel name="F" type="integer" max="32767" units="dev"/>
+          <inkml:channel name="OA" type="integer" max="360" units="deg"/>
+          <inkml:channel name="OE" type="integer" max="90" units="deg"/>
+        </inkml:traceFormat>
+        <inkml:channelProperties>
+          <inkml:channelProperty channel="X" name="resolution" value="1000" units="1/cm"/>
+          <inkml:channelProperty channel="Y" name="resolution" value="1000" units="1/cm"/>
+          <inkml:channelProperty channel="F" name="resolution" value="0" units="1/dev"/>
+          <inkml:channelProperty channel="OA" name="resolution" value="1000" units="1/deg"/>
+          <inkml:channelProperty channel="OE" name="resolution" value="1000" units="1/deg"/>
+        </inkml:channelProperties>
+      </inkml:inkSource>
+      <inkml:timestamp xml:id="ts0" timeString="2021-07-14T16:31:11.566"/>
+    </inkml:context>
+    <inkml:brush xml:id="br0">
+      <inkml:brushProperty name="width" value="0.05" units="cm"/>
+      <inkml:brushProperty name="height" value="0.05" units="cm"/>
+      <inkml:brushProperty name="color" value="#FF0066"/>
+    </inkml:brush>
+  </inkml:definitions>
+  <inkml:trace contextRef="#ctx0" brushRef="#br0">183 446 17503 0 0,'-2'0'399'0'0,"-17"9"130"0"0,1 1 1 0 0,-29 19-1 0 0,37-22-333 0 0,1 0 1 0 0,0 1-1 0 0,1 1 0 0 0,0-1 0 0 0,0 1 0 0 0,-9 14 0 0 0,13-16 180 0 0,0 0 0 0 0,0 0 0 0 0,0 0 0 0 0,-5 15 0 0 0,9-21-317 0 0,-1 0 0 0 0,1 0 0 0 0,0 1 0 0 0,-1-1 0 0 0,1 0 0 0 0,0 1 0 0 0,0-1 0 0 0,0 1 0 0 0,0-1 0 0 0,0 0 0 0 0,0 1 0 0 0,0-1 0 0 0,0 0 0 0 0,1 1 0 0 0,-1-1 0 0 0,0 0 1 0 0,1 1-1 0 0,-1-1 0 0 0,1 0 0 0 0,-1 0 0 0 0,1 1 0 0 0,0-1 0 0 0,0 0 0 0 0,0 0 0 0 0,-1 0 0 0 0,1 0 0 0 0,0 0 0 0 0,0 0 0 0 0,0 0 0 0 0,0 0 0 0 0,1 0 0 0 0,-1-1 0 0 0,0 1 0 0 0,0 0 0 0 0,0-1 0 0 0,3 2 0 0 0,-2-2-22 0 0,0 1 0 0 0,0-1-1 0 0,1 0 1 0 0,-1 0 0 0 0,0 1 0 0 0,0-1-1 0 0,0-1 1 0 0,0 1 0 0 0,1 0-1 0 0,-1 0 1 0 0,0-1 0 0 0,0 1 0 0 0,3-2-1 0 0,29-15 32 0 0,-16 8-8 0 0,-4 2 61 0 0,0-1 1 0 0,0-1-1 0 0,-1 0 1 0 0,0-1-1 0 0,0 0 1 0 0,-1-1 0 0 0,20-24-1 0 0,-14 13-64 0 0,-1-2 0 0 0,-1 1 1 0 0,21-44-1 0 0,-28 46-28 0 0,0 0 0 0 0,-2 0 0 0 0,6-29 0 0 0,9-69 262 0 0,-8 31 307 0 0,-11 72-30 0 0,-1-1-1 0 0,1-24 1 0 0,-3 40-280 0 0,-3 12 237 0 0,-4 15-475 0 0,-7 45 0 0 0,7-29-50 0 0,-2 6 2 0 0,-14 82 3 0 0,21-110-12 0 0,1 0-1 0 0,0 0 0 0 0,2 0 1 0 0,4 30-1 0 0,-4-46-90 0 0,0 1 1 0 0,0 0-1 0 0,0-1 0 0 0,1 1 0 0 0,0-1 0 0 0,0 1 0 0 0,0-1 0 0 0,0 0 0 0 0,1 0 0 0 0,-1 0 0 0 0,1 0 0 0 0,0 0 0 0 0,6 5 0 0 0,-7-7-183 0 0,1 0-1 0 0,0 0 1 0 0,-1-1 0 0 0,1 1-1 0 0,0-1 1 0 0,0 1 0 0 0,0-1-1 0 0,0 0 1 0 0,0 0 0 0 0,0 0-1 0 0,0-1 1 0 0,0 1 0 0 0,1-1-1 0 0,-1 0 1 0 0,0 0-1 0 0,0 0 1 0 0,1 0 0 0 0,-1 0-1 0 0,0-1 1 0 0,6-1 0 0 0,8-4-1737 0 0</inkml:trace>
+</inkml:ink>
+</file>
+
+<file path=ppt/ink/ink19.xml><?xml version="1.0" encoding="utf-8"?>
+<inkml:ink xmlns:inkml="http://www.w3.org/2003/InkML">
+  <inkml:definitions>
+    <inkml:context xml:id="ctx0">
+      <inkml:inkSource xml:id="inkSrc0">
+        <inkml:traceFormat>
+          <inkml:channel name="X" type="integer" min="-2.14748E9" max="2.14748E9" units="cm"/>
+          <inkml:channel name="Y" type="integer" min="-2.14748E9" max="2.14748E9" units="cm"/>
+          <inkml:channel name="F" type="integer" max="32767" units="dev"/>
+          <inkml:channel name="OA" type="integer" max="360" units="deg"/>
+          <inkml:channel name="OE" type="integer" max="90" units="deg"/>
+        </inkml:traceFormat>
+        <inkml:channelProperties>
+          <inkml:channelProperty channel="X" name="resolution" value="1000" units="1/cm"/>
+          <inkml:channelProperty channel="Y" name="resolution" value="1000" units="1/cm"/>
+          <inkml:channelProperty channel="F" name="resolution" value="0" units="1/dev"/>
+          <inkml:channelProperty channel="OA" name="resolution" value="1000" units="1/deg"/>
+          <inkml:channelProperty channel="OE" name="resolution" value="1000" units="1/deg"/>
+        </inkml:channelProperties>
+      </inkml:inkSource>
+      <inkml:timestamp xml:id="ts0" timeString="2021-07-14T16:31:11.948"/>
+    </inkml:context>
+    <inkml:brush xml:id="br0">
+      <inkml:brushProperty name="width" value="0.05" units="cm"/>
+      <inkml:brushProperty name="height" value="0.05" units="cm"/>
+      <inkml:brushProperty name="color" value="#FF0066"/>
+    </inkml:brush>
+  </inkml:definitions>
+  <inkml:trace contextRef="#ctx0" brushRef="#br0">164 16 4608 0 0,'-11'-10'448'0'0,"10"9"-306"0"0,0 0 0 0 0,0 1 0 0 0,0-1 0 0 0,0 1 0 0 0,0-1 0 0 0,0 1 0 0 0,0 0 0 0 0,-1-1 0 0 0,1 1 0 0 0,0 0 1 0 0,0 0-1 0 0,-2-1 0 0 0,0 1 645 0 0,0 1 1 0 0,0-1-1 0 0,1 0 1 0 0,-1 1-1 0 0,0 0 1 0 0,0 0-1 0 0,1 0 1 0 0,-4 1-1 0 0,0 1 782 0 0,0 0 0 0 0,1 1 0 0 0,-1-1 0 0 0,1 1 1 0 0,-7 7-1 0 0,4-3-1205 0 0,1 0 1 0 0,1 1 0 0 0,-1-1-1 0 0,2 1 1 0 0,-1 1 0 0 0,1-1-1 0 0,-7 19 1 0 0,10-21-277 0 0,-1 1 1 0 0,1-1-1 0 0,0 1 0 0 0,1 0 1 0 0,0 0-1 0 0,0-1 0 0 0,1 1 1 0 0,0 0-1 0 0,0 0 0 0 0,1 0 1 0 0,1 9-1 0 0,-2-15-73 0 0,1 1-1 0 0,0-1 1 0 0,-1 1 0 0 0,1-1-1 0 0,0 1 1 0 0,0-1 0 0 0,1 1 0 0 0,-1-1-1 0 0,0 0 1 0 0,1 0 0 0 0,-1 0-1 0 0,1 0 1 0 0,0 0 0 0 0,0 0 0 0 0,0 0-1 0 0,0-1 1 0 0,0 1 0 0 0,0 0-1 0 0,0-1 1 0 0,0 0 0 0 0,1 1 0 0 0,-1-1-1 0 0,0 0 1 0 0,1 0 0 0 0,-1-1-1 0 0,1 1 1 0 0,-1 0 0 0 0,1-1-1 0 0,-1 0 1 0 0,1 1 0 0 0,3-1 0 0 0,0-1-1 0 0,-1 1 0 0 0,0-1 0 0 0,1 0 0 0 0,-1 0 1 0 0,0-1-1 0 0,0 0 0 0 0,1 0 0 0 0,-1 0 1 0 0,-1 0-1 0 0,1-1 0 0 0,0 0 0 0 0,-1 0 0 0 0,1 0 1 0 0,3-4-1 0 0,3-3 3 0 0,-1-1-1 0 0,-1 0 1 0 0,0 0 0 0 0,0-1-1 0 0,13-24 1 0 0,24-68-967 0 0,-41 92 676 0 0,-5 11 125 0 0,0 12-105 0 0,-3 20 593 0 0,2 32-1 0 0,1-54-269 0 0,0 0 1 0 0,1-1-1 0 0,1 1 0 0 0,-1 0 0 0 0,1-1 0 0 0,1 0 1 0 0,0 1-1 0 0,6 12 0 0 0,-9-20-125 0 0,1 0 0 0 0,0 0-1 0 0,-1 0 1 0 0,1 0 0 0 0,0 0-1 0 0,0 0 1 0 0,0 0 0 0 0,0 0 0 0 0,0 0-1 0 0,0 0 1 0 0,0 0 0 0 0,0-1-1 0 0,0 1 1 0 0,0 0 0 0 0,0-1-1 0 0,0 1 1 0 0,1-1 0 0 0,-1 1 0 0 0,0-1-1 0 0,0 0 1 0 0,1 0 0 0 0,-1 1-1 0 0,0-1 1 0 0,1 0 0 0 0,-1 0 0 0 0,0 0-1 0 0,3-1 1 0 0,1 0-406 0 0,0 0 0 0 0,0-1 0 0 0,-1 0 1 0 0,1 0-1 0 0,7-4 0 0 0,-9 5 271 0 0,11-6-2239 0 0</inkml:trace>
+</inkml:ink>
+</file>
+
+<file path=ppt/ink/ink2.xml><?xml version="1.0" encoding="utf-8"?>
+<inkml:ink xmlns:inkml="http://www.w3.org/2003/InkML">
+  <inkml:definitions>
+    <inkml:context xml:id="ctx0">
+      <inkml:inkSource xml:id="inkSrc0">
+        <inkml:traceFormat>
+          <inkml:channel name="X" type="integer" min="-2.14748E9" max="2.14748E9" units="cm"/>
+          <inkml:channel name="Y" type="integer" min="-2.14748E9" max="2.14748E9" units="cm"/>
+          <inkml:channel name="F" type="integer" max="32767" units="dev"/>
+          <inkml:channel name="OA" type="integer" max="360" units="deg"/>
+          <inkml:channel name="OE" type="integer" max="90" units="deg"/>
+        </inkml:traceFormat>
+        <inkml:channelProperties>
+          <inkml:channelProperty channel="X" name="resolution" value="1000" units="1/cm"/>
+          <inkml:channelProperty channel="Y" name="resolution" value="1000" units="1/cm"/>
+          <inkml:channelProperty channel="F" name="resolution" value="0" units="1/dev"/>
+          <inkml:channelProperty channel="OA" name="resolution" value="1000" units="1/deg"/>
+          <inkml:channelProperty channel="OE" name="resolution" value="1000" units="1/deg"/>
+        </inkml:channelProperties>
+      </inkml:inkSource>
+      <inkml:timestamp xml:id="ts0" timeString="2021-07-14T16:30:59.683"/>
+    </inkml:context>
+    <inkml:brush xml:id="br0">
+      <inkml:brushProperty name="width" value="0.05" units="cm"/>
+      <inkml:brushProperty name="height" value="0.05" units="cm"/>
+      <inkml:brushProperty name="color" value="#FF0066"/>
+    </inkml:brush>
+  </inkml:definitions>
+  <inkml:trace contextRef="#ctx0" brushRef="#br0">15 56 13824 0 0,'0'0'674'0'0,"-6"-13"152"0"0,1-26 1475 0 0,4 35-565 0 0,5 10-1372 0 0,3 1-237 0 0,-1 1 0 0 0,-1 0 0 0 0,1 0 0 0 0,-1 1 0 0 0,0-1 1 0 0,-1 1-1 0 0,0 0 0 0 0,-1 0 0 0 0,0 1 0 0 0,0-1 0 0 0,1 12 1 0 0,1 7-2 0 0,-2 1 1 0 0,0 45 0 0 0,-2 11-183 0 0,-21 164 0 0 0,-17 6 796 0 0,35-238-876 0 0,-1 1-1038 0 0,-2-3-3978 0 0,-1-6-1645 0 0</inkml:trace>
+</inkml:ink>
+</file>
+
+<file path=ppt/ink/ink20.xml><?xml version="1.0" encoding="utf-8"?>
+<inkml:ink xmlns:inkml="http://www.w3.org/2003/InkML">
+  <inkml:definitions>
+    <inkml:context xml:id="ctx0">
+      <inkml:inkSource xml:id="inkSrc0">
+        <inkml:traceFormat>
+          <inkml:channel name="X" type="integer" min="-2.14748E9" max="2.14748E9" units="cm"/>
+          <inkml:channel name="Y" type="integer" min="-2.14748E9" max="2.14748E9" units="cm"/>
+          <inkml:channel name="F" type="integer" max="32767" units="dev"/>
+          <inkml:channel name="OA" type="integer" max="360" units="deg"/>
+          <inkml:channel name="OE" type="integer" max="90" units="deg"/>
+        </inkml:traceFormat>
+        <inkml:channelProperties>
+          <inkml:channelProperty channel="X" name="resolution" value="1000" units="1/cm"/>
+          <inkml:channelProperty channel="Y" name="resolution" value="1000" units="1/cm"/>
+          <inkml:channelProperty channel="F" name="resolution" value="0" units="1/dev"/>
+          <inkml:channelProperty channel="OA" name="resolution" value="1000" units="1/deg"/>
+          <inkml:channelProperty channel="OE" name="resolution" value="1000" units="1/deg"/>
+        </inkml:channelProperties>
+      </inkml:inkSource>
+      <inkml:timestamp xml:id="ts0" timeString="2021-07-14T16:31:12.300"/>
+    </inkml:context>
+    <inkml:brush xml:id="br0">
+      <inkml:brushProperty name="width" value="0.05" units="cm"/>
+      <inkml:brushProperty name="height" value="0.05" units="cm"/>
+      <inkml:brushProperty name="color" value="#FF0066"/>
+    </inkml:brush>
+  </inkml:definitions>
+  <inkml:trace contextRef="#ctx0" brushRef="#br0">167 0 5528 0 0,'-1'16'589'0'0,"-3"13"468"0"0,4-19 2111 0 0,-1-1 1 0 0,3 17 0 0 0,-1-20-1810 0 0,0 0 0 0 0,0 0 0 0 0,1-1 0 0 0,0 1 0 0 0,3 8 0 0 0,-3-10-1629 0 0,1 0 1 0 0,-1 0 0 0 0,1 0 0 0 0,4 5-1 0 0,-5-8 278 0 0,-1 1-1 0 0,1 0 1 0 0,0 0 0 0 0,0-1-1 0 0,0 1 1 0 0,1-1-1 0 0,-1 1 1 0 0,0-1-1 0 0,1 0 1 0 0,-1 0 0 0 0,0 0-1 0 0,1 0 1 0 0,-1-1-1 0 0,1 1 1 0 0,0-1-1 0 0,-1 1 1 0 0,1-1-1 0 0,-1 0 1 0 0,1 0 0 0 0,0 0-1 0 0,3-1 1 0 0,-2 0-313 0 0,1 0 1 0 0,-1 0 0 0 0,0 0 0 0 0,8-4-1 0 0,13-10-5773 0 0,-11 3-832 0 0</inkml:trace>
+  <inkml:trace contextRef="#ctx0" brushRef="#br0" timeOffset="1">449 48 9216 0 0,'-2'1'6480'0'0,"-39"40"1954"0"0,-17 26-5013 0 0,-6 7-2710 0 0,-71 81 202 0 0,107-118-1671 0 0,2 1-1 0 0,-31 60 0 0 0,37-61-5841 0 0,2-4-2131 0 0</inkml:trace>
+</inkml:ink>
+</file>
+
+<file path=ppt/ink/ink21.xml><?xml version="1.0" encoding="utf-8"?>
+<inkml:ink xmlns:inkml="http://www.w3.org/2003/InkML">
+  <inkml:definitions>
+    <inkml:context xml:id="ctx0">
+      <inkml:inkSource xml:id="inkSrc0">
+        <inkml:traceFormat>
+          <inkml:channel name="X" type="integer" min="-2.14748E9" max="2.14748E9" units="cm"/>
+          <inkml:channel name="Y" type="integer" min="-2.14748E9" max="2.14748E9" units="cm"/>
+          <inkml:channel name="F" type="integer" max="32767" units="dev"/>
+          <inkml:channel name="OA" type="integer" max="360" units="deg"/>
+          <inkml:channel name="OE" type="integer" max="90" units="deg"/>
+        </inkml:traceFormat>
+        <inkml:channelProperties>
+          <inkml:channelProperty channel="X" name="resolution" value="1000" units="1/cm"/>
+          <inkml:channelProperty channel="Y" name="resolution" value="1000" units="1/cm"/>
+          <inkml:channelProperty channel="F" name="resolution" value="0" units="1/dev"/>
+          <inkml:channelProperty channel="OA" name="resolution" value="1000" units="1/deg"/>
+          <inkml:channelProperty channel="OE" name="resolution" value="1000" units="1/deg"/>
+        </inkml:channelProperties>
+      </inkml:inkSource>
+      <inkml:timestamp xml:id="ts0" timeString="2021-07-14T16:31:18.096"/>
+    </inkml:context>
+    <inkml:brush xml:id="br0">
+      <inkml:brushProperty name="width" value="0.05" units="cm"/>
+      <inkml:brushProperty name="height" value="0.05" units="cm"/>
+      <inkml:brushProperty name="color" value="#FF0066"/>
+    </inkml:brush>
+  </inkml:definitions>
+  <inkml:trace contextRef="#ctx0" brushRef="#br0">23 66 4144 0 0,'0'0'319'0'0,"-2"-13"-29"0"0,1 6 1047 0 0,-3-9 2264 0 0,4 15-3409 0 0,-1 1-1 0 0,1-1 0 0 0,0 1 0 0 0,0-1 0 0 0,-1 1 1 0 0,1-1-1 0 0,0 1 0 0 0,-1-1 0 0 0,1 1 1 0 0,0 0-1 0 0,-1-1 0 0 0,1 1 0 0 0,-1-1 0 0 0,1 1 1 0 0,-1 0-1 0 0,1 0 0 0 0,-1-1 0 0 0,1 1 0 0 0,-1 0 1 0 0,1 0-1 0 0,-1-1 0 0 0,1 1 0 0 0,-1 0 1 0 0,0 0-1 0 0,1 0 0 0 0,-2 0 0 0 0,3 0-142 0 0,-1 0-1 0 0,0-1 0 0 0,0 1 1 0 0,0 0-1 0 0,0 0 1 0 0,0-1-1 0 0,-4-11 10240 0 0,4 13-10175 0 0,2-1-73 0 0,-1 0 1 0 0,1 0 0 0 0,-1 0-1 0 0,1 0 1 0 0,-1 0-1 0 0,0 0 1 0 0,1-1-1 0 0,-1 1 1 0 0,1 0 0 0 0,-1-1-1 0 0,0 1 1 0 0,2-2-1 0 0,14-2 277 0 0,15 9 27 0 0,18 11 105 0 0,-37-11-313 0 0,2 1-105 0 0,-6-3 1 0 0,0 1 0 0 0,0-2 0 0 0,0 1 1 0 0,1-1-1 0 0,-1 0 0 0 0,17 0 0 0 0,110 7 159 0 0,-54-2-54 0 0,16 5 196 0 0,-69-7-192 0 0,32 9 0 0 0,-7 0-17 0 0,210 33 673 0 0,-244-44-826 0 0,0-2-1 0 0,0-1 1 0 0,0 0 0 0 0,0-2-1 0 0,28-5 1 0 0,81-18 257 0 0,93-12-75 0 0,-131 26-142 0 0,59-2-11 0 0,-39 2 0 0 0,43-8 257 0 0,-30 4-54 0 0,-107 14-172 0 0,32 3 0 0 0,-7 0-9 0 0,113 3 42 0 0,-12 8-592 0 0,-132-13 638 0 0,0 1 1 0 0,0-2-1 0 0,0 1 1 0 0,0-2-1 0 0,0 1 0 0 0,-1-1 1 0 0,1-1-1 0 0,12-4 0 0 0,-2-8 830 0 0,-8 12-1089 0 0,-5 4-200 0 0,-7-1 285 0 0,2 1-21 0 0</inkml:trace>
+</inkml:ink>
+</file>
+
+<file path=ppt/ink/ink22.xml><?xml version="1.0" encoding="utf-8"?>
+<inkml:ink xmlns:inkml="http://www.w3.org/2003/InkML">
+  <inkml:definitions>
+    <inkml:context xml:id="ctx0">
+      <inkml:inkSource xml:id="inkSrc0">
+        <inkml:traceFormat>
+          <inkml:channel name="X" type="integer" min="-2.14748E9" max="2.14748E9" units="cm"/>
+          <inkml:channel name="Y" type="integer" min="-2.14748E9" max="2.14748E9" units="cm"/>
+          <inkml:channel name="F" type="integer" max="32767" units="dev"/>
+          <inkml:channel name="OA" type="integer" max="360" units="deg"/>
+          <inkml:channel name="OE" type="integer" max="90" units="deg"/>
+        </inkml:traceFormat>
+        <inkml:channelProperties>
+          <inkml:channelProperty channel="X" name="resolution" value="1000" units="1/cm"/>
+          <inkml:channelProperty channel="Y" name="resolution" value="1000" units="1/cm"/>
+          <inkml:channelProperty channel="F" name="resolution" value="0" units="1/dev"/>
+          <inkml:channelProperty channel="OA" name="resolution" value="1000" units="1/deg"/>
+          <inkml:channelProperty channel="OE" name="resolution" value="1000" units="1/deg"/>
+        </inkml:channelProperties>
+      </inkml:inkSource>
+      <inkml:timestamp xml:id="ts0" timeString="2021-07-14T16:31:24.980"/>
+    </inkml:context>
+    <inkml:brush xml:id="br0">
+      <inkml:brushProperty name="width" value="0.05" units="cm"/>
+      <inkml:brushProperty name="height" value="0.05" units="cm"/>
+      <inkml:brushProperty name="color" value="#FF0066"/>
+    </inkml:brush>
+  </inkml:definitions>
+  <inkml:trace contextRef="#ctx0" brushRef="#br0">83 188 8376 0 0,'1'0'84'0'0,"0"1"0"0"0,1-1 0 0 0,-1 0 1 0 0,0 0-1 0 0,0 0 0 0 0,0 0 0 0 0,0 0 0 0 0,0-1 1 0 0,1 1-1 0 0,-1 0 0 0 0,0-1 0 0 0,0 1 0 0 0,0 0 1 0 0,0-1-1 0 0,0 1 0 0 0,0-1 0 0 0,0 0 0 0 0,0 1 1 0 0,0-1-1 0 0,0 0 0 0 0,-1 1 0 0 0,1-1 1 0 0,0 0-1 0 0,0 0 0 0 0,-1 0 0 0 0,1 0 0 0 0,0 0 1 0 0,-1 0-1 0 0,1 0 0 0 0,-1 0 0 0 0,1 0 0 0 0,-1 0 1 0 0,0 0-1 0 0,1 0 0 0 0,-1 0 0 0 0,0 0 0 0 0,0-2 1 0 0,1 2 75 0 0,-1 0 1 0 0,0 1-1 0 0,1-1 1 0 0,-1 0 0 0 0,0 0-1 0 0,1 0 1 0 0,-1 1-1 0 0,1-1 1 0 0,-1 0 0 0 0,1 0-1 0 0,0 1 1 0 0,-1-1-1 0 0,1 1 1 0 0,0-1-1 0 0,-1 0 1 0 0,2 0 0 0 0,-1 1 146 0 0,-1 0 0 0 0,1-1 0 0 0,-1 1 0 0 0,1-1 0 0 0,-1 1 0 0 0,1-1 0 0 0,-1 1 0 0 0,1-1 0 0 0,-1 1 0 0 0,0-1 0 0 0,1 0 0 0 0,-1 1 0 0 0,0-1 0 0 0,1 0 0 0 0,14 14 2388 0 0,-14-9-2507 0 0,1 1 0 0 0,-1 0 0 0 0,0-1 0 0 0,0 1 0 0 0,-1-1 0 0 0,1 1 0 0 0,-1 0 0 0 0,-1 5 0 0 0,-5 40 324 0 0,3-25-328 0 0,-7 29 62 0 0,-22 73 0 0 0,14-61 219 0 0,16-58-382 0 0,-9 26 290 0 0,11-33-190 0 0,-3-14 60 0 0,4-54-139 0 0,3 0 0 0 0,16-76 0 0 0,-15 113 62 0 0,2 0 0 0 0,20-55 0 0 0,-22 73-52 0 0,0 1 0 0 0,1 0 0 0 0,0 0 0 0 0,1 0 0 0 0,0 1 0 0 0,1 0 0 0 0,0 0 0 0 0,0 1 0 0 0,20-16 0 0 0,-27 24-98 0 0,1-1 0 0 0,-1 1 0 0 0,1 0 0 0 0,0 0 0 0 0,-1 0 0 0 0,1 0 0 0 0,0 0 0 0 0,0 0 0 0 0,0 1 0 0 0,0-1 0 0 0,0 1 0 0 0,-1-1 0 0 0,1 1 0 0 0,0 0 0 0 0,0 0 0 0 0,0-1 0 0 0,0 2 0 0 0,0-1 0 0 0,0 0 0 0 0,0 0 0 0 0,0 0 0 0 0,0 1 0 0 0,0-1 0 0 0,0 1 0 0 0,0 0 0 0 0,0 0 0 0 0,0-1 0 0 0,0 1 0 0 0,-1 0 0 0 0,1 1 0 0 0,0-1 0 0 0,-1 0 0 0 0,1 0 0 0 0,-1 1 0 0 0,1-1 0 0 0,-1 1 0 0 0,0-1 0 0 0,0 1 0 0 0,1-1 0 0 0,-1 1 0 0 0,0 0 0 0 0,-1 0 0 0 0,1-1 0 0 0,1 5 0 0 0,0-1 7 0 0,0 1 0 0 0,-1 0-1 0 0,0 0 1 0 0,0-1 0 0 0,-1 1-1 0 0,1 0 1 0 0,-1 0 0 0 0,-1 0-1 0 0,1 0 1 0 0,-1 0 0 0 0,0 0 0 0 0,0 0-1 0 0,-3 6 1 0 0,0 0 37 0 0,-1 0 1 0 0,0 0-1 0 0,-1-1 0 0 0,-1 0 1 0 0,-8 12-1 0 0,11-18-34 0 0,-1 0 1 0 0,1 0-1 0 0,-1 0 0 0 0,0 0 0 0 0,-1-1 1 0 0,1 0-1 0 0,-1 0 0 0 0,0 0 0 0 0,0-1 1 0 0,0 0-1 0 0,-11 5 0 0 0,1-3 21 0 0,1-1-1 0 0,-1-1 1 0 0,-30 4-1 0 0,38-6-19 0 0,1-1 1 0 0,-1 0-1 0 0,-14-2 0 0 0,20 2-51 0 0,-1-1 0 0 0,1 1 0 0 0,0-1 1 0 0,0 1-1 0 0,-1-1 0 0 0,1 0 1 0 0,0 0-1 0 0,0 0 0 0 0,0 0 1 0 0,0 0-1 0 0,0-1 0 0 0,0 1 1 0 0,0 0-1 0 0,1-1 0 0 0,-1 0 0 0 0,-2-2 1 0 0,4 4-38 0 0,0-1 0 0 0,0 1 1 0 0,-1-1-1 0 0,1 1 0 0 0,0-1 1 0 0,0 0-1 0 0,0 1 0 0 0,0-1 1 0 0,-1 1-1 0 0,1-1 0 0 0,0 1 0 0 0,0-1 1 0 0,0 0-1 0 0,0 1 0 0 0,1-1 1 0 0,-1 1-1 0 0,0-1 0 0 0,0 0 1 0 0,0 1-1 0 0,0-1 0 0 0,1 1 0 0 0,-1-1 1 0 0,0 1-1 0 0,0-1 0 0 0,1 1 1 0 0,-1-1-1 0 0,0 1 0 0 0,1-1 1 0 0,-1 1-1 0 0,1-1 0 0 0,-1 1 0 0 0,0 0 1 0 0,1-1-1 0 0,-1 1 0 0 0,1 0 1 0 0,-1-1-1 0 0,1 1 0 0 0,-1 0 1 0 0,1 0-1 0 0,0-1 0 0 0,-1 1 0 0 0,2 0 1 0 0,1-2-461 0 0,1 1-1 0 0,0 0 1 0 0,-1 0 0 0 0,1 0 0 0 0,4-1 0 0 0,9 2-1605 0 0</inkml:trace>
+</inkml:ink>
+</file>
+
+<file path=ppt/ink/ink23.xml><?xml version="1.0" encoding="utf-8"?>
+<inkml:ink xmlns:inkml="http://www.w3.org/2003/InkML">
+  <inkml:definitions>
+    <inkml:context xml:id="ctx0">
+      <inkml:inkSource xml:id="inkSrc0">
+        <inkml:traceFormat>
+          <inkml:channel name="X" type="integer" min="-2.14748E9" max="2.14748E9" units="cm"/>
+          <inkml:channel name="Y" type="integer" min="-2.14748E9" max="2.14748E9" units="cm"/>
+          <inkml:channel name="F" type="integer" max="32767" units="dev"/>
+          <inkml:channel name="OA" type="integer" max="360" units="deg"/>
+          <inkml:channel name="OE" type="integer" max="90" units="deg"/>
+        </inkml:traceFormat>
+        <inkml:channelProperties>
+          <inkml:channelProperty channel="X" name="resolution" value="1000" units="1/cm"/>
+          <inkml:channelProperty channel="Y" name="resolution" value="1000" units="1/cm"/>
+          <inkml:channelProperty channel="F" name="resolution" value="0" units="1/dev"/>
+          <inkml:channelProperty channel="OA" name="resolution" value="1000" units="1/deg"/>
+          <inkml:channelProperty channel="OE" name="resolution" value="1000" units="1/deg"/>
+        </inkml:channelProperties>
+      </inkml:inkSource>
+      <inkml:timestamp xml:id="ts0" timeString="2021-07-14T16:31:25.371"/>
+    </inkml:context>
+    <inkml:brush xml:id="br0">
+      <inkml:brushProperty name="width" value="0.05" units="cm"/>
+      <inkml:brushProperty name="height" value="0.05" units="cm"/>
+      <inkml:brushProperty name="color" value="#FF0066"/>
+    </inkml:brush>
+  </inkml:definitions>
+  <inkml:trace contextRef="#ctx0" brushRef="#br0">3 443 16783 0 0,'-1'0'280'0'0,"1"-1"-1"0"0,0 0 0 0 0,-1 0 0 0 0,1 0 0 0 0,0 0 0 0 0,0 0 0 0 0,0 0 0 0 0,-1 0 0 0 0,1 0 0 0 0,0 0 0 0 0,1 0 0 0 0,-1 0 0 0 0,0 0 0 0 0,0 0 0 0 0,0 0 0 0 0,0 0 0 0 0,1-1 0 0 0,5-27 383 0 0,-5 24-227 0 0,50-169 2335 0 0,-30 112-1945 0 0,11-54 401 0 0,-31 113-1183 0 0,0 0 0 0 0,0 0-1 0 0,0 0 1 0 0,1 0-1 0 0,-1 1 1 0 0,0-1-1 0 0,1 0 1 0 0,0 1 0 0 0,0-1-1 0 0,0 1 1 0 0,0 0-1 0 0,4-4 1 0 0,-5 6-28 0 0,0 0 0 0 0,0 1 0 0 0,0-1 0 0 0,0 1 0 0 0,0-1 0 0 0,0 1 0 0 0,0 0 0 0 0,0-1 1 0 0,0 1-1 0 0,0 0 0 0 0,0 0 0 0 0,0 0 0 0 0,-1 0 0 0 0,1 0 0 0 0,1 1 0 0 0,6 13 29 0 0,-1 0 0 0 0,0 0 1 0 0,0 1-1 0 0,7 31 0 0 0,-5-15 24 0 0,28 88 115 0 0,-31-101-154 0 0,1 0 0 0 0,1-1 0 0 0,0 0-1 0 0,14 21 1 0 0,-17-31-52 0 0,-3-4-71 0 0,1 0 0 0 0,-1 0 0 0 0,1 0 0 0 0,0-1 0 0 0,0 1 0 0 0,1-1 0 0 0,4 5 0 0 0,-7-7-775 0 0</inkml:trace>
+</inkml:ink>
+</file>
+
+<file path=ppt/ink/ink24.xml><?xml version="1.0" encoding="utf-8"?>
+<inkml:ink xmlns:inkml="http://www.w3.org/2003/InkML">
+  <inkml:definitions>
+    <inkml:context xml:id="ctx0">
+      <inkml:inkSource xml:id="inkSrc0">
+        <inkml:traceFormat>
+          <inkml:channel name="X" type="integer" min="-2.14748E9" max="2.14748E9" units="cm"/>
+          <inkml:channel name="Y" type="integer" min="-2.14748E9" max="2.14748E9" units="cm"/>
+          <inkml:channel name="F" type="integer" max="32767" units="dev"/>
+          <inkml:channel name="OA" type="integer" max="360" units="deg"/>
+          <inkml:channel name="OE" type="integer" max="90" units="deg"/>
+        </inkml:traceFormat>
+        <inkml:channelProperties>
+          <inkml:channelProperty channel="X" name="resolution" value="1000" units="1/cm"/>
+          <inkml:channelProperty channel="Y" name="resolution" value="1000" units="1/cm"/>
+          <inkml:channelProperty channel="F" name="resolution" value="0" units="1/dev"/>
+          <inkml:channelProperty channel="OA" name="resolution" value="1000" units="1/deg"/>
+          <inkml:channelProperty channel="OE" name="resolution" value="1000" units="1/deg"/>
+        </inkml:channelProperties>
+      </inkml:inkSource>
+      <inkml:timestamp xml:id="ts0" timeString="2021-07-14T16:31:25.731"/>
+    </inkml:context>
+    <inkml:brush xml:id="br0">
+      <inkml:brushProperty name="width" value="0.05" units="cm"/>
+      <inkml:brushProperty name="height" value="0.05" units="cm"/>
+      <inkml:brushProperty name="color" value="#FF0066"/>
+    </inkml:brush>
+  </inkml:definitions>
+  <inkml:trace contextRef="#ctx0" brushRef="#br0">1 0 15200 0 0,'0'0'1172'0'0,"8"12"-521"0"0,-6-10-322 0 0,-1-1-1 0 0,1 1 0 0 0,0-1 1 0 0,0 0-1 0 0,0 1 0 0 0,0-1 0 0 0,0 0 1 0 0,0 0-1 0 0,0 0 0 0 0,0-1 0 0 0,0 1 1 0 0,3 0-1 0 0,29 4 2238 0 0,-23-4-2113 0 0,-3-1-263 0 0,0 0 1 0 0,1 0-1 0 0,-1-1 1 0 0,0 0 0 0 0,13-3-1 0 0,39-15-4734 0 0,-44 11-3165 0 0</inkml:trace>
+</inkml:ink>
+</file>
+
+<file path=ppt/ink/ink25.xml><?xml version="1.0" encoding="utf-8"?>
+<inkml:ink xmlns:inkml="http://www.w3.org/2003/InkML">
+  <inkml:definitions>
+    <inkml:context xml:id="ctx0">
+      <inkml:inkSource xml:id="inkSrc0">
+        <inkml:traceFormat>
+          <inkml:channel name="X" type="integer" min="-2.14748E9" max="2.14748E9" units="cm"/>
+          <inkml:channel name="Y" type="integer" min="-2.14748E9" max="2.14748E9" units="cm"/>
+          <inkml:channel name="F" type="integer" max="32767" units="dev"/>
+          <inkml:channel name="OA" type="integer" max="360" units="deg"/>
+          <inkml:channel name="OE" type="integer" max="90" units="deg"/>
+        </inkml:traceFormat>
+        <inkml:channelProperties>
+          <inkml:channelProperty channel="X" name="resolution" value="1000" units="1/cm"/>
+          <inkml:channelProperty channel="Y" name="resolution" value="1000" units="1/cm"/>
+          <inkml:channelProperty channel="F" name="resolution" value="0" units="1/dev"/>
+          <inkml:channelProperty channel="OA" name="resolution" value="1000" units="1/deg"/>
+          <inkml:channelProperty channel="OE" name="resolution" value="1000" units="1/deg"/>
+        </inkml:channelProperties>
+      </inkml:inkSource>
+      <inkml:timestamp xml:id="ts0" timeString="2021-07-14T16:31:26.115"/>
+    </inkml:context>
+    <inkml:brush xml:id="br0">
+      <inkml:brushProperty name="width" value="0.05" units="cm"/>
+      <inkml:brushProperty name="height" value="0.05" units="cm"/>
+      <inkml:brushProperty name="color" value="#FF0066"/>
+    </inkml:brush>
+  </inkml:definitions>
+  <inkml:trace contextRef="#ctx0" brushRef="#br0">1 29 21191 0 0,'0'0'2127'0'0,"7"4"-1926"0"0,0-3 86 0 0,1 1-1 0 0,-1-2 0 0 0,1 1 0 0 0,0-1 1 0 0,-1 0-1 0 0,1 0 0 0 0,0-1 0 0 0,-1 0 1 0 0,9-3-1 0 0,18-1 782 0 0,64-10-786 0 0,-75 11-196 0 0,-5 1 51 0 0,28-1 0 0 0,-55 17-430 0 0,-15 15 620 0 0,-5 4 350 0 0,-32 49-1 0 0,27-31-598 0 0,-17 26-354 0 0,23-23-3772 0 0,22-37-5161 0 0</inkml:trace>
+</inkml:ink>
+</file>
+
+<file path=ppt/ink/ink26.xml><?xml version="1.0" encoding="utf-8"?>
+<inkml:ink xmlns:inkml="http://www.w3.org/2003/InkML">
+  <inkml:definitions>
+    <inkml:context xml:id="ctx0">
+      <inkml:inkSource xml:id="inkSrc0">
+        <inkml:traceFormat>
+          <inkml:channel name="X" type="integer" min="-2.14748E9" max="2.14748E9" units="cm"/>
+          <inkml:channel name="Y" type="integer" min="-2.14748E9" max="2.14748E9" units="cm"/>
+          <inkml:channel name="F" type="integer" max="32767" units="dev"/>
+          <inkml:channel name="OA" type="integer" max="360" units="deg"/>
+          <inkml:channel name="OE" type="integer" max="90" units="deg"/>
+        </inkml:traceFormat>
+        <inkml:channelProperties>
+          <inkml:channelProperty channel="X" name="resolution" value="1000" units="1/cm"/>
+          <inkml:channelProperty channel="Y" name="resolution" value="1000" units="1/cm"/>
+          <inkml:channelProperty channel="F" name="resolution" value="0" units="1/dev"/>
+          <inkml:channelProperty channel="OA" name="resolution" value="1000" units="1/deg"/>
+          <inkml:channelProperty channel="OE" name="resolution" value="1000" units="1/deg"/>
+        </inkml:channelProperties>
+      </inkml:inkSource>
+      <inkml:timestamp xml:id="ts0" timeString="2021-07-14T16:31:26.805"/>
+    </inkml:context>
+    <inkml:brush xml:id="br0">
+      <inkml:brushProperty name="width" value="0.05" units="cm"/>
+      <inkml:brushProperty name="height" value="0.05" units="cm"/>
+      <inkml:brushProperty name="color" value="#FF0066"/>
+    </inkml:brush>
+  </inkml:definitions>
+  <inkml:trace contextRef="#ctx0" brushRef="#br0">0 44 3224 0 0,'4'-6'2544'0'0,"-1"-20"10927"0"0,-1 32-13139 0 0,0 0 0 0 0,0 0 0 0 0,-1 0 0 0 0,0 0 0 0 0,1 10 0 0 0,-2 39-208 0 0,-9 84 0 0 0,8-131-43 0 0,-1 4 291 0 0,2-11 497 0 0,2-5 777 0 0,4-15-1329 0 0,1 0 0 0 0,1 1 0 0 0,1 0-1 0 0,0 0 1 0 0,1 1 0 0 0,1 0 0 0 0,1 1 0 0 0,0 0-1 0 0,19-17 1 0 0,-18 20-325 0 0,1 1-1 0 0,28-19 1 0 0,-37 28-6 0 0,0 0 1 0 0,0 0-1 0 0,1 1 0 0 0,-1 0 0 0 0,1 0 1 0 0,-1 0-1 0 0,1 1 0 0 0,0 0 0 0 0,0 0 0 0 0,0 0 1 0 0,-1 1-1 0 0,12 0 0 0 0,-14 0-153 0 0,1 1 0 0 0,-1 0 0 0 0,0 0 0 0 0,0 0 0 0 0,0 0 0 0 0,0 0 0 0 0,0 1 0 0 0,-1-1 0 0 0,1 1 0 0 0,0 0 0 0 0,4 3 0 0 0,25 28-2660 0 0,-23-23 2046 0 0,9 12-18 0 0,-11-13 551 0 0,0-1 1 0 0,18 16-1 0 0,-19-19 244 0 0,1 0 0 0 0,1 0 1 0 0,-1-1-1 0 0,1 0 1 0 0,-1 0-1 0 0,1-1 0 0 0,0 1 1 0 0,0-2-1 0 0,1 1 1 0 0,10 1-1 0 0,-13-4 203 0 0,1 1 1 0 0,-1-1-1 0 0,0 0 1 0 0,0 0-1 0 0,0-1 0 0 0,1 1 1 0 0,-1-2-1 0 0,0 1 1 0 0,0-1-1 0 0,0 1 0 0 0,0-2 1 0 0,-1 1-1 0 0,1-1 0 0 0,-1 0 1 0 0,7-4-1 0 0,-9 5-96 0 0,1-1-1 0 0,-1-1 1 0 0,0 1 0 0 0,0 0-1 0 0,0-1 1 0 0,0 1-1 0 0,-1-1 1 0 0,1 0-1 0 0,-1 0 1 0 0,0 0-1 0 0,0 0 1 0 0,0-1 0 0 0,-1 1-1 0 0,0 0 1 0 0,1-1-1 0 0,-2 1 1 0 0,1-1-1 0 0,0 1 1 0 0,-1-1 0 0 0,0 1-1 0 0,0-1 1 0 0,0 0-1 0 0,-1 1 1 0 0,1-1-1 0 0,-3-6 1 0 0,2 10-93 0 0,1 0-1 0 0,-1-1 1 0 0,0 1 0 0 0,0-1-1 0 0,0 1 1 0 0,0 0 0 0 0,0 0-1 0 0,0 0 1 0 0,0 0-1 0 0,-1 0 1 0 0,1 0 0 0 0,0 0-1 0 0,-1 0 1 0 0,1 0 0 0 0,0 0-1 0 0,-1 1 1 0 0,1-1 0 0 0,-1 0-1 0 0,1 1 1 0 0,-1-1 0 0 0,1 1-1 0 0,-1 0 1 0 0,0 0 0 0 0,1 0-1 0 0,-1-1 1 0 0,1 1 0 0 0,-1 1-1 0 0,0-1 1 0 0,1 0 0 0 0,-4 1-1 0 0,0 0 145 0 0,0 0-1 0 0,-1 1 0 0 0,1 0 0 0 0,0 0 1 0 0,0 0-1 0 0,0 0 0 0 0,-8 6 0 0 0,5-1-153 0 0,0 0 0 0 0,-1 0 0 0 0,2 1 0 0 0,-1 0 0 0 0,2 1 0 0 0,-1 0 0 0 0,-7 13 0 0 0,6-9 80 0 0,1 0 0 0 0,1 1 0 0 0,0 0 0 0 0,-7 27 0 0 0,13-38-88 0 0,-1 0 0 0 0,0 0-1 0 0,1 0 1 0 0,0 0 0 0 0,0 0-1 0 0,0-1 1 0 0,0 1 0 0 0,0 0 0 0 0,0 0-1 0 0,1 0 1 0 0,-1 0 0 0 0,1 0 0 0 0,0 0-1 0 0,0-1 1 0 0,0 1 0 0 0,0 0-1 0 0,1-1 1 0 0,2 5 0 0 0,-3-6-8 0 0,1 1 0 0 0,0-1 0 0 0,-1 1 0 0 0,1-1 0 0 0,0 0 0 0 0,0 0 0 0 0,-1 0 0 0 0,1 0 0 0 0,0 0 0 0 0,0 0 0 0 0,0 0 0 0 0,1 0 0 0 0,-1-1 1 0 0,0 1-1 0 0,0-1 0 0 0,0 0 0 0 0,0 0 0 0 0,0 0 0 0 0,1 0 0 0 0,-1 0 0 0 0,0 0 0 0 0,0 0 0 0 0,0-1 0 0 0,0 1 0 0 0,4-2 0 0 0,2-1-491 0 0,-1 1 0 0 0,0-2 0 0 0,0 1 0 0 0,0-1 0 0 0,9-7 0 0 0,15-13-6405 0 0,-10 4-633 0 0</inkml:trace>
+</inkml:ink>
+</file>
+
+<file path=ppt/ink/ink27.xml><?xml version="1.0" encoding="utf-8"?>
+<inkml:ink xmlns:inkml="http://www.w3.org/2003/InkML">
+  <inkml:definitions>
+    <inkml:context xml:id="ctx0">
+      <inkml:inkSource xml:id="inkSrc0">
+        <inkml:traceFormat>
+          <inkml:channel name="X" type="integer" min="-2.14748E9" max="2.14748E9" units="cm"/>
+          <inkml:channel name="Y" type="integer" min="-2.14748E9" max="2.14748E9" units="cm"/>
+          <inkml:channel name="F" type="integer" max="32767" units="dev"/>
+          <inkml:channel name="OA" type="integer" max="360" units="deg"/>
+          <inkml:channel name="OE" type="integer" max="90" units="deg"/>
+        </inkml:traceFormat>
+        <inkml:channelProperties>
+          <inkml:channelProperty channel="X" name="resolution" value="1000" units="1/cm"/>
+          <inkml:channelProperty channel="Y" name="resolution" value="1000" units="1/cm"/>
+          <inkml:channelProperty channel="F" name="resolution" value="0" units="1/dev"/>
+          <inkml:channelProperty channel="OA" name="resolution" value="1000" units="1/deg"/>
+          <inkml:channelProperty channel="OE" name="resolution" value="1000" units="1/deg"/>
+        </inkml:channelProperties>
+      </inkml:inkSource>
+      <inkml:timestamp xml:id="ts0" timeString="2021-07-14T16:31:27.194"/>
+    </inkml:context>
+    <inkml:brush xml:id="br0">
+      <inkml:brushProperty name="width" value="0.05" units="cm"/>
+      <inkml:brushProperty name="height" value="0.05" units="cm"/>
+      <inkml:brushProperty name="color" value="#FF0066"/>
+    </inkml:brush>
+  </inkml:definitions>
+  <inkml:trace contextRef="#ctx0" brushRef="#br0">1 27 15864 0 0,'8'-12'1691'0'0,"-7"10"-1613"0"0,-1 1 0 0 0,1 0 0 0 0,0 0 0 0 0,0 0 0 0 0,-1 0 0 0 0,1 0 0 0 0,0 0 0 0 0,0 0 0 0 0,0 0 0 0 0,0 0 0 0 0,3-1 0 0 0,-4 2 24 0 0,0 0 0 0 0,1-1 0 0 0,-1 1 0 0 0,1 0 0 0 0,-1 0 0 0 0,0 0 0 0 0,1 0 0 0 0,-1 0 0 0 0,1 0 0 0 0,-1 0 0 0 0,1 0 0 0 0,-1 0 0 0 0,0 1 0 0 0,1-1 0 0 0,-1 0 0 0 0,1 0 0 0 0,-1 0 0 0 0,0 0 0 0 0,1 1 0 0 0,-1-1 0 0 0,0 0 0 0 0,1 0 0 0 0,-1 1 0 0 0,0-1 0 0 0,1 0 0 0 0,-1 0 0 0 0,0 1 0 0 0,0-1 0 0 0,1 0 0 0 0,-1 1 0 0 0,0-1 0 0 0,0 0 0 0 0,1 1 0 0 0,-1-1 0 0 0,0 1 0 0 0,0-1 0 0 0,0 0 0 0 0,0 1 0 0 0,0-1 0 0 0,0 1 0 0 0,0-1 0 0 0,0 0 0 0 0,0 1 0 0 0,2 7-15 0 0,0-1-1 0 0,-1 0 0 0 0,0 0 0 0 0,0 1 1 0 0,-1-1-1 0 0,-1 9 0 0 0,-7 48-172 0 0,3-27 124 0 0,1-12-238 0 0,-2 24 436 0 0,0 57 0 0 0,5-92-578 0 0,2 0 1 0 0,0 1-1 0 0,1-1 1 0 0,1 0-1 0 0,0 0 0 0 0,0 0 1 0 0,1-1-1 0 0,11 24 1 0 0,-7-25-4827 0 0,2-1-1541 0 0</inkml:trace>
+</inkml:ink>
+</file>
+
+<file path=ppt/ink/ink28.xml><?xml version="1.0" encoding="utf-8"?>
+<inkml:ink xmlns:inkml="http://www.w3.org/2003/InkML">
+  <inkml:definitions>
+    <inkml:context xml:id="ctx0">
+      <inkml:inkSource xml:id="inkSrc0">
+        <inkml:traceFormat>
+          <inkml:channel name="X" type="integer" min="-2.14748E9" max="2.14748E9" units="cm"/>
+          <inkml:channel name="Y" type="integer" min="-2.14748E9" max="2.14748E9" units="cm"/>
+          <inkml:channel name="F" type="integer" max="32767" units="dev"/>
+          <inkml:channel name="OA" type="integer" max="360" units="deg"/>
+          <inkml:channel name="OE" type="integer" max="90" units="deg"/>
+        </inkml:traceFormat>
+        <inkml:channelProperties>
+          <inkml:channelProperty channel="X" name="resolution" value="1000" units="1/cm"/>
+          <inkml:channelProperty channel="Y" name="resolution" value="1000" units="1/cm"/>
+          <inkml:channelProperty channel="F" name="resolution" value="0" units="1/dev"/>
+          <inkml:channelProperty channel="OA" name="resolution" value="1000" units="1/deg"/>
+          <inkml:channelProperty channel="OE" name="resolution" value="1000" units="1/deg"/>
+        </inkml:channelProperties>
+      </inkml:inkSource>
+      <inkml:timestamp xml:id="ts0" timeString="2021-07-14T16:31:27.582"/>
+    </inkml:context>
+    <inkml:brush xml:id="br0">
+      <inkml:brushProperty name="width" value="0.05" units="cm"/>
+      <inkml:brushProperty name="height" value="0.05" units="cm"/>
+      <inkml:brushProperty name="color" value="#FF0066"/>
+    </inkml:brush>
+  </inkml:definitions>
+  <inkml:trace contextRef="#ctx0" brushRef="#br0">1 163 18831 0 0,'0'0'430'0'0,"15"-3"1028"0"0,-8 1-1227 0 0,1 0 0 0 0,0-1 0 0 0,-1 0 0 0 0,0 0 0 0 0,1 0 0 0 0,-1-1 0 0 0,-1-1-1 0 0,1 1 1 0 0,-1-1 0 0 0,1 0 0 0 0,7-8 0 0 0,-12 10-133 0 0,1 0 0 0 0,-1 1 0 0 0,0-1 0 0 0,0 0 0 0 0,0 0 0 0 0,0 0 0 0 0,0 0 0 0 0,-1-1 0 0 0,0 1-1 0 0,1 0 1 0 0,-1-1 0 0 0,0 1 0 0 0,-1-1 0 0 0,2-4 0 0 0,-2 7-84 0 0,0 1 0 0 0,0-1-1 0 0,-1 1 1 0 0,1-1 0 0 0,0 1-1 0 0,0 0 1 0 0,0-1 0 0 0,0 1 0 0 0,0-1-1 0 0,-1 1 1 0 0,1 0 0 0 0,0-1-1 0 0,0 1 1 0 0,-1-1 0 0 0,1 1-1 0 0,0 0 1 0 0,-1-1 0 0 0,1 1 0 0 0,0 0-1 0 0,-1 0 1 0 0,1-1 0 0 0,0 1-1 0 0,-1 0 1 0 0,1 0 0 0 0,-1-1-1 0 0,1 1 1 0 0,-1 0 0 0 0,1 0 0 0 0,0 0-1 0 0,-1 0 1 0 0,1 0 0 0 0,-1 0-1 0 0,1 0 1 0 0,-1 0 0 0 0,1 0-1 0 0,-1 0 1 0 0,1 0 0 0 0,-1 0 0 0 0,1 0-1 0 0,0 0 1 0 0,-1 0 0 0 0,1 0-1 0 0,-1 0 1 0 0,1 1 0 0 0,-1-1-1 0 0,1 0 1 0 0,-1 1 0 0 0,-2 0-21 0 0,0 0 0 0 0,0 0 0 0 0,1 0-1 0 0,-1 0 1 0 0,0 1 0 0 0,-2 1 0 0 0,0 1 15 0 0,-3 2 79 0 0,1 0 0 0 0,0 1 0 0 0,1-1 0 0 0,-12 15 0 0 0,10-9 219 0 0,0 0 0 0 0,-7 16 1 0 0,13-23-245 0 0,0-1 0 0 0,0 1 1 0 0,1 0-1 0 0,-1 0 1 0 0,1-1-1 0 0,1 1 0 0 0,-1 0 1 0 0,1 0-1 0 0,0 0 1 0 0,0 7-1 0 0,0-10-72 0 0,1 0 0 0 0,-1 0 0 0 0,1 0 0 0 0,-1 0 0 0 0,1 0 0 0 0,0 0 0 0 0,0 0 0 0 0,0 0 0 0 0,0 0 0 0 0,0-1 0 0 0,0 1 0 0 0,0 0 0 0 0,1-1 0 0 0,-1 1 0 0 0,1-1 0 0 0,-1 1 0 0 0,1-1 0 0 0,0 0 0 0 0,-1 1 0 0 0,1-1 0 0 0,0 0 0 0 0,0 0 0 0 0,0 0 0 0 0,0-1 0 0 0,-1 1 0 0 0,1 0 0 0 0,1-1 0 0 0,-1 1 0 0 0,0-1 0 0 0,0 0 0 0 0,0 1 0 0 0,4-1 1 0 0,0 0-100 0 0,1 0 0 0 0,0-1 0 0 0,0 0 0 0 0,-1 0 1 0 0,1 0-1 0 0,0-1 0 0 0,-1 0 0 0 0,1 0 1 0 0,6-3-1 0 0,34-20-3227 0 0,-21 8 1609 0 0</inkml:trace>
+  <inkml:trace contextRef="#ctx0" brushRef="#br0" timeOffset="1">423 1 16208 0 0,'-5'0'139'0'0,"0"0"1"0"0,0 1-1 0 0,-1 0 1 0 0,1 0 0 0 0,0 0-1 0 0,0 1 1 0 0,0-1 0 0 0,1 1-1 0 0,-1 0 1 0 0,0 1-1 0 0,1-1 1 0 0,-1 1 0 0 0,1 0-1 0 0,0 0 1 0 0,0 0 0 0 0,0 1-1 0 0,-6 6 1 0 0,-5 4 887 0 0,3-2 233 0 0,-20 24-1 0 0,29-33-1162 0 0,1 0-1 0 0,-1 1 0 0 0,1-1 1 0 0,0 1-1 0 0,0 0 0 0 0,1 0 1 0 0,-1-1-1 0 0,1 1 0 0 0,0 0 0 0 0,0 0 1 0 0,0 1-1 0 0,-1 6 0 0 0,2-10-73 0 0,0 0-1 0 0,0 1 1 0 0,0-1-1 0 0,0 0 1 0 0,0 0-1 0 0,1 1 1 0 0,-1-1-1 0 0,0 0 0 0 0,1 0 1 0 0,-1 0-1 0 0,1 0 1 0 0,-1 1-1 0 0,1-1 1 0 0,-1 0-1 0 0,1 0 1 0 0,0 0-1 0 0,-1 0 1 0 0,1 0-1 0 0,0 0 1 0 0,0 0-1 0 0,0 0 1 0 0,2 1-1 0 0,-2-1 37 0 0,1-1 0 0 0,0 1 0 0 0,0-1 0 0 0,0 1 0 0 0,-1-1 0 0 0,1 1-1 0 0,0-1 1 0 0,0 0 0 0 0,0 0 0 0 0,0 0 0 0 0,0 0 0 0 0,0 0 0 0 0,3-1 0 0 0,0 0 3 0 0,0 0 0 0 0,0-1 0 0 0,-1 1 0 0 0,1-1 0 0 0,0 0 0 0 0,-1-1 0 0 0,1 1 0 0 0,-1-1 0 0 0,0 0 0 0 0,7-5 0 0 0,42-56 362 0 0,-52 64-390 0 0,-1 0 0 0 0,0-1 0 0 0,0 1-1 0 0,0 0 1 0 0,0 0 0 0 0,0 0 0 0 0,1 0 0 0 0,-1-1-1 0 0,0 1 1 0 0,0 0 0 0 0,0 0 0 0 0,0 0 0 0 0,1 0-1 0 0,-1 0 1 0 0,0 0 0 0 0,0 0 0 0 0,0 0 0 0 0,1-1-1 0 0,-1 1 1 0 0,0 0 0 0 0,0 0 0 0 0,0 0 0 0 0,1 0-1 0 0,-1 0 1 0 0,0 0 0 0 0,0 0 0 0 0,0 0 0 0 0,1 0 0 0 0,-1 0-1 0 0,0 1 1 0 0,0-1 0 0 0,0 0 0 0 0,1 0 0 0 0,-1 0-1 0 0,0 0 1 0 0,0 0 0 0 0,0 0 0 0 0,1 0 0 0 0,-1 0-1 0 0,0 1 1 0 0,5 9 471 0 0,1 20 362 0 0,-5-27-537 0 0,0 6-627 0 0,-1-3 305 0 0,1-1 1 0 0,0 1 0 0 0,0 0-1 0 0,4 10 1 0 0,-4-15-256 0 0,0 1 1 0 0,-1-1-1 0 0,1 0 1 0 0,0 0-1 0 0,0 1 0 0 0,0-1 1 0 0,0 0-1 0 0,0 0 1 0 0,0 0-1 0 0,2 1 1 0 0,-2-1-230 0 0,0-1 0 0 0,0 1 0 0 0,0-1 0 0 0,0 1 0 0 0,0-1 0 0 0,0 1 0 0 0,1-1 0 0 0,-1 0 0 0 0,0 0 0 0 0,0 1 0 0 0,0-1 0 0 0,1 0 0 0 0,-1 0 0 0 0,2-1 0 0 0,8 0-7681 0 0</inkml:trace>
+</inkml:ink>
+</file>
+
+<file path=ppt/ink/ink29.xml><?xml version="1.0" encoding="utf-8"?>
+<inkml:ink xmlns:inkml="http://www.w3.org/2003/InkML">
+  <inkml:definitions>
+    <inkml:context xml:id="ctx0">
+      <inkml:inkSource xml:id="inkSrc0">
+        <inkml:traceFormat>
+          <inkml:channel name="X" type="integer" min="-2.14748E9" max="2.14748E9" units="cm"/>
+          <inkml:channel name="Y" type="integer" min="-2.14748E9" max="2.14748E9" units="cm"/>
+          <inkml:channel name="F" type="integer" max="32767" units="dev"/>
+          <inkml:channel name="OA" type="integer" max="360" units="deg"/>
+          <inkml:channel name="OE" type="integer" max="90" units="deg"/>
+        </inkml:traceFormat>
+        <inkml:channelProperties>
+          <inkml:channelProperty channel="X" name="resolution" value="1000" units="1/cm"/>
+          <inkml:channelProperty channel="Y" name="resolution" value="1000" units="1/cm"/>
+          <inkml:channelProperty channel="F" name="resolution" value="0" units="1/dev"/>
+          <inkml:channelProperty channel="OA" name="resolution" value="1000" units="1/deg"/>
+          <inkml:channelProperty channel="OE" name="resolution" value="1000" units="1/deg"/>
+        </inkml:channelProperties>
+      </inkml:inkSource>
+      <inkml:timestamp xml:id="ts0" timeString="2021-07-14T16:31:27.969"/>
+    </inkml:context>
+    <inkml:brush xml:id="br0">
+      <inkml:brushProperty name="width" value="0.05" units="cm"/>
+      <inkml:brushProperty name="height" value="0.05" units="cm"/>
+      <inkml:brushProperty name="color" value="#FF0066"/>
+    </inkml:brush>
+  </inkml:definitions>
+  <inkml:trace contextRef="#ctx0" brushRef="#br0">99 1 21391 0 0,'-9'3'1628'0'0,"7"0"-1494"0"0,0 0-1 0 0,0 0 0 0 0,0 0 1 0 0,0 0-1 0 0,1 0 0 0 0,-1 0 1 0 0,1 0-1 0 0,0 0 0 0 0,0 1 1 0 0,0-1-1 0 0,1 0 0 0 0,-1 1 1 0 0,1-1-1 0 0,-1 0 1 0 0,1 1-1 0 0,1 4 0 0 0,0-3 130 0 0,0 1 0 0 0,0-1-1 0 0,1 1 1 0 0,-1-1 0 0 0,1 0 0 0 0,1 0 0 0 0,-1 0-1 0 0,1 0 1 0 0,5 7 0 0 0,-6-8-195 0 0,0 0-1 0 0,0 1 1 0 0,-1-1 0 0 0,0 1-1 0 0,1-1 1 0 0,-1 1 0 0 0,-1 0 0 0 0,1-1-1 0 0,-1 1 1 0 0,1 0 0 0 0,-2 0 0 0 0,1 0-1 0 0,0-1 1 0 0,-1 1 0 0 0,0 0 0 0 0,0-1-1 0 0,0 1 1 0 0,-1-1 0 0 0,-2 6-1 0 0,-2 2-338 0 0,0-2 0 0 0,-1 1 0 0 0,0-1 0 0 0,-1 0-1 0 0,0-1 1 0 0,-13 13 0 0 0,-14 3-5322 0 0,42-23 1168 0 0,-6-1 4291 0 0,1-1-1 0 0,0 0 1 0 0,0 0 0 0 0,1 0 0 0 0,9-2-142 0 0,-4 1 167 0 0,-1-1 0 0 0,1 1 0 0 0,-1-1 0 0 0,0-1 0 0 0,9-4 1 0 0,4-2 629 0 0,26-19 0 0 0,-39 23-150 0 0,0-1-1 0 0,0 0 1 0 0,-1 0-1 0 0,1 0 1 0 0,-1-1-1 0 0,6-9 0 0 0,4-5 514 0 0,-12 17-652 0 0,-1-1 1 0 0,1 1-1 0 0,-1-1 1 0 0,0 0 0 0 0,0 0-1 0 0,-1 0 1 0 0,2-6-1 0 0,0 1 349 0 0,0-2 369 0 0,5-24-1 0 0,-9 32-850 0 0,1 1 0 0 0,-1 0 0 0 0,0 0 1 0 0,1 0-1 0 0,-2 0 0 0 0,1 0 1 0 0,0 0-1 0 0,-1 0 0 0 0,1-1 0 0 0,-1 1 1 0 0,0 0-1 0 0,0 0 0 0 0,-2-3 1 0 0,3 5-85 0 0,0 0 0 0 0,-1 0 1 0 0,1 1-1 0 0,0-1 1 0 0,-1 0-1 0 0,1 1 1 0 0,-1-1-1 0 0,1 0 1 0 0,-1 1-1 0 0,1-1 0 0 0,-1 0 1 0 0,1 1-1 0 0,-1-1 1 0 0,0 1-1 0 0,1-1 1 0 0,-1 1-1 0 0,0 0 1 0 0,1-1-1 0 0,-1 1 0 0 0,0 0 1 0 0,0-1-1 0 0,0 1 1 0 0,1 0-1 0 0,-3-1 1 0 0,3 2 11 0 0,-1-1 0 0 0,0 0 0 0 0,0 1 0 0 0,1-1 0 0 0,-1 1 0 0 0,0-1 0 0 0,1 1 0 0 0,-1-1 0 0 0,0 1 0 0 0,1 0 0 0 0,-1-1 0 0 0,1 1 0 0 0,-1-1 0 0 0,1 1 0 0 0,-1 0 0 0 0,1 0 0 0 0,0-1 0 0 0,-1 1 0 0 0,1 1 0 0 0,-2 2 49 0 0,1 0 1 0 0,-1 0-1 0 0,1 0 1 0 0,0 0-1 0 0,1 1 1 0 0,-1-1-1 0 0,1 0 1 0 0,0 9-1 0 0,1-10-132 0 0,-1 0-1 0 0,1 0 1 0 0,0 1-1 0 0,0-1 1 0 0,0 0 0 0 0,1 0-1 0 0,-1 0 1 0 0,1 0-1 0 0,0 0 1 0 0,-1 0-1 0 0,1 0 1 0 0,1-1-1 0 0,-1 1 1 0 0,0-1 0 0 0,5 5-1 0 0,-3-5-180 0 0,0 0 0 0 0,0 0 0 0 0,0 0 0 0 0,0 0 0 0 0,0 0 0 0 0,1-1 0 0 0,-1 0 0 0 0,0 1-1 0 0,1-2 1 0 0,-1 1 0 0 0,8 0 0 0 0,9-1-5751 0 0,-1 0-1723 0 0</inkml:trace>
+</inkml:ink>
+</file>
+
+<file path=ppt/ink/ink3.xml><?xml version="1.0" encoding="utf-8"?>
+<inkml:ink xmlns:inkml="http://www.w3.org/2003/InkML">
+  <inkml:definitions>
+    <inkml:context xml:id="ctx0">
+      <inkml:inkSource xml:id="inkSrc0">
+        <inkml:traceFormat>
+          <inkml:channel name="X" type="integer" min="-2.14748E9" max="2.14748E9" units="cm"/>
+          <inkml:channel name="Y" type="integer" min="-2.14748E9" max="2.14748E9" units="cm"/>
+          <inkml:channel name="F" type="integer" max="32767" units="dev"/>
+          <inkml:channel name="OA" type="integer" max="360" units="deg"/>
+          <inkml:channel name="OE" type="integer" max="90" units="deg"/>
+        </inkml:traceFormat>
+        <inkml:channelProperties>
+          <inkml:channelProperty channel="X" name="resolution" value="1000" units="1/cm"/>
+          <inkml:channelProperty channel="Y" name="resolution" value="1000" units="1/cm"/>
+          <inkml:channelProperty channel="F" name="resolution" value="0" units="1/dev"/>
+          <inkml:channelProperty channel="OA" name="resolution" value="1000" units="1/deg"/>
+          <inkml:channelProperty channel="OE" name="resolution" value="1000" units="1/deg"/>
+        </inkml:channelProperties>
+      </inkml:inkSource>
+      <inkml:timestamp xml:id="ts0" timeString="2021-07-14T16:31:00.055"/>
+    </inkml:context>
+    <inkml:brush xml:id="br0">
+      <inkml:brushProperty name="width" value="0.05" units="cm"/>
+      <inkml:brushProperty name="height" value="0.05" units="cm"/>
+      <inkml:brushProperty name="color" value="#FF0066"/>
+    </inkml:brush>
+  </inkml:definitions>
+  <inkml:trace contextRef="#ctx0" brushRef="#br0">5 103 10136 0 0,'-4'-18'2792'0'0,"4"17"-2273"0"0,1 0 0 0 0,0 0 1 0 0,0-1-1 0 0,0 1 0 0 0,0 0 0 0 0,0 0 1 0 0,0 0-1 0 0,0 0 0 0 0,0 0 1 0 0,2-1-1 0 0,27-13 1810 0 0,-16 9-1495 0 0,3-2-371 0 0,0 1-1 0 0,1 1 1 0 0,0 1-1 0 0,0 0 0 0 0,29-3 1 0 0,97-1-841 0 0,-117 8 292 0 0,0 0-1485 0 0,0 1 1 0 0,40 5-1 0 0,-47 0 8 0 0</inkml:trace>
+</inkml:ink>
+</file>
+
+<file path=ppt/ink/ink30.xml><?xml version="1.0" encoding="utf-8"?>
+<inkml:ink xmlns:inkml="http://www.w3.org/2003/InkML">
+  <inkml:definitions>
+    <inkml:context xml:id="ctx0">
+      <inkml:inkSource xml:id="inkSrc0">
+        <inkml:traceFormat>
+          <inkml:channel name="X" type="integer" min="-2.14748E9" max="2.14748E9" units="cm"/>
+          <inkml:channel name="Y" type="integer" min="-2.14748E9" max="2.14748E9" units="cm"/>
+          <inkml:channel name="F" type="integer" max="32767" units="dev"/>
+          <inkml:channel name="OA" type="integer" max="360" units="deg"/>
+          <inkml:channel name="OE" type="integer" max="90" units="deg"/>
+        </inkml:traceFormat>
+        <inkml:channelProperties>
+          <inkml:channelProperty channel="X" name="resolution" value="1000" units="1/cm"/>
+          <inkml:channelProperty channel="Y" name="resolution" value="1000" units="1/cm"/>
+          <inkml:channelProperty channel="F" name="resolution" value="0" units="1/dev"/>
+          <inkml:channelProperty channel="OA" name="resolution" value="1000" units="1/deg"/>
+          <inkml:channelProperty channel="OE" name="resolution" value="1000" units="1/deg"/>
+        </inkml:channelProperties>
+      </inkml:inkSource>
+      <inkml:timestamp xml:id="ts0" timeString="2021-07-14T16:31:28.370"/>
+    </inkml:context>
+    <inkml:brush xml:id="br0">
+      <inkml:brushProperty name="width" value="0.05" units="cm"/>
+      <inkml:brushProperty name="height" value="0.05" units="cm"/>
+      <inkml:brushProperty name="color" value="#FF0066"/>
+    </inkml:brush>
+  </inkml:definitions>
+  <inkml:trace contextRef="#ctx0" brushRef="#br0">65 312 17015 0 0,'-23'35'1459'0'0,"15"-23"-1091"0"0,-12 22 1 0 0,18-29 66 0 0,-1 0 0 0 0,2 0 0 0 0,-1 0 0 0 0,1 0 0 0 0,-1 0 0 0 0,1 1 0 0 0,1-1 0 0 0,-1 8 0 0 0,1-13-385 0 0,0 1 1 0 0,0 0-1 0 0,0 0 0 0 0,0-1 1 0 0,0 1-1 0 0,0 0 0 0 0,0-1 1 0 0,0 1-1 0 0,1 0 0 0 0,-1-1 1 0 0,0 1-1 0 0,0 0 0 0 0,1-1 1 0 0,-1 1-1 0 0,0-1 0 0 0,1 1 1 0 0,-1 0-1 0 0,1-1 0 0 0,-1 1 1 0 0,1-1-1 0 0,-1 1 0 0 0,1-1 0 0 0,-1 1 1 0 0,2-1-1 0 0,-1 1-2 0 0,0-1 0 0 0,0 1 0 0 0,0-1 0 0 0,1 0 0 0 0,-1 0 0 0 0,0 1 0 0 0,0-1 0 0 0,0 0 0 0 0,1 0 0 0 0,-1 0 0 0 0,0-1 0 0 0,0 1 0 0 0,2 0 0 0 0,0-1 0 0 0,0 0 0 0 0,1 0-1 0 0,-1-1 1 0 0,0 1 0 0 0,0 0 0 0 0,0-1 0 0 0,0 0-1 0 0,0 0 1 0 0,4-3 0 0 0,1-4-10 0 0,0-1 0 0 0,0 0 0 0 0,-1 0 0 0 0,9-18 1 0 0,19-47 1243 0 0,-24 48-1152 0 0,0-1 1 0 0,-2 0-1 0 0,-1 0 0 0 0,-2-1 0 0 0,0 0 0 0 0,-2 0 0 0 0,0-38 0 0 0,-3 56 224 0 0,0 8-232 0 0,-1 1 0 0 0,1 0-1 0 0,-1-1 1 0 0,0 1 0 0 0,0-1 0 0 0,0 1-1 0 0,0-1 1 0 0,-2-3 0 0 0,2 6-119 0 0,0 0 1 0 0,0 0-1 0 0,0 0 1 0 0,0 0-1 0 0,0 0 1 0 0,0-1-1 0 0,0 1 1 0 0,0 0-1 0 0,0 0 0 0 0,0 0 1 0 0,0 0-1 0 0,0 0 1 0 0,-1 0-1 0 0,1 0 1 0 0,0 0-1 0 0,0 0 1 0 0,0 0-1 0 0,0 0 1 0 0,0 0-1 0 0,0-1 1 0 0,0 1-1 0 0,-1 0 1 0 0,1 0-1 0 0,0 0 1 0 0,0 0-1 0 0,0 0 1 0 0,0 0-1 0 0,0 0 0 0 0,0 0 1 0 0,-1 0-1 0 0,1 0 1 0 0,0 0-1 0 0,0 0 1 0 0,0 1-1 0 0,0-1 1 0 0,0 0-1 0 0,0 0 1 0 0,0 0-1 0 0,-1 0 1 0 0,1 0-1 0 0,0 0 1 0 0,0 0-1 0 0,-3 3 51 0 0,-1 0 0 0 0,1 0 0 0 0,1 1 0 0 0,-1-1 0 0 0,0 1 0 0 0,1 0 0 0 0,-1-1 0 0 0,1 1 0 0 0,-1 5 0 0 0,-15 39 475 0 0,17-45-509 0 0,-2 5 34 0 0,-28 95 529 0 0,27-84-1950 0 0,0 0 0 0 0,1 1 0 0 0,0 28 0 0 0,5-18-8186 0 0</inkml:trace>
+</inkml:ink>
+</file>
+
+<file path=ppt/ink/ink31.xml><?xml version="1.0" encoding="utf-8"?>
+<inkml:ink xmlns:inkml="http://www.w3.org/2003/InkML">
+  <inkml:definitions>
+    <inkml:context xml:id="ctx0">
+      <inkml:inkSource xml:id="inkSrc0">
+        <inkml:traceFormat>
+          <inkml:channel name="X" type="integer" min="-2.14748E9" max="2.14748E9" units="cm"/>
+          <inkml:channel name="Y" type="integer" min="-2.14748E9" max="2.14748E9" units="cm"/>
+          <inkml:channel name="F" type="integer" max="32767" units="dev"/>
+          <inkml:channel name="OA" type="integer" max="360" units="deg"/>
+          <inkml:channel name="OE" type="integer" max="90" units="deg"/>
+        </inkml:traceFormat>
+        <inkml:channelProperties>
+          <inkml:channelProperty channel="X" name="resolution" value="1000" units="1/cm"/>
+          <inkml:channelProperty channel="Y" name="resolution" value="1000" units="1/cm"/>
+          <inkml:channelProperty channel="F" name="resolution" value="0" units="1/dev"/>
+          <inkml:channelProperty channel="OA" name="resolution" value="1000" units="1/deg"/>
+          <inkml:channelProperty channel="OE" name="resolution" value="1000" units="1/deg"/>
+        </inkml:channelProperties>
+      </inkml:inkSource>
+      <inkml:timestamp xml:id="ts0" timeString="2021-07-14T16:31:28.899"/>
+    </inkml:context>
+    <inkml:brush xml:id="br0">
+      <inkml:brushProperty name="width" value="0.05" units="cm"/>
+      <inkml:brushProperty name="height" value="0.05" units="cm"/>
+      <inkml:brushProperty name="color" value="#FF0066"/>
+    </inkml:brush>
+  </inkml:definitions>
+  <inkml:trace contextRef="#ctx0" brushRef="#br0">245 20 2760 0 0,'0'0'58'0'0,"1"0"0"0"0,0-1 0 0 0,-1 1 0 0 0,1 0 0 0 0,0 0 0 0 0,-1 0-1 0 0,1 0 1 0 0,-1-1 0 0 0,1 1 0 0 0,0 0 0 0 0,-1-1 0 0 0,1 1 0 0 0,-1 0 0 0 0,1-1 0 0 0,-1 1 0 0 0,1-1 0 0 0,-1 1 0 0 0,0-1 0 0 0,1 1 0 0 0,-1-1 0 0 0,1 1 0 0 0,-1-1-1 0 0,0 1 1 0 0,0-1 0 0 0,1-1 0 0 0,-1 2 146 0 0,0-1 1 0 0,0 1-1 0 0,0-1 0 0 0,-1 1 0 0 0,1 0 0 0 0,0-1 0 0 0,0 1 1 0 0,0-1-1 0 0,-1 1 0 0 0,1-1 0 0 0,0 1 0 0 0,-1 0 0 0 0,1-1 0 0 0,0 1 1 0 0,-1 0-1 0 0,1-1 0 0 0,0 1 0 0 0,-1 0 0 0 0,1 0 0 0 0,-1-1 1 0 0,1 1-1 0 0,0 0 0 0 0,-1 0 0 0 0,1 0 0 0 0,-1-1 0 0 0,1 1 0 0 0,-1 0 1 0 0,1 0-1 0 0,-1 0 0 0 0,1 0 0 0 0,-1 0 0 0 0,1 0 0 0 0,-1 0 1 0 0,0 0-1 0 0,-2 0 419 0 0,0 0 1 0 0,-1 1-1 0 0,1-1 0 0 0,-1 1 1 0 0,1-1-1 0 0,0 1 1 0 0,-1 0-1 0 0,-3 3 0 0 0,-7 0 225 0 0,5-1-415 0 0,1 0 0 0 0,-1 1 0 0 0,1 0 0 0 0,0 0 0 0 0,-12 9 1 0 0,-37 31 1317 0 0,33-24-756 0 0,19-17-767 0 0,1 1-1 0 0,0 0 0 0 0,-1 0 0 0 0,2 0 1 0 0,-1 0-1 0 0,0 0 0 0 0,1 1 0 0 0,0 0 1 0 0,0 0-1 0 0,0 0 0 0 0,0 0 1 0 0,-2 8-1 0 0,5-11-181 0 0,0-1 0 0 0,0 0 1 0 0,1 1-1 0 0,-1-1 0 0 0,0 0 0 0 0,1 0 1 0 0,-1 1-1 0 0,1-1 0 0 0,0 0 0 0 0,-1 0 1 0 0,1 0-1 0 0,0 0 0 0 0,0 0 1 0 0,0 0-1 0 0,-1 0 0 0 0,1 0 0 0 0,2 1 1 0 0,17 14 212 0 0,82 43 382 0 0,-91-53-572 0 0,-3-2-2 0 0,-1 0 0 0 0,0 0 1 0 0,-1 1-1 0 0,10 7 0 0 0,-15-10-53 0 0,1-1-1 0 0,-1 1 1 0 0,0-1 0 0 0,1 1 0 0 0,-1-1-1 0 0,0 1 1 0 0,0 0 0 0 0,0 0-1 0 0,0 0 1 0 0,-1 0 0 0 0,1 0-1 0 0,0-1 1 0 0,-1 1 0 0 0,1 0 0 0 0,-1 0-1 0 0,0 1 1 0 0,0-1 0 0 0,0 0-1 0 0,0 0 1 0 0,0 0 0 0 0,0 0-1 0 0,-1 4 1 0 0,-2 4 1 0 0,0 1 1 0 0,-1 0-1 0 0,0-1 0 0 0,-1 0 1 0 0,0 0-1 0 0,0 0 0 0 0,-1-1 1 0 0,-1 0-1 0 0,1 0 0 0 0,-2 0 1 0 0,1-1-1 0 0,-1 0 0 0 0,0 0 1 0 0,-1-1-1 0 0,1 0 0 0 0,-2-1 1 0 0,-12 8-1 0 0,-54 31-4824 0 0,72-42 2702 0 0</inkml:trace>
+</inkml:ink>
+</file>
+
+<file path=ppt/ink/ink32.xml><?xml version="1.0" encoding="utf-8"?>
+<inkml:ink xmlns:inkml="http://www.w3.org/2003/InkML">
+  <inkml:definitions>
+    <inkml:context xml:id="ctx0">
+      <inkml:inkSource xml:id="inkSrc0">
+        <inkml:traceFormat>
+          <inkml:channel name="X" type="integer" min="-2.14748E9" max="2.14748E9" units="cm"/>
+          <inkml:channel name="Y" type="integer" min="-2.14748E9" max="2.14748E9" units="cm"/>
+          <inkml:channel name="F" type="integer" max="32767" units="dev"/>
+          <inkml:channel name="OA" type="integer" max="360" units="deg"/>
+          <inkml:channel name="OE" type="integer" max="90" units="deg"/>
+        </inkml:traceFormat>
+        <inkml:channelProperties>
+          <inkml:channelProperty channel="X" name="resolution" value="1000" units="1/cm"/>
+          <inkml:channelProperty channel="Y" name="resolution" value="1000" units="1/cm"/>
+          <inkml:channelProperty channel="F" name="resolution" value="0" units="1/dev"/>
+          <inkml:channelProperty channel="OA" name="resolution" value="1000" units="1/deg"/>
+          <inkml:channelProperty channel="OE" name="resolution" value="1000" units="1/deg"/>
+        </inkml:channelProperties>
+      </inkml:inkSource>
+      <inkml:timestamp xml:id="ts0" timeString="2021-07-14T16:31:29.274"/>
+    </inkml:context>
+    <inkml:brush xml:id="br0">
+      <inkml:brushProperty name="width" value="0.05" units="cm"/>
+      <inkml:brushProperty name="height" value="0.05" units="cm"/>
+      <inkml:brushProperty name="color" value="#FF0066"/>
+    </inkml:brush>
+  </inkml:definitions>
+  <inkml:trace contextRef="#ctx0" brushRef="#br0">145 0 10136 0 0,'-7'1'1049'0'0,"1"2"-492"0"0,0-1 0 0 0,0 1 1 0 0,1 0-1 0 0,-1 0 0 0 0,1 1 0 0 0,-1 0 0 0 0,1 0 1 0 0,0 0-1 0 0,1 0 0 0 0,-1 1 0 0 0,1 0 0 0 0,-6 8 1 0 0,-2 5 284 0 0,2-1 0 0 0,-15 31 0 0 0,22-40-822 0 0,0 1 0 0 0,0-1 0 0 0,1 0 0 0 0,0 1 0 0 0,0 0 0 0 0,1-1 0 0 0,0 1 0 0 0,1 0 0 0 0,0 0-1 0 0,1 15 1 0 0,0-18 0 0 0,0-1 0 0 0,0 1 0 0 0,1 0 0 0 0,0 0 0 0 0,0 0 0 0 0,0-1 0 0 0,0 1 0 0 0,1-1-1 0 0,0 0 1 0 0,0 0 0 0 0,1 0 0 0 0,-1 0 0 0 0,1 0 0 0 0,0-1 0 0 0,1 1 0 0 0,6 4 0 0 0,-8-7 20 0 0,0 0 0 0 0,1 0 0 0 0,-1-1 0 0 0,1 0 0 0 0,-1 0 0 0 0,1 0 0 0 0,-1 0 1 0 0,1 0-1 0 0,0 0 0 0 0,0-1 0 0 0,-1 0 0 0 0,1 0 0 0 0,4 0 0 0 0,-1-1 91 0 0,0 0 0 0 0,0 0 0 0 0,0 0 0 0 0,0-1-1 0 0,14-5 1 0 0,-11 2 78 0 0,0 0-1 0 0,-1-1 1 0 0,0 0-1 0 0,0-1 1 0 0,0 0-1 0 0,0-1 1 0 0,-1 1-1 0 0,7-10 1 0 0,-1-1 712 0 0,0 0-1 0 0,21-39 1 0 0,-27 36-143 0 0,-4 9-1 0 0,-4 12-757 0 0,0 0 1 0 0,0 0 0 0 0,0 0 0 0 0,0 0 0 0 0,0 0 0 0 0,0 0-1 0 0,0 0 1 0 0,0 0 0 0 0,0 0 0 0 0,0 0 0 0 0,0 1 0 0 0,0-1 0 0 0,0 0-1 0 0,0 0 1 0 0,0 0 0 0 0,1 0 0 0 0,-1 0 0 0 0,0 0 0 0 0,0 0 0 0 0,0 0-1 0 0,0 0 1 0 0,0 0 0 0 0,0 0 0 0 0,0 0 0 0 0,0 0 0 0 0,0 0-1 0 0,0 0 1 0 0,0 0 0 0 0,0 0 0 0 0,0 0 0 0 0,1 0 0 0 0,-1 0 0 0 0,0 0-1 0 0,0 0 1 0 0,0 0 0 0 0,0 0 0 0 0,0 0 0 0 0,0 0 0 0 0,0 0 0 0 0,0 0-1 0 0,0 0 1 0 0,0 0 0 0 0,0 0 0 0 0,0 0 0 0 0,0 0 0 0 0,0 0 0 0 0,1 0-1 0 0,-1 0 1 0 0,0-1 0 0 0,3 20 25 0 0,-1-3-99 0 0,1-1 0 0 0,1 0 0 0 0,0 1-1 0 0,8 18 1 0 0,-9-27-688 0 0,1 0-1 0 0,-1-1 1 0 0,1 1-1 0 0,1-1 1 0 0,-1 0-1 0 0,1 0 1 0 0,0 0 0 0 0,0-1-1 0 0,10 9 1 0 0,-3-8-1033 0 0</inkml:trace>
+</inkml:ink>
+</file>
+
+<file path=ppt/ink/ink33.xml><?xml version="1.0" encoding="utf-8"?>
+<inkml:ink xmlns:inkml="http://www.w3.org/2003/InkML">
+  <inkml:definitions>
+    <inkml:context xml:id="ctx0">
+      <inkml:inkSource xml:id="inkSrc0">
+        <inkml:traceFormat>
+          <inkml:channel name="X" type="integer" min="-2.14748E9" max="2.14748E9" units="cm"/>
+          <inkml:channel name="Y" type="integer" min="-2.14748E9" max="2.14748E9" units="cm"/>
+          <inkml:channel name="F" type="integer" max="32767" units="dev"/>
+          <inkml:channel name="OA" type="integer" max="360" units="deg"/>
+          <inkml:channel name="OE" type="integer" max="90" units="deg"/>
+        </inkml:traceFormat>
+        <inkml:channelProperties>
+          <inkml:channelProperty channel="X" name="resolution" value="1000" units="1/cm"/>
+          <inkml:channelProperty channel="Y" name="resolution" value="1000" units="1/cm"/>
+          <inkml:channelProperty channel="F" name="resolution" value="0" units="1/dev"/>
+          <inkml:channelProperty channel="OA" name="resolution" value="1000" units="1/deg"/>
+          <inkml:channelProperty channel="OE" name="resolution" value="1000" units="1/deg"/>
+        </inkml:channelProperties>
+      </inkml:inkSource>
+      <inkml:timestamp xml:id="ts0" timeString="2021-07-14T16:31:29.698"/>
+    </inkml:context>
+    <inkml:brush xml:id="br0">
+      <inkml:brushProperty name="width" value="0.05" units="cm"/>
+      <inkml:brushProperty name="height" value="0.05" units="cm"/>
+      <inkml:brushProperty name="color" value="#FF0066"/>
+    </inkml:brush>
+  </inkml:definitions>
+  <inkml:trace contextRef="#ctx0" brushRef="#br0">3 289 15552 0 0,'0'0'1407'0'0,"-2"-12"-1135"0"0,1 8 122 0 0,1 1 0 0 0,0 0 0 0 0,0 0 0 0 0,0 0 0 0 0,1 0 0 0 0,-1 0 0 0 0,1-1 0 0 0,1-3 0 0 0,9-25 2206 0 0,-11 31-2579 0 0,24-68 2487 0 0,-15 37-1164 0 0,28-57 0 0 0,-29 69-822 0 0,-7 19-436 0 0,-5 9-9 0 0,1 0-77 0 0,0-1 0 0 0,1 0 0 0 0,0 1 0 0 0,0 0 0 0 0,0 0 0 0 0,1-1 0 0 0,0 1 0 0 0,1 0 0 0 0,0 0 0 0 0,0 0 0 0 0,1 0 0 0 0,0 0 0 0 0,2 8 0 0 0,-2-11 0 0 0,1-1-1 0 0,-1 1 1 0 0,1-1-1 0 0,0 1 1 0 0,0-1 0 0 0,5 6-1 0 0,-6-8 2 0 0,1-1 0 0 0,-1 1 0 0 0,1-1-1 0 0,0 1 1 0 0,-1-1 0 0 0,1 0 0 0 0,0 0 0 0 0,0 0 0 0 0,-1 0-1 0 0,1 0 1 0 0,0 0 0 0 0,0 0 0 0 0,0-1 0 0 0,0 1 0 0 0,0-1-1 0 0,0 1 1 0 0,4-1 0 0 0,-1 0 11 0 0,-1 0 0 0 0,0 0 1 0 0,0-1-1 0 0,0 0 0 0 0,0 0 0 0 0,0 0 0 0 0,0 0 1 0 0,0 0-1 0 0,0-1 0 0 0,0 0 0 0 0,0 0 0 0 0,5-4 1 0 0,5-3-37 0 0,23-22 0 0 0,-16 12-254 0 0,7-7-553 0 0,-22 20 148 0 0,0-1 0 0 0,1 1 0 0 0,0 1 0 0 0,0-1 0 0 0,0 1 0 0 0,0 1 0 0 0,11-6 0 0 0,-7 5-1128 0 0,-2 0-192 0 0</inkml:trace>
+</inkml:ink>
+</file>
+
+<file path=ppt/ink/ink34.xml><?xml version="1.0" encoding="utf-8"?>
+<inkml:ink xmlns:inkml="http://www.w3.org/2003/InkML">
+  <inkml:definitions>
+    <inkml:context xml:id="ctx0">
+      <inkml:inkSource xml:id="inkSrc0">
+        <inkml:traceFormat>
+          <inkml:channel name="X" type="integer" min="-2.14748E9" max="2.14748E9" units="cm"/>
+          <inkml:channel name="Y" type="integer" min="-2.14748E9" max="2.14748E9" units="cm"/>
+          <inkml:channel name="F" type="integer" max="32767" units="dev"/>
+          <inkml:channel name="OA" type="integer" max="360" units="deg"/>
+          <inkml:channel name="OE" type="integer" max="90" units="deg"/>
+        </inkml:traceFormat>
+        <inkml:channelProperties>
+          <inkml:channelProperty channel="X" name="resolution" value="1000" units="1/cm"/>
+          <inkml:channelProperty channel="Y" name="resolution" value="1000" units="1/cm"/>
+          <inkml:channelProperty channel="F" name="resolution" value="0" units="1/dev"/>
+          <inkml:channelProperty channel="OA" name="resolution" value="1000" units="1/deg"/>
+          <inkml:channelProperty channel="OE" name="resolution" value="1000" units="1/deg"/>
+        </inkml:channelProperties>
+      </inkml:inkSource>
+      <inkml:timestamp xml:id="ts0" timeString="2021-07-14T16:31:30.097"/>
+    </inkml:context>
+    <inkml:brush xml:id="br0">
+      <inkml:brushProperty name="width" value="0.05" units="cm"/>
+      <inkml:brushProperty name="height" value="0.05" units="cm"/>
+      <inkml:brushProperty name="color" value="#FF0066"/>
+    </inkml:brush>
+  </inkml:definitions>
+  <inkml:trace contextRef="#ctx0" brushRef="#br0">104 296 11976 0 0,'0'0'546'0'0,"-4"0"182"0"0,1 1-607 0 0,1 0-1 0 0,-1 0 1 0 0,1 0-1 0 0,0 1 0 0 0,-1-1 1 0 0,1 1-1 0 0,0-1 1 0 0,0 1-1 0 0,0 0 1 0 0,0 0-1 0 0,0-1 0 0 0,1 1 1 0 0,-4 5-1 0 0,-20 33 3815 0 0,21-33-3593 0 0,-2 7 297 0 0,0 0 0 0 0,0 0 0 0 0,2 1 0 0 0,0 0 0 0 0,-4 26 0 0 0,6-28-271 0 0,1-9-226 0 0,1 0 0 0 0,-1-1-1 0 0,1 1 1 0 0,0 0 0 0 0,1 0 0 0 0,-1 0-1 0 0,1-1 1 0 0,-1 1 0 0 0,1 0-1 0 0,0-1 1 0 0,2 5 0 0 0,-3-7-120 0 0,1 0-1 0 0,-1 0 1 0 0,1 0 0 0 0,-1 0 0 0 0,1 0 0 0 0,0 0-1 0 0,-1 0 1 0 0,1 0 0 0 0,0-1 0 0 0,0 1 0 0 0,-1 0-1 0 0,1 0 1 0 0,0-1 0 0 0,0 1 0 0 0,0-1 0 0 0,0 1 0 0 0,0 0-1 0 0,0-1 1 0 0,0 0 0 0 0,0 1 0 0 0,0-1 0 0 0,0 0-1 0 0,0 1 1 0 0,0-1 0 0 0,1 0 0 0 0,-1 0 0 0 0,0 0-1 0 0,0 0 1 0 0,0 0 0 0 0,0 0 0 0 0,0 0 0 0 0,0-1-1 0 0,0 1 1 0 0,0 0 0 0 0,0-1 0 0 0,0 1 0 0 0,0 0 0 0 0,0-1-1 0 0,0 1 1 0 0,2-2 0 0 0,2-1 146 0 0,0-1-1 0 0,0 1 1 0 0,0-1 0 0 0,0 0-1 0 0,-1 0 1 0 0,0-1 0 0 0,0 1 0 0 0,0-1-1 0 0,6-10 1 0 0,1-5-239 0 0,12-27 0 0 0,-14 27 214 0 0,2-10-63 0 0,-1 0-1 0 0,-1-1 0 0 0,-2 0 1 0 0,6-45-1 0 0,5-23 983 0 0,-11 61-692 0 0,-4 20 68 0 0,1 1 0 0 0,11-31 0 0 0,-15 48-430 0 0,0 1 0 0 0,0-1 0 0 0,0 0 0 0 0,0 0 0 0 0,0 0 0 0 0,0 0 1 0 0,0 0-1 0 0,0 0 0 0 0,0 0 0 0 0,0 0 0 0 0,0 0 0 0 0,0 0 0 0 0,0 0 0 0 0,0 0 0 0 0,0 0 0 0 0,1 0 0 0 0,-1 0 0 0 0,0 0 0 0 0,0 0 0 0 0,0 0 0 0 0,0 0 0 0 0,0 0 1 0 0,0 0-1 0 0,0 0 0 0 0,0 0 0 0 0,0 1 0 0 0,0-1 0 0 0,0 0 0 0 0,0 0 0 0 0,0 0 0 0 0,0 0 0 0 0,0 0 0 0 0,0 0 0 0 0,1 0 0 0 0,-1 0 0 0 0,0 0 0 0 0,0-1 1 0 0,0 1-1 0 0,0 0 0 0 0,0 0 0 0 0,0 0 0 0 0,0 0 0 0 0,0 0 0 0 0,0 0 0 0 0,0 0 0 0 0,0 0 0 0 0,0 0 0 0 0,0 0 0 0 0,0 0 0 0 0,0 0 0 0 0,0 0 0 0 0,0 0 0 0 0,0 0 1 0 0,0 0-1 0 0,0 0 0 0 0,1 0 0 0 0,-1 0 0 0 0,0 0 0 0 0,0 0 0 0 0,0 0 0 0 0,0 0 0 0 0,0-1 0 0 0,0 1 0 0 0,0 0 0 0 0,0 0 0 0 0,0 0 0 0 0,2 9 148 0 0,0 13-92 0 0,-6 18-173 0 0,2 0 0 0 0,2 1 0 0 0,2-1 0 0 0,8 52 0 0 0,-9-85-88 0 0,1 0 0 0 0,0 0 0 0 0,0 0 1 0 0,1 0-1 0 0,0-1 0 0 0,0 1 0 0 0,4 5 1 0 0,-5-9-147 0 0,0 0 1 0 0,0 0-1 0 0,0-1 0 0 0,1 1 1 0 0,-1-1-1 0 0,1 0 1 0 0,-1 1-1 0 0,1-1 1 0 0,0 0-1 0 0,-1 0 1 0 0,1-1-1 0 0,0 1 1 0 0,0-1-1 0 0,1 1 1 0 0,-1-1-1 0 0,5 1 1 0 0,6-1-8355 0 0</inkml:trace>
+</inkml:ink>
+</file>
+
+<file path=ppt/ink/ink35.xml><?xml version="1.0" encoding="utf-8"?>
+<inkml:ink xmlns:inkml="http://www.w3.org/2003/InkML">
+  <inkml:definitions>
+    <inkml:context xml:id="ctx0">
+      <inkml:inkSource xml:id="inkSrc0">
+        <inkml:traceFormat>
+          <inkml:channel name="X" type="integer" min="-2.14748E9" max="2.14748E9" units="cm"/>
+          <inkml:channel name="Y" type="integer" min="-2.14748E9" max="2.14748E9" units="cm"/>
+          <inkml:channel name="F" type="integer" max="32767" units="dev"/>
+          <inkml:channel name="OA" type="integer" max="360" units="deg"/>
+          <inkml:channel name="OE" type="integer" max="90" units="deg"/>
+        </inkml:traceFormat>
+        <inkml:channelProperties>
+          <inkml:channelProperty channel="X" name="resolution" value="1000" units="1/cm"/>
+          <inkml:channelProperty channel="Y" name="resolution" value="1000" units="1/cm"/>
+          <inkml:channelProperty channel="F" name="resolution" value="0" units="1/dev"/>
+          <inkml:channelProperty channel="OA" name="resolution" value="1000" units="1/deg"/>
+          <inkml:channelProperty channel="OE" name="resolution" value="1000" units="1/deg"/>
+        </inkml:channelProperties>
+      </inkml:inkSource>
+      <inkml:timestamp xml:id="ts0" timeString="2021-07-14T16:31:30.504"/>
+    </inkml:context>
+    <inkml:brush xml:id="br0">
+      <inkml:brushProperty name="width" value="0.05" units="cm"/>
+      <inkml:brushProperty name="height" value="0.05" units="cm"/>
+      <inkml:brushProperty name="color" value="#FF0066"/>
+    </inkml:brush>
+  </inkml:definitions>
+  <inkml:trace contextRef="#ctx0" brushRef="#br0">69 1 17047 0 0,'0'0'388'0'0,"-17"2"1096"0"0,13 0-1252 0 0,1 0 0 0 0,0 0 0 0 0,0 0 0 0 0,0 1 0 0 0,0-1 0 0 0,0 1 0 0 0,0 0 0 0 0,1-1-1 0 0,-1 1 1 0 0,1 0 0 0 0,-1 0 0 0 0,1 1 0 0 0,0-1 0 0 0,1 0 0 0 0,-1 1 0 0 0,1-1 0 0 0,-1 1-1 0 0,1 0 1 0 0,0-1 0 0 0,0 1 0 0 0,0 7 0 0 0,-1 5 268 0 0,2 0 1 0 0,0 0-1 0 0,3 29 1 0 0,-3-43-514 0 0,1 2 105 0 0,0 0 0 0 0,0-1-1 0 0,0 1 1 0 0,0-1 0 0 0,1 1 0 0 0,-1-1 0 0 0,1 1 0 0 0,0-1 0 0 0,4 6 0 0 0,-5-8-77 0 0,-1 0 0 0 0,1 0 0 0 0,0-1 1 0 0,-1 1-1 0 0,1 0 0 0 0,0 0 0 0 0,0-1 1 0 0,0 1-1 0 0,0-1 0 0 0,-1 1 0 0 0,1-1 1 0 0,0 1-1 0 0,0-1 0 0 0,0 1 0 0 0,0-1 1 0 0,0 0-1 0 0,0 0 0 0 0,0 1 0 0 0,0-1 1 0 0,0 0-1 0 0,0 0 0 0 0,0 0 0 0 0,0 0 1 0 0,0 0-1 0 0,0 0 0 0 0,0 0 1 0 0,0-1-1 0 0,0 1 0 0 0,0 0 0 0 0,0-1 1 0 0,0 1-1 0 0,0 0 0 0 0,0-1 0 0 0,0 1 1 0 0,0-1-1 0 0,0 0 0 0 0,0 1 0 0 0,0-1 1 0 0,-1 1-1 0 0,1-1 0 0 0,0 0 0 0 0,-1 0 1 0 0,1 0-1 0 0,1-1 0 0 0,0-1-3 0 0,0 0 0 0 0,0 0-1 0 0,0-1 1 0 0,0 1 0 0 0,-1-1 0 0 0,1 1-1 0 0,-1-1 1 0 0,0 1 0 0 0,0-1 0 0 0,0 0-1 0 0,-1 0 1 0 0,1 1 0 0 0,-1-1 0 0 0,0-5-1 0 0,4-25 256 0 0,-2 23 219 0 0,0 0 1 0 0,0-1 0 0 0,-2-19-1 0 0,0 28-409 0 0,1-2 603 0 0,2 9 89 0 0,2 2-572 0 0,7 11-99 0 0,-1 1-1 0 0,15 31 1 0 0,-14-26-39 0 0,-9-17-113 0 0,0 0 0 0 0,0-1 1 0 0,0 0-1 0 0,1 0 0 0 0,0 0 0 0 0,0 0 0 0 0,0-1 0 0 0,0 1 1 0 0,1-1-1 0 0,9 7 0 0 0,-13-11-94 0 0,-1 1 0 0 0,1-1 0 0 0,0 1-1 0 0,0-1 1 0 0,0 1 0 0 0,0-1 0 0 0,0 1 0 0 0,0-1 0 0 0,0 0 0 0 0,1 0-1 0 0,-1 0 1 0 0,0 0 0 0 0,0 0 0 0 0,0 0 0 0 0,0 0 0 0 0,0 0-1 0 0,0 0 1 0 0,0 0 0 0 0,0 0 0 0 0,0-1 0 0 0,0 1 0 0 0,0 0 0 0 0,0-1-1 0 0,0 1 1 0 0,2-2 0 0 0,3 0-1272 0 0,2-2-5186 0 0</inkml:trace>
+</inkml:ink>
+</file>
+
+<file path=ppt/ink/ink36.xml><?xml version="1.0" encoding="utf-8"?>
+<inkml:ink xmlns:inkml="http://www.w3.org/2003/InkML">
+  <inkml:definitions>
+    <inkml:context xml:id="ctx0">
+      <inkml:inkSource xml:id="inkSrc0">
+        <inkml:traceFormat>
+          <inkml:channel name="X" type="integer" min="-2.14748E9" max="2.14748E9" units="cm"/>
+          <inkml:channel name="Y" type="integer" min="-2.14748E9" max="2.14748E9" units="cm"/>
+          <inkml:channel name="F" type="integer" max="32767" units="dev"/>
+          <inkml:channel name="OA" type="integer" max="360" units="deg"/>
+          <inkml:channel name="OE" type="integer" max="90" units="deg"/>
+        </inkml:traceFormat>
+        <inkml:channelProperties>
+          <inkml:channelProperty channel="X" name="resolution" value="1000" units="1/cm"/>
+          <inkml:channelProperty channel="Y" name="resolution" value="1000" units="1/cm"/>
+          <inkml:channelProperty channel="F" name="resolution" value="0" units="1/dev"/>
+          <inkml:channelProperty channel="OA" name="resolution" value="1000" units="1/deg"/>
+          <inkml:channelProperty channel="OE" name="resolution" value="1000" units="1/deg"/>
+        </inkml:channelProperties>
+      </inkml:inkSource>
+      <inkml:timestamp xml:id="ts0" timeString="2021-07-14T16:31:30.874"/>
+    </inkml:context>
+    <inkml:brush xml:id="br0">
+      <inkml:brushProperty name="width" value="0.05" units="cm"/>
+      <inkml:brushProperty name="height" value="0.05" units="cm"/>
+      <inkml:brushProperty name="color" value="#FF0066"/>
+    </inkml:brush>
+  </inkml:definitions>
+  <inkml:trace contextRef="#ctx0" brushRef="#br0">88 6 21191 0 0,'0'0'1606'0'0,"-3"12"-884"0"0,3-4-570 0 0,1 0-1 0 0,0 0 0 0 0,0-1 0 0 0,0 1 0 0 0,1 0 1 0 0,0-1-1 0 0,1 1 0 0 0,-1-1 0 0 0,2 0 0 0 0,-1 0 1 0 0,5 8-1 0 0,-6-14-232 0 0,-1 1 0 0 0,0-1 0 0 0,0 1 0 0 0,1-1-1 0 0,-1 0 1 0 0,0 0 0 0 0,1 0 0 0 0,-1 0 0 0 0,1 0 0 0 0,0 0 0 0 0,-1 0 0 0 0,3 1 0 0 0,13 2-6736 0 0,-7-4-702 0 0</inkml:trace>
+  <inkml:trace contextRef="#ctx0" brushRef="#br0" timeOffset="1">351 1 23039 0 0,'0'0'528'0'0,"-12"5"1259"0"0,0 3-1604 0 0,1 0-1 0 0,0 1 1 0 0,1 0 0 0 0,0 1 0 0 0,1 0-1 0 0,-9 11 1 0 0,9-10 191 0 0,-45 61 1162 0 0,-41 59-420 0 0,67-90-1125 0 0,10-12-570 0 0,-22 48 0 0 0,34-65-222 0 0,-1 5-891 0 0</inkml:trace>
+</inkml:ink>
+</file>
+
+<file path=ppt/ink/ink37.xml><?xml version="1.0" encoding="utf-8"?>
+<inkml:ink xmlns:inkml="http://www.w3.org/2003/InkML">
+  <inkml:definitions>
+    <inkml:context xml:id="ctx0">
+      <inkml:inkSource xml:id="inkSrc0">
+        <inkml:traceFormat>
+          <inkml:channel name="X" type="integer" min="-2.14748E9" max="2.14748E9" units="cm"/>
+          <inkml:channel name="Y" type="integer" min="-2.14748E9" max="2.14748E9" units="cm"/>
+          <inkml:channel name="F" type="integer" max="32767" units="dev"/>
+          <inkml:channel name="OA" type="integer" max="360" units="deg"/>
+          <inkml:channel name="OE" type="integer" max="90" units="deg"/>
+        </inkml:traceFormat>
+        <inkml:channelProperties>
+          <inkml:channelProperty channel="X" name="resolution" value="1000" units="1/cm"/>
+          <inkml:channelProperty channel="Y" name="resolution" value="1000" units="1/cm"/>
+          <inkml:channelProperty channel="F" name="resolution" value="0" units="1/dev"/>
+          <inkml:channelProperty channel="OA" name="resolution" value="1000" units="1/deg"/>
+          <inkml:channelProperty channel="OE" name="resolution" value="1000" units="1/deg"/>
+        </inkml:channelProperties>
+      </inkml:inkSource>
+      <inkml:timestamp xml:id="ts0" timeString="2021-07-14T16:31:41.829"/>
+    </inkml:context>
+    <inkml:brush xml:id="br0">
+      <inkml:brushProperty name="width" value="0.05" units="cm"/>
+      <inkml:brushProperty name="height" value="0.05" units="cm"/>
+      <inkml:brushProperty name="color" value="#FF0066"/>
+    </inkml:brush>
+  </inkml:definitions>
+  <inkml:trace contextRef="#ctx0" brushRef="#br0">60 225 12320 0 0,'-9'-2'1118'0'0,"-15"-5"-768"0"0,22 7-38 0 0,0-1-1 0 0,1 0 1 0 0,-1 0 0 0 0,0 0 0 0 0,1 0 0 0 0,-1 0 0 0 0,1 0 0 0 0,0 0 0 0 0,-1 0 0 0 0,1-1 0 0 0,0 1 0 0 0,0-1 0 0 0,0 1 0 0 0,0 0-1 0 0,0-1 1 0 0,0 0 0 0 0,0 1 0 0 0,0-1 0 0 0,0 0 0 0 0,0-1 0 0 0,1 2-243 0 0,1 1 0 0 0,-1-1 0 0 0,0 0 0 0 0,0 1 0 0 0,1-1 0 0 0,-1 1 0 0 0,0-1 1 0 0,1 1-1 0 0,-1-1 0 0 0,0 1 0 0 0,1 0 0 0 0,-1-1 0 0 0,1 1 0 0 0,-1-1 0 0 0,1 1 0 0 0,-1 0 0 0 0,1-1 0 0 0,-1 1 0 0 0,1 0 0 0 0,-1-1 0 0 0,1 1 0 0 0,-1 0 0 0 0,1 0 1 0 0,0 0-1 0 0,-1 0 0 0 0,1-1 0 0 0,-1 1 0 0 0,1 0 0 0 0,0 0 0 0 0,-1 0 0 0 0,1 0 0 0 0,-1 0 0 0 0,1 0 0 0 0,0 1 0 0 0,-1-1 0 0 0,1 0 0 0 0,0 0 0 0 0,23 5 614 0 0,69 29 235 0 0,-29-10-376 0 0,-43-16-358 0 0,1-2 0 0 0,0 0 0 0 0,0-1 0 0 0,1-2 0 0 0,-1 0 1 0 0,1-1-1 0 0,42-3 0 0 0,-28-1 101 0 0,1-2 1 0 0,-1-1-1 0 0,46-14 0 0 0,-62 13-146 0 0,0 0 136 0 0,29-12-1 0 0,-49 18-263 0 0,-1 0 0 0 0,0 0-1 0 0,0 0 1 0 0,1 0 0 0 0,-1 0 0 0 0,0-1-1 0 0,1 1 1 0 0,-1 0 0 0 0,0 0 0 0 0,1 0-1 0 0,-1 0 1 0 0,0 0 0 0 0,0-1 0 0 0,1 1 0 0 0,-1 0-1 0 0,0 0 1 0 0,0 0 0 0 0,0-1 0 0 0,1 1-1 0 0,-1 0 1 0 0,0 0 0 0 0,0-1 0 0 0,0 1-1 0 0,0 0 1 0 0,1-1 0 0 0,-1 1 0 0 0,0 0-1 0 0,0 0 1 0 0,0-1 0 0 0,0 1 0 0 0,0 0-1 0 0,0-1 1 0 0,0 1 0 0 0,0 0 0 0 0,0-1 0 0 0,0 1-1 0 0,0 0 1 0 0,0-1 0 0 0,0 1 0 0 0,0 0-1 0 0,0-1 1 0 0,0 1 0 0 0,0 0 0 0 0,0 0-1 0 0,-1-1 1 0 0,1 1 0 0 0,0 0 0 0 0,0-1-1 0 0,0 1 1 0 0,-1 0 0 0 0,1 0 0 0 0,0 0-1 0 0,0-1 1 0 0,0 1 0 0 0,-1 0 0 0 0,1-1-1 0 0,-21-11 127 0 0,13 7-51 0 0,-72-37 99 0 0,25 15-126 0 0,37 17-48 0 0,0 0-1 0 0,0-1 1 0 0,2-1 0 0 0,-1-1-1 0 0,-23-23 1 0 0,33 30-13 0 0,6 6 3 0 0,0-1 0 0 0,0 1 0 0 0,0-1 0 0 0,0 0 0 0 0,0 1 0 0 0,0-1 0 0 0,0 0 0 0 0,0 0 0 0 0,1 0 0 0 0,-1 0 0 0 0,0 0 0 0 0,0-2 0 0 0,2 3 9 0 0,0-1 1 0 0,0 1-1 0 0,0 0 1 0 0,0-1 0 0 0,0 1-1 0 0,0 0 1 0 0,0 0-1 0 0,0 0 1 0 0,0 0-1 0 0,0 0 1 0 0,2 0-1 0 0,94 13 7 0 0,-55-6 19 0 0,69 3 1 0 0,-54-12 63 0 0,-34 0-34 0 0,-1 2 1 0 0,0 0-1 0 0,1 2 0 0 0,27 4 1 0 0,-47-5-51 0 0,1 0 1 0 0,0 0-1 0 0,-1 0 1 0 0,1 0-1 0 0,-1 1 1 0 0,0-1-1 0 0,7 5 1 0 0,-9-5-11 0 0,0 0 0 0 0,-1-1 0 0 0,1 1 0 0 0,0 0 0 0 0,-1 0 0 0 0,1 0 0 0 0,0 0 0 0 0,-1 0 0 0 0,1 0 0 0 0,-1 0 0 0 0,0 0 0 0 0,1 0 0 0 0,-1 0 0 0 0,0 0 0 0 0,1 0 0 0 0,-1 0 0 0 0,0 0 0 0 0,0 0 1 0 0,0 1-1 0 0,0-1 0 0 0,0 0 0 0 0,0 0 0 0 0,0 0 0 0 0,-1 0 0 0 0,1 0 0 0 0,0 0 0 0 0,0 0 0 0 0,-1 0 0 0 0,1 0 0 0 0,-1 0 0 0 0,0 2 0 0 0,-9 16 214 0 0,0-1 1 0 0,-1 0-1 0 0,-20 25 0 0 0,-46 44-373 0 0,37-42-31 0 0,24-29 367 0 0,-19 16-1 0 0,-13 13-1076 0 0,46-42 951 0 0</inkml:trace>
+</inkml:ink>
+</file>
+
+<file path=ppt/ink/ink38.xml><?xml version="1.0" encoding="utf-8"?>
+<inkml:ink xmlns:inkml="http://www.w3.org/2003/InkML">
+  <inkml:definitions>
+    <inkml:context xml:id="ctx0">
+      <inkml:inkSource xml:id="inkSrc0">
+        <inkml:traceFormat>
+          <inkml:channel name="X" type="integer" min="-2.14748E9" max="2.14748E9" units="cm"/>
+          <inkml:channel name="Y" type="integer" min="-2.14748E9" max="2.14748E9" units="cm"/>
+          <inkml:channel name="F" type="integer" max="32767" units="dev"/>
+          <inkml:channel name="OA" type="integer" max="360" units="deg"/>
+          <inkml:channel name="OE" type="integer" max="90" units="deg"/>
+        </inkml:traceFormat>
+        <inkml:channelProperties>
+          <inkml:channelProperty channel="X" name="resolution" value="1000" units="1/cm"/>
+          <inkml:channelProperty channel="Y" name="resolution" value="1000" units="1/cm"/>
+          <inkml:channelProperty channel="F" name="resolution" value="0" units="1/dev"/>
+          <inkml:channelProperty channel="OA" name="resolution" value="1000" units="1/deg"/>
+          <inkml:channelProperty channel="OE" name="resolution" value="1000" units="1/deg"/>
+        </inkml:channelProperties>
+      </inkml:inkSource>
+      <inkml:timestamp xml:id="ts0" timeString="2021-07-14T16:31:45.420"/>
+    </inkml:context>
+    <inkml:brush xml:id="br0">
+      <inkml:brushProperty name="width" value="0.05" units="cm"/>
+      <inkml:brushProperty name="height" value="0.05" units="cm"/>
+      <inkml:brushProperty name="color" value="#FF0066"/>
+    </inkml:brush>
+  </inkml:definitions>
+  <inkml:trace contextRef="#ctx0" brushRef="#br0">195 59 6448 0 0,'0'0'585'0'0,"-2"1"-485"0"0,-3 3 49 0 0,2-3 330 0 0,-1 0-1 0 0,1 1 0 0 0,-1-1 0 0 0,0 0 0 0 0,1 0 0 0 0,-1-1 0 0 0,1 1 0 0 0,-1-1 0 0 0,0 0 0 0 0,0 0 0 0 0,1 0 0 0 0,-1 0 0 0 0,-6-2 1 0 0,-33-16 2726 0 0,30 15-2797 0 0,10 3-191 0 0,1-1 0 0 0,-1 1 1 0 0,0-1-1 0 0,1 0 0 0 0,0 1 1 0 0,-1-1-1 0 0,-2-2 0 0 0,-7 0 929 0 0,-1 1 892 0 0,8 0-2024 0 0,-15-6 2837 0 0,19 7-2032 0 0,2 1-176 0 0,11 3-320 0 0,32 7 233 0 0,0-1 1 0 0,75 3 0 0 0,92-12 236 0 0,-107-6-412 0 0,59-1-131 0 0,-12 0 21 0 0,-2 1 347 0 0,-148 6-611 0 0,75 0 69 0 0,135 16 0 0 0,-82 0 271 0 0,-111-15-291 0 0,0-1 0 0 0,0 0 0 0 0,0-1 0 0 0,0-1 0 0 0,20-5 0 0 0,-21 2-18 0 0,1-1 0 0 0,-1-1 1 0 0,0 0-1 0 0,25-15 1 0 0,-38 20 16 0 0,7-4-74 0 0,-10 6-71 0 0,3-2-2827 0 0</inkml:trace>
+</inkml:ink>
+</file>
+
+<file path=ppt/ink/ink39.xml><?xml version="1.0" encoding="utf-8"?>
+<inkml:ink xmlns:inkml="http://www.w3.org/2003/InkML">
+  <inkml:definitions>
+    <inkml:context xml:id="ctx0">
+      <inkml:inkSource xml:id="inkSrc0">
+        <inkml:traceFormat>
+          <inkml:channel name="X" type="integer" min="-2.14748E9" max="2.14748E9" units="cm"/>
+          <inkml:channel name="Y" type="integer" min="-2.14748E9" max="2.14748E9" units="cm"/>
+          <inkml:channel name="F" type="integer" max="32767" units="dev"/>
+          <inkml:channel name="OA" type="integer" max="360" units="deg"/>
+          <inkml:channel name="OE" type="integer" max="90" units="deg"/>
+        </inkml:traceFormat>
+        <inkml:channelProperties>
+          <inkml:channelProperty channel="X" name="resolution" value="1000" units="1/cm"/>
+          <inkml:channelProperty channel="Y" name="resolution" value="1000" units="1/cm"/>
+          <inkml:channelProperty channel="F" name="resolution" value="0" units="1/dev"/>
+          <inkml:channelProperty channel="OA" name="resolution" value="1000" units="1/deg"/>
+          <inkml:channelProperty channel="OE" name="resolution" value="1000" units="1/deg"/>
+        </inkml:channelProperties>
+      </inkml:inkSource>
+      <inkml:timestamp xml:id="ts0" timeString="2021-07-14T16:31:56.325"/>
+    </inkml:context>
+    <inkml:brush xml:id="br0">
+      <inkml:brushProperty name="width" value="0.05" units="cm"/>
+      <inkml:brushProperty name="height" value="0.05" units="cm"/>
+      <inkml:brushProperty name="color" value="#FF0066"/>
+    </inkml:brush>
+  </inkml:definitions>
+  <inkml:trace contextRef="#ctx0" brushRef="#br0">169 10 4144 0 0,'0'0'319'0'0,"-15"7"1855"0"0,7-4-339 0 0,-1-1 0 0 0,-13 1 1 0 0,19-3-1591 0 0,0 0 1 0 0,0 0 0 0 0,0 0 0 0 0,0 0-1 0 0,1 0 1 0 0,-1-1 0 0 0,0 1 0 0 0,0-1-1 0 0,0 0 1 0 0,1 0 0 0 0,-6-3 0 0 0,0-1 813 0 0,-12-6 1028 0 0,18 10-1954 0 0,0 1-1 0 0,0 0 1 0 0,0 1 0 0 0,0-1-1 0 0,0 0 1 0 0,0 1 0 0 0,0-1-1 0 0,0 1 1 0 0,0-1-1 0 0,0 1 1 0 0,0 0 0 0 0,0 0-1 0 0,0 0 1 0 0,0 0 0 0 0,0 0-1 0 0,1 1 1 0 0,-1-1-1 0 0,0 0 1 0 0,1 1 0 0 0,-3 3-1 0 0,3-5 34 0 0,-4 14 371 0 0,5-12-499 0 0,1 0-1 0 0,-1-1 1 0 0,0 1 0 0 0,1 0 0 0 0,-1-1-1 0 0,1 1 1 0 0,-1-1 0 0 0,1 1-1 0 0,0-1 1 0 0,0 1 0 0 0,0-1-1 0 0,0 1 1 0 0,0-1 0 0 0,0 0 0 0 0,0 0-1 0 0,0 1 1 0 0,0-1 0 0 0,1 0-1 0 0,-1 0 1 0 0,0 0 0 0 0,2 1-1 0 0,5 2 96 0 0,0 0-1 0 0,15 6 1 0 0,-9-4 21 0 0,-2-2-71 0 0,0 1 0 0 0,0-2 0 0 0,0 1-1 0 0,0-2 1 0 0,21 3 0 0 0,65-3 281 0 0,-69-2-261 0 0,311-5-116 0 0,-297 4 41 0 0,150 4 267 0 0,37-8 232 0 0,-104-1-20 0 0,150-16 625 0 0,-71 3-208 0 0,-143 17-546 0 0,31-3 361 0 0,-82 4-699 0 0,-9 1-34 0 0,0 0 1 0 0,1 0-1 0 0,-1-1 0 0 0,0 1 1 0 0,0 0-1 0 0,0-1 1 0 0,1 0-1 0 0,1 0 1 0 0,-3 0 67 0 0,-1 0 5 0 0,1 1-137 0 0,-1 0 1 0 0,0-1-1 0 0,0 1 1 0 0,0-1-1 0 0,0 1 0 0 0,0 0 1 0 0,0-1-1 0 0,0 1 0 0 0,0 0 1 0 0,0-1-1 0 0,0 1 1 0 0,0-1-1 0 0,0 1 0 0 0,0 0 1 0 0,-1-1-1 0 0,1 1 0 0 0,0 0 1 0 0,0-1-1 0 0,0 1 1 0 0,0 0-1 0 0,-1-1 0 0 0,1 1 1 0 0,0 0-1 0 0,0-1 0 0 0,-1 1 1 0 0,1 0-1 0 0,0 0 1 0 0,0-1-1 0 0,-1 1 0 0 0,-1-1-381 0 0,-1-5-785 0 0</inkml:trace>
+</inkml:ink>
+</file>
+
+<file path=ppt/ink/ink4.xml><?xml version="1.0" encoding="utf-8"?>
+<inkml:ink xmlns:inkml="http://www.w3.org/2003/InkML">
+  <inkml:definitions>
+    <inkml:context xml:id="ctx0">
+      <inkml:inkSource xml:id="inkSrc0">
+        <inkml:traceFormat>
+          <inkml:channel name="X" type="integer" min="-2.14748E9" max="2.14748E9" units="cm"/>
+          <inkml:channel name="Y" type="integer" min="-2.14748E9" max="2.14748E9" units="cm"/>
+          <inkml:channel name="F" type="integer" max="32767" units="dev"/>
+          <inkml:channel name="OA" type="integer" max="360" units="deg"/>
+          <inkml:channel name="OE" type="integer" max="90" units="deg"/>
+        </inkml:traceFormat>
+        <inkml:channelProperties>
+          <inkml:channelProperty channel="X" name="resolution" value="1000" units="1/cm"/>
+          <inkml:channelProperty channel="Y" name="resolution" value="1000" units="1/cm"/>
+          <inkml:channelProperty channel="F" name="resolution" value="0" units="1/dev"/>
+          <inkml:channelProperty channel="OA" name="resolution" value="1000" units="1/deg"/>
+          <inkml:channelProperty channel="OE" name="resolution" value="1000" units="1/deg"/>
+        </inkml:channelProperties>
+      </inkml:inkSource>
+      <inkml:timestamp xml:id="ts0" timeString="2021-07-14T16:31:00.425"/>
+    </inkml:context>
+    <inkml:brush xml:id="br0">
+      <inkml:brushProperty name="width" value="0.05" units="cm"/>
+      <inkml:brushProperty name="height" value="0.05" units="cm"/>
+      <inkml:brushProperty name="color" value="#FF0066"/>
+    </inkml:brush>
+  </inkml:definitions>
+  <inkml:trace contextRef="#ctx0" brushRef="#br0">153 1 4608 0 0,'-24'15'540'0'0,"12"-7"2514"0"0,-1 0-1 0 0,1 1 1 0 0,-19 18-1 0 0,26-22-2700 0 0,1 1 0 0 0,-1-1-1 0 0,-4 9 1 0 0,2 0 469 0 0,0-1-1 0 0,-9 28 1 0 0,14-36-634 0 0,0 0 1 0 0,1 0-1 0 0,0 0 1 0 0,0 0-1 0 0,1 0 0 0 0,-1 0 1 0 0,1 0-1 0 0,0 1 1 0 0,0-1-1 0 0,1 0 0 0 0,0 0 1 0 0,1 5-1 0 0,-2-8-121 0 0,1-1-1 0 0,-1 1 1 0 0,1-1-1 0 0,-1 1 1 0 0,1-1-1 0 0,0 1 0 0 0,-1-1 1 0 0,1 0-1 0 0,0 1 1 0 0,0-1-1 0 0,0 0 1 0 0,0 0-1 0 0,0 0 1 0 0,0 0-1 0 0,0 0 1 0 0,1 0-1 0 0,-1 0 0 0 0,0 0 1 0 0,1 0-1 0 0,-1 0 1 0 0,0-1-1 0 0,3 2 1 0 0,-2-2-21 0 0,0 0 0 0 0,1 0 0 0 0,-1 0 1 0 0,0 0-1 0 0,0 0 0 0 0,0-1 0 0 0,0 1 1 0 0,0-1-1 0 0,0 1 0 0 0,0-1 0 0 0,0 0 1 0 0,0 0-1 0 0,0 0 0 0 0,3-1 0 0 0,3-4 32 0 0,0 0-1 0 0,-1 0 1 0 0,1-1-1 0 0,-1 0 0 0 0,12-15 1 0 0,-11 11-28 0 0,13-15 259 0 0,-2 0 0 0 0,24-46 0 0 0,-27 44-709 0 0,3-8-4933 0 0</inkml:trace>
+</inkml:ink>
+</file>
+
+<file path=ppt/ink/ink40.xml><?xml version="1.0" encoding="utf-8"?>
+<inkml:ink xmlns:inkml="http://www.w3.org/2003/InkML">
+  <inkml:definitions>
+    <inkml:context xml:id="ctx0">
+      <inkml:inkSource xml:id="inkSrc0">
+        <inkml:traceFormat>
+          <inkml:channel name="X" type="integer" min="-2.14748E9" max="2.14748E9" units="cm"/>
+          <inkml:channel name="Y" type="integer" min="-2.14748E9" max="2.14748E9" units="cm"/>
+          <inkml:channel name="F" type="integer" max="32767" units="dev"/>
+          <inkml:channel name="OA" type="integer" max="360" units="deg"/>
+          <inkml:channel name="OE" type="integer" max="90" units="deg"/>
+        </inkml:traceFormat>
+        <inkml:channelProperties>
+          <inkml:channelProperty channel="X" name="resolution" value="1000" units="1/cm"/>
+          <inkml:channelProperty channel="Y" name="resolution" value="1000" units="1/cm"/>
+          <inkml:channelProperty channel="F" name="resolution" value="0" units="1/dev"/>
+          <inkml:channelProperty channel="OA" name="resolution" value="1000" units="1/deg"/>
+          <inkml:channelProperty channel="OE" name="resolution" value="1000" units="1/deg"/>
+        </inkml:channelProperties>
+      </inkml:inkSource>
+      <inkml:timestamp xml:id="ts0" timeString="2021-07-14T16:31:57.973"/>
+    </inkml:context>
+    <inkml:brush xml:id="br0">
+      <inkml:brushProperty name="width" value="0.05" units="cm"/>
+      <inkml:brushProperty name="height" value="0.05" units="cm"/>
+      <inkml:brushProperty name="color" value="#FF0066"/>
+    </inkml:brush>
+  </inkml:definitions>
+  <inkml:trace contextRef="#ctx0" brushRef="#br0">133 32 5064 0 0,'0'0'389'0'0,"-14"-9"4314"0"0,11 8-4754 0 0,1-1 1 0 0,-1 0 0 0 0,0 1 0 0 0,0-1-1 0 0,0 1 1 0 0,0 0 0 0 0,0-1 0 0 0,0 2-1 0 0,0-1 1 0 0,-5-1 0 0 0,-34 1-285 0 0,32 1 923 0 0,9 0-276 0 0,-1 0 161 0 0,-1-1 0 0 0,0 1 0 0 0,1-1 0 0 0,-1 1 0 0 0,1-1 0 0 0,-1 0 0 0 0,-7-1 7144 0 0,11 10-7340 0 0,1-6-220 0 0,1 1-1 0 0,0-1 1 0 0,-1 0 0 0 0,1 0 0 0 0,0 0 0 0 0,0-1 0 0 0,0 1-1 0 0,0-1 1 0 0,4 2 0 0 0,33 8 76 0 0,-5-2-45 0 0,32 9 43 0 0,-25-7 70 0 0,1-2 0 0 0,0-2 1 0 0,0-1-1 0 0,79-2 0 0 0,216-13 692 0 0,-112 1-838 0 0,-38 13-64 0 0,-123-2 104 0 0,151 13 321 0 0,67 2 162 0 0,179-5 605 0 0,-425-11-1145 0 0,361 11 335 0 0,-340-17-141 0 0,0-1 0 0 0,0-3 0 0 0,57-17 1 0 0,-77 17-28 0 0,-37 8-214 0 0,0 0-1 0 0,0-1 1 0 0,0 1-1 0 0,0 0 1 0 0,0 0 0 0 0,0 0-1 0 0,0 0 1 0 0,0 0-1 0 0,0 0 1 0 0,0 1-1 0 0,2-1 1 0 0,-3 0-9 0 0,0 1-1 0 0,0-1 1 0 0,1 0 0 0 0,-1 0-1 0 0,0 0 1 0 0,1 0 0 0 0,-1 1-1 0 0,0-1 1 0 0,0 0 0 0 0,0 0 0 0 0,1 1-1 0 0,-1-1 1 0 0,0 0 0 0 0,0 1-1 0 0,0-1 1 0 0,1 0 0 0 0,-1 0-1 0 0,0 1 1 0 0,0-1 0 0 0,0 0 0 0 0,0 1-1 0 0,0-1 1 0 0,-1 9-2513 0 0,-1-2-3914 0 0</inkml:trace>
+</inkml:ink>
+</file>
+
+<file path=ppt/ink/ink41.xml><?xml version="1.0" encoding="utf-8"?>
+<inkml:ink xmlns:inkml="http://www.w3.org/2003/InkML">
+  <inkml:definitions>
+    <inkml:context xml:id="ctx0">
+      <inkml:inkSource xml:id="inkSrc0">
+        <inkml:traceFormat>
+          <inkml:channel name="X" type="integer" min="-2.14748E9" max="2.14748E9" units="cm"/>
+          <inkml:channel name="Y" type="integer" min="-2.14748E9" max="2.14748E9" units="cm"/>
+          <inkml:channel name="F" type="integer" max="32767" units="dev"/>
+          <inkml:channel name="OA" type="integer" max="360" units="deg"/>
+          <inkml:channel name="OE" type="integer" max="90" units="deg"/>
+        </inkml:traceFormat>
+        <inkml:channelProperties>
+          <inkml:channelProperty channel="X" name="resolution" value="1000" units="1/cm"/>
+          <inkml:channelProperty channel="Y" name="resolution" value="1000" units="1/cm"/>
+          <inkml:channelProperty channel="F" name="resolution" value="0" units="1/dev"/>
+          <inkml:channelProperty channel="OA" name="resolution" value="1000" units="1/deg"/>
+          <inkml:channelProperty channel="OE" name="resolution" value="1000" units="1/deg"/>
+        </inkml:channelProperties>
+      </inkml:inkSource>
+      <inkml:timestamp xml:id="ts0" timeString="2021-07-14T16:32:04.106"/>
+    </inkml:context>
+    <inkml:brush xml:id="br0">
+      <inkml:brushProperty name="width" value="0.05" units="cm"/>
+      <inkml:brushProperty name="height" value="0.05" units="cm"/>
+      <inkml:brushProperty name="color" value="#FF0066"/>
+    </inkml:brush>
+  </inkml:definitions>
+  <inkml:trace contextRef="#ctx0" brushRef="#br0">161 255 2304 0 0,'-7'-3'-396'0'0,"-18"-9"1689"0"0,19 9-163 0 0,0 0 0 0 0,0-1 0 0 0,0 1 0 0 0,0-1 0 0 0,1-1 0 0 0,-1 1 0 0 0,-5-7 0 0 0,-48-47 4986 0 0,51 51-5013 0 0,-1-4 1996 0 0,34 4-1187 0 0,18 9-1018 0 0,76 13 0 0 0,-99-12-746 0 0,117 12 572 0 0,-42-3-116 0 0,102 0 0 0 0,-17-21-1037 0 0,-162 6 777 0 0,1 0 0 0 0,34-12 0 0 0,-52 15-331 0 0,0 0 1 0 0,0 0 0 0 0,0 0-1 0 0,0-1 1 0 0,0 1-1 0 0,0 0 1 0 0,0-1 0 0 0,0 1-1 0 0,0-1 1 0 0,0 0-1 0 0,-1 1 1 0 0,1-1 0 0 0,0 1-1 0 0,0-1 1 0 0,0 0 0 0 0,-1 0-1 0 0,1 0 1 0 0,0 1-1 0 0,-1-1 1 0 0,1 0 0 0 0,-1 0-1 0 0,1 0 1 0 0,-1 0-1 0 0,1 0 1 0 0,-1 0 0 0 0,0 0-1 0 0,1 0 1 0 0,-1 0-1 0 0,0 0 1 0 0,0 0 0 0 0,0 0-1 0 0,0 0 1 0 0,0 0-1 0 0,0 0 1 0 0,0 0 0 0 0,0-1-1 0 0,0 1 1 0 0,0 0 0 0 0,-1 0-1 0 0,1 0 1 0 0,-1-1-1 0 0,-1-2 10 0 0,1 1 0 0 0,-1 1 0 0 0,0-1 0 0 0,0 0-1 0 0,-1 0 1 0 0,1 1 0 0 0,0-1 0 0 0,-1 1 0 0 0,1-1-1 0 0,-1 1 1 0 0,-6-3 0 0 0,-16-8-17 0 0,-2 1 0 0 0,1 1 0 0 0,-1 1 0 0 0,-1 2 0 0 0,0 1 0 0 0,0 1 0 0 0,0 1 0 0 0,-1 1 0 0 0,-39 1 0 0 0,42 7-55 0 0,14-2 34 0 0,12-2 15 0 0,0 0-1 0 0,0 0 0 0 0,-1 0 1 0 0,1 1-1 0 0,0-1 1 0 0,0 0-1 0 0,0 0 0 0 0,-1 0 1 0 0,1 0-1 0 0,0 0 1 0 0,0 1-1 0 0,0-1 1 0 0,-1 0-1 0 0,1 0 0 0 0,0 0 1 0 0,0 1-1 0 0,0-1 1 0 0,0 0-1 0 0,0 0 1 0 0,0 1-1 0 0,-1-1 0 0 0,1 0 1 0 0,0 0-1 0 0,0 0 1 0 0,0 1-1 0 0,0-1 1 0 0,0 0-1 0 0,0 0 0 0 0,0 1 1 0 0,0-1-1 0 0,0 0 1 0 0,0 0-1 0 0,0 1 1 0 0,0-1-1 0 0,0 0 0 0 0,1 0 1 0 0,-1 1-1 0 0,0-1 1 0 0,0 0-1 0 0,0 0 1 0 0,0 1-1 0 0,0-1 0 0 0,0 0 1 0 0,0 0-1 0 0,1 0 1 0 0,-1 1-1 0 0,0-1 1 0 0,0 0-1 0 0,0 0 0 0 0,1 0 1 0 0,6 10-46 0 0,-2-6 38 0 0,1 0 0 0 0,-1-1 0 0 0,1 1 0 0 0,-1-1-1 0 0,10 3 1 0 0,-3 0 4 0 0,-1-1 11 0 0,0-1-1 0 0,0 0 1 0 0,0-1 0 0 0,23 4-1 0 0,49 0 59 0 0,-10-1-24 0 0,-55-5-12 0 0,-15-1-5 0 0,-1 0 1 0 0,1 0-1 0 0,0 0 1 0 0,0 1-1 0 0,0-1 1 0 0,0 1-1 0 0,0-1 1 0 0,-1 1 0 0 0,1 0-1 0 0,0 0 1 0 0,-1 1-1 0 0,4 1 1 0 0,-5-1-62 0 0,-1 1 0 0 0,-1-1 0 0 0,1 0 0 0 0,0 1 1 0 0,0-1-1 0 0,-1 0 0 0 0,-1 3 0 0 0,-2 4 119 0 0,0 0 0 0 0,-1 0-1 0 0,-1-1 1 0 0,1 0 0 0 0,-1 0 0 0 0,-1-1 0 0 0,-7 8-1 0 0,2-1 50 0 0,-56 59 77 0 0,-21 25-1218 0 0,81-86-66 0 0,4-2-47 0 0</inkml:trace>
+</inkml:ink>
+</file>
+
+<file path=ppt/ink/ink42.xml><?xml version="1.0" encoding="utf-8"?>
+<inkml:ink xmlns:inkml="http://www.w3.org/2003/InkML">
+  <inkml:definitions>
+    <inkml:context xml:id="ctx0">
+      <inkml:inkSource xml:id="inkSrc0">
+        <inkml:traceFormat>
+          <inkml:channel name="X" type="integer" min="-2.14748E9" max="2.14748E9" units="cm"/>
+          <inkml:channel name="Y" type="integer" min="-2.14748E9" max="2.14748E9" units="cm"/>
+          <inkml:channel name="F" type="integer" max="32767" units="dev"/>
+          <inkml:channel name="OA" type="integer" max="360" units="deg"/>
+          <inkml:channel name="OE" type="integer" max="90" units="deg"/>
+        </inkml:traceFormat>
+        <inkml:channelProperties>
+          <inkml:channelProperty channel="X" name="resolution" value="1000" units="1/cm"/>
+          <inkml:channelProperty channel="Y" name="resolution" value="1000" units="1/cm"/>
+          <inkml:channelProperty channel="F" name="resolution" value="0" units="1/dev"/>
+          <inkml:channelProperty channel="OA" name="resolution" value="1000" units="1/deg"/>
+          <inkml:channelProperty channel="OE" name="resolution" value="1000" units="1/deg"/>
+        </inkml:channelProperties>
+      </inkml:inkSource>
+      <inkml:timestamp xml:id="ts0" timeString="2021-07-14T16:32:09.759"/>
+    </inkml:context>
+    <inkml:brush xml:id="br0">
+      <inkml:brushProperty name="width" value="0.05" units="cm"/>
+      <inkml:brushProperty name="height" value="0.05" units="cm"/>
+      <inkml:brushProperty name="color" value="#FF0066"/>
+    </inkml:brush>
+  </inkml:definitions>
+  <inkml:trace contextRef="#ctx0" brushRef="#br0">131 90 2760 0 0,'-2'2'17'0'0,"-1"-1"0"0"0,1 1 0 0 0,0 0 0 0 0,-1-1 0 0 0,0 1 0 0 0,1-1 0 0 0,-1 0 0 0 0,0 0 0 0 0,0 0 0 0 0,1 0 0 0 0,-1 0 0 0 0,0-1 0 0 0,0 1 0 0 0,0-1 0 0 0,-5 0 0 0 0,-13 1 3528 0 0,-15 0 5192 0 0,15-5-6210 0 0,16 1 421 0 0,11 3 797 0 0,2 0-4240 0 0,52 4 1099 0 0,-1 2 0 0 0,94 21 0 0 0,-51-7 456 0 0,-34-8-648 0 0,136 6 0 0 0,-201-18-427 0 0,27-1 201 0 0,-29 1-145 0 0,1 0-1 0 0,-1 0 1 0 0,1 0 0 0 0,-1 0-1 0 0,1-1 1 0 0,-1 1-1 0 0,1-1 1 0 0,-1 1 0 0 0,1-1-1 0 0,-1 1 1 0 0,1-1-1 0 0,-1 0 1 0 0,0 0 0 0 0,3-1-1 0 0,-4 1-26 0 0,0 1 0 0 0,0-1 0 0 0,0 1 0 0 0,0 0 0 0 0,0-1 0 0 0,0 1 0 0 0,0-1-1 0 0,0 1 1 0 0,0 0 0 0 0,0-1 0 0 0,0 1 0 0 0,0-1 0 0 0,0 1 0 0 0,0-1 0 0 0,0 1 0 0 0,0 0 0 0 0,0-1 0 0 0,0 1-1 0 0,0-1 1 0 0,-1 1 0 0 0,1 0 0 0 0,0-1 0 0 0,0 1 0 0 0,-1 0 0 0 0,1-1 0 0 0,-9-9 130 0 0,6 8-94 0 0,-2-3 8 0 0,0 0 0 0 0,-1 0-1 0 0,0 1 1 0 0,0 0 0 0 0,0 0 0 0 0,-11-4-1 0 0,-44-15 101 0 0,27 10-152 0 0,-73-23-6 0 0,101 34 5 0 0,-8-4 8 0 0,-1 1 0 0 0,0 1 0 0 0,-1 0 1 0 0,1 1-1 0 0,-22-1 0 0 0,40 4 1 0 0,0 1 1 0 0,0-1-1 0 0,0 1 1 0 0,1 0-1 0 0,-1 0 0 0 0,3 1 1 0 0,14 4 16 0 0,-5-4-6 0 0,1-2-1 0 0,-1 0 1 0 0,1-1 0 0 0,-1 0-1 0 0,1-1 1 0 0,-1-1-1 0 0,17-5 1 0 0,38-6 242 0 0,-52 12-222 0 0,-9 0-23 0 0,0 1 0 0 0,1 0 0 0 0,-1 0 0 0 0,0 1 0 0 0,11 1 0 0 0,-18-1-9 0 0,0 1 0 0 0,0-1 0 0 0,0 1 0 0 0,0-1 0 0 0,0 1 0 0 0,0 0 0 0 0,-1-1 0 0 0,1 1 0 0 0,0 0 0 0 0,0 0 0 0 0,-1 1 0 0 0,1-1 0 0 0,0 0 0 0 0,-1 0 0 0 0,0 1 0 0 0,1-1 0 0 0,-1 1 0 0 0,0-1 1 0 0,0 1-1 0 0,1 0 0 0 0,-1-1 0 0 0,0 1 0 0 0,-1 0 0 0 0,1 0 0 0 0,0 0 0 0 0,0 0 0 0 0,-1-1 0 0 0,1 1 0 0 0,-1 4 0 0 0,1-1 13 0 0,-1 0 0 0 0,0 1-1 0 0,0-1 1 0 0,0 1 0 0 0,-1-1 0 0 0,0 0 0 0 0,0 0 0 0 0,0 1-1 0 0,-1-1 1 0 0,1 0 0 0 0,-1 0 0 0 0,-1 0 0 0 0,-2 5-1 0 0,-5 7 69 0 0,-1 0 0 0 0,-17 18 0 0 0,-3 7 95 0 0,7-13-185 0 0,17-21-27 0 0,-1 1 0 0 0,1 0 0 0 0,-9 15 0 0 0,16-23-437 0 0</inkml:trace>
+</inkml:ink>
+</file>
+
+<file path=ppt/ink/ink43.xml><?xml version="1.0" encoding="utf-8"?>
+<inkml:ink xmlns:inkml="http://www.w3.org/2003/InkML">
+  <inkml:definitions>
+    <inkml:context xml:id="ctx0">
+      <inkml:inkSource xml:id="inkSrc0">
+        <inkml:traceFormat>
+          <inkml:channel name="X" type="integer" min="-2.14748E9" max="2.14748E9" units="cm"/>
+          <inkml:channel name="Y" type="integer" min="-2.14748E9" max="2.14748E9" units="cm"/>
+          <inkml:channel name="F" type="integer" max="32767" units="dev"/>
+          <inkml:channel name="OA" type="integer" max="360" units="deg"/>
+          <inkml:channel name="OE" type="integer" max="90" units="deg"/>
+        </inkml:traceFormat>
+        <inkml:channelProperties>
+          <inkml:channelProperty channel="X" name="resolution" value="1000" units="1/cm"/>
+          <inkml:channelProperty channel="Y" name="resolution" value="1000" units="1/cm"/>
+          <inkml:channelProperty channel="F" name="resolution" value="0" units="1/dev"/>
+          <inkml:channelProperty channel="OA" name="resolution" value="1000" units="1/deg"/>
+          <inkml:channelProperty channel="OE" name="resolution" value="1000" units="1/deg"/>
+        </inkml:channelProperties>
+      </inkml:inkSource>
+      <inkml:timestamp xml:id="ts0" timeString="2021-07-14T16:32:22.939"/>
+    </inkml:context>
+    <inkml:brush xml:id="br0">
+      <inkml:brushProperty name="width" value="0.05" units="cm"/>
+      <inkml:brushProperty name="height" value="0.05" units="cm"/>
+      <inkml:brushProperty name="color" value="#FF0066"/>
+    </inkml:brush>
+  </inkml:definitions>
+  <inkml:trace contextRef="#ctx0" brushRef="#br0">35 8 9440 0 0,'0'0'432'0'0,"-22"0"1530"0"0,10 3 2486 0 0,12-3-4302 0 0,0 0 1 0 0,0 0-1 0 0,0 1 0 0 0,0-1 1 0 0,0 0-1 0 0,0 1 0 0 0,0-1 0 0 0,0 0 1 0 0,0 0-1 0 0,0 1 0 0 0,0-1 0 0 0,0 0 1 0 0,0 0-1 0 0,0 1 0 0 0,0-1 1 0 0,1 0-1 0 0,-1 0 0 0 0,0 1 0 0 0,0-1 1 0 0,0 0-1 0 0,0 0 0 0 0,1 0 0 0 0,-1 1 1 0 0,0-1-1 0 0,0 0 0 0 0,1 0 1 0 0,-1 0-1 0 0,0 0 0 0 0,0 0 0 0 0,0 1 1 0 0,1-1-1 0 0,-1 0 0 0 0,0 0 0 0 0,1 0 1 0 0,-1 0-1 0 0,0 0 0 0 0,0 0 0 0 0,1 0 1 0 0,-1 0-1 0 0,1 0 0 0 0,10 5 567 0 0,-1 0-535 0 0,0 0 0 0 0,0-1 0 0 0,0-1 1 0 0,1 1-1 0 0,12 1 0 0 0,-4-3-118 0 0,32 3-30 0 0,89-13 279 0 0,1 1-282 0 0,312 2 2044 0 0,-312-4-1865 0 0,3 0-179 0 0,17 6 5 0 0,-4 0 0 0 0,-29 12-13 0 0,-3 1 16 0 0,-30-8 225 0 0,61-2 441 0 0,-128-1-588 0 0,243-23 815 0 0,-227 21-561 0 0,70 2 1 0 0,-47 3-103 0 0,-16-2-28 0 0,-50-1-181 0 0,2-3-204 0 0,-7 4-2885 0 0</inkml:trace>
+</inkml:ink>
+</file>
+
+<file path=ppt/ink/ink44.xml><?xml version="1.0" encoding="utf-8"?>
+<inkml:ink xmlns:inkml="http://www.w3.org/2003/InkML">
+  <inkml:definitions>
+    <inkml:context xml:id="ctx0">
+      <inkml:inkSource xml:id="inkSrc0">
+        <inkml:traceFormat>
+          <inkml:channel name="X" type="integer" min="-2.14748E9" max="2.14748E9" units="cm"/>
+          <inkml:channel name="Y" type="integer" min="-2.14748E9" max="2.14748E9" units="cm"/>
+          <inkml:channel name="F" type="integer" max="32767" units="dev"/>
+          <inkml:channel name="OA" type="integer" max="360" units="deg"/>
+          <inkml:channel name="OE" type="integer" max="90" units="deg"/>
+        </inkml:traceFormat>
+        <inkml:channelProperties>
+          <inkml:channelProperty channel="X" name="resolution" value="1000" units="1/cm"/>
+          <inkml:channelProperty channel="Y" name="resolution" value="1000" units="1/cm"/>
+          <inkml:channelProperty channel="F" name="resolution" value="0" units="1/dev"/>
+          <inkml:channelProperty channel="OA" name="resolution" value="1000" units="1/deg"/>
+          <inkml:channelProperty channel="OE" name="resolution" value="1000" units="1/deg"/>
+        </inkml:channelProperties>
+      </inkml:inkSource>
+      <inkml:timestamp xml:id="ts0" timeString="2021-07-14T16:32:26.012"/>
+    </inkml:context>
+    <inkml:brush xml:id="br0">
+      <inkml:brushProperty name="width" value="0.05" units="cm"/>
+      <inkml:brushProperty name="height" value="0.05" units="cm"/>
+      <inkml:brushProperty name="color" value="#FF0066"/>
+    </inkml:brush>
+  </inkml:definitions>
+  <inkml:trace contextRef="#ctx0" brushRef="#br0">9 2 4608 0 0,'-8'-2'15279'0'0,"8"4"-15192"0"0,0-1 0 0 0,0 0 0 0 0,1 1 0 0 0,-1-1 0 0 0,0 1 0 0 0,1-1-1 0 0,-1 0 1 0 0,1 1 0 0 0,0-1 0 0 0,-1 0 0 0 0,1 1 0 0 0,0-1 0 0 0,0 0 0 0 0,0 0-1 0 0,0 0 1 0 0,0 0 0 0 0,0 0 0 0 0,0 0 0 0 0,0 0 0 0 0,0 0 0 0 0,1 0 0 0 0,-1 0-1 0 0,0-1 1 0 0,1 1 0 0 0,1 0 0 0 0,4 2 85 0 0,1 0-1 0 0,0-1 1 0 0,12 2-1 0 0,-10-2-12 0 0,46 8 394 0 0,87 5-1 0 0,-135-15-585 0 0,341 15 161 0 0,-343-15-128 0 0,270-6 154 0 0,-62 0 31 0 0,-34 5 185 0 0,194 2 401 0 0,-67 16-355 0 0,-52-2 0 0 0,585-7 416 0 0,-648-9-586 0 0,-106 1-103 0 0,289 26 436 0 0,-270-22-392 0 0,-81-4-154 0 0,12-2-32 0 0,-28-1-449 0 0</inkml:trace>
+</inkml:ink>
+</file>
+
+<file path=ppt/ink/ink45.xml><?xml version="1.0" encoding="utf-8"?>
+<inkml:ink xmlns:inkml="http://www.w3.org/2003/InkML">
+  <inkml:definitions>
+    <inkml:context xml:id="ctx0">
+      <inkml:inkSource xml:id="inkSrc0">
+        <inkml:traceFormat>
+          <inkml:channel name="X" type="integer" min="-2.14748E9" max="2.14748E9" units="cm"/>
+          <inkml:channel name="Y" type="integer" min="-2.14748E9" max="2.14748E9" units="cm"/>
+          <inkml:channel name="F" type="integer" max="32767" units="dev"/>
+          <inkml:channel name="OA" type="integer" max="360" units="deg"/>
+          <inkml:channel name="OE" type="integer" max="90" units="deg"/>
+        </inkml:traceFormat>
+        <inkml:channelProperties>
+          <inkml:channelProperty channel="X" name="resolution" value="1000" units="1/cm"/>
+          <inkml:channelProperty channel="Y" name="resolution" value="1000" units="1/cm"/>
+          <inkml:channelProperty channel="F" name="resolution" value="0" units="1/dev"/>
+          <inkml:channelProperty channel="OA" name="resolution" value="1000" units="1/deg"/>
+          <inkml:channelProperty channel="OE" name="resolution" value="1000" units="1/deg"/>
+        </inkml:channelProperties>
+      </inkml:inkSource>
+      <inkml:timestamp xml:id="ts0" timeString="2021-07-14T16:32:32.154"/>
+    </inkml:context>
+    <inkml:brush xml:id="br0">
+      <inkml:brushProperty name="width" value="0.05" units="cm"/>
+      <inkml:brushProperty name="height" value="0.05" units="cm"/>
+      <inkml:brushProperty name="color" value="#FF0066"/>
+    </inkml:brush>
+  </inkml:definitions>
+  <inkml:trace contextRef="#ctx0" brushRef="#br0">74 87 9672 0 0,'-13'-1'680'0'0,"8"1"-334"0"0,1-1 1 0 0,-1 1-1 0 0,1-1 0 0 0,-1 0 0 0 0,1 0 1 0 0,-1 0-1 0 0,1-1 0 0 0,0 0 0 0 0,0 0 1 0 0,-6-3-1 0 0,10 5-251 0 0,-1 0 0 0 0,1-1 0 0 0,-1 1 0 0 0,1 0 1 0 0,-1-1-1 0 0,1 1 0 0 0,-1-1 0 0 0,1 1 0 0 0,0-1 0 0 0,-1 1 0 0 0,1-1 1 0 0,0 1-1 0 0,-1-1 0 0 0,1 0 0 0 0,0 1 0 0 0,0-1 0 0 0,0 1 0 0 0,-1-1 1 0 0,1 0-1 0 0,0 1 0 0 0,0-1 0 0 0,0 1 0 0 0,0-1 0 0 0,0 0 0 0 0,0 1 1 0 0,0-1-1 0 0,0 0 0 0 0,0 1 0 0 0,1-1 0 0 0,-1 1 0 0 0,0-1 1 0 0,0 0-1 0 0,0 1 0 0 0,1-2 0 0 0,0 2-21 0 0,-1-1 0 0 0,1 0 0 0 0,0 1 0 0 0,-1-1 1 0 0,1 1-1 0 0,0-1 0 0 0,-1 1 0 0 0,1-1 0 0 0,0 1 0 0 0,0-1 0 0 0,0 1 0 0 0,-1 0 0 0 0,1-1 1 0 0,0 1-1 0 0,1-1 0 0 0,7 0 468 0 0,0 0 0 0 0,0 0 0 0 0,16 1-1 0 0,56 10 845 0 0,-40-4-801 0 0,71 17 472 0 0,-32-6-618 0 0,104 10-44 0 0,-111-16-222 0 0,-56-9-8 0 0,30 0 1 0 0,-41-2-120 0 0,1 0 0 0 0,-1-1 0 0 0,0 0 0 0 0,1 0 1 0 0,-1 0-1 0 0,0-1 0 0 0,11-4 0 0 0,-16 5-26 0 0,0 1 0 0 0,-1 0 0 0 0,1-1 0 0 0,-1 1 0 0 0,1 0 0 0 0,-1-1 0 0 0,1 1 0 0 0,-1-1 0 0 0,1 1-1 0 0,-1-1 1 0 0,1 1 0 0 0,-1-1 0 0 0,0 1 0 0 0,1-1 0 0 0,-1 1 0 0 0,0-1 0 0 0,1 0 0 0 0,-1 1 0 0 0,0-1 0 0 0,0 1 0 0 0,0-1 0 0 0,1 0 0 0 0,-1 1-1 0 0,0-1 1 0 0,0 0 0 0 0,0 1 0 0 0,0-1 0 0 0,0 0 0 0 0,0 1 0 0 0,0-1 0 0 0,0 0 0 0 0,-1 1 0 0 0,1-1 0 0 0,0 0 0 0 0,0 1 0 0 0,0-1-1 0 0,-1 1 1 0 0,1-1 0 0 0,0 0 0 0 0,-1 1 0 0 0,1-1 0 0 0,-1 1 0 0 0,1-1 0 0 0,0 1 0 0 0,-2-1 0 0 0,-2-4 22 0 0,0 0 0 0 0,-1 1 0 0 0,-9-8 0 0 0,11 10-4 0 0,-4-4-26 0 0,-1 1 1 0 0,0 0-1 0 0,-1 1 1 0 0,1 0-1 0 0,-1 0 1 0 0,-14-3 0 0 0,5 2 8 0 0,0 1 1 0 0,-24-3 0 0 0,34 6-22 0 0,1 1 0 0 0,-1 0 0 0 0,1 0 0 0 0,-1 1 0 0 0,1 0 0 0 0,-10 2 0 0 0,23-3 0 0 0,-1-1 0 0 0,1 1 0 0 0,9 0 0 0 0,20 0 0 0 0,17-10 71 0 0,-32 6-8 0 0,0 0-1 0 0,0 2 1 0 0,0 0 0 0 0,30 1-1 0 0,-47 1-47 0 0,-1 1 1 0 0,1-1-1 0 0,-1 1 0 0 0,1-1 1 0 0,-1 1-1 0 0,1 0 0 0 0,-1-1 0 0 0,1 1 1 0 0,-1 1-1 0 0,0-1 0 0 0,0 0 0 0 0,1 0 1 0 0,-1 1-1 0 0,0 0 0 0 0,0-1 0 0 0,0 1 1 0 0,-1 0-1 0 0,1 0 0 0 0,2 2 1 0 0,-3-1 4 0 0,0 0 1 0 0,0-1 0 0 0,0 1 0 0 0,0-1 0 0 0,0 1-1 0 0,0 0 1 0 0,-1 0 0 0 0,1 0 0 0 0,-1-1 0 0 0,0 1-1 0 0,0 0 1 0 0,0 0 0 0 0,0 0 0 0 0,-1 0 0 0 0,1-1 0 0 0,-1 1-1 0 0,-1 3 1 0 0,-5 19 60 0 0,-2-1 0 0 0,0 0 0 0 0,-2-1 0 0 0,0 0 0 0 0,-2-1-1 0 0,-1 0 1 0 0,0-1 0 0 0,-27 29 0 0 0,-9 1-660 0 0,81-63-10636 0 0,-15 4 3930 0 0</inkml:trace>
+</inkml:ink>
+</file>
+
+<file path=ppt/ink/ink46.xml><?xml version="1.0" encoding="utf-8"?>
+<inkml:ink xmlns:inkml="http://www.w3.org/2003/InkML">
+  <inkml:definitions>
+    <inkml:context xml:id="ctx0">
+      <inkml:inkSource xml:id="inkSrc0">
+        <inkml:traceFormat>
+          <inkml:channel name="X" type="integer" min="-2.14748E9" max="2.14748E9" units="cm"/>
+          <inkml:channel name="Y" type="integer" min="-2.14748E9" max="2.14748E9" units="cm"/>
+          <inkml:channel name="F" type="integer" max="32767" units="dev"/>
+          <inkml:channel name="OA" type="integer" max="360" units="deg"/>
+          <inkml:channel name="OE" type="integer" max="90" units="deg"/>
+        </inkml:traceFormat>
+        <inkml:channelProperties>
+          <inkml:channelProperty channel="X" name="resolution" value="1000" units="1/cm"/>
+          <inkml:channelProperty channel="Y" name="resolution" value="1000" units="1/cm"/>
+          <inkml:channelProperty channel="F" name="resolution" value="0" units="1/dev"/>
+          <inkml:channelProperty channel="OA" name="resolution" value="1000" units="1/deg"/>
+          <inkml:channelProperty channel="OE" name="resolution" value="1000" units="1/deg"/>
+        </inkml:channelProperties>
+      </inkml:inkSource>
+      <inkml:timestamp xml:id="ts0" timeString="2021-07-14T16:32:32.532"/>
+    </inkml:context>
+    <inkml:brush xml:id="br0">
+      <inkml:brushProperty name="width" value="0.05" units="cm"/>
+      <inkml:brushProperty name="height" value="0.05" units="cm"/>
+      <inkml:brushProperty name="color" value="#FF0066"/>
+    </inkml:brush>
+  </inkml:definitions>
+  <inkml:trace contextRef="#ctx0" brushRef="#br0">217 4 17503 0 0,'-14'-3'1338'0'0,"11"3"-1289"0"0,-1 0 0 0 0,0-1 0 0 0,1 1 0 0 0,-1 0-1 0 0,1 1 1 0 0,-1-1 0 0 0,0 1 0 0 0,1 0 0 0 0,-1-1 0 0 0,1 1 0 0 0,0 1 0 0 0,-1-1 0 0 0,-3 2 0 0 0,1 1 162 0 0,0 0 1 0 0,0 0-1 0 0,0 0 1 0 0,0 1-1 0 0,1 0 1 0 0,-6 6-1 0 0,-1 4 462 0 0,1 0-1 0 0,0 1 1 0 0,0 0-1 0 0,-8 19 1 0 0,11-18-81 0 0,1 0 0 0 0,-10 31 0 0 0,15-40-454 0 0,0 1 0 0 0,1 0 0 0 0,0-1 1 0 0,0 1-1 0 0,1 0 0 0 0,0 0 0 0 0,2 15 0 0 0,-2-21-131 0 0,0-1 0 0 0,1 1 1 0 0,0-1-1 0 0,-1 1 0 0 0,1-1 1 0 0,0 0-1 0 0,0 1 0 0 0,0-1 0 0 0,0 0 1 0 0,1 0-1 0 0,-1 1 0 0 0,1-1 1 0 0,-1 0-1 0 0,1-1 0 0 0,0 1 0 0 0,0 0 1 0 0,0 0-1 0 0,0-1 0 0 0,0 1 1 0 0,0-1-1 0 0,0 0 0 0 0,0 1 0 0 0,1-1 1 0 0,-1 0-1 0 0,0 0 0 0 0,1 0 0 0 0,-1-1 1 0 0,1 1-1 0 0,-1-1 0 0 0,1 1 1 0 0,-1-1-1 0 0,4 0 0 0 0,2 0-66 0 0,0-1 0 0 0,0 1-1 0 0,0-2 1 0 0,0 1 0 0 0,0-1-1 0 0,0 0 1 0 0,0-1 0 0 0,13-6 0 0 0,92-53-3843 0 0,-85 44 2150 0 0</inkml:trace>
+</inkml:ink>
+</file>
+
+<file path=ppt/ink/ink47.xml><?xml version="1.0" encoding="utf-8"?>
+<inkml:ink xmlns:inkml="http://www.w3.org/2003/InkML">
+  <inkml:definitions>
+    <inkml:context xml:id="ctx0">
+      <inkml:inkSource xml:id="inkSrc0">
+        <inkml:traceFormat>
+          <inkml:channel name="X" type="integer" min="-2.14748E9" max="2.14748E9" units="cm"/>
+          <inkml:channel name="Y" type="integer" min="-2.14748E9" max="2.14748E9" units="cm"/>
+          <inkml:channel name="F" type="integer" max="32767" units="dev"/>
+          <inkml:channel name="OA" type="integer" max="360" units="deg"/>
+          <inkml:channel name="OE" type="integer" max="90" units="deg"/>
+        </inkml:traceFormat>
+        <inkml:channelProperties>
+          <inkml:channelProperty channel="X" name="resolution" value="1000" units="1/cm"/>
+          <inkml:channelProperty channel="Y" name="resolution" value="1000" units="1/cm"/>
+          <inkml:channelProperty channel="F" name="resolution" value="0" units="1/dev"/>
+          <inkml:channelProperty channel="OA" name="resolution" value="1000" units="1/deg"/>
+          <inkml:channelProperty channel="OE" name="resolution" value="1000" units="1/deg"/>
+        </inkml:channelProperties>
+      </inkml:inkSource>
+      <inkml:timestamp xml:id="ts0" timeString="2021-07-14T16:32:32.923"/>
+    </inkml:context>
+    <inkml:brush xml:id="br0">
+      <inkml:brushProperty name="width" value="0.05" units="cm"/>
+      <inkml:brushProperty name="height" value="0.05" units="cm"/>
+      <inkml:brushProperty name="color" value="#FF0066"/>
+    </inkml:brush>
+  </inkml:definitions>
+  <inkml:trace contextRef="#ctx0" brushRef="#br0">169 13 4144 0 0,'0'0'149'0'0,"-1"-1"0"0"0,1 1 1 0 0,0-1-1 0 0,-1 1 0 0 0,1-1 0 0 0,0 0 0 0 0,-1 1 1 0 0,1-1-1 0 0,-1 1 0 0 0,1 0 0 0 0,-1-1 1 0 0,1 1-1 0 0,-1-1 0 0 0,1 1 0 0 0,-1 0 1 0 0,0-1-1 0 0,1 1 0 0 0,-1 0 0 0 0,1 0 1 0 0,-1-1-1 0 0,0 1 0 0 0,1 0 0 0 0,-2 0 0 0 0,-13-3 6947 0 0,11 3-6392 0 0,0 0 0 0 0,0 1 0 0 0,0-1 0 0 0,0 1 1 0 0,0 0-1 0 0,1 0 0 0 0,-1 1 0 0 0,0-1 0 0 0,-6 4 0 0 0,5-2-304 0 0,0 1-1 0 0,0 0 0 0 0,0-1 1 0 0,0 1-1 0 0,-7 9 1 0 0,5-4-123 0 0,0 1 0 0 0,1 0 0 0 0,0 0 1 0 0,0 0-1 0 0,1 1 0 0 0,-5 13 0 0 0,7-16-105 0 0,1-1-1 0 0,0 1 1 0 0,1-1-1 0 0,-2 14 1 0 0,3-19-152 0 0,0 0 1 0 0,0 0 0 0 0,0 0 0 0 0,0 0 0 0 0,0 0 0 0 0,0 0-1 0 0,1-1 1 0 0,-1 1 0 0 0,0 0 0 0 0,1 0 0 0 0,0 0 0 0 0,-1-1 0 0 0,1 1-1 0 0,0 0 1 0 0,0-1 0 0 0,0 1 0 0 0,0-1 0 0 0,0 1 0 0 0,0-1 0 0 0,1 1-1 0 0,-1-1 1 0 0,0 0 0 0 0,1 1 0 0 0,2 1 0 0 0,-2-3-12 0 0,0 1 0 0 0,0-1 0 0 0,0 0 0 0 0,0 1 0 0 0,0-1 0 0 0,0 0 1 0 0,0 0-1 0 0,0 0 0 0 0,0 0 0 0 0,0 0 0 0 0,0-1 0 0 0,0 1 0 0 0,0-1 0 0 0,0 1 0 0 0,0-1 1 0 0,0 0-1 0 0,0 0 0 0 0,3-2 0 0 0,3-1 6 0 0,0-1-1 0 0,12-10 1 0 0,59-55-1124 0 0,-39 33-7148 0 0,-20 20 308 0 0</inkml:trace>
+</inkml:ink>
+</file>
+
+<file path=ppt/ink/ink48.xml><?xml version="1.0" encoding="utf-8"?>
+<inkml:ink xmlns:inkml="http://www.w3.org/2003/InkML">
+  <inkml:definitions>
+    <inkml:context xml:id="ctx0">
+      <inkml:inkSource xml:id="inkSrc0">
+        <inkml:traceFormat>
+          <inkml:channel name="X" type="integer" min="-2.14748E9" max="2.14748E9" units="cm"/>
+          <inkml:channel name="Y" type="integer" min="-2.14748E9" max="2.14748E9" units="cm"/>
+          <inkml:channel name="F" type="integer" max="32767" units="dev"/>
+          <inkml:channel name="OA" type="integer" max="360" units="deg"/>
+          <inkml:channel name="OE" type="integer" max="90" units="deg"/>
+        </inkml:traceFormat>
+        <inkml:channelProperties>
+          <inkml:channelProperty channel="X" name="resolution" value="1000" units="1/cm"/>
+          <inkml:channelProperty channel="Y" name="resolution" value="1000" units="1/cm"/>
+          <inkml:channelProperty channel="F" name="resolution" value="0" units="1/dev"/>
+          <inkml:channelProperty channel="OA" name="resolution" value="1000" units="1/deg"/>
+          <inkml:channelProperty channel="OE" name="resolution" value="1000" units="1/deg"/>
+        </inkml:channelProperties>
+      </inkml:inkSource>
+      <inkml:timestamp xml:id="ts0" timeString="2021-07-14T16:32:33.312"/>
+    </inkml:context>
+    <inkml:brush xml:id="br0">
+      <inkml:brushProperty name="width" value="0.05" units="cm"/>
+      <inkml:brushProperty name="height" value="0.05" units="cm"/>
+      <inkml:brushProperty name="color" value="#FF0066"/>
+    </inkml:brush>
+  </inkml:definitions>
+  <inkml:trace contextRef="#ctx0" brushRef="#br0">187 258 14192 0 0,'-18'8'743'0'0,"0"2"1"0"0,1-1 0 0 0,1 2 0 0 0,-23 18 0 0 0,31-23-254 0 0,0 1 1 0 0,1 0-1 0 0,0 1 1 0 0,0 0-1 0 0,0 0 0 0 0,1 1 1 0 0,0 0-1 0 0,1 0 1 0 0,-8 18-1 0 0,12-23-368 0 0,0-1-1 0 0,0 1 0 0 0,0-1 0 0 0,1 1 0 0 0,-1-1 1 0 0,1 1-1 0 0,0 0 0 0 0,0-1 0 0 0,1 1 0 0 0,-1-1 1 0 0,1 1-1 0 0,1 5 0 0 0,-2-8-87 0 0,1 1-1 0 0,-1 0 1 0 0,1 0 0 0 0,0-1-1 0 0,0 1 1 0 0,0 0-1 0 0,0-1 1 0 0,0 1 0 0 0,0-1-1 0 0,0 0 1 0 0,0 1-1 0 0,1-1 1 0 0,-1 0 0 0 0,1 0-1 0 0,-1 1 1 0 0,1-1-1 0 0,-1 0 1 0 0,1-1 0 0 0,-1 1-1 0 0,1 0 1 0 0,0 0-1 0 0,-1-1 1 0 0,1 1 0 0 0,3 0-1 0 0,1 0 30 0 0,-1-1 0 0 0,1 0 0 0 0,0 0 0 0 0,0 0 0 0 0,0 0 0 0 0,-1-1 0 0 0,1 0 0 0 0,0-1 0 0 0,-1 1 0 0 0,1-1 0 0 0,5-2 0 0 0,-3 0 4 0 0,0-1 0 0 0,0 1 0 0 0,-1-1 0 0 0,0 0 1 0 0,0-1-1 0 0,10-10 0 0 0,-4 1-3 0 0,0-1-1 0 0,-2 0 1 0 0,0 0 0 0 0,0-1-1 0 0,14-34 1 0 0,-16 28 91 0 0,0 0 0 0 0,-1-1 0 0 0,-1-1 0 0 0,-1 1 0 0 0,-2-1 0 0 0,0 0 0 0 0,0-33 0 0 0,-2-34 1261 0 0,-2 91-1035 0 0,-3 18-244 0 0,-2 31 0 0 0,5-47-133 0 0,-3 197 157 0 0,3-130-133 0 0,0-58-27 0 0,0 17 11 0 0,5 37 0 0 0,-5-57-27 0 0,1-1 1 0 0,1 0-1 0 0,-1 1 0 0 0,1-1 0 0 0,0 0 1 0 0,1 0-1 0 0,-1 0 0 0 0,1 0 0 0 0,0-1 1 0 0,1 1-1 0 0,5 6 0 0 0,-7-9-175 0 0,0-1 0 0 0,0 0-1 0 0,0-1 1 0 0,0 1 0 0 0,1 0 0 0 0,-1-1-1 0 0,0 1 1 0 0,1-1 0 0 0,-1 0 0 0 0,1 0-1 0 0,5 2 1 0 0,-5-3-609 0 0,-1 1 0 0 0,0-1 0 0 0,0 0 0 0 0,1 0-1 0 0,-1 0 1 0 0,0 0 0 0 0,1 0 0 0 0,-1 0 0 0 0,3-2 0 0 0,15-4-7782 0 0</inkml:trace>
+  <inkml:trace contextRef="#ctx0" brushRef="#br0" timeOffset="1">578 168 21191 0 0,'-1'1'480'0'0,"-8"15"-117"0"0,0 0 0 0 0,1 1 0 0 0,1 0-1 0 0,-7 24 1 0 0,0-2 114 0 0,2-4 58 0 0,2 1 0 0 0,-7 39 0 0 0,16-51-883 0 0,1-23 175 0 0,0 0-1 0 0,0 0 1 0 0,0 0 0 0 0,0 0 0 0 0,0 0 0 0 0,0 0-1 0 0,1 0 1 0 0,-1 0 0 0 0,0 0 0 0 0,1 0 0 0 0,-1 0 0 0 0,1-1-1 0 0,-1 1 1 0 0,1 0 0 0 0,-1 0 0 0 0,1 0 0 0 0,-1-1-1 0 0,1 1 1 0 0,0 0 0 0 0,-1-1 0 0 0,3 2 0 0 0</inkml:trace>
+  <inkml:trace contextRef="#ctx0" brushRef="#br0" timeOffset="2">660 7 18863 0 0,'0'0'416'0'0,"0"9"80"0"0,-5-2 16 0 0,2 0 24 0 0,-3 4-432 0 0,1 1-104 0 0,2 1 0 0 0,0 1 0 0 0,-3 4-1352 0 0,3 0-296 0 0</inkml:trace>
+</inkml:ink>
+</file>
+
+<file path=ppt/ink/ink49.xml><?xml version="1.0" encoding="utf-8"?>
+<inkml:ink xmlns:inkml="http://www.w3.org/2003/InkML">
+  <inkml:definitions>
+    <inkml:context xml:id="ctx0">
+      <inkml:inkSource xml:id="inkSrc0">
+        <inkml:traceFormat>
+          <inkml:channel name="X" type="integer" min="-2.14748E9" max="2.14748E9" units="cm"/>
+          <inkml:channel name="Y" type="integer" min="-2.14748E9" max="2.14748E9" units="cm"/>
+          <inkml:channel name="F" type="integer" max="32767" units="dev"/>
+          <inkml:channel name="OA" type="integer" max="360" units="deg"/>
+          <inkml:channel name="OE" type="integer" max="90" units="deg"/>
+        </inkml:traceFormat>
+        <inkml:channelProperties>
+          <inkml:channelProperty channel="X" name="resolution" value="1000" units="1/cm"/>
+          <inkml:channelProperty channel="Y" name="resolution" value="1000" units="1/cm"/>
+          <inkml:channelProperty channel="F" name="resolution" value="0" units="1/dev"/>
+          <inkml:channelProperty channel="OA" name="resolution" value="1000" units="1/deg"/>
+          <inkml:channelProperty channel="OE" name="resolution" value="1000" units="1/deg"/>
+        </inkml:channelProperties>
+      </inkml:inkSource>
+      <inkml:timestamp xml:id="ts0" timeString="2021-07-14T16:32:33.702"/>
+    </inkml:context>
+    <inkml:brush xml:id="br0">
+      <inkml:brushProperty name="width" value="0.05" units="cm"/>
+      <inkml:brushProperty name="height" value="0.05" units="cm"/>
+      <inkml:brushProperty name="color" value="#FF0066"/>
+    </inkml:brush>
+  </inkml:definitions>
+  <inkml:trace contextRef="#ctx0" brushRef="#br0">4 322 5528 0 0,'0'0'497'0'0,"-3"-11"187"0"0,3 8 774 0 0,0 0-1 0 0,-1 0 1 0 0,2-1-1 0 0,-1 1 1 0 0,0 0-1 0 0,1 0 1 0 0,1-5-1 0 0,4-13 3498 0 0,-5 15-4422 0 0,11-53 2154 0 0,-1 2-1264 0 0,29-74 521 0 0,-37 125-1877 0 0,-3 6-67 0 0,0 0 0 0 0,0 0 0 0 0,0 0 1 0 0,0 0-1 0 0,0 0 0 0 0,0 0 0 0 0,0 0 1 0 0,1-1-1 0 0,-1 1 0 0 0,0 0 0 0 0,0 0 1 0 0,0 0-1 0 0,0 0 0 0 0,0 0 0 0 0,0 0 1 0 0,0 0-1 0 0,0 0 0 0 0,1 0 0 0 0,-1 0 0 0 0,0 0 1 0 0,0 0-1 0 0,0 0 0 0 0,0 0 0 0 0,0 0 1 0 0,0 0-1 0 0,0 0 0 0 0,1 0 0 0 0,-1 0 1 0 0,0 0-1 0 0,0 0 0 0 0,0 0 0 0 0,0 0 1 0 0,0 0-1 0 0,0 0 0 0 0,0 0 0 0 0,1 0 0 0 0,-1 1 1 0 0,0-1-1 0 0,0 0 0 0 0,0 0 0 0 0,0 0 1 0 0,0 0-1 0 0,0 0 0 0 0,0 0 0 0 0,0 0 1 0 0,0 0-1 0 0,0 0 0 0 0,0 0 0 0 0,0 1 1 0 0,0-1-1 0 0,1 0 0 0 0,-1 0 0 0 0,0 0 1 0 0,0 0-1 0 0,0 0 0 0 0,0 0 0 0 0,0 0 0 0 0,0 1 1 0 0,0-1-1 0 0,0 0 0 0 0,0 0 0 0 0,0 0 1 0 0,0 0-1 0 0,0 0 0 0 0,0 0 0 0 0,-1 0 1 0 0,1 1-1 0 0,0-1 0 0 0,0 0 0 0 0,1 11-2 0 0,-1-10 1 0 0,4 30-7 0 0,9 60-64 0 0,-11-81 62 0 0,1 1-1 0 0,0 0 1 0 0,1-1 0 0 0,0 0 0 0 0,0 0-1 0 0,7 10 1 0 0,-9-17 36 0 0,-1-1-1 0 0,0 0 1 0 0,1 0-1 0 0,0 0 1 0 0,-1 0-1 0 0,1 0 1 0 0,0-1-1 0 0,0 1 1 0 0,0 0-1 0 0,0-1 1 0 0,0 1-1 0 0,0-1 1 0 0,1 0-1 0 0,-1 0 1 0 0,0 0-1 0 0,1 0 1 0 0,-1 0-1 0 0,1 0 1 0 0,-1-1-1 0 0,1 1 1 0 0,-1-1-1 0 0,6 0 1 0 0,-5 0 20 0 0,1-1-1 0 0,0 1 1 0 0,0-1 0 0 0,-1 0 0 0 0,1-1 0 0 0,-1 1 0 0 0,1-1 0 0 0,-1 1 0 0 0,1-1 0 0 0,-1 0 0 0 0,0 0 0 0 0,0-1 0 0 0,0 1 0 0 0,0-1-1 0 0,3-2 1 0 0,6-10-173 0 0,0 0 0 0 0,0-1-1 0 0,-2-1 1 0 0,0 0 0 0 0,-1 0-1 0 0,9-23 1 0 0,-5 12-914 0 0,6-4-2989 0 0,-10 15-5216 0 0</inkml:trace>
+</inkml:ink>
+</file>
+
+<file path=ppt/ink/ink5.xml><?xml version="1.0" encoding="utf-8"?>
+<inkml:ink xmlns:inkml="http://www.w3.org/2003/InkML">
+  <inkml:definitions>
+    <inkml:context xml:id="ctx0">
+      <inkml:inkSource xml:id="inkSrc0">
+        <inkml:traceFormat>
+          <inkml:channel name="X" type="integer" min="-2.14748E9" max="2.14748E9" units="cm"/>
+          <inkml:channel name="Y" type="integer" min="-2.14748E9" max="2.14748E9" units="cm"/>
+          <inkml:channel name="F" type="integer" max="32767" units="dev"/>
+          <inkml:channel name="OA" type="integer" max="360" units="deg"/>
+          <inkml:channel name="OE" type="integer" max="90" units="deg"/>
+        </inkml:traceFormat>
+        <inkml:channelProperties>
+          <inkml:channelProperty channel="X" name="resolution" value="1000" units="1/cm"/>
+          <inkml:channelProperty channel="Y" name="resolution" value="1000" units="1/cm"/>
+          <inkml:channelProperty channel="F" name="resolution" value="0" units="1/dev"/>
+          <inkml:channelProperty channel="OA" name="resolution" value="1000" units="1/deg"/>
+          <inkml:channelProperty channel="OE" name="resolution" value="1000" units="1/deg"/>
+        </inkml:channelProperties>
+      </inkml:inkSource>
+      <inkml:timestamp xml:id="ts0" timeString="2021-07-14T16:31:00.788"/>
+    </inkml:context>
+    <inkml:brush xml:id="br0">
+      <inkml:brushProperty name="width" value="0.05" units="cm"/>
+      <inkml:brushProperty name="height" value="0.05" units="cm"/>
+      <inkml:brushProperty name="color" value="#FF0066"/>
+    </inkml:brush>
+  </inkml:definitions>
+  <inkml:trace contextRef="#ctx0" brushRef="#br0">1 232 6216 0 0,'0'-6'12143'0'0,"6"-8"-10047"0"0,-4 3-1554 0 0,1-5-244 0 0,8-30 1094 0 0,-6 35-1272 0 0,1 0 0 0 0,1 0 0 0 0,-1 1 0 0 0,2 0 0 0 0,-1 0 0 0 0,11-10 0 0 0,-18 20-111 0 0,1-1-1 0 0,-1 0 0 0 0,1 1 1 0 0,0-1-1 0 0,-1 1 1 0 0,1-1-1 0 0,0 0 0 0 0,-1 1 1 0 0,1-1-1 0 0,0 1 0 0 0,0 0 1 0 0,0-1-1 0 0,-1 1 1 0 0,1 0-1 0 0,0-1 0 0 0,0 1 1 0 0,0 0-1 0 0,1 0 0 0 0,-1 0 9 0 0,0 0 0 0 0,-1 0 0 0 0,1 0-1 0 0,-1 1 1 0 0,1-1 0 0 0,-1 0 0 0 0,1 0-1 0 0,-1 1 1 0 0,1-1 0 0 0,-1 0 0 0 0,1 1-1 0 0,-1-1 1 0 0,0 1 0 0 0,1-1-1 0 0,-1 1 1 0 0,1-1 0 0 0,-1 0 0 0 0,0 1-1 0 0,0 0 1 0 0,1 0 0 0 0,1 3 71 0 0,-1 0-1 0 0,0 0 1 0 0,1 0 0 0 0,-2 0 0 0 0,2 6 0 0 0,-1-1-74 0 0,-1 1 1 0 0,0-1 0 0 0,0 1-1 0 0,-2 13 1 0 0,1-17-14 0 0,0 17 59 0 0,2-15-48 0 0,-1-8-12 0 0,0 0 0 0 0,0 1 0 0 0,1-1 0 0 0,-1 1 0 0 0,0-1 1 0 0,0 0-1 0 0,0 1 0 0 0,0-1 0 0 0,1 0 0 0 0,-1 0 0 0 0,0 1 0 0 0,0-1 0 0 0,0 0 0 0 0,1 0 0 0 0,-1 1 0 0 0,0-1 0 0 0,0 0 0 0 0,1 0 0 0 0,-1 1 0 0 0,0-1 0 0 0,1 0 0 0 0,-1 0 0 0 0,0 0 0 0 0,1 0 0 0 0,-1 0 0 0 0,0 1 0 0 0,1-1 1 0 0,-1 0-1 0 0,1 0 0 0 0,2-2 9 0 0,0 0-3 0 0,1 1 0 0 0,-1-1 0 0 0,0 0 0 0 0,0 0 0 0 0,-1 0-1 0 0,1-1 1 0 0,0 1 0 0 0,-1-1 0 0 0,1 1 0 0 0,3-7 0 0 0,20-35 40 0 0,-8 13 20 0 0,19-26 98 0 0,-36 55-138 0 0,1-1 0 0 0,-1 1 0 0 0,1 0 0 0 0,0 0 1 0 0,0 0-1 0 0,0 1 0 0 0,0-1 0 0 0,0 0 0 0 0,1 1 0 0 0,-1-1 0 0 0,5-1 0 0 0,-6 2-21 0 0,0 1 0 0 0,-1-1 0 0 0,1 1 1 0 0,0 0-1 0 0,0 0 0 0 0,0-1 0 0 0,0 1 0 0 0,0 0 0 0 0,0 0 1 0 0,0 0-1 0 0,0 0 0 0 0,0 0 0 0 0,0 0 0 0 0,0 1 0 0 0,0-1 1 0 0,0 0-1 0 0,0 0 0 0 0,0 1 0 0 0,-1-1 0 0 0,1 0 0 0 0,0 1 1 0 0,0-1-1 0 0,0 1 0 0 0,0-1 0 0 0,-1 1 0 0 0,1-1 1 0 0,0 1-1 0 0,0 0 0 0 0,-1-1 0 0 0,1 1 0 0 0,0 0 0 0 0,-1 0 1 0 0,1-1-1 0 0,-1 1 0 0 0,1 0 0 0 0,0 1 0 0 0,2 7-5 0 0,1 0 0 0 0,-1 0 0 0 0,0 0 0 0 0,-1 1 0 0 0,2 12 0 0 0,1 49 0 0 0,-6-41-33 0 0,1 12 126 0 0,0-39-182 0 0,0 1 0 0 0,1-1 0 0 0,-1 0 1 0 0,1 0-1 0 0,0 0 0 0 0,0 1 0 0 0,0-1 0 0 0,1 0 0 0 0,2 4 0 0 0,-4-6-42 0 0,0-1 0 0 0,1 1 0 0 0,-1-1 0 0 0,0 0 0 0 0,1 1 0 0 0,-1-1 0 0 0,1 1 0 0 0,-1-1 0 0 0,1 0 0 0 0,-1 1 0 0 0,0-1 0 0 0,1 0 0 0 0,0 0 0 0 0,-1 1 1 0 0,1-1-1 0 0,-1 0 0 0 0,1 0 0 0 0,-1 0 0 0 0,1 0 0 0 0,0 1 0 0 0,8-3-5464 0 0,-1-2-1486 0 0</inkml:trace>
+</inkml:ink>
+</file>
+
+<file path=ppt/ink/ink50.xml><?xml version="1.0" encoding="utf-8"?>
+<inkml:ink xmlns:inkml="http://www.w3.org/2003/InkML">
+  <inkml:definitions>
+    <inkml:context xml:id="ctx0">
+      <inkml:inkSource xml:id="inkSrc0">
+        <inkml:traceFormat>
+          <inkml:channel name="X" type="integer" min="-2.14748E9" max="2.14748E9" units="cm"/>
+          <inkml:channel name="Y" type="integer" min="-2.14748E9" max="2.14748E9" units="cm"/>
+          <inkml:channel name="F" type="integer" max="32767" units="dev"/>
+          <inkml:channel name="OA" type="integer" max="360" units="deg"/>
+          <inkml:channel name="OE" type="integer" max="90" units="deg"/>
+        </inkml:traceFormat>
+        <inkml:channelProperties>
+          <inkml:channelProperty channel="X" name="resolution" value="1000" units="1/cm"/>
+          <inkml:channelProperty channel="Y" name="resolution" value="1000" units="1/cm"/>
+          <inkml:channelProperty channel="F" name="resolution" value="0" units="1/dev"/>
+          <inkml:channelProperty channel="OA" name="resolution" value="1000" units="1/deg"/>
+          <inkml:channelProperty channel="OE" name="resolution" value="1000" units="1/deg"/>
+        </inkml:channelProperties>
+      </inkml:inkSource>
+      <inkml:timestamp xml:id="ts0" timeString="2021-07-14T16:32:34.106"/>
+    </inkml:context>
+    <inkml:brush xml:id="br0">
+      <inkml:brushProperty name="width" value="0.05" units="cm"/>
+      <inkml:brushProperty name="height" value="0.05" units="cm"/>
+      <inkml:brushProperty name="color" value="#FF0066"/>
+    </inkml:brush>
+  </inkml:definitions>
+  <inkml:trace contextRef="#ctx0" brushRef="#br0">109 6 18287 0 0,'0'0'2680'0'0,"-8"4"-1110"0"0,3-2-1469 0 0,1 1 0 0 0,0 0 1 0 0,0 0-1 0 0,0 0 0 0 0,0 0 0 0 0,0 1 1 0 0,0-1-1 0 0,1 1 0 0 0,0 0 1 0 0,0 0-1 0 0,0 0 0 0 0,0 1 0 0 0,1-1 1 0 0,0 0-1 0 0,-1 1 0 0 0,2 0 1 0 0,-1 0-1 0 0,0 0 0 0 0,1-1 0 0 0,0 1 1 0 0,0 0-1 0 0,1 1 0 0 0,-1-1 1 0 0,1 0-1 0 0,0 0 0 0 0,1 0 0 0 0,-1 0 1 0 0,1 0-1 0 0,2 7 0 0 0,-3-10-98 0 0,1-1-1 0 0,0 1 1 0 0,0-1-1 0 0,-1 0 0 0 0,1 1 1 0 0,0-1-1 0 0,0 0 1 0 0,1 0-1 0 0,-1 0 1 0 0,0 1-1 0 0,0-1 1 0 0,0-1-1 0 0,1 1 1 0 0,-1 0-1 0 0,1 0 0 0 0,-1 0 1 0 0,0-1-1 0 0,1 1 1 0 0,-1-1-1 0 0,1 1 1 0 0,0-1-1 0 0,-1 1 1 0 0,4-1-1 0 0,-2 0 103 0 0,0 1 0 0 0,0-1 0 0 0,0 0 0 0 0,0 0-1 0 0,0-1 1 0 0,0 1 0 0 0,0-1 0 0 0,0 1 0 0 0,0-1 0 0 0,0 0 0 0 0,5-2 0 0 0,-6 1-41 0 0,0 0 0 0 0,0-1 1 0 0,0 1-1 0 0,0 0 0 0 0,-1 0 1 0 0,1-1-1 0 0,-1 1 0 0 0,1-1 1 0 0,0-3-1 0 0,4-6-1 0 0,1-1 286 0 0,0 1-1 0 0,-2-2 0 0 0,9-23 1 0 0,-1-1 729 0 0,-13 37-1051 0 0,0 1 0 0 0,0-1 0 0 0,1 1 0 0 0,-1-1 1 0 0,0 1-1 0 0,1-1 0 0 0,-1 1 0 0 0,1-1 0 0 0,-1 1 0 0 0,0 0 0 0 0,1-1 0 0 0,-1 1 0 0 0,1 0 0 0 0,-1-1 1 0 0,1 1-1 0 0,-1 0 0 0 0,1-1 0 0 0,-1 1 0 0 0,1 0 0 0 0,-1 0 0 0 0,1 0 0 0 0,0 0 0 0 0,-1-1 0 0 0,1 1 1 0 0,-1 0-1 0 0,1 0 0 0 0,-1 0 0 0 0,1 0 0 0 0,0 0 0 0 0,-1 1 0 0 0,1-1 0 0 0,-1 0 0 0 0,1 0 0 0 0,-1 0 1 0 0,1 0-1 0 0,-1 0 0 0 0,1 1 0 0 0,-1-1 0 0 0,1 0 0 0 0,-1 1 0 0 0,1-1 0 0 0,-1 0 0 0 0,1 1 0 0 0,-1-1 1 0 0,1 0-1 0 0,0 2 0 0 0,2 0 27 0 0,-1 0 0 0 0,1 0 0 0 0,-1 1 0 0 0,1 0 1 0 0,3 5-1 0 0,0 2-93 0 0,-1 1 1 0 0,-1 0-1 0 0,0 0 1 0 0,-1 0 0 0 0,0 0-1 0 0,0 1 1 0 0,-1-1-1 0 0,-1 1 1 0 0,1 18-1 0 0,-3-5 89 0 0,0-1 0 0 0,-1 0 0 0 0,-9 38-1 0 0,9-53-37 0 0,0 0 1 0 0,-1 1-1 0 0,0-1 0 0 0,0-1 0 0 0,-1 1 0 0 0,0 0 0 0 0,0-1 0 0 0,-1 0 0 0 0,0 0 0 0 0,0 0 1 0 0,-1-1-1 0 0,-8 9 0 0 0,1-3 35 0 0,10-10-62 0 0,0 0 0 0 0,1-1 0 0 0,-1 1 0 0 0,0 0 0 0 0,0-1 0 0 0,-1 0 0 0 0,1 0 0 0 0,0 0 0 0 0,-1 0 0 0 0,1 0 0 0 0,-1-1 0 0 0,0 1 0 0 0,-6 0 0 0 0,-6 0-580 0 0,1-1 1 0 0,-1 0-1 0 0,0-1 0 0 0,-18-3 1 0 0,11 5-3399 0 0</inkml:trace>
+</inkml:ink>
+</file>
+
+<file path=ppt/ink/ink51.xml><?xml version="1.0" encoding="utf-8"?>
+<inkml:ink xmlns:inkml="http://www.w3.org/2003/InkML">
+  <inkml:definitions>
+    <inkml:context xml:id="ctx0">
+      <inkml:inkSource xml:id="inkSrc0">
+        <inkml:traceFormat>
+          <inkml:channel name="X" type="integer" min="-2.14748E9" max="2.14748E9" units="cm"/>
+          <inkml:channel name="Y" type="integer" min="-2.14748E9" max="2.14748E9" units="cm"/>
+          <inkml:channel name="F" type="integer" max="32767" units="dev"/>
+          <inkml:channel name="OA" type="integer" max="360" units="deg"/>
+          <inkml:channel name="OE" type="integer" max="90" units="deg"/>
+        </inkml:traceFormat>
+        <inkml:channelProperties>
+          <inkml:channelProperty channel="X" name="resolution" value="1000" units="1/cm"/>
+          <inkml:channelProperty channel="Y" name="resolution" value="1000" units="1/cm"/>
+          <inkml:channelProperty channel="F" name="resolution" value="0" units="1/dev"/>
+          <inkml:channelProperty channel="OA" name="resolution" value="1000" units="1/deg"/>
+          <inkml:channelProperty channel="OE" name="resolution" value="1000" units="1/deg"/>
+        </inkml:channelProperties>
+      </inkml:inkSource>
+      <inkml:timestamp xml:id="ts0" timeString="2021-07-14T16:32:38.012"/>
+    </inkml:context>
+    <inkml:brush xml:id="br0">
+      <inkml:brushProperty name="width" value="0.05" units="cm"/>
+      <inkml:brushProperty name="height" value="0.05" units="cm"/>
+      <inkml:brushProperty name="color" value="#FF0066"/>
+    </inkml:brush>
+  </inkml:definitions>
+  <inkml:trace contextRef="#ctx0" brushRef="#br0">99 114 3224 0 0,'0'0'143'0'0,"1"-18"26"0"0,3-15 5878 0 0,0 5 1846 0 0,1 10-5436 0 0,-4 14-1779 0 0,3-7 495 0 0,-2 9 269 0 0,0 7 1171 0 0,-1 6-2420 0 0,1 1-1 0 0,-2 0 0 0 0,1-1 0 0 0,-3 22 1 0 0,-11 48-126 0 0,4-32-5 0 0,-16 76 3 0 0,-1 0 138 0 0,1 15 29 0 0,25-139-261 0 0,-7 36-125 0 0,7-35-46 0 0,-1 0-1 0 0,0 0 1 0 0,0 1 0 0 0,1-1-1 0 0,-1 0 1 0 0,-1 0-1 0 0,1 0 1 0 0,0 0 0 0 0,0-1-1 0 0,-1 1 1 0 0,1 0 0 0 0,-1 0-1 0 0,-3 2 1 0 0</inkml:trace>
+</inkml:ink>
+</file>
+
+<file path=ppt/ink/ink52.xml><?xml version="1.0" encoding="utf-8"?>
+<inkml:ink xmlns:inkml="http://www.w3.org/2003/InkML">
+  <inkml:definitions>
+    <inkml:context xml:id="ctx0">
+      <inkml:inkSource xml:id="inkSrc0">
+        <inkml:traceFormat>
+          <inkml:channel name="X" type="integer" min="-2.14748E9" max="2.14748E9" units="cm"/>
+          <inkml:channel name="Y" type="integer" min="-2.14748E9" max="2.14748E9" units="cm"/>
+          <inkml:channel name="F" type="integer" max="32767" units="dev"/>
+          <inkml:channel name="OA" type="integer" max="360" units="deg"/>
+          <inkml:channel name="OE" type="integer" max="90" units="deg"/>
+        </inkml:traceFormat>
+        <inkml:channelProperties>
+          <inkml:channelProperty channel="X" name="resolution" value="1000" units="1/cm"/>
+          <inkml:channelProperty channel="Y" name="resolution" value="1000" units="1/cm"/>
+          <inkml:channelProperty channel="F" name="resolution" value="0" units="1/dev"/>
+          <inkml:channelProperty channel="OA" name="resolution" value="1000" units="1/deg"/>
+          <inkml:channelProperty channel="OE" name="resolution" value="1000" units="1/deg"/>
+        </inkml:channelProperties>
+      </inkml:inkSource>
+      <inkml:timestamp xml:id="ts0" timeString="2021-07-14T16:32:38.359"/>
+    </inkml:context>
+    <inkml:brush xml:id="br0">
+      <inkml:brushProperty name="width" value="0.05" units="cm"/>
+      <inkml:brushProperty name="height" value="0.05" units="cm"/>
+      <inkml:brushProperty name="color" value="#FF0066"/>
+    </inkml:brush>
+  </inkml:definitions>
+  <inkml:trace contextRef="#ctx0" brushRef="#br0">0 285 8288 0 0,'0'0'756'0'0,"8"-10"-267"0"0,10-12 6852 0 0,0 1-3349 0 0,36-40-1681 0 0,-33 37-1015 0 0,73-64 656 0 0,-51 49-1287 0 0,-41 37-645 0 0,0 0-1 0 0,0 1 1 0 0,0-1 0 0 0,0 0 0 0 0,0 1-1 0 0,1 0 1 0 0,-1-1 0 0 0,0 1-1 0 0,1 0 1 0 0,-1 0 0 0 0,1 0 0 0 0,-1 1-1 0 0,1-1 1 0 0,-1 1 0 0 0,1-1 0 0 0,0 1-1 0 0,-1 0 1 0 0,1 0 0 0 0,0 0 0 0 0,-1 0-1 0 0,1 0 1 0 0,-1 1 0 0 0,1-1 0 0 0,0 1-1 0 0,-1 0 1 0 0,1 0 0 0 0,-1 0 0 0 0,0 0-1 0 0,1 0 1 0 0,-1 0 0 0 0,0 1-1 0 0,1-1 1 0 0,-1 1 0 0 0,0-1 0 0 0,0 1-1 0 0,0 0 1 0 0,-1 0 0 0 0,1 0 0 0 0,0 0-1 0 0,-1 0 1 0 0,1 0 0 0 0,-1 1 0 0 0,0-1-1 0 0,0 0 1 0 0,2 5 0 0 0,3 10 85 0 0,-1 0 0 0 0,5 27 0 0 0,-3-10 45 0 0,2 5 3 0 0,-5-16-48 0 0,14 40 0 0 0,-15-55-210 0 0,11 25 325 0 0,-13-31-352 0 0,0 0 1 0 0,1 0-1 0 0,-1 0 1 0 0,0 0 0 0 0,0-1-1 0 0,1 1 1 0 0,-1 0-1 0 0,1-1 1 0 0,0 1-1 0 0,-1-1 1 0 0,1 0-1 0 0,0 0 1 0 0,2 2-1 0 0,5-1-801 0 0</inkml:trace>
+</inkml:ink>
+</file>
+
+<file path=ppt/ink/ink6.xml><?xml version="1.0" encoding="utf-8"?>
+<inkml:ink xmlns:inkml="http://www.w3.org/2003/InkML">
+  <inkml:definitions>
+    <inkml:context xml:id="ctx0">
+      <inkml:inkSource xml:id="inkSrc0">
+        <inkml:traceFormat>
+          <inkml:channel name="X" type="integer" min="-2.14748E9" max="2.14748E9" units="cm"/>
+          <inkml:channel name="Y" type="integer" min="-2.14748E9" max="2.14748E9" units="cm"/>
+          <inkml:channel name="F" type="integer" max="32767" units="dev"/>
+          <inkml:channel name="OA" type="integer" max="360" units="deg"/>
+          <inkml:channel name="OE" type="integer" max="90" units="deg"/>
+        </inkml:traceFormat>
+        <inkml:channelProperties>
+          <inkml:channelProperty channel="X" name="resolution" value="1000" units="1/cm"/>
+          <inkml:channelProperty channel="Y" name="resolution" value="1000" units="1/cm"/>
+          <inkml:channelProperty channel="F" name="resolution" value="0" units="1/dev"/>
+          <inkml:channelProperty channel="OA" name="resolution" value="1000" units="1/deg"/>
+          <inkml:channelProperty channel="OE" name="resolution" value="1000" units="1/deg"/>
+        </inkml:channelProperties>
+      </inkml:inkSource>
+      <inkml:timestamp xml:id="ts0" timeString="2021-07-14T16:31:01.145"/>
+    </inkml:context>
+    <inkml:brush xml:id="br0">
+      <inkml:brushProperty name="width" value="0.05" units="cm"/>
+      <inkml:brushProperty name="height" value="0.05" units="cm"/>
+      <inkml:brushProperty name="color" value="#FF0066"/>
+    </inkml:brush>
+  </inkml:definitions>
+  <inkml:trace contextRef="#ctx0" brushRef="#br0">233 8 8752 0 0,'-11'-8'1245'0'0,"6"9"-2"0"0,1-1 0 0 0,-1 1 0 0 0,1-1 1 0 0,0 1-1 0 0,-1 0 0 0 0,-7 4 0 0 0,4-2-553 0 0,1 1 0 0 0,0 0 0 0 0,-8 6 0 0 0,-4 5-340 0 0,-25 25 0 0 0,39-35 57 0 0,-4 3-169 0 0,-31 33 924 0 0,37-36-998 0 0,-1 0 0 0 0,1-1 1 0 0,0 1-1 0 0,0 0 0 0 0,0 0 0 0 0,1 1 0 0 0,-3 7 0 0 0,4-12-142 0 0,1 0 0 0 0,0 0-1 0 0,0 0 1 0 0,-1 0 0 0 0,1 0-1 0 0,0 0 1 0 0,0 0 0 0 0,0 0 0 0 0,0 0-1 0 0,0 0 1 0 0,0-1 0 0 0,0 1-1 0 0,0 0 1 0 0,0 0 0 0 0,1 0-1 0 0,-1 0 1 0 0,0 0 0 0 0,1 0 0 0 0,-1 0-1 0 0,0 0 1 0 0,1-1 0 0 0,0 3-1 0 0,0-3-8 0 0,0 1-1 0 0,0-1 0 0 0,0 1 0 0 0,0-1 0 0 0,-1 0 1 0 0,1 1-1 0 0,0-1 0 0 0,0 0 0 0 0,0 1 0 0 0,0-1 0 0 0,0 0 1 0 0,0 0-1 0 0,0 0 0 0 0,0 0 0 0 0,0 0 0 0 0,0 0 1 0 0,2 0-1 0 0,2-1 13 0 0,0 0 1 0 0,0-1 0 0 0,0 1 0 0 0,0-1-1 0 0,0 0 1 0 0,9-5 0 0 0,3-6-220 0 0,0 0-1 0 0,0-2 1 0 0,16-18 0 0 0,-6 6-1594 0 0,-15 15 28 0 0,-3-1-374 0 0</inkml:trace>
+</inkml:ink>
+</file>
+
+<file path=ppt/ink/ink7.xml><?xml version="1.0" encoding="utf-8"?>
+<inkml:ink xmlns:inkml="http://www.w3.org/2003/InkML">
+  <inkml:definitions>
+    <inkml:context xml:id="ctx0">
+      <inkml:inkSource xml:id="inkSrc0">
+        <inkml:traceFormat>
+          <inkml:channel name="X" type="integer" min="-2.14748E9" max="2.14748E9" units="cm"/>
+          <inkml:channel name="Y" type="integer" min="-2.14748E9" max="2.14748E9" units="cm"/>
+          <inkml:channel name="F" type="integer" max="32767" units="dev"/>
+          <inkml:channel name="OA" type="integer" max="360" units="deg"/>
+          <inkml:channel name="OE" type="integer" max="90" units="deg"/>
+        </inkml:traceFormat>
+        <inkml:channelProperties>
+          <inkml:channelProperty channel="X" name="resolution" value="1000" units="1/cm"/>
+          <inkml:channelProperty channel="Y" name="resolution" value="1000" units="1/cm"/>
+          <inkml:channelProperty channel="F" name="resolution" value="0" units="1/dev"/>
+          <inkml:channelProperty channel="OA" name="resolution" value="1000" units="1/deg"/>
+          <inkml:channelProperty channel="OE" name="resolution" value="1000" units="1/deg"/>
+        </inkml:channelProperties>
+      </inkml:inkSource>
+      <inkml:timestamp xml:id="ts0" timeString="2021-07-14T16:31:01.551"/>
+    </inkml:context>
+    <inkml:brush xml:id="br0">
+      <inkml:brushProperty name="width" value="0.05" units="cm"/>
+      <inkml:brushProperty name="height" value="0.05" units="cm"/>
+      <inkml:brushProperty name="color" value="#FF0066"/>
+    </inkml:brush>
+  </inkml:definitions>
+  <inkml:trace contextRef="#ctx0" brushRef="#br0">1 75 3224 0 0,'0'0'15969'0'0,"7"3"-14660"0"0,-2 0-1107 0 0,-2-1 0 0 0,1 1 0 0 0,0 0 0 0 0,-1 1 0 0 0,1-1 0 0 0,-1 0 0 0 0,0 1 0 0 0,0 0 0 0 0,0 0 0 0 0,-1 0 0 0 0,1 0 0 0 0,-1 0 0 0 0,0 0 0 0 0,3 9 0 0 0,-2-3 138 0 0,-1 1 0 0 0,0-1 0 0 0,0 1 0 0 0,-1 0 0 0 0,0 15 1 0 0,0-33-340 0 0,-1-1 1 0 0,1 1-1 0 0,1-1 1 0 0,0 1-1 0 0,0-1 1 0 0,0 1-1 0 0,1 0 1 0 0,3-8-1 0 0,35-53 39 0 0,-27 45-19 0 0,-10 17-21 0 0,0 0 0 0 0,0 1 0 0 0,0 0 0 0 0,0 0 0 0 0,1 0 0 0 0,9-7 0 0 0,-13 11 0 0 0,0 0 0 0 0,1 0 0 0 0,-1 0 0 0 0,0 0 0 0 0,1 0 0 0 0,-1 1 0 0 0,1-1 0 0 0,-1 0 0 0 0,1 1 0 0 0,0 0 0 0 0,-1-1 0 0 0,1 1 0 0 0,0 0 0 0 0,-1 0 0 0 0,1 0 0 0 0,0 0 0 0 0,-1 0 0 0 0,1 0 0 0 0,-1 0 0 0 0,1 0 0 0 0,0 1 0 0 0,-1-1 0 0 0,1 1 0 0 0,-1-1 0 0 0,1 1 0 0 0,-1-1 0 0 0,1 1 0 0 0,-1 0 0 0 0,1 0 0 0 0,-1 0 0 0 0,3 2 0 0 0,-2-1-5 0 0,1 1 0 0 0,-1 0-1 0 0,1 0 1 0 0,-1 0 0 0 0,0 0 0 0 0,0 0-1 0 0,0 1 1 0 0,-1-1 0 0 0,1 0 0 0 0,-1 1-1 0 0,1-1 1 0 0,0 7 0 0 0,0 3-33 0 0,0 0 0 0 0,0 17 0 0 0,0 6 4 0 0,-1-28 34 0 0,-2-4 14 0 0,23-26 159 0 0,-10 11-424 0 0,0 0 1 0 0,16-10-1 0 0,-9 7-1621 0 0,11-5-1828 0 0,-23 15 2456 0 0,-1 0-1 0 0,1 0 1 0 0,-1-1 0 0 0,0 0-1 0 0,0 0 1 0 0,6-7 0 0 0,-7 5 485 0 0,-10 11 2538 0 0,-8 11 385 0 0,8-6-1535 0 0,1-1 0 0 0,0 1 0 0 0,0 0 0 0 0,1 0 0 0 0,-4 17-1 0 0,6-22-566 0 0,0 1-1 0 0,1-1 0 0 0,-1 0 0 0 0,1 0 0 0 0,0 1 0 0 0,0-1 0 0 0,1 0 0 0 0,-1 1 1 0 0,1-1-1 0 0,0 0 0 0 0,0 0 0 0 0,0 0 0 0 0,1 0 0 0 0,0 0 0 0 0,2 6 0 0 0,-3-10-81 0 0,-1 1-1 0 0,1 0 0 0 0,0 0 0 0 0,-1 0 0 0 0,1-1 0 0 0,0 1 0 0 0,-1 0 1 0 0,1-1-1 0 0,0 1 0 0 0,0-1 0 0 0,0 1 0 0 0,-1 0 0 0 0,1-1 0 0 0,0 0 1 0 0,0 1-1 0 0,0-1 0 0 0,0 0 0 0 0,0 1 0 0 0,0-1 0 0 0,0 0 0 0 0,0 0 1 0 0,0 0-1 0 0,0 0 0 0 0,0 0 0 0 0,2 0 0 0 0,1-1-493 0 0,-1 0 0 0 0,1 0-1 0 0,0 0 1 0 0,-1-1 0 0 0,6-2-1 0 0,-6 2-214 0 0,11-5-4561 0 0</inkml:trace>
+</inkml:ink>
+</file>
+
+<file path=ppt/ink/ink8.xml><?xml version="1.0" encoding="utf-8"?>
+<inkml:ink xmlns:inkml="http://www.w3.org/2003/InkML">
+  <inkml:definitions>
+    <inkml:context xml:id="ctx0">
+      <inkml:inkSource xml:id="inkSrc0">
+        <inkml:traceFormat>
+          <inkml:channel name="X" type="integer" min="-2.14748E9" max="2.14748E9" units="cm"/>
+          <inkml:channel name="Y" type="integer" min="-2.14748E9" max="2.14748E9" units="cm"/>
+          <inkml:channel name="F" type="integer" max="32767" units="dev"/>
+          <inkml:channel name="OA" type="integer" max="360" units="deg"/>
+          <inkml:channel name="OE" type="integer" max="90" units="deg"/>
+        </inkml:traceFormat>
+        <inkml:channelProperties>
+          <inkml:channelProperty channel="X" name="resolution" value="1000" units="1/cm"/>
+          <inkml:channelProperty channel="Y" name="resolution" value="1000" units="1/cm"/>
+          <inkml:channelProperty channel="F" name="resolution" value="0" units="1/dev"/>
+          <inkml:channelProperty channel="OA" name="resolution" value="1000" units="1/deg"/>
+          <inkml:channelProperty channel="OE" name="resolution" value="1000" units="1/deg"/>
+        </inkml:channelProperties>
+      </inkml:inkSource>
+      <inkml:timestamp xml:id="ts0" timeString="2021-07-14T16:31:01.925"/>
+    </inkml:context>
+    <inkml:brush xml:id="br0">
+      <inkml:brushProperty name="width" value="0.05" units="cm"/>
+      <inkml:brushProperty name="height" value="0.05" units="cm"/>
+      <inkml:brushProperty name="color" value="#FF0066"/>
+    </inkml:brush>
+  </inkml:definitions>
+  <inkml:trace contextRef="#ctx0" brushRef="#br0">1 52 6912 0 0,'21'-26'1634'0'0,"-9"6"5157"0"0,-12 20-6683 0 0,0 0 1 0 0,0-1-1 0 0,0 1 0 0 0,0 0 1 0 0,1-1-1 0 0,-1 1 0 0 0,0 0 1 0 0,0 0-1 0 0,0-1 1 0 0,0 1-1 0 0,1 0 0 0 0,-1 0 1 0 0,0-1-1 0 0,0 1 0 0 0,0 0 1 0 0,1 0-1 0 0,-1 0 1 0 0,0 0-1 0 0,0-1 0 0 0,1 1 1 0 0,-1 0-1 0 0,0 0 0 0 0,0 0 1 0 0,1 0-1 0 0,-1 0 1 0 0,0 0-1 0 0,1 0 0 0 0,-1 0 1 0 0,0 0-1 0 0,1 0 0 0 0,-1 0 1 0 0,0 0-1 0 0,0 0 1 0 0,1 0-1 0 0,0 0 0 0 0,5 10 2203 0 0,-1 19-934 0 0,-8 6-419 0 0,2-29-810 0 0,0 0-1 0 0,0 0 1 0 0,1 1-1 0 0,-1-1 1 0 0,2 0-1 0 0,-1 0 1 0 0,1 0-1 0 0,0 1 1 0 0,2 7-1 0 0,-3-13-128 0 0,1-1-1 0 0,-1 1 1 0 0,0-1 0 0 0,1 1-1 0 0,-1-1 1 0 0,0 0-1 0 0,1 1 1 0 0,-1-1 0 0 0,0 0-1 0 0,1 1 1 0 0,-1-1-1 0 0,1 0 1 0 0,-1 1 0 0 0,1-1-1 0 0,-1 0 1 0 0,1 0-1 0 0,-1 0 1 0 0,0 1 0 0 0,1-1-1 0 0,-1 0 1 0 0,1 0-1 0 0,0 0 1 0 0,-1 0 0 0 0,1 0-1 0 0,-1 0 1 0 0,1 0-1 0 0,-1 0 1 0 0,1 0-1 0 0,-1 0 1 0 0,1 0 0 0 0,-1 0-1 0 0,1-1 1 0 0,-1 1-1 0 0,1 0 1 0 0,-1 0 0 0 0,0 0-1 0 0,1-1 1 0 0,-1 1-1 0 0,1 0 1 0 0,0-1 0 0 0,19-14 90 0 0,-18 13-45 0 0,24-25 155 0 0,-25 27-217 0 0,-1 0 0 0 0,1-1 0 0 0,-1 1 0 0 0,0 0 0 0 0,1 0 0 0 0,-1 0 0 0 0,1 0 0 0 0,-1 0 0 0 0,0 0 0 0 0,1 0 0 0 0,-1 0 0 0 0,1 0 0 0 0,-1 0 0 0 0,0 0 1 0 0,1 0-1 0 0,-1 0 0 0 0,0 0 0 0 0,1 0 0 0 0,-1 1 0 0 0,1-1 0 0 0,-1 0 0 0 0,0 0 0 0 0,1 0 0 0 0,-1 1 0 0 0,0-1 0 0 0,1 0 0 0 0,-1 0 0 0 0,0 1 0 0 0,0-1 0 0 0,1 1 0 0 0,8 8 42 0 0,-4 1-24 0 0,-1 1 1 0 0,0-1 0 0 0,-1 1-1 0 0,0 0 1 0 0,-1-1 0 0 0,2 19-1 0 0,2 7 34 0 0,-3-14-19 0 0,-2-16-5 0 0,-1 0 0 0 0,1 0-1 0 0,0-1 1 0 0,1 1 0 0 0,-1 0 0 0 0,1-1 0 0 0,0 1 0 0 0,1-1 0 0 0,4 8 0 0 0,-7-13-17 0 0,1 1 1 0 0,0 0-1 0 0,-1-1 1 0 0,1 1-1 0 0,0 0 1 0 0,-1-1 0 0 0,1 1-1 0 0,0-1 1 0 0,0 1-1 0 0,0-1 1 0 0,-1 0 0 0 0,1 1-1 0 0,0-1 1 0 0,0 0-1 0 0,0 0 1 0 0,0 1 0 0 0,0-1-1 0 0,0 0 1 0 0,0 0-1 0 0,-1 0 1 0 0,1 0-1 0 0,0 0 1 0 0,0 0 0 0 0,0-1-1 0 0,0 1 1 0 0,0 0-1 0 0,0 0 1 0 0,0-1 0 0 0,-1 1-1 0 0,1 0 1 0 0,0-1-1 0 0,0 1 1 0 0,0-1-1 0 0,-1 1 1 0 0,1-1 0 0 0,0 1-1 0 0,0-1 1 0 0,-1 1-1 0 0,2-2 1 0 0,3-3 62 0 0,0 0 1 0 0,0 0-1 0 0,8-11 0 0 0,-12 15-62 0 0,4-8 50 0 0,1 1 0 0 0,5-14 0 0 0,9-14 56 0 0,1 1 437 0 0,-6 8-2121 0 0,-4 10-5254 0 0,-1 4-1988 0 0</inkml:trace>
+</inkml:ink>
+</file>
+
+<file path=ppt/ink/ink9.xml><?xml version="1.0" encoding="utf-8"?>
+<inkml:ink xmlns:inkml="http://www.w3.org/2003/InkML">
+  <inkml:definitions>
+    <inkml:context xml:id="ctx0">
+      <inkml:inkSource xml:id="inkSrc0">
+        <inkml:traceFormat>
+          <inkml:channel name="X" type="integer" min="-2.14748E9" max="2.14748E9" units="cm"/>
+          <inkml:channel name="Y" type="integer" min="-2.14748E9" max="2.14748E9" units="cm"/>
+          <inkml:channel name="F" type="integer" max="32767" units="dev"/>
+          <inkml:channel name="OA" type="integer" max="360" units="deg"/>
+          <inkml:channel name="OE" type="integer" max="90" units="deg"/>
+        </inkml:traceFormat>
+        <inkml:channelProperties>
+          <inkml:channelProperty channel="X" name="resolution" value="1000" units="1/cm"/>
+          <inkml:channelProperty channel="Y" name="resolution" value="1000" units="1/cm"/>
+          <inkml:channelProperty channel="F" name="resolution" value="0" units="1/dev"/>
+          <inkml:channelProperty channel="OA" name="resolution" value="1000" units="1/deg"/>
+          <inkml:channelProperty channel="OE" name="resolution" value="1000" units="1/deg"/>
+        </inkml:channelProperties>
+      </inkml:inkSource>
+      <inkml:timestamp xml:id="ts0" timeString="2021-07-14T16:31:07.600"/>
+    </inkml:context>
+    <inkml:brush xml:id="br0">
+      <inkml:brushProperty name="width" value="0.05" units="cm"/>
+      <inkml:brushProperty name="height" value="0.05" units="cm"/>
+      <inkml:brushProperty name="color" value="#FF0066"/>
+    </inkml:brush>
+  </inkml:definitions>
+  <inkml:trace contextRef="#ctx0" brushRef="#br0">55 259 4144 0 0,'1'-5'925'0'0,"0"0"0"0"0,0 1 0 0 0,0-1 1 0 0,-1 0-1 0 0,0 0 0 0 0,0 0 0 0 0,0 0 0 0 0,0 1 0 0 0,-2-7 0 0 0,0-15 2201 0 0,10 3 1352 0 0,5 36-3459 0 0,-11-6-932 0 0,0 0 0 0 0,-1 0 0 0 0,0 1 1 0 0,0-1-1 0 0,0 0 0 0 0,-1 1 0 0 0,-2 11 0 0 0,-11 106 189 0 0,-32 132-1 0 0,41-233-69 0 0,3-17-102 0 0,1 0 1 0 0,-1 0 0 0 0,-1 0 0 0 0,0-1 0 0 0,1 1 0 0 0,-2 0 0 0 0,1-1-1 0 0,-5 8 1 0 0,7-13 230 0 0,0-7-30 0 0,0-2-204 0 0,-1-20 160 0 0,7-50 0 0 0,9-54-122 0 0,-10 105-171 0 0,22-109-176 0 0,-18 103 431 0 0,25-64 0 0 0,-24 72 327 0 0,0 2-73 0 0,16-28 0 0 0,-22 44-453 0 0,0 1 0 0 0,0 0 0 0 0,0 0 0 0 0,1 0 0 0 0,0 1 0 0 0,1 0 0 0 0,-1 0 0 0 0,12-8 0 0 0,-15 11-5 0 0,0 1 0 0 0,0 0-1 0 0,0 0 1 0 0,1 0 0 0 0,-1 0-1 0 0,0 0 1 0 0,0 1 0 0 0,1-1-1 0 0,-1 1 1 0 0,1-1 0 0 0,-1 1 0 0 0,0 0-1 0 0,1 0 1 0 0,-1 0 0 0 0,0 0-1 0 0,1 0 1 0 0,2 2 0 0 0,-1-1-4 0 0,-1 0 0 0 0,0 0 1 0 0,0 0-1 0 0,-1 1 0 0 0,1 0 0 0 0,0-1 1 0 0,0 1-1 0 0,-1 0 0 0 0,1 0 0 0 0,-1 1 1 0 0,4 3-1 0 0,-2-1 21 0 0,0 0 0 0 0,-1 0-1 0 0,0 1 1 0 0,0-1 0 0 0,0 1 0 0 0,0-1 0 0 0,-1 1-1 0 0,0 0 1 0 0,0 0 0 0 0,-1 0 0 0 0,1 1 0 0 0,-1-1 0 0 0,0 7-1 0 0,-2 3 43 0 0,0 0 0 0 0,-1-1 0 0 0,-1 1 0 0 0,0-1 0 0 0,-7 18 0 0 0,-1-4 120 0 0,-23 47-1 0 0,29-68-166 0 0,1 0 0 0 0,-2 0 0 0 0,1 0 0 0 0,-1-1 0 0 0,0 1 0 0 0,0-2-1 0 0,-1 1 1 0 0,0-1 0 0 0,0 0 0 0 0,-11 7 0 0 0,13-10-35 0 0,-1 0 0 0 0,1 0 0 0 0,0-1 0 0 0,-1 0 0 0 0,0 0 1 0 0,1 0-1 0 0,-1-1 0 0 0,0 0 0 0 0,0 0 0 0 0,0 0 0 0 0,0-1 0 0 0,0 0 0 0 0,0 0 0 0 0,1 0 0 0 0,-1-1 0 0 0,0 0 0 0 0,-7-2 0 0 0,10 2-293 0 0,0 1-1 0 0,0-2 1 0 0,0 1-1 0 0,0 0 1 0 0,-5-3-1 0 0,18 6-3075 0 0,16 6-4667 0 0,-12-1 814 0 0</inkml:trace>
+</inkml:ink>
 </file>
 
 <file path=ppt/notesMasters/notesMaster1.xml><?xml version="1.0" encoding="utf-8"?>
@@ -837,7 +2507,7 @@
           <a:p>
             <a:fld id="{3A2BF66F-FEB0-48C1-A8B9-A73F54BB1A08}" type="datetimeFigureOut">
               <a:rPr lang="en-US" smtClean="0"/>
-              <a:t>7/13/2021</a:t>
+              <a:t>7/14/2021</a:t>
             </a:fld>
             <a:endParaRPr lang="en-US" dirty="0"/>
           </a:p>
@@ -1045,7 +2715,7 @@
           <a:p>
             <a:fld id="{3A2BF66F-FEB0-48C1-A8B9-A73F54BB1A08}" type="datetimeFigureOut">
               <a:rPr lang="en-US" smtClean="0"/>
-              <a:t>7/13/2021</a:t>
+              <a:t>7/14/2021</a:t>
             </a:fld>
             <a:endParaRPr lang="en-US" dirty="0"/>
           </a:p>
@@ -1263,7 +2933,7 @@
           <a:p>
             <a:fld id="{3A2BF66F-FEB0-48C1-A8B9-A73F54BB1A08}" type="datetimeFigureOut">
               <a:rPr lang="en-US" smtClean="0"/>
-              <a:t>7/13/2021</a:t>
+              <a:t>7/14/2021</a:t>
             </a:fld>
             <a:endParaRPr lang="en-US" dirty="0"/>
           </a:p>
@@ -1471,7 +3141,7 @@
           <a:p>
             <a:fld id="{3A2BF66F-FEB0-48C1-A8B9-A73F54BB1A08}" type="datetimeFigureOut">
               <a:rPr lang="en-US" smtClean="0"/>
-              <a:t>7/13/2021</a:t>
+              <a:t>7/14/2021</a:t>
             </a:fld>
             <a:endParaRPr lang="en-US" dirty="0"/>
           </a:p>
@@ -1756,7 +3426,7 @@
           <a:p>
             <a:fld id="{3A2BF66F-FEB0-48C1-A8B9-A73F54BB1A08}" type="datetimeFigureOut">
               <a:rPr lang="en-US" smtClean="0"/>
-              <a:t>7/13/2021</a:t>
+              <a:t>7/14/2021</a:t>
             </a:fld>
             <a:endParaRPr lang="en-US" dirty="0"/>
           </a:p>
@@ -2031,7 +3701,7 @@
           <a:p>
             <a:fld id="{3A2BF66F-FEB0-48C1-A8B9-A73F54BB1A08}" type="datetimeFigureOut">
               <a:rPr lang="en-US" smtClean="0"/>
-              <a:t>7/13/2021</a:t>
+              <a:t>7/14/2021</a:t>
             </a:fld>
             <a:endParaRPr lang="en-US" dirty="0"/>
           </a:p>
@@ -2453,7 +4123,7 @@
           <a:p>
             <a:fld id="{3A2BF66F-FEB0-48C1-A8B9-A73F54BB1A08}" type="datetimeFigureOut">
               <a:rPr lang="en-US" smtClean="0"/>
-              <a:t>7/13/2021</a:t>
+              <a:t>7/14/2021</a:t>
             </a:fld>
             <a:endParaRPr lang="en-US" dirty="0"/>
           </a:p>
@@ -2604,7 +4274,7 @@
           <a:p>
             <a:fld id="{3A2BF66F-FEB0-48C1-A8B9-A73F54BB1A08}" type="datetimeFigureOut">
               <a:rPr lang="en-US" smtClean="0"/>
-              <a:t>7/13/2021</a:t>
+              <a:t>7/14/2021</a:t>
             </a:fld>
             <a:endParaRPr lang="en-US" dirty="0"/>
           </a:p>
@@ -2727,7 +4397,7 @@
           <a:p>
             <a:fld id="{3A2BF66F-FEB0-48C1-A8B9-A73F54BB1A08}" type="datetimeFigureOut">
               <a:rPr lang="en-US" smtClean="0"/>
-              <a:t>7/13/2021</a:t>
+              <a:t>7/14/2021</a:t>
             </a:fld>
             <a:endParaRPr lang="en-US" dirty="0"/>
           </a:p>
@@ -3047,7 +4717,7 @@
           <a:p>
             <a:fld id="{3A2BF66F-FEB0-48C1-A8B9-A73F54BB1A08}" type="datetimeFigureOut">
               <a:rPr lang="en-US" smtClean="0"/>
-              <a:t>7/13/2021</a:t>
+              <a:t>7/14/2021</a:t>
             </a:fld>
             <a:endParaRPr lang="en-US" dirty="0"/>
           </a:p>
@@ -3345,7 +5015,7 @@
           <a:p>
             <a:fld id="{3A2BF66F-FEB0-48C1-A8B9-A73F54BB1A08}" type="datetimeFigureOut">
               <a:rPr lang="en-US" smtClean="0"/>
-              <a:t>7/13/2021</a:t>
+              <a:t>7/14/2021</a:t>
             </a:fld>
             <a:endParaRPr lang="en-US" dirty="0"/>
           </a:p>
@@ -3596,7 +5266,7 @@
           <a:p>
             <a:fld id="{3A2BF66F-FEB0-48C1-A8B9-A73F54BB1A08}" type="datetimeFigureOut">
               <a:rPr lang="en-US" smtClean="0"/>
-              <a:t>7/13/2021</a:t>
+              <a:t>7/14/2021</a:t>
             </a:fld>
             <a:endParaRPr lang="en-US" dirty="0"/>
           </a:p>
@@ -4336,6 +6006,2847 @@
           </a:p>
         </p:txBody>
       </p:sp>
+      <p:grpSp>
+        <p:nvGrpSpPr>
+          <p:cNvPr id="12" name="Group 11">
+            <a:extLst>
+              <a:ext uri="{FF2B5EF4-FFF2-40B4-BE49-F238E27FC236}">
+                <a16:creationId xmlns:a16="http://schemas.microsoft.com/office/drawing/2014/main" id="{D2A53C7D-5741-4B5E-9FAE-5F624EEF5496}"/>
+              </a:ext>
+            </a:extLst>
+          </p:cNvPr>
+          <p:cNvGrpSpPr/>
+          <p:nvPr/>
+        </p:nvGrpSpPr>
+        <p:grpSpPr>
+          <a:xfrm>
+            <a:off x="2325529" y="1111219"/>
+            <a:ext cx="1017720" cy="560520"/>
+            <a:chOff x="2325529" y="1111219"/>
+            <a:chExt cx="1017720" cy="560520"/>
+          </a:xfrm>
+        </p:grpSpPr>
+        <mc:AlternateContent xmlns:mc="http://schemas.openxmlformats.org/markup-compatibility/2006">
+          <mc:Choice xmlns:p14="http://schemas.microsoft.com/office/powerpoint/2010/main" Requires="p14">
+            <p:contentPart p14:bwMode="auto" r:id="rId2">
+              <p14:nvContentPartPr>
+                <p14:cNvPr id="4" name="Ink 3">
+                  <a:extLst>
+                    <a:ext uri="{FF2B5EF4-FFF2-40B4-BE49-F238E27FC236}">
+                      <a16:creationId xmlns:a16="http://schemas.microsoft.com/office/drawing/2014/main" id="{382C70B5-7F14-48B0-9087-F76F931AA1C7}"/>
+                    </a:ext>
+                  </a:extLst>
+                </p14:cNvPr>
+                <p14:cNvContentPartPr/>
+                <p14:nvPr/>
+              </p14:nvContentPartPr>
+              <p14:xfrm>
+                <a:off x="2325529" y="1481659"/>
+                <a:ext cx="603720" cy="190080"/>
+              </p14:xfrm>
+            </p:contentPart>
+          </mc:Choice>
+          <mc:Fallback>
+            <p:pic>
+              <p:nvPicPr>
+                <p:cNvPr id="4" name="Ink 3">
+                  <a:extLst>
+                    <a:ext uri="{FF2B5EF4-FFF2-40B4-BE49-F238E27FC236}">
+                      <a16:creationId xmlns:a16="http://schemas.microsoft.com/office/drawing/2014/main" id="{382C70B5-7F14-48B0-9087-F76F931AA1C7}"/>
+                    </a:ext>
+                  </a:extLst>
+                </p:cNvPr>
+                <p:cNvPicPr/>
+                <p:nvPr/>
+              </p:nvPicPr>
+              <p:blipFill>
+                <a:blip r:embed="rId3"/>
+                <a:stretch>
+                  <a:fillRect/>
+                </a:stretch>
+              </p:blipFill>
+              <p:spPr>
+                <a:xfrm>
+                  <a:off x="2316529" y="1472659"/>
+                  <a:ext cx="621360" cy="207720"/>
+                </a:xfrm>
+                <a:prstGeom prst="rect">
+                  <a:avLst/>
+                </a:prstGeom>
+              </p:spPr>
+            </p:pic>
+          </mc:Fallback>
+        </mc:AlternateContent>
+        <mc:AlternateContent xmlns:mc="http://schemas.openxmlformats.org/markup-compatibility/2006">
+          <mc:Choice xmlns:p14="http://schemas.microsoft.com/office/powerpoint/2010/main" Requires="p14">
+            <p:contentPart p14:bwMode="auto" r:id="rId4">
+              <p14:nvContentPartPr>
+                <p14:cNvPr id="5" name="Ink 4">
+                  <a:extLst>
+                    <a:ext uri="{FF2B5EF4-FFF2-40B4-BE49-F238E27FC236}">
+                      <a16:creationId xmlns:a16="http://schemas.microsoft.com/office/drawing/2014/main" id="{D2C46C47-635A-4C65-AF16-CE0F7FB94884}"/>
+                    </a:ext>
+                  </a:extLst>
+                </p14:cNvPr>
+                <p14:cNvContentPartPr/>
+                <p14:nvPr/>
+              </p14:nvContentPartPr>
+              <p14:xfrm>
+                <a:off x="2543689" y="1111219"/>
+                <a:ext cx="26640" cy="324000"/>
+              </p14:xfrm>
+            </p:contentPart>
+          </mc:Choice>
+          <mc:Fallback>
+            <p:pic>
+              <p:nvPicPr>
+                <p:cNvPr id="5" name="Ink 4">
+                  <a:extLst>
+                    <a:ext uri="{FF2B5EF4-FFF2-40B4-BE49-F238E27FC236}">
+                      <a16:creationId xmlns:a16="http://schemas.microsoft.com/office/drawing/2014/main" id="{D2C46C47-635A-4C65-AF16-CE0F7FB94884}"/>
+                    </a:ext>
+                  </a:extLst>
+                </p:cNvPr>
+                <p:cNvPicPr/>
+                <p:nvPr/>
+              </p:nvPicPr>
+              <p:blipFill>
+                <a:blip r:embed="rId5"/>
+                <a:stretch>
+                  <a:fillRect/>
+                </a:stretch>
+              </p:blipFill>
+              <p:spPr>
+                <a:xfrm>
+                  <a:off x="2535049" y="1102219"/>
+                  <a:ext cx="44280" cy="341640"/>
+                </a:xfrm>
+                <a:prstGeom prst="rect">
+                  <a:avLst/>
+                </a:prstGeom>
+              </p:spPr>
+            </p:pic>
+          </mc:Fallback>
+        </mc:AlternateContent>
+        <mc:AlternateContent xmlns:mc="http://schemas.openxmlformats.org/markup-compatibility/2006">
+          <mc:Choice xmlns:p14="http://schemas.microsoft.com/office/powerpoint/2010/main" Requires="p14">
+            <p:contentPart p14:bwMode="auto" r:id="rId6">
+              <p14:nvContentPartPr>
+                <p14:cNvPr id="6" name="Ink 5">
+                  <a:extLst>
+                    <a:ext uri="{FF2B5EF4-FFF2-40B4-BE49-F238E27FC236}">
+                      <a16:creationId xmlns:a16="http://schemas.microsoft.com/office/drawing/2014/main" id="{6CCF2A07-8837-4B80-AC59-CCEBC018E804}"/>
+                    </a:ext>
+                  </a:extLst>
+                </p14:cNvPr>
+                <p14:cNvContentPartPr/>
+                <p14:nvPr/>
+              </p14:nvContentPartPr>
+              <p14:xfrm>
+                <a:off x="2476009" y="1285099"/>
+                <a:ext cx="181440" cy="37440"/>
+              </p14:xfrm>
+            </p:contentPart>
+          </mc:Choice>
+          <mc:Fallback>
+            <p:pic>
+              <p:nvPicPr>
+                <p:cNvPr id="6" name="Ink 5">
+                  <a:extLst>
+                    <a:ext uri="{FF2B5EF4-FFF2-40B4-BE49-F238E27FC236}">
+                      <a16:creationId xmlns:a16="http://schemas.microsoft.com/office/drawing/2014/main" id="{6CCF2A07-8837-4B80-AC59-CCEBC018E804}"/>
+                    </a:ext>
+                  </a:extLst>
+                </p:cNvPr>
+                <p:cNvPicPr/>
+                <p:nvPr/>
+              </p:nvPicPr>
+              <p:blipFill>
+                <a:blip r:embed="rId7"/>
+                <a:stretch>
+                  <a:fillRect/>
+                </a:stretch>
+              </p:blipFill>
+              <p:spPr>
+                <a:xfrm>
+                  <a:off x="2467369" y="1276459"/>
+                  <a:ext cx="199080" cy="55080"/>
+                </a:xfrm>
+                <a:prstGeom prst="rect">
+                  <a:avLst/>
+                </a:prstGeom>
+              </p:spPr>
+            </p:pic>
+          </mc:Fallback>
+        </mc:AlternateContent>
+        <mc:AlternateContent xmlns:mc="http://schemas.openxmlformats.org/markup-compatibility/2006">
+          <mc:Choice xmlns:p14="http://schemas.microsoft.com/office/powerpoint/2010/main" Requires="p14">
+            <p:contentPart p14:bwMode="auto" r:id="rId8">
+              <p14:nvContentPartPr>
+                <p14:cNvPr id="7" name="Ink 6">
+                  <a:extLst>
+                    <a:ext uri="{FF2B5EF4-FFF2-40B4-BE49-F238E27FC236}">
+                      <a16:creationId xmlns:a16="http://schemas.microsoft.com/office/drawing/2014/main" id="{E90CD502-64D4-4E5D-AF5A-8B48BF76E215}"/>
+                    </a:ext>
+                  </a:extLst>
+                </p14:cNvPr>
+                <p14:cNvContentPartPr/>
+                <p14:nvPr/>
+              </p14:nvContentPartPr>
+              <p14:xfrm>
+                <a:off x="2631889" y="1298779"/>
+                <a:ext cx="88560" cy="95400"/>
+              </p14:xfrm>
+            </p:contentPart>
+          </mc:Choice>
+          <mc:Fallback>
+            <p:pic>
+              <p:nvPicPr>
+                <p:cNvPr id="7" name="Ink 6">
+                  <a:extLst>
+                    <a:ext uri="{FF2B5EF4-FFF2-40B4-BE49-F238E27FC236}">
+                      <a16:creationId xmlns:a16="http://schemas.microsoft.com/office/drawing/2014/main" id="{E90CD502-64D4-4E5D-AF5A-8B48BF76E215}"/>
+                    </a:ext>
+                  </a:extLst>
+                </p:cNvPr>
+                <p:cNvPicPr/>
+                <p:nvPr/>
+              </p:nvPicPr>
+              <p:blipFill>
+                <a:blip r:embed="rId9"/>
+                <a:stretch>
+                  <a:fillRect/>
+                </a:stretch>
+              </p:blipFill>
+              <p:spPr>
+                <a:xfrm>
+                  <a:off x="2622889" y="1290139"/>
+                  <a:ext cx="106200" cy="113040"/>
+                </a:xfrm>
+                <a:prstGeom prst="rect">
+                  <a:avLst/>
+                </a:prstGeom>
+              </p:spPr>
+            </p:pic>
+          </mc:Fallback>
+        </mc:AlternateContent>
+        <mc:AlternateContent xmlns:mc="http://schemas.openxmlformats.org/markup-compatibility/2006">
+          <mc:Choice xmlns:p14="http://schemas.microsoft.com/office/powerpoint/2010/main" Requires="p14">
+            <p:contentPart p14:bwMode="auto" r:id="rId10">
+              <p14:nvContentPartPr>
+                <p14:cNvPr id="8" name="Ink 7">
+                  <a:extLst>
+                    <a:ext uri="{FF2B5EF4-FFF2-40B4-BE49-F238E27FC236}">
+                      <a16:creationId xmlns:a16="http://schemas.microsoft.com/office/drawing/2014/main" id="{8622D466-2766-4532-AAA5-B6FC24ED5C7D}"/>
+                    </a:ext>
+                  </a:extLst>
+                </p14:cNvPr>
+                <p14:cNvContentPartPr/>
+                <p14:nvPr/>
+              </p14:nvContentPartPr>
+              <p14:xfrm>
+                <a:off x="2758609" y="1324699"/>
+                <a:ext cx="128880" cy="96480"/>
+              </p14:xfrm>
+            </p:contentPart>
+          </mc:Choice>
+          <mc:Fallback>
+            <p:pic>
+              <p:nvPicPr>
+                <p:cNvPr id="8" name="Ink 7">
+                  <a:extLst>
+                    <a:ext uri="{FF2B5EF4-FFF2-40B4-BE49-F238E27FC236}">
+                      <a16:creationId xmlns:a16="http://schemas.microsoft.com/office/drawing/2014/main" id="{8622D466-2766-4532-AAA5-B6FC24ED5C7D}"/>
+                    </a:ext>
+                  </a:extLst>
+                </p:cNvPr>
+                <p:cNvPicPr/>
+                <p:nvPr/>
+              </p:nvPicPr>
+              <p:blipFill>
+                <a:blip r:embed="rId11"/>
+                <a:stretch>
+                  <a:fillRect/>
+                </a:stretch>
+              </p:blipFill>
+              <p:spPr>
+                <a:xfrm>
+                  <a:off x="2749969" y="1315699"/>
+                  <a:ext cx="146520" cy="114120"/>
+                </a:xfrm>
+                <a:prstGeom prst="rect">
+                  <a:avLst/>
+                </a:prstGeom>
+              </p:spPr>
+            </p:pic>
+          </mc:Fallback>
+        </mc:AlternateContent>
+        <mc:AlternateContent xmlns:mc="http://schemas.openxmlformats.org/markup-compatibility/2006">
+          <mc:Choice xmlns:p14="http://schemas.microsoft.com/office/powerpoint/2010/main" Requires="p14">
+            <p:contentPart p14:bwMode="auto" r:id="rId12">
+              <p14:nvContentPartPr>
+                <p14:cNvPr id="9" name="Ink 8">
+                  <a:extLst>
+                    <a:ext uri="{FF2B5EF4-FFF2-40B4-BE49-F238E27FC236}">
+                      <a16:creationId xmlns:a16="http://schemas.microsoft.com/office/drawing/2014/main" id="{A5464845-903D-49C6-9138-55FA10473D57}"/>
+                    </a:ext>
+                  </a:extLst>
+                </p14:cNvPr>
+                <p14:cNvContentPartPr/>
+                <p14:nvPr/>
+              </p14:nvContentPartPr>
+              <p14:xfrm>
+                <a:off x="2922409" y="1305259"/>
+                <a:ext cx="83880" cy="77400"/>
+              </p14:xfrm>
+            </p:contentPart>
+          </mc:Choice>
+          <mc:Fallback>
+            <p:pic>
+              <p:nvPicPr>
+                <p:cNvPr id="9" name="Ink 8">
+                  <a:extLst>
+                    <a:ext uri="{FF2B5EF4-FFF2-40B4-BE49-F238E27FC236}">
+                      <a16:creationId xmlns:a16="http://schemas.microsoft.com/office/drawing/2014/main" id="{A5464845-903D-49C6-9138-55FA10473D57}"/>
+                    </a:ext>
+                  </a:extLst>
+                </p:cNvPr>
+                <p:cNvPicPr/>
+                <p:nvPr/>
+              </p:nvPicPr>
+              <p:blipFill>
+                <a:blip r:embed="rId13"/>
+                <a:stretch>
+                  <a:fillRect/>
+                </a:stretch>
+              </p:blipFill>
+              <p:spPr>
+                <a:xfrm>
+                  <a:off x="2913769" y="1296259"/>
+                  <a:ext cx="101520" cy="95040"/>
+                </a:xfrm>
+                <a:prstGeom prst="rect">
+                  <a:avLst/>
+                </a:prstGeom>
+              </p:spPr>
+            </p:pic>
+          </mc:Fallback>
+        </mc:AlternateContent>
+        <mc:AlternateContent xmlns:mc="http://schemas.openxmlformats.org/markup-compatibility/2006">
+          <mc:Choice xmlns:p14="http://schemas.microsoft.com/office/powerpoint/2010/main" Requires="p14">
+            <p:contentPart p14:bwMode="auto" r:id="rId14">
+              <p14:nvContentPartPr>
+                <p14:cNvPr id="10" name="Ink 9">
+                  <a:extLst>
+                    <a:ext uri="{FF2B5EF4-FFF2-40B4-BE49-F238E27FC236}">
+                      <a16:creationId xmlns:a16="http://schemas.microsoft.com/office/drawing/2014/main" id="{35FF93FD-F23A-4925-A83D-A3FC51C26757}"/>
+                    </a:ext>
+                  </a:extLst>
+                </p14:cNvPr>
+                <p14:cNvContentPartPr/>
+                <p14:nvPr/>
+              </p14:nvContentPartPr>
+              <p14:xfrm>
+                <a:off x="3012049" y="1289059"/>
+                <a:ext cx="172080" cy="79200"/>
+              </p14:xfrm>
+            </p:contentPart>
+          </mc:Choice>
+          <mc:Fallback>
+            <p:pic>
+              <p:nvPicPr>
+                <p:cNvPr id="10" name="Ink 9">
+                  <a:extLst>
+                    <a:ext uri="{FF2B5EF4-FFF2-40B4-BE49-F238E27FC236}">
+                      <a16:creationId xmlns:a16="http://schemas.microsoft.com/office/drawing/2014/main" id="{35FF93FD-F23A-4925-A83D-A3FC51C26757}"/>
+                    </a:ext>
+                  </a:extLst>
+                </p:cNvPr>
+                <p:cNvPicPr/>
+                <p:nvPr/>
+              </p:nvPicPr>
+              <p:blipFill>
+                <a:blip r:embed="rId15"/>
+                <a:stretch>
+                  <a:fillRect/>
+                </a:stretch>
+              </p:blipFill>
+              <p:spPr>
+                <a:xfrm>
+                  <a:off x="3003409" y="1280419"/>
+                  <a:ext cx="189720" cy="96840"/>
+                </a:xfrm>
+                <a:prstGeom prst="rect">
+                  <a:avLst/>
+                </a:prstGeom>
+              </p:spPr>
+            </p:pic>
+          </mc:Fallback>
+        </mc:AlternateContent>
+        <mc:AlternateContent xmlns:mc="http://schemas.openxmlformats.org/markup-compatibility/2006">
+          <mc:Choice xmlns:p14="http://schemas.microsoft.com/office/powerpoint/2010/main" Requires="p14">
+            <p:contentPart p14:bwMode="auto" r:id="rId16">
+              <p14:nvContentPartPr>
+                <p14:cNvPr id="11" name="Ink 10">
+                  <a:extLst>
+                    <a:ext uri="{FF2B5EF4-FFF2-40B4-BE49-F238E27FC236}">
+                      <a16:creationId xmlns:a16="http://schemas.microsoft.com/office/drawing/2014/main" id="{8557D0B0-80BD-414F-9426-A09210B323A8}"/>
+                    </a:ext>
+                  </a:extLst>
+                </p14:cNvPr>
+                <p14:cNvContentPartPr/>
+                <p14:nvPr/>
+              </p14:nvContentPartPr>
+              <p14:xfrm>
+                <a:off x="3215089" y="1291219"/>
+                <a:ext cx="128160" cy="122040"/>
+              </p14:xfrm>
+            </p:contentPart>
+          </mc:Choice>
+          <mc:Fallback>
+            <p:pic>
+              <p:nvPicPr>
+                <p:cNvPr id="11" name="Ink 10">
+                  <a:extLst>
+                    <a:ext uri="{FF2B5EF4-FFF2-40B4-BE49-F238E27FC236}">
+                      <a16:creationId xmlns:a16="http://schemas.microsoft.com/office/drawing/2014/main" id="{8557D0B0-80BD-414F-9426-A09210B323A8}"/>
+                    </a:ext>
+                  </a:extLst>
+                </p:cNvPr>
+                <p:cNvPicPr/>
+                <p:nvPr/>
+              </p:nvPicPr>
+              <p:blipFill>
+                <a:blip r:embed="rId17"/>
+                <a:stretch>
+                  <a:fillRect/>
+                </a:stretch>
+              </p:blipFill>
+              <p:spPr>
+                <a:xfrm>
+                  <a:off x="3206449" y="1282579"/>
+                  <a:ext cx="145800" cy="139680"/>
+                </a:xfrm>
+                <a:prstGeom prst="rect">
+                  <a:avLst/>
+                </a:prstGeom>
+              </p:spPr>
+            </p:pic>
+          </mc:Fallback>
+        </mc:AlternateContent>
+      </p:grpSp>
+      <p:grpSp>
+        <p:nvGrpSpPr>
+          <p:cNvPr id="27" name="Group 26">
+            <a:extLst>
+              <a:ext uri="{FF2B5EF4-FFF2-40B4-BE49-F238E27FC236}">
+                <a16:creationId xmlns:a16="http://schemas.microsoft.com/office/drawing/2014/main" id="{B6282954-C5B3-45F5-B5FC-E31314AA563D}"/>
+              </a:ext>
+            </a:extLst>
+          </p:cNvPr>
+          <p:cNvGrpSpPr/>
+          <p:nvPr/>
+        </p:nvGrpSpPr>
+        <p:grpSpPr>
+          <a:xfrm>
+            <a:off x="4308769" y="821059"/>
+            <a:ext cx="496440" cy="257040"/>
+            <a:chOff x="4308769" y="821059"/>
+            <a:chExt cx="496440" cy="257040"/>
+          </a:xfrm>
+        </p:grpSpPr>
+        <mc:AlternateContent xmlns:mc="http://schemas.openxmlformats.org/markup-compatibility/2006">
+          <mc:Choice xmlns:p14="http://schemas.microsoft.com/office/powerpoint/2010/main" Requires="p14">
+            <p:contentPart p14:bwMode="auto" r:id="rId18">
+              <p14:nvContentPartPr>
+                <p14:cNvPr id="13" name="Ink 12">
+                  <a:extLst>
+                    <a:ext uri="{FF2B5EF4-FFF2-40B4-BE49-F238E27FC236}">
+                      <a16:creationId xmlns:a16="http://schemas.microsoft.com/office/drawing/2014/main" id="{99720910-7CDE-464C-B557-F31352E9AFED}"/>
+                    </a:ext>
+                  </a:extLst>
+                </p14:cNvPr>
+                <p14:cNvContentPartPr/>
+                <p14:nvPr/>
+              </p14:nvContentPartPr>
+              <p14:xfrm>
+                <a:off x="4308769" y="821059"/>
+                <a:ext cx="111960" cy="257040"/>
+              </p14:xfrm>
+            </p:contentPart>
+          </mc:Choice>
+          <mc:Fallback>
+            <p:pic>
+              <p:nvPicPr>
+                <p:cNvPr id="13" name="Ink 12">
+                  <a:extLst>
+                    <a:ext uri="{FF2B5EF4-FFF2-40B4-BE49-F238E27FC236}">
+                      <a16:creationId xmlns:a16="http://schemas.microsoft.com/office/drawing/2014/main" id="{99720910-7CDE-464C-B557-F31352E9AFED}"/>
+                    </a:ext>
+                  </a:extLst>
+                </p:cNvPr>
+                <p:cNvPicPr/>
+                <p:nvPr/>
+              </p:nvPicPr>
+              <p:blipFill>
+                <a:blip r:embed="rId19"/>
+                <a:stretch>
+                  <a:fillRect/>
+                </a:stretch>
+              </p:blipFill>
+              <p:spPr>
+                <a:xfrm>
+                  <a:off x="4299769" y="812419"/>
+                  <a:ext cx="129600" cy="274680"/>
+                </a:xfrm>
+                <a:prstGeom prst="rect">
+                  <a:avLst/>
+                </a:prstGeom>
+              </p:spPr>
+            </p:pic>
+          </mc:Fallback>
+        </mc:AlternateContent>
+        <mc:AlternateContent xmlns:mc="http://schemas.openxmlformats.org/markup-compatibility/2006">
+          <mc:Choice xmlns:p14="http://schemas.microsoft.com/office/powerpoint/2010/main" Requires="p14">
+            <p:contentPart p14:bwMode="auto" r:id="rId20">
+              <p14:nvContentPartPr>
+                <p14:cNvPr id="14" name="Ink 13">
+                  <a:extLst>
+                    <a:ext uri="{FF2B5EF4-FFF2-40B4-BE49-F238E27FC236}">
+                      <a16:creationId xmlns:a16="http://schemas.microsoft.com/office/drawing/2014/main" id="{B134E581-EAA3-421C-8ACB-393874698CD4}"/>
+                    </a:ext>
+                  </a:extLst>
+                </p14:cNvPr>
+                <p14:cNvContentPartPr/>
+                <p14:nvPr/>
+              </p14:nvContentPartPr>
+              <p14:xfrm>
+                <a:off x="4463209" y="850939"/>
+                <a:ext cx="150120" cy="187200"/>
+              </p14:xfrm>
+            </p:contentPart>
+          </mc:Choice>
+          <mc:Fallback>
+            <p:pic>
+              <p:nvPicPr>
+                <p:cNvPr id="14" name="Ink 13">
+                  <a:extLst>
+                    <a:ext uri="{FF2B5EF4-FFF2-40B4-BE49-F238E27FC236}">
+                      <a16:creationId xmlns:a16="http://schemas.microsoft.com/office/drawing/2014/main" id="{B134E581-EAA3-421C-8ACB-393874698CD4}"/>
+                    </a:ext>
+                  </a:extLst>
+                </p:cNvPr>
+                <p:cNvPicPr/>
+                <p:nvPr/>
+              </p:nvPicPr>
+              <p:blipFill>
+                <a:blip r:embed="rId21"/>
+                <a:stretch>
+                  <a:fillRect/>
+                </a:stretch>
+              </p:blipFill>
+              <p:spPr>
+                <a:xfrm>
+                  <a:off x="4454209" y="841939"/>
+                  <a:ext cx="167760" cy="204840"/>
+                </a:xfrm>
+                <a:prstGeom prst="rect">
+                  <a:avLst/>
+                </a:prstGeom>
+              </p:spPr>
+            </p:pic>
+          </mc:Fallback>
+        </mc:AlternateContent>
+        <mc:AlternateContent xmlns:mc="http://schemas.openxmlformats.org/markup-compatibility/2006">
+          <mc:Choice xmlns:p14="http://schemas.microsoft.com/office/powerpoint/2010/main" Requires="p14">
+            <p:contentPart p14:bwMode="auto" r:id="rId22">
+              <p14:nvContentPartPr>
+                <p14:cNvPr id="15" name="Ink 14">
+                  <a:extLst>
+                    <a:ext uri="{FF2B5EF4-FFF2-40B4-BE49-F238E27FC236}">
+                      <a16:creationId xmlns:a16="http://schemas.microsoft.com/office/drawing/2014/main" id="{72846B2F-D8AE-49F7-A88D-DAC272D529FA}"/>
+                    </a:ext>
+                  </a:extLst>
+                </p14:cNvPr>
+                <p14:cNvContentPartPr/>
+                <p14:nvPr/>
+              </p14:nvContentPartPr>
+              <p14:xfrm>
+                <a:off x="4488049" y="974059"/>
+                <a:ext cx="80640" cy="5400"/>
+              </p14:xfrm>
+            </p:contentPart>
+          </mc:Choice>
+          <mc:Fallback>
+            <p:pic>
+              <p:nvPicPr>
+                <p:cNvPr id="15" name="Ink 14">
+                  <a:extLst>
+                    <a:ext uri="{FF2B5EF4-FFF2-40B4-BE49-F238E27FC236}">
+                      <a16:creationId xmlns:a16="http://schemas.microsoft.com/office/drawing/2014/main" id="{72846B2F-D8AE-49F7-A88D-DAC272D529FA}"/>
+                    </a:ext>
+                  </a:extLst>
+                </p:cNvPr>
+                <p:cNvPicPr/>
+                <p:nvPr/>
+              </p:nvPicPr>
+              <p:blipFill>
+                <a:blip r:embed="rId23"/>
+                <a:stretch>
+                  <a:fillRect/>
+                </a:stretch>
+              </p:blipFill>
+              <p:spPr>
+                <a:xfrm>
+                  <a:off x="4479049" y="965419"/>
+                  <a:ext cx="98280" cy="23040"/>
+                </a:xfrm>
+                <a:prstGeom prst="rect">
+                  <a:avLst/>
+                </a:prstGeom>
+              </p:spPr>
+            </p:pic>
+          </mc:Fallback>
+        </mc:AlternateContent>
+        <mc:AlternateContent xmlns:mc="http://schemas.openxmlformats.org/markup-compatibility/2006">
+          <mc:Choice xmlns:p14="http://schemas.microsoft.com/office/powerpoint/2010/main" Requires="p14">
+            <p:contentPart p14:bwMode="auto" r:id="rId24">
+              <p14:nvContentPartPr>
+                <p14:cNvPr id="16" name="Ink 15">
+                  <a:extLst>
+                    <a:ext uri="{FF2B5EF4-FFF2-40B4-BE49-F238E27FC236}">
+                      <a16:creationId xmlns:a16="http://schemas.microsoft.com/office/drawing/2014/main" id="{7E7C291B-ECDF-44E1-A261-1EBFB00E93B0}"/>
+                    </a:ext>
+                  </a:extLst>
+                </p14:cNvPr>
+                <p14:cNvContentPartPr/>
+                <p14:nvPr/>
+              </p14:nvContentPartPr>
+              <p14:xfrm>
+                <a:off x="4714489" y="834739"/>
+                <a:ext cx="90720" cy="37440"/>
+              </p14:xfrm>
+            </p:contentPart>
+          </mc:Choice>
+          <mc:Fallback>
+            <p:pic>
+              <p:nvPicPr>
+                <p:cNvPr id="16" name="Ink 15">
+                  <a:extLst>
+                    <a:ext uri="{FF2B5EF4-FFF2-40B4-BE49-F238E27FC236}">
+                      <a16:creationId xmlns:a16="http://schemas.microsoft.com/office/drawing/2014/main" id="{7E7C291B-ECDF-44E1-A261-1EBFB00E93B0}"/>
+                    </a:ext>
+                  </a:extLst>
+                </p:cNvPr>
+                <p:cNvPicPr/>
+                <p:nvPr/>
+              </p:nvPicPr>
+              <p:blipFill>
+                <a:blip r:embed="rId25"/>
+                <a:stretch>
+                  <a:fillRect/>
+                </a:stretch>
+              </p:blipFill>
+              <p:spPr>
+                <a:xfrm>
+                  <a:off x="4705849" y="825739"/>
+                  <a:ext cx="108360" cy="55080"/>
+                </a:xfrm>
+                <a:prstGeom prst="rect">
+                  <a:avLst/>
+                </a:prstGeom>
+              </p:spPr>
+            </p:pic>
+          </mc:Fallback>
+        </mc:AlternateContent>
+        <mc:AlternateContent xmlns:mc="http://schemas.openxmlformats.org/markup-compatibility/2006">
+          <mc:Choice xmlns:p14="http://schemas.microsoft.com/office/powerpoint/2010/main" Requires="p14">
+            <p:contentPart p14:bwMode="auto" r:id="rId26">
+              <p14:nvContentPartPr>
+                <p14:cNvPr id="17" name="Ink 16">
+                  <a:extLst>
+                    <a:ext uri="{FF2B5EF4-FFF2-40B4-BE49-F238E27FC236}">
+                      <a16:creationId xmlns:a16="http://schemas.microsoft.com/office/drawing/2014/main" id="{097AD777-BE61-4CAC-81D0-C075FA30705A}"/>
+                    </a:ext>
+                  </a:extLst>
+                </p14:cNvPr>
+                <p14:cNvContentPartPr/>
+                <p14:nvPr/>
+              </p14:nvContentPartPr>
+              <p14:xfrm>
+                <a:off x="4700449" y="858859"/>
+                <a:ext cx="104400" cy="205560"/>
+              </p14:xfrm>
+            </p:contentPart>
+          </mc:Choice>
+          <mc:Fallback>
+            <p:pic>
+              <p:nvPicPr>
+                <p:cNvPr id="17" name="Ink 16">
+                  <a:extLst>
+                    <a:ext uri="{FF2B5EF4-FFF2-40B4-BE49-F238E27FC236}">
+                      <a16:creationId xmlns:a16="http://schemas.microsoft.com/office/drawing/2014/main" id="{097AD777-BE61-4CAC-81D0-C075FA30705A}"/>
+                    </a:ext>
+                  </a:extLst>
+                </p:cNvPr>
+                <p:cNvPicPr/>
+                <p:nvPr/>
+              </p:nvPicPr>
+              <p:blipFill>
+                <a:blip r:embed="rId27"/>
+                <a:stretch>
+                  <a:fillRect/>
+                </a:stretch>
+              </p:blipFill>
+              <p:spPr>
+                <a:xfrm>
+                  <a:off x="4691449" y="850219"/>
+                  <a:ext cx="122040" cy="223200"/>
+                </a:xfrm>
+                <a:prstGeom prst="rect">
+                  <a:avLst/>
+                </a:prstGeom>
+              </p:spPr>
+            </p:pic>
+          </mc:Fallback>
+        </mc:AlternateContent>
+      </p:grpSp>
+      <p:grpSp>
+        <p:nvGrpSpPr>
+          <p:cNvPr id="26" name="Group 25">
+            <a:extLst>
+              <a:ext uri="{FF2B5EF4-FFF2-40B4-BE49-F238E27FC236}">
+                <a16:creationId xmlns:a16="http://schemas.microsoft.com/office/drawing/2014/main" id="{DBE296F0-7418-4181-910E-A094881EF995}"/>
+              </a:ext>
+            </a:extLst>
+          </p:cNvPr>
+          <p:cNvGrpSpPr/>
+          <p:nvPr/>
+        </p:nvGrpSpPr>
+        <p:grpSpPr>
+          <a:xfrm>
+            <a:off x="5107249" y="738979"/>
+            <a:ext cx="435960" cy="290880"/>
+            <a:chOff x="5107249" y="738979"/>
+            <a:chExt cx="435960" cy="290880"/>
+          </a:xfrm>
+        </p:grpSpPr>
+        <mc:AlternateContent xmlns:mc="http://schemas.openxmlformats.org/markup-compatibility/2006">
+          <mc:Choice xmlns:p14="http://schemas.microsoft.com/office/powerpoint/2010/main" Requires="p14">
+            <p:contentPart p14:bwMode="auto" r:id="rId28">
+              <p14:nvContentPartPr>
+                <p14:cNvPr id="18" name="Ink 17">
+                  <a:extLst>
+                    <a:ext uri="{FF2B5EF4-FFF2-40B4-BE49-F238E27FC236}">
+                      <a16:creationId xmlns:a16="http://schemas.microsoft.com/office/drawing/2014/main" id="{C23FF11E-DD68-462B-AB90-B9E117F13A7F}"/>
+                    </a:ext>
+                  </a:extLst>
+                </p14:cNvPr>
+                <p14:cNvContentPartPr/>
+                <p14:nvPr/>
+              </p14:nvContentPartPr>
+              <p14:xfrm>
+                <a:off x="5107249" y="738979"/>
+                <a:ext cx="142200" cy="271800"/>
+              </p14:xfrm>
+            </p:contentPart>
+          </mc:Choice>
+          <mc:Fallback>
+            <p:pic>
+              <p:nvPicPr>
+                <p:cNvPr id="18" name="Ink 17">
+                  <a:extLst>
+                    <a:ext uri="{FF2B5EF4-FFF2-40B4-BE49-F238E27FC236}">
+                      <a16:creationId xmlns:a16="http://schemas.microsoft.com/office/drawing/2014/main" id="{C23FF11E-DD68-462B-AB90-B9E117F13A7F}"/>
+                    </a:ext>
+                  </a:extLst>
+                </p:cNvPr>
+                <p:cNvPicPr/>
+                <p:nvPr/>
+              </p:nvPicPr>
+              <p:blipFill>
+                <a:blip r:embed="rId29"/>
+                <a:stretch>
+                  <a:fillRect/>
+                </a:stretch>
+              </p:blipFill>
+              <p:spPr>
+                <a:xfrm>
+                  <a:off x="5098249" y="730339"/>
+                  <a:ext cx="159840" cy="289440"/>
+                </a:xfrm>
+                <a:prstGeom prst="rect">
+                  <a:avLst/>
+                </a:prstGeom>
+              </p:spPr>
+            </p:pic>
+          </mc:Fallback>
+        </mc:AlternateContent>
+        <mc:AlternateContent xmlns:mc="http://schemas.openxmlformats.org/markup-compatibility/2006">
+          <mc:Choice xmlns:p14="http://schemas.microsoft.com/office/powerpoint/2010/main" Requires="p14">
+            <p:contentPart p14:bwMode="auto" r:id="rId30">
+              <p14:nvContentPartPr>
+                <p14:cNvPr id="19" name="Ink 18">
+                  <a:extLst>
+                    <a:ext uri="{FF2B5EF4-FFF2-40B4-BE49-F238E27FC236}">
+                      <a16:creationId xmlns:a16="http://schemas.microsoft.com/office/drawing/2014/main" id="{31FFE235-D656-45F9-9904-629B373FA417}"/>
+                    </a:ext>
+                  </a:extLst>
+                </p14:cNvPr>
+                <p14:cNvContentPartPr/>
+                <p14:nvPr/>
+              </p14:nvContentPartPr>
+              <p14:xfrm>
+                <a:off x="5277529" y="891259"/>
+                <a:ext cx="265680" cy="138600"/>
+              </p14:xfrm>
+            </p:contentPart>
+          </mc:Choice>
+          <mc:Fallback>
+            <p:pic>
+              <p:nvPicPr>
+                <p:cNvPr id="19" name="Ink 18">
+                  <a:extLst>
+                    <a:ext uri="{FF2B5EF4-FFF2-40B4-BE49-F238E27FC236}">
+                      <a16:creationId xmlns:a16="http://schemas.microsoft.com/office/drawing/2014/main" id="{31FFE235-D656-45F9-9904-629B373FA417}"/>
+                    </a:ext>
+                  </a:extLst>
+                </p:cNvPr>
+                <p:cNvPicPr/>
+                <p:nvPr/>
+              </p:nvPicPr>
+              <p:blipFill>
+                <a:blip r:embed="rId31"/>
+                <a:stretch>
+                  <a:fillRect/>
+                </a:stretch>
+              </p:blipFill>
+              <p:spPr>
+                <a:xfrm>
+                  <a:off x="5268889" y="882259"/>
+                  <a:ext cx="283320" cy="156240"/>
+                </a:xfrm>
+                <a:prstGeom prst="rect">
+                  <a:avLst/>
+                </a:prstGeom>
+              </p:spPr>
+            </p:pic>
+          </mc:Fallback>
+        </mc:AlternateContent>
+      </p:grpSp>
+      <p:grpSp>
+        <p:nvGrpSpPr>
+          <p:cNvPr id="25" name="Group 24">
+            <a:extLst>
+              <a:ext uri="{FF2B5EF4-FFF2-40B4-BE49-F238E27FC236}">
+                <a16:creationId xmlns:a16="http://schemas.microsoft.com/office/drawing/2014/main" id="{B82D5361-D5F0-42C6-892B-36F507F8E71E}"/>
+              </a:ext>
+            </a:extLst>
+          </p:cNvPr>
+          <p:cNvGrpSpPr/>
+          <p:nvPr/>
+        </p:nvGrpSpPr>
+        <p:grpSpPr>
+          <a:xfrm>
+            <a:off x="5868289" y="714139"/>
+            <a:ext cx="738000" cy="383400"/>
+            <a:chOff x="5868289" y="714139"/>
+            <a:chExt cx="738000" cy="383400"/>
+          </a:xfrm>
+        </p:grpSpPr>
+        <mc:AlternateContent xmlns:mc="http://schemas.openxmlformats.org/markup-compatibility/2006">
+          <mc:Choice xmlns:p14="http://schemas.microsoft.com/office/powerpoint/2010/main" Requires="p14">
+            <p:contentPart p14:bwMode="auto" r:id="rId32">
+              <p14:nvContentPartPr>
+                <p14:cNvPr id="20" name="Ink 19">
+                  <a:extLst>
+                    <a:ext uri="{FF2B5EF4-FFF2-40B4-BE49-F238E27FC236}">
+                      <a16:creationId xmlns:a16="http://schemas.microsoft.com/office/drawing/2014/main" id="{6B8FFCA1-9E36-4C00-B2EE-860AD1609063}"/>
+                    </a:ext>
+                  </a:extLst>
+                </p14:cNvPr>
+                <p14:cNvContentPartPr/>
+                <p14:nvPr/>
+              </p14:nvContentPartPr>
+              <p14:xfrm>
+                <a:off x="5975209" y="714139"/>
+                <a:ext cx="15480" cy="289440"/>
+              </p14:xfrm>
+            </p:contentPart>
+          </mc:Choice>
+          <mc:Fallback>
+            <p:pic>
+              <p:nvPicPr>
+                <p:cNvPr id="20" name="Ink 19">
+                  <a:extLst>
+                    <a:ext uri="{FF2B5EF4-FFF2-40B4-BE49-F238E27FC236}">
+                      <a16:creationId xmlns:a16="http://schemas.microsoft.com/office/drawing/2014/main" id="{6B8FFCA1-9E36-4C00-B2EE-860AD1609063}"/>
+                    </a:ext>
+                  </a:extLst>
+                </p:cNvPr>
+                <p:cNvPicPr/>
+                <p:nvPr/>
+              </p:nvPicPr>
+              <p:blipFill>
+                <a:blip r:embed="rId33"/>
+                <a:stretch>
+                  <a:fillRect/>
+                </a:stretch>
+              </p:blipFill>
+              <p:spPr>
+                <a:xfrm>
+                  <a:off x="5966569" y="705139"/>
+                  <a:ext cx="33120" cy="307080"/>
+                </a:xfrm>
+                <a:prstGeom prst="rect">
+                  <a:avLst/>
+                </a:prstGeom>
+              </p:spPr>
+            </p:pic>
+          </mc:Fallback>
+        </mc:AlternateContent>
+        <mc:AlternateContent xmlns:mc="http://schemas.openxmlformats.org/markup-compatibility/2006">
+          <mc:Choice xmlns:p14="http://schemas.microsoft.com/office/powerpoint/2010/main" Requires="p14">
+            <p:contentPart p14:bwMode="auto" r:id="rId34">
+              <p14:nvContentPartPr>
+                <p14:cNvPr id="21" name="Ink 20">
+                  <a:extLst>
+                    <a:ext uri="{FF2B5EF4-FFF2-40B4-BE49-F238E27FC236}">
+                      <a16:creationId xmlns:a16="http://schemas.microsoft.com/office/drawing/2014/main" id="{1CB3BF38-1430-4656-B32A-6E7C3C9559CC}"/>
+                    </a:ext>
+                  </a:extLst>
+                </p14:cNvPr>
+                <p14:cNvContentPartPr/>
+                <p14:nvPr/>
+              </p14:nvContentPartPr>
+              <p14:xfrm>
+                <a:off x="5868289" y="867859"/>
+                <a:ext cx="263160" cy="78480"/>
+              </p14:xfrm>
+            </p:contentPart>
+          </mc:Choice>
+          <mc:Fallback>
+            <p:pic>
+              <p:nvPicPr>
+                <p:cNvPr id="21" name="Ink 20">
+                  <a:extLst>
+                    <a:ext uri="{FF2B5EF4-FFF2-40B4-BE49-F238E27FC236}">
+                      <a16:creationId xmlns:a16="http://schemas.microsoft.com/office/drawing/2014/main" id="{1CB3BF38-1430-4656-B32A-6E7C3C9559CC}"/>
+                    </a:ext>
+                  </a:extLst>
+                </p:cNvPr>
+                <p:cNvPicPr/>
+                <p:nvPr/>
+              </p:nvPicPr>
+              <p:blipFill>
+                <a:blip r:embed="rId35"/>
+                <a:stretch>
+                  <a:fillRect/>
+                </a:stretch>
+              </p:blipFill>
+              <p:spPr>
+                <a:xfrm>
+                  <a:off x="5859289" y="859219"/>
+                  <a:ext cx="280800" cy="96120"/>
+                </a:xfrm>
+                <a:prstGeom prst="rect">
+                  <a:avLst/>
+                </a:prstGeom>
+              </p:spPr>
+            </p:pic>
+          </mc:Fallback>
+        </mc:AlternateContent>
+        <mc:AlternateContent xmlns:mc="http://schemas.openxmlformats.org/markup-compatibility/2006">
+          <mc:Choice xmlns:p14="http://schemas.microsoft.com/office/powerpoint/2010/main" Requires="p14">
+            <p:contentPart p14:bwMode="auto" r:id="rId36">
+              <p14:nvContentPartPr>
+                <p14:cNvPr id="22" name="Ink 21">
+                  <a:extLst>
+                    <a:ext uri="{FF2B5EF4-FFF2-40B4-BE49-F238E27FC236}">
+                      <a16:creationId xmlns:a16="http://schemas.microsoft.com/office/drawing/2014/main" id="{E1CCD892-C1B8-4225-BCFE-625EDB983CFE}"/>
+                    </a:ext>
+                  </a:extLst>
+                </p14:cNvPr>
+                <p14:cNvContentPartPr/>
+                <p14:nvPr/>
+              </p14:nvContentPartPr>
+              <p14:xfrm>
+                <a:off x="6141169" y="723139"/>
+                <a:ext cx="166680" cy="237600"/>
+              </p14:xfrm>
+            </p:contentPart>
+          </mc:Choice>
+          <mc:Fallback>
+            <p:pic>
+              <p:nvPicPr>
+                <p:cNvPr id="22" name="Ink 21">
+                  <a:extLst>
+                    <a:ext uri="{FF2B5EF4-FFF2-40B4-BE49-F238E27FC236}">
+                      <a16:creationId xmlns:a16="http://schemas.microsoft.com/office/drawing/2014/main" id="{E1CCD892-C1B8-4225-BCFE-625EDB983CFE}"/>
+                    </a:ext>
+                  </a:extLst>
+                </p:cNvPr>
+                <p:cNvPicPr/>
+                <p:nvPr/>
+              </p:nvPicPr>
+              <p:blipFill>
+                <a:blip r:embed="rId37"/>
+                <a:stretch>
+                  <a:fillRect/>
+                </a:stretch>
+              </p:blipFill>
+              <p:spPr>
+                <a:xfrm>
+                  <a:off x="6132529" y="714139"/>
+                  <a:ext cx="184320" cy="255240"/>
+                </a:xfrm>
+                <a:prstGeom prst="rect">
+                  <a:avLst/>
+                </a:prstGeom>
+              </p:spPr>
+            </p:pic>
+          </mc:Fallback>
+        </mc:AlternateContent>
+        <mc:AlternateContent xmlns:mc="http://schemas.openxmlformats.org/markup-compatibility/2006">
+          <mc:Choice xmlns:p14="http://schemas.microsoft.com/office/powerpoint/2010/main" Requires="p14">
+            <p:contentPart p14:bwMode="auto" r:id="rId38">
+              <p14:nvContentPartPr>
+                <p14:cNvPr id="23" name="Ink 22">
+                  <a:extLst>
+                    <a:ext uri="{FF2B5EF4-FFF2-40B4-BE49-F238E27FC236}">
+                      <a16:creationId xmlns:a16="http://schemas.microsoft.com/office/drawing/2014/main" id="{C723ED43-C329-447F-A06F-13755F5C8887}"/>
+                    </a:ext>
+                  </a:extLst>
+                </p14:cNvPr>
+                <p14:cNvContentPartPr/>
+                <p14:nvPr/>
+              </p14:nvContentPartPr>
+              <p14:xfrm>
+                <a:off x="6301369" y="857779"/>
+                <a:ext cx="132120" cy="99720"/>
+              </p14:xfrm>
+            </p:contentPart>
+          </mc:Choice>
+          <mc:Fallback>
+            <p:pic>
+              <p:nvPicPr>
+                <p:cNvPr id="23" name="Ink 22">
+                  <a:extLst>
+                    <a:ext uri="{FF2B5EF4-FFF2-40B4-BE49-F238E27FC236}">
+                      <a16:creationId xmlns:a16="http://schemas.microsoft.com/office/drawing/2014/main" id="{C723ED43-C329-447F-A06F-13755F5C8887}"/>
+                    </a:ext>
+                  </a:extLst>
+                </p:cNvPr>
+                <p:cNvPicPr/>
+                <p:nvPr/>
+              </p:nvPicPr>
+              <p:blipFill>
+                <a:blip r:embed="rId39"/>
+                <a:stretch>
+                  <a:fillRect/>
+                </a:stretch>
+              </p:blipFill>
+              <p:spPr>
+                <a:xfrm>
+                  <a:off x="6292729" y="848779"/>
+                  <a:ext cx="149760" cy="117360"/>
+                </a:xfrm>
+                <a:prstGeom prst="rect">
+                  <a:avLst/>
+                </a:prstGeom>
+              </p:spPr>
+            </p:pic>
+          </mc:Fallback>
+        </mc:AlternateContent>
+        <mc:AlternateContent xmlns:mc="http://schemas.openxmlformats.org/markup-compatibility/2006">
+          <mc:Choice xmlns:p14="http://schemas.microsoft.com/office/powerpoint/2010/main" Requires="p14">
+            <p:contentPart p14:bwMode="auto" r:id="rId40">
+              <p14:nvContentPartPr>
+                <p14:cNvPr id="24" name="Ink 23">
+                  <a:extLst>
+                    <a:ext uri="{FF2B5EF4-FFF2-40B4-BE49-F238E27FC236}">
+                      <a16:creationId xmlns:a16="http://schemas.microsoft.com/office/drawing/2014/main" id="{0FAE0124-95A6-4ED5-8F95-BD83741517C1}"/>
+                    </a:ext>
+                  </a:extLst>
+                </p14:cNvPr>
+                <p14:cNvContentPartPr/>
+                <p14:nvPr/>
+              </p14:nvContentPartPr>
+              <p14:xfrm>
+                <a:off x="6444289" y="870739"/>
+                <a:ext cx="162000" cy="226800"/>
+              </p14:xfrm>
+            </p:contentPart>
+          </mc:Choice>
+          <mc:Fallback>
+            <p:pic>
+              <p:nvPicPr>
+                <p:cNvPr id="24" name="Ink 23">
+                  <a:extLst>
+                    <a:ext uri="{FF2B5EF4-FFF2-40B4-BE49-F238E27FC236}">
+                      <a16:creationId xmlns:a16="http://schemas.microsoft.com/office/drawing/2014/main" id="{0FAE0124-95A6-4ED5-8F95-BD83741517C1}"/>
+                    </a:ext>
+                  </a:extLst>
+                </p:cNvPr>
+                <p:cNvPicPr/>
+                <p:nvPr/>
+              </p:nvPicPr>
+              <p:blipFill>
+                <a:blip r:embed="rId41"/>
+                <a:stretch>
+                  <a:fillRect/>
+                </a:stretch>
+              </p:blipFill>
+              <p:spPr>
+                <a:xfrm>
+                  <a:off x="6435289" y="861739"/>
+                  <a:ext cx="179640" cy="244440"/>
+                </a:xfrm>
+                <a:prstGeom prst="rect">
+                  <a:avLst/>
+                </a:prstGeom>
+              </p:spPr>
+            </p:pic>
+          </mc:Fallback>
+        </mc:AlternateContent>
+      </p:grpSp>
+      <mc:AlternateContent xmlns:mc="http://schemas.openxmlformats.org/markup-compatibility/2006">
+        <mc:Choice xmlns:p14="http://schemas.microsoft.com/office/powerpoint/2010/main" Requires="p14">
+          <p:contentPart p14:bwMode="auto" r:id="rId42">
+            <p14:nvContentPartPr>
+              <p14:cNvPr id="28" name="Ink 27">
+                <a:extLst>
+                  <a:ext uri="{FF2B5EF4-FFF2-40B4-BE49-F238E27FC236}">
+                    <a16:creationId xmlns:a16="http://schemas.microsoft.com/office/drawing/2014/main" id="{2619CEE3-2987-42B6-A115-8443A9A497FD}"/>
+                  </a:ext>
+                </a:extLst>
+              </p14:cNvPr>
+              <p14:cNvContentPartPr/>
+              <p14:nvPr/>
+            </p14:nvContentPartPr>
+            <p14:xfrm>
+              <a:off x="1218529" y="1982779"/>
+              <a:ext cx="951840" cy="58680"/>
+            </p14:xfrm>
+          </p:contentPart>
+        </mc:Choice>
+        <mc:Fallback>
+          <p:pic>
+            <p:nvPicPr>
+              <p:cNvPr id="28" name="Ink 27">
+                <a:extLst>
+                  <a:ext uri="{FF2B5EF4-FFF2-40B4-BE49-F238E27FC236}">
+                    <a16:creationId xmlns:a16="http://schemas.microsoft.com/office/drawing/2014/main" id="{2619CEE3-2987-42B6-A115-8443A9A497FD}"/>
+                  </a:ext>
+                </a:extLst>
+              </p:cNvPr>
+              <p:cNvPicPr/>
+              <p:nvPr/>
+            </p:nvPicPr>
+            <p:blipFill>
+              <a:blip r:embed="rId43"/>
+              <a:stretch>
+                <a:fillRect/>
+              </a:stretch>
+            </p:blipFill>
+            <p:spPr>
+              <a:xfrm>
+                <a:off x="1209529" y="1973779"/>
+                <a:ext cx="969480" cy="76320"/>
+              </a:xfrm>
+              <a:prstGeom prst="rect">
+                <a:avLst/>
+              </a:prstGeom>
+            </p:spPr>
+          </p:pic>
+        </mc:Fallback>
+      </mc:AlternateContent>
+      <p:grpSp>
+        <p:nvGrpSpPr>
+          <p:cNvPr id="46" name="Group 45">
+            <a:extLst>
+              <a:ext uri="{FF2B5EF4-FFF2-40B4-BE49-F238E27FC236}">
+                <a16:creationId xmlns:a16="http://schemas.microsoft.com/office/drawing/2014/main" id="{A2FA1AAE-9F80-4EF5-B624-B1C12E838FDC}"/>
+              </a:ext>
+            </a:extLst>
+          </p:cNvPr>
+          <p:cNvGrpSpPr/>
+          <p:nvPr/>
+        </p:nvGrpSpPr>
+        <p:grpSpPr>
+          <a:xfrm>
+            <a:off x="4293289" y="1373659"/>
+            <a:ext cx="451800" cy="204840"/>
+            <a:chOff x="4293289" y="1373659"/>
+            <a:chExt cx="451800" cy="204840"/>
+          </a:xfrm>
+        </p:grpSpPr>
+        <mc:AlternateContent xmlns:mc="http://schemas.openxmlformats.org/markup-compatibility/2006">
+          <mc:Choice xmlns:p14="http://schemas.microsoft.com/office/powerpoint/2010/main" Requires="p14">
+            <p:contentPart p14:bwMode="auto" r:id="rId44">
+              <p14:nvContentPartPr>
+                <p14:cNvPr id="29" name="Ink 28">
+                  <a:extLst>
+                    <a:ext uri="{FF2B5EF4-FFF2-40B4-BE49-F238E27FC236}">
+                      <a16:creationId xmlns:a16="http://schemas.microsoft.com/office/drawing/2014/main" id="{DCE4429D-EECD-405C-9B64-0C552D3973BD}"/>
+                    </a:ext>
+                  </a:extLst>
+                </p14:cNvPr>
+                <p14:cNvContentPartPr/>
+                <p14:nvPr/>
+              </p14:nvContentPartPr>
+              <p14:xfrm>
+                <a:off x="4293289" y="1373659"/>
+                <a:ext cx="108720" cy="204840"/>
+              </p14:xfrm>
+            </p:contentPart>
+          </mc:Choice>
+          <mc:Fallback>
+            <p:pic>
+              <p:nvPicPr>
+                <p:cNvPr id="29" name="Ink 28">
+                  <a:extLst>
+                    <a:ext uri="{FF2B5EF4-FFF2-40B4-BE49-F238E27FC236}">
+                      <a16:creationId xmlns:a16="http://schemas.microsoft.com/office/drawing/2014/main" id="{DCE4429D-EECD-405C-9B64-0C552D3973BD}"/>
+                    </a:ext>
+                  </a:extLst>
+                </p:cNvPr>
+                <p:cNvPicPr/>
+                <p:nvPr/>
+              </p:nvPicPr>
+              <p:blipFill>
+                <a:blip r:embed="rId45"/>
+                <a:stretch>
+                  <a:fillRect/>
+                </a:stretch>
+              </p:blipFill>
+              <p:spPr>
+                <a:xfrm>
+                  <a:off x="4284289" y="1364659"/>
+                  <a:ext cx="126360" cy="222480"/>
+                </a:xfrm>
+                <a:prstGeom prst="rect">
+                  <a:avLst/>
+                </a:prstGeom>
+              </p:spPr>
+            </p:pic>
+          </mc:Fallback>
+        </mc:AlternateContent>
+        <mc:AlternateContent xmlns:mc="http://schemas.openxmlformats.org/markup-compatibility/2006">
+          <mc:Choice xmlns:p14="http://schemas.microsoft.com/office/powerpoint/2010/main" Requires="p14">
+            <p:contentPart p14:bwMode="auto" r:id="rId46">
+              <p14:nvContentPartPr>
+                <p14:cNvPr id="30" name="Ink 29">
+                  <a:extLst>
+                    <a:ext uri="{FF2B5EF4-FFF2-40B4-BE49-F238E27FC236}">
+                      <a16:creationId xmlns:a16="http://schemas.microsoft.com/office/drawing/2014/main" id="{17F478F3-A352-4865-A644-9450BC480760}"/>
+                    </a:ext>
+                  </a:extLst>
+                </p14:cNvPr>
+                <p14:cNvContentPartPr/>
+                <p14:nvPr/>
+              </p14:nvContentPartPr>
+              <p14:xfrm>
+                <a:off x="4473289" y="1393459"/>
+                <a:ext cx="118080" cy="159840"/>
+              </p14:xfrm>
+            </p:contentPart>
+          </mc:Choice>
+          <mc:Fallback>
+            <p:pic>
+              <p:nvPicPr>
+                <p:cNvPr id="30" name="Ink 29">
+                  <a:extLst>
+                    <a:ext uri="{FF2B5EF4-FFF2-40B4-BE49-F238E27FC236}">
+                      <a16:creationId xmlns:a16="http://schemas.microsoft.com/office/drawing/2014/main" id="{17F478F3-A352-4865-A644-9450BC480760}"/>
+                    </a:ext>
+                  </a:extLst>
+                </p:cNvPr>
+                <p:cNvPicPr/>
+                <p:nvPr/>
+              </p:nvPicPr>
+              <p:blipFill>
+                <a:blip r:embed="rId47"/>
+                <a:stretch>
+                  <a:fillRect/>
+                </a:stretch>
+              </p:blipFill>
+              <p:spPr>
+                <a:xfrm>
+                  <a:off x="4464289" y="1384819"/>
+                  <a:ext cx="135720" cy="177480"/>
+                </a:xfrm>
+                <a:prstGeom prst="rect">
+                  <a:avLst/>
+                </a:prstGeom>
+              </p:spPr>
+            </p:pic>
+          </mc:Fallback>
+        </mc:AlternateContent>
+        <mc:AlternateContent xmlns:mc="http://schemas.openxmlformats.org/markup-compatibility/2006">
+          <mc:Choice xmlns:p14="http://schemas.microsoft.com/office/powerpoint/2010/main" Requires="p14">
+            <p:contentPart p14:bwMode="auto" r:id="rId48">
+              <p14:nvContentPartPr>
+                <p14:cNvPr id="31" name="Ink 30">
+                  <a:extLst>
+                    <a:ext uri="{FF2B5EF4-FFF2-40B4-BE49-F238E27FC236}">
+                      <a16:creationId xmlns:a16="http://schemas.microsoft.com/office/drawing/2014/main" id="{BE52CA6B-BE96-41BD-99C2-CB702FA765A6}"/>
+                    </a:ext>
+                  </a:extLst>
+                </p14:cNvPr>
+                <p14:cNvContentPartPr/>
+                <p14:nvPr/>
+              </p14:nvContentPartPr>
+              <p14:xfrm>
+                <a:off x="4493449" y="1458259"/>
+                <a:ext cx="79560" cy="12240"/>
+              </p14:xfrm>
+            </p:contentPart>
+          </mc:Choice>
+          <mc:Fallback>
+            <p:pic>
+              <p:nvPicPr>
+                <p:cNvPr id="31" name="Ink 30">
+                  <a:extLst>
+                    <a:ext uri="{FF2B5EF4-FFF2-40B4-BE49-F238E27FC236}">
+                      <a16:creationId xmlns:a16="http://schemas.microsoft.com/office/drawing/2014/main" id="{BE52CA6B-BE96-41BD-99C2-CB702FA765A6}"/>
+                    </a:ext>
+                  </a:extLst>
+                </p:cNvPr>
+                <p:cNvPicPr/>
+                <p:nvPr/>
+              </p:nvPicPr>
+              <p:blipFill>
+                <a:blip r:embed="rId49"/>
+                <a:stretch>
+                  <a:fillRect/>
+                </a:stretch>
+              </p:blipFill>
+              <p:spPr>
+                <a:xfrm>
+                  <a:off x="4484809" y="1449259"/>
+                  <a:ext cx="97200" cy="29880"/>
+                </a:xfrm>
+                <a:prstGeom prst="rect">
+                  <a:avLst/>
+                </a:prstGeom>
+              </p:spPr>
+            </p:pic>
+          </mc:Fallback>
+        </mc:AlternateContent>
+        <mc:AlternateContent xmlns:mc="http://schemas.openxmlformats.org/markup-compatibility/2006">
+          <mc:Choice xmlns:p14="http://schemas.microsoft.com/office/powerpoint/2010/main" Requires="p14">
+            <p:contentPart p14:bwMode="auto" r:id="rId50">
+              <p14:nvContentPartPr>
+                <p14:cNvPr id="32" name="Ink 31">
+                  <a:extLst>
+                    <a:ext uri="{FF2B5EF4-FFF2-40B4-BE49-F238E27FC236}">
+                      <a16:creationId xmlns:a16="http://schemas.microsoft.com/office/drawing/2014/main" id="{FF0FE4B1-D18B-409A-A784-15F2F926CBDA}"/>
+                    </a:ext>
+                  </a:extLst>
+                </p14:cNvPr>
+                <p14:cNvContentPartPr/>
+                <p14:nvPr/>
+              </p14:nvContentPartPr>
+              <p14:xfrm>
+                <a:off x="4633129" y="1377979"/>
+                <a:ext cx="111960" cy="126000"/>
+              </p14:xfrm>
+            </p:contentPart>
+          </mc:Choice>
+          <mc:Fallback>
+            <p:pic>
+              <p:nvPicPr>
+                <p:cNvPr id="32" name="Ink 31">
+                  <a:extLst>
+                    <a:ext uri="{FF2B5EF4-FFF2-40B4-BE49-F238E27FC236}">
+                      <a16:creationId xmlns:a16="http://schemas.microsoft.com/office/drawing/2014/main" id="{FF0FE4B1-D18B-409A-A784-15F2F926CBDA}"/>
+                    </a:ext>
+                  </a:extLst>
+                </p:cNvPr>
+                <p:cNvPicPr/>
+                <p:nvPr/>
+              </p:nvPicPr>
+              <p:blipFill>
+                <a:blip r:embed="rId51"/>
+                <a:stretch>
+                  <a:fillRect/>
+                </a:stretch>
+              </p:blipFill>
+              <p:spPr>
+                <a:xfrm>
+                  <a:off x="4624489" y="1368979"/>
+                  <a:ext cx="129600" cy="143640"/>
+                </a:xfrm>
+                <a:prstGeom prst="rect">
+                  <a:avLst/>
+                </a:prstGeom>
+              </p:spPr>
+            </p:pic>
+          </mc:Fallback>
+        </mc:AlternateContent>
+      </p:grpSp>
+      <p:grpSp>
+        <p:nvGrpSpPr>
+          <p:cNvPr id="45" name="Group 44">
+            <a:extLst>
+              <a:ext uri="{FF2B5EF4-FFF2-40B4-BE49-F238E27FC236}">
+                <a16:creationId xmlns:a16="http://schemas.microsoft.com/office/drawing/2014/main" id="{1867AB3A-4BCB-4A47-8DFB-B26099FF0B6C}"/>
+              </a:ext>
+            </a:extLst>
+          </p:cNvPr>
+          <p:cNvGrpSpPr/>
+          <p:nvPr/>
+        </p:nvGrpSpPr>
+        <p:grpSpPr>
+          <a:xfrm>
+            <a:off x="5051089" y="1288339"/>
+            <a:ext cx="807480" cy="228960"/>
+            <a:chOff x="5051089" y="1288339"/>
+            <a:chExt cx="807480" cy="228960"/>
+          </a:xfrm>
+        </p:grpSpPr>
+        <mc:AlternateContent xmlns:mc="http://schemas.openxmlformats.org/markup-compatibility/2006">
+          <mc:Choice xmlns:p14="http://schemas.microsoft.com/office/powerpoint/2010/main" Requires="p14">
+            <p:contentPart p14:bwMode="auto" r:id="rId52">
+              <p14:nvContentPartPr>
+                <p14:cNvPr id="33" name="Ink 32">
+                  <a:extLst>
+                    <a:ext uri="{FF2B5EF4-FFF2-40B4-BE49-F238E27FC236}">
+                      <a16:creationId xmlns:a16="http://schemas.microsoft.com/office/drawing/2014/main" id="{4F1D7907-F379-4E06-BB8B-A078E360269E}"/>
+                    </a:ext>
+                  </a:extLst>
+                </p14:cNvPr>
+                <p14:cNvContentPartPr/>
+                <p14:nvPr/>
+              </p14:nvContentPartPr>
+              <p14:xfrm>
+                <a:off x="5051089" y="1395619"/>
+                <a:ext cx="234360" cy="100440"/>
+              </p14:xfrm>
+            </p:contentPart>
+          </mc:Choice>
+          <mc:Fallback>
+            <p:pic>
+              <p:nvPicPr>
+                <p:cNvPr id="33" name="Ink 32">
+                  <a:extLst>
+                    <a:ext uri="{FF2B5EF4-FFF2-40B4-BE49-F238E27FC236}">
+                      <a16:creationId xmlns:a16="http://schemas.microsoft.com/office/drawing/2014/main" id="{4F1D7907-F379-4E06-BB8B-A078E360269E}"/>
+                    </a:ext>
+                  </a:extLst>
+                </p:cNvPr>
+                <p:cNvPicPr/>
+                <p:nvPr/>
+              </p:nvPicPr>
+              <p:blipFill>
+                <a:blip r:embed="rId53"/>
+                <a:stretch>
+                  <a:fillRect/>
+                </a:stretch>
+              </p:blipFill>
+              <p:spPr>
+                <a:xfrm>
+                  <a:off x="5042089" y="1386979"/>
+                  <a:ext cx="252000" cy="118080"/>
+                </a:xfrm>
+                <a:prstGeom prst="rect">
+                  <a:avLst/>
+                </a:prstGeom>
+              </p:spPr>
+            </p:pic>
+          </mc:Fallback>
+        </mc:AlternateContent>
+        <mc:AlternateContent xmlns:mc="http://schemas.openxmlformats.org/markup-compatibility/2006">
+          <mc:Choice xmlns:p14="http://schemas.microsoft.com/office/powerpoint/2010/main" Requires="p14">
+            <p:contentPart p14:bwMode="auto" r:id="rId54">
+              <p14:nvContentPartPr>
+                <p14:cNvPr id="34" name="Ink 33">
+                  <a:extLst>
+                    <a:ext uri="{FF2B5EF4-FFF2-40B4-BE49-F238E27FC236}">
+                      <a16:creationId xmlns:a16="http://schemas.microsoft.com/office/drawing/2014/main" id="{DCD1655A-A303-44E8-8AB9-B196FA4AF282}"/>
+                    </a:ext>
+                  </a:extLst>
+                </p14:cNvPr>
+                <p14:cNvContentPartPr/>
+                <p14:nvPr/>
+              </p14:nvContentPartPr>
+              <p14:xfrm>
+                <a:off x="5376529" y="1288339"/>
+                <a:ext cx="21600" cy="188640"/>
+              </p14:xfrm>
+            </p:contentPart>
+          </mc:Choice>
+          <mc:Fallback>
+            <p:pic>
+              <p:nvPicPr>
+                <p:cNvPr id="34" name="Ink 33">
+                  <a:extLst>
+                    <a:ext uri="{FF2B5EF4-FFF2-40B4-BE49-F238E27FC236}">
+                      <a16:creationId xmlns:a16="http://schemas.microsoft.com/office/drawing/2014/main" id="{DCD1655A-A303-44E8-8AB9-B196FA4AF282}"/>
+                    </a:ext>
+                  </a:extLst>
+                </p:cNvPr>
+                <p:cNvPicPr/>
+                <p:nvPr/>
+              </p:nvPicPr>
+              <p:blipFill>
+                <a:blip r:embed="rId55"/>
+                <a:stretch>
+                  <a:fillRect/>
+                </a:stretch>
+              </p:blipFill>
+              <p:spPr>
+                <a:xfrm>
+                  <a:off x="5367889" y="1279339"/>
+                  <a:ext cx="39240" cy="206280"/>
+                </a:xfrm>
+                <a:prstGeom prst="rect">
+                  <a:avLst/>
+                </a:prstGeom>
+              </p:spPr>
+            </p:pic>
+          </mc:Fallback>
+        </mc:AlternateContent>
+        <mc:AlternateContent xmlns:mc="http://schemas.openxmlformats.org/markup-compatibility/2006">
+          <mc:Choice xmlns:p14="http://schemas.microsoft.com/office/powerpoint/2010/main" Requires="p14">
+            <p:contentPart p14:bwMode="auto" r:id="rId56">
+              <p14:nvContentPartPr>
+                <p14:cNvPr id="35" name="Ink 34">
+                  <a:extLst>
+                    <a:ext uri="{FF2B5EF4-FFF2-40B4-BE49-F238E27FC236}">
+                      <a16:creationId xmlns:a16="http://schemas.microsoft.com/office/drawing/2014/main" id="{0EF9DF05-941F-48A9-9A9D-0FF88C248224}"/>
+                    </a:ext>
+                  </a:extLst>
+                </p14:cNvPr>
+                <p14:cNvContentPartPr/>
+                <p14:nvPr/>
+              </p14:nvContentPartPr>
+              <p14:xfrm>
+                <a:off x="5437369" y="1398859"/>
+                <a:ext cx="171000" cy="94680"/>
+              </p14:xfrm>
+            </p:contentPart>
+          </mc:Choice>
+          <mc:Fallback>
+            <p:pic>
+              <p:nvPicPr>
+                <p:cNvPr id="35" name="Ink 34">
+                  <a:extLst>
+                    <a:ext uri="{FF2B5EF4-FFF2-40B4-BE49-F238E27FC236}">
+                      <a16:creationId xmlns:a16="http://schemas.microsoft.com/office/drawing/2014/main" id="{0EF9DF05-941F-48A9-9A9D-0FF88C248224}"/>
+                    </a:ext>
+                  </a:extLst>
+                </p:cNvPr>
+                <p:cNvPicPr/>
+                <p:nvPr/>
+              </p:nvPicPr>
+              <p:blipFill>
+                <a:blip r:embed="rId57"/>
+                <a:stretch>
+                  <a:fillRect/>
+                </a:stretch>
+              </p:blipFill>
+              <p:spPr>
+                <a:xfrm>
+                  <a:off x="5428729" y="1390219"/>
+                  <a:ext cx="188640" cy="112320"/>
+                </a:xfrm>
+                <a:prstGeom prst="rect">
+                  <a:avLst/>
+                </a:prstGeom>
+              </p:spPr>
+            </p:pic>
+          </mc:Fallback>
+        </mc:AlternateContent>
+        <mc:AlternateContent xmlns:mc="http://schemas.openxmlformats.org/markup-compatibility/2006">
+          <mc:Choice xmlns:p14="http://schemas.microsoft.com/office/powerpoint/2010/main" Requires="p14">
+            <p:contentPart p14:bwMode="auto" r:id="rId58">
+              <p14:nvContentPartPr>
+                <p14:cNvPr id="36" name="Ink 35">
+                  <a:extLst>
+                    <a:ext uri="{FF2B5EF4-FFF2-40B4-BE49-F238E27FC236}">
+                      <a16:creationId xmlns:a16="http://schemas.microsoft.com/office/drawing/2014/main" id="{8BC5B0CA-CE6C-4DF6-AC5F-C16F23D4A0BF}"/>
+                    </a:ext>
+                  </a:extLst>
+                </p14:cNvPr>
+                <p14:cNvContentPartPr/>
+                <p14:nvPr/>
+              </p14:nvContentPartPr>
+              <p14:xfrm>
+                <a:off x="5623129" y="1397779"/>
+                <a:ext cx="124920" cy="119520"/>
+              </p14:xfrm>
+            </p:contentPart>
+          </mc:Choice>
+          <mc:Fallback>
+            <p:pic>
+              <p:nvPicPr>
+                <p:cNvPr id="36" name="Ink 35">
+                  <a:extLst>
+                    <a:ext uri="{FF2B5EF4-FFF2-40B4-BE49-F238E27FC236}">
+                      <a16:creationId xmlns:a16="http://schemas.microsoft.com/office/drawing/2014/main" id="{8BC5B0CA-CE6C-4DF6-AC5F-C16F23D4A0BF}"/>
+                    </a:ext>
+                  </a:extLst>
+                </p:cNvPr>
+                <p:cNvPicPr/>
+                <p:nvPr/>
+              </p:nvPicPr>
+              <p:blipFill>
+                <a:blip r:embed="rId59"/>
+                <a:stretch>
+                  <a:fillRect/>
+                </a:stretch>
+              </p:blipFill>
+              <p:spPr>
+                <a:xfrm>
+                  <a:off x="5614129" y="1389139"/>
+                  <a:ext cx="142560" cy="137160"/>
+                </a:xfrm>
+                <a:prstGeom prst="rect">
+                  <a:avLst/>
+                </a:prstGeom>
+              </p:spPr>
+            </p:pic>
+          </mc:Fallback>
+        </mc:AlternateContent>
+        <mc:AlternateContent xmlns:mc="http://schemas.openxmlformats.org/markup-compatibility/2006">
+          <mc:Choice xmlns:p14="http://schemas.microsoft.com/office/powerpoint/2010/main" Requires="p14">
+            <p:contentPart p14:bwMode="auto" r:id="rId60">
+              <p14:nvContentPartPr>
+                <p14:cNvPr id="37" name="Ink 36">
+                  <a:extLst>
+                    <a:ext uri="{FF2B5EF4-FFF2-40B4-BE49-F238E27FC236}">
+                      <a16:creationId xmlns:a16="http://schemas.microsoft.com/office/drawing/2014/main" id="{A03EB2FD-E78A-4924-A1D2-2DE5321D0970}"/>
+                    </a:ext>
+                  </a:extLst>
+                </p14:cNvPr>
+                <p14:cNvContentPartPr/>
+                <p14:nvPr/>
+              </p14:nvContentPartPr>
+              <p14:xfrm>
+                <a:off x="5784409" y="1320019"/>
+                <a:ext cx="74160" cy="167400"/>
+              </p14:xfrm>
+            </p:contentPart>
+          </mc:Choice>
+          <mc:Fallback>
+            <p:pic>
+              <p:nvPicPr>
+                <p:cNvPr id="37" name="Ink 36">
+                  <a:extLst>
+                    <a:ext uri="{FF2B5EF4-FFF2-40B4-BE49-F238E27FC236}">
+                      <a16:creationId xmlns:a16="http://schemas.microsoft.com/office/drawing/2014/main" id="{A03EB2FD-E78A-4924-A1D2-2DE5321D0970}"/>
+                    </a:ext>
+                  </a:extLst>
+                </p:cNvPr>
+                <p:cNvPicPr/>
+                <p:nvPr/>
+              </p:nvPicPr>
+              <p:blipFill>
+                <a:blip r:embed="rId61"/>
+                <a:stretch>
+                  <a:fillRect/>
+                </a:stretch>
+              </p:blipFill>
+              <p:spPr>
+                <a:xfrm>
+                  <a:off x="5775769" y="1311019"/>
+                  <a:ext cx="91800" cy="185040"/>
+                </a:xfrm>
+                <a:prstGeom prst="rect">
+                  <a:avLst/>
+                </a:prstGeom>
+              </p:spPr>
+            </p:pic>
+          </mc:Fallback>
+        </mc:AlternateContent>
+      </p:grpSp>
+      <p:grpSp>
+        <p:nvGrpSpPr>
+          <p:cNvPr id="44" name="Group 43">
+            <a:extLst>
+              <a:ext uri="{FF2B5EF4-FFF2-40B4-BE49-F238E27FC236}">
+                <a16:creationId xmlns:a16="http://schemas.microsoft.com/office/drawing/2014/main" id="{FE076B86-7988-41C1-B672-7A5CD308EFF3}"/>
+              </a:ext>
+            </a:extLst>
+          </p:cNvPr>
+          <p:cNvGrpSpPr/>
+          <p:nvPr/>
+        </p:nvGrpSpPr>
+        <p:grpSpPr>
+          <a:xfrm>
+            <a:off x="6114889" y="1272139"/>
+            <a:ext cx="811440" cy="315000"/>
+            <a:chOff x="6114889" y="1272139"/>
+            <a:chExt cx="811440" cy="315000"/>
+          </a:xfrm>
+        </p:grpSpPr>
+        <mc:AlternateContent xmlns:mc="http://schemas.openxmlformats.org/markup-compatibility/2006">
+          <mc:Choice xmlns:p14="http://schemas.microsoft.com/office/powerpoint/2010/main" Requires="p14">
+            <p:contentPart p14:bwMode="auto" r:id="rId62">
+              <p14:nvContentPartPr>
+                <p14:cNvPr id="38" name="Ink 37">
+                  <a:extLst>
+                    <a:ext uri="{FF2B5EF4-FFF2-40B4-BE49-F238E27FC236}">
+                      <a16:creationId xmlns:a16="http://schemas.microsoft.com/office/drawing/2014/main" id="{F119BDBF-074B-4EC7-BDAC-467F228957A6}"/>
+                    </a:ext>
+                  </a:extLst>
+                </p14:cNvPr>
+                <p14:cNvContentPartPr/>
+                <p14:nvPr/>
+              </p14:nvContentPartPr>
+              <p14:xfrm>
+                <a:off x="6114889" y="1272139"/>
+                <a:ext cx="93240" cy="203760"/>
+              </p14:xfrm>
+            </p:contentPart>
+          </mc:Choice>
+          <mc:Fallback>
+            <p:pic>
+              <p:nvPicPr>
+                <p:cNvPr id="38" name="Ink 37">
+                  <a:extLst>
+                    <a:ext uri="{FF2B5EF4-FFF2-40B4-BE49-F238E27FC236}">
+                      <a16:creationId xmlns:a16="http://schemas.microsoft.com/office/drawing/2014/main" id="{F119BDBF-074B-4EC7-BDAC-467F228957A6}"/>
+                    </a:ext>
+                  </a:extLst>
+                </p:cNvPr>
+                <p:cNvPicPr/>
+                <p:nvPr/>
+              </p:nvPicPr>
+              <p:blipFill>
+                <a:blip r:embed="rId63"/>
+                <a:stretch>
+                  <a:fillRect/>
+                </a:stretch>
+              </p:blipFill>
+              <p:spPr>
+                <a:xfrm>
+                  <a:off x="6105889" y="1263139"/>
+                  <a:ext cx="110880" cy="221400"/>
+                </a:xfrm>
+                <a:prstGeom prst="rect">
+                  <a:avLst/>
+                </a:prstGeom>
+              </p:spPr>
+            </p:pic>
+          </mc:Fallback>
+        </mc:AlternateContent>
+        <mc:AlternateContent xmlns:mc="http://schemas.openxmlformats.org/markup-compatibility/2006">
+          <mc:Choice xmlns:p14="http://schemas.microsoft.com/office/powerpoint/2010/main" Requires="p14">
+            <p:contentPart p14:bwMode="auto" r:id="rId64">
+              <p14:nvContentPartPr>
+                <p14:cNvPr id="39" name="Ink 38">
+                  <a:extLst>
+                    <a:ext uri="{FF2B5EF4-FFF2-40B4-BE49-F238E27FC236}">
+                      <a16:creationId xmlns:a16="http://schemas.microsoft.com/office/drawing/2014/main" id="{2890BC5B-3C8E-4037-BE8F-3067B87DEFCE}"/>
+                    </a:ext>
+                  </a:extLst>
+                </p14:cNvPr>
+                <p14:cNvContentPartPr/>
+                <p14:nvPr/>
+              </p14:nvContentPartPr>
+              <p14:xfrm>
+                <a:off x="6225049" y="1377979"/>
+                <a:ext cx="152640" cy="129240"/>
+              </p14:xfrm>
+            </p:contentPart>
+          </mc:Choice>
+          <mc:Fallback>
+            <p:pic>
+              <p:nvPicPr>
+                <p:cNvPr id="39" name="Ink 38">
+                  <a:extLst>
+                    <a:ext uri="{FF2B5EF4-FFF2-40B4-BE49-F238E27FC236}">
+                      <a16:creationId xmlns:a16="http://schemas.microsoft.com/office/drawing/2014/main" id="{2890BC5B-3C8E-4037-BE8F-3067B87DEFCE}"/>
+                    </a:ext>
+                  </a:extLst>
+                </p:cNvPr>
+                <p:cNvPicPr/>
+                <p:nvPr/>
+              </p:nvPicPr>
+              <p:blipFill>
+                <a:blip r:embed="rId65"/>
+                <a:stretch>
+                  <a:fillRect/>
+                </a:stretch>
+              </p:blipFill>
+              <p:spPr>
+                <a:xfrm>
+                  <a:off x="6216409" y="1368979"/>
+                  <a:ext cx="170280" cy="146880"/>
+                </a:xfrm>
+                <a:prstGeom prst="rect">
+                  <a:avLst/>
+                </a:prstGeom>
+              </p:spPr>
+            </p:pic>
+          </mc:Fallback>
+        </mc:AlternateContent>
+        <mc:AlternateContent xmlns:mc="http://schemas.openxmlformats.org/markup-compatibility/2006">
+          <mc:Choice xmlns:p14="http://schemas.microsoft.com/office/powerpoint/2010/main" Requires="p14">
+            <p:contentPart p14:bwMode="auto" r:id="rId66">
+              <p14:nvContentPartPr>
+                <p14:cNvPr id="40" name="Ink 39">
+                  <a:extLst>
+                    <a:ext uri="{FF2B5EF4-FFF2-40B4-BE49-F238E27FC236}">
+                      <a16:creationId xmlns:a16="http://schemas.microsoft.com/office/drawing/2014/main" id="{E51C3BA6-C302-4246-B713-C1DAB1CE5B58}"/>
+                    </a:ext>
+                  </a:extLst>
+                </p14:cNvPr>
+                <p14:cNvContentPartPr/>
+                <p14:nvPr/>
+              </p14:nvContentPartPr>
+              <p14:xfrm>
+                <a:off x="6406849" y="1424059"/>
+                <a:ext cx="135360" cy="104040"/>
+              </p14:xfrm>
+            </p:contentPart>
+          </mc:Choice>
+          <mc:Fallback>
+            <p:pic>
+              <p:nvPicPr>
+                <p:cNvPr id="40" name="Ink 39">
+                  <a:extLst>
+                    <a:ext uri="{FF2B5EF4-FFF2-40B4-BE49-F238E27FC236}">
+                      <a16:creationId xmlns:a16="http://schemas.microsoft.com/office/drawing/2014/main" id="{E51C3BA6-C302-4246-B713-C1DAB1CE5B58}"/>
+                    </a:ext>
+                  </a:extLst>
+                </p:cNvPr>
+                <p:cNvPicPr/>
+                <p:nvPr/>
+              </p:nvPicPr>
+              <p:blipFill>
+                <a:blip r:embed="rId67"/>
+                <a:stretch>
+                  <a:fillRect/>
+                </a:stretch>
+              </p:blipFill>
+              <p:spPr>
+                <a:xfrm>
+                  <a:off x="6397849" y="1415059"/>
+                  <a:ext cx="153000" cy="121680"/>
+                </a:xfrm>
+                <a:prstGeom prst="rect">
+                  <a:avLst/>
+                </a:prstGeom>
+              </p:spPr>
+            </p:pic>
+          </mc:Fallback>
+        </mc:AlternateContent>
+        <mc:AlternateContent xmlns:mc="http://schemas.openxmlformats.org/markup-compatibility/2006">
+          <mc:Choice xmlns:p14="http://schemas.microsoft.com/office/powerpoint/2010/main" Requires="p14">
+            <p:contentPart p14:bwMode="auto" r:id="rId68">
+              <p14:nvContentPartPr>
+                <p14:cNvPr id="41" name="Ink 40">
+                  <a:extLst>
+                    <a:ext uri="{FF2B5EF4-FFF2-40B4-BE49-F238E27FC236}">
+                      <a16:creationId xmlns:a16="http://schemas.microsoft.com/office/drawing/2014/main" id="{B0BC5275-D526-41BC-B34B-61622C5EA6AA}"/>
+                    </a:ext>
+                  </a:extLst>
+                </p14:cNvPr>
+                <p14:cNvContentPartPr/>
+                <p14:nvPr/>
+              </p14:nvContentPartPr>
+              <p14:xfrm>
+                <a:off x="6531049" y="1310659"/>
+                <a:ext cx="121680" cy="202320"/>
+              </p14:xfrm>
+            </p:contentPart>
+          </mc:Choice>
+          <mc:Fallback>
+            <p:pic>
+              <p:nvPicPr>
+                <p:cNvPr id="41" name="Ink 40">
+                  <a:extLst>
+                    <a:ext uri="{FF2B5EF4-FFF2-40B4-BE49-F238E27FC236}">
+                      <a16:creationId xmlns:a16="http://schemas.microsoft.com/office/drawing/2014/main" id="{B0BC5275-D526-41BC-B34B-61622C5EA6AA}"/>
+                    </a:ext>
+                  </a:extLst>
+                </p:cNvPr>
+                <p:cNvPicPr/>
+                <p:nvPr/>
+              </p:nvPicPr>
+              <p:blipFill>
+                <a:blip r:embed="rId69"/>
+                <a:stretch>
+                  <a:fillRect/>
+                </a:stretch>
+              </p:blipFill>
+              <p:spPr>
+                <a:xfrm>
+                  <a:off x="6522049" y="1301659"/>
+                  <a:ext cx="139320" cy="219960"/>
+                </a:xfrm>
+                <a:prstGeom prst="rect">
+                  <a:avLst/>
+                </a:prstGeom>
+              </p:spPr>
+            </p:pic>
+          </mc:Fallback>
+        </mc:AlternateContent>
+        <mc:AlternateContent xmlns:mc="http://schemas.openxmlformats.org/markup-compatibility/2006">
+          <mc:Choice xmlns:p14="http://schemas.microsoft.com/office/powerpoint/2010/main" Requires="p14">
+            <p:contentPart p14:bwMode="auto" r:id="rId70">
+              <p14:nvContentPartPr>
+                <p14:cNvPr id="42" name="Ink 41">
+                  <a:extLst>
+                    <a:ext uri="{FF2B5EF4-FFF2-40B4-BE49-F238E27FC236}">
+                      <a16:creationId xmlns:a16="http://schemas.microsoft.com/office/drawing/2014/main" id="{A92A3502-A189-4C64-A700-ACF042B66A67}"/>
+                    </a:ext>
+                  </a:extLst>
+                </p14:cNvPr>
+                <p14:cNvContentPartPr/>
+                <p14:nvPr/>
+              </p14:nvContentPartPr>
+              <p14:xfrm>
+                <a:off x="6690529" y="1406779"/>
+                <a:ext cx="91800" cy="82440"/>
+              </p14:xfrm>
+            </p:contentPart>
+          </mc:Choice>
+          <mc:Fallback>
+            <p:pic>
+              <p:nvPicPr>
+                <p:cNvPr id="42" name="Ink 41">
+                  <a:extLst>
+                    <a:ext uri="{FF2B5EF4-FFF2-40B4-BE49-F238E27FC236}">
+                      <a16:creationId xmlns:a16="http://schemas.microsoft.com/office/drawing/2014/main" id="{A92A3502-A189-4C64-A700-ACF042B66A67}"/>
+                    </a:ext>
+                  </a:extLst>
+                </p:cNvPr>
+                <p:cNvPicPr/>
+                <p:nvPr/>
+              </p:nvPicPr>
+              <p:blipFill>
+                <a:blip r:embed="rId71"/>
+                <a:stretch>
+                  <a:fillRect/>
+                </a:stretch>
+              </p:blipFill>
+              <p:spPr>
+                <a:xfrm>
+                  <a:off x="6681889" y="1398139"/>
+                  <a:ext cx="109440" cy="100080"/>
+                </a:xfrm>
+                <a:prstGeom prst="rect">
+                  <a:avLst/>
+                </a:prstGeom>
+              </p:spPr>
+            </p:pic>
+          </mc:Fallback>
+        </mc:AlternateContent>
+        <mc:AlternateContent xmlns:mc="http://schemas.openxmlformats.org/markup-compatibility/2006">
+          <mc:Choice xmlns:p14="http://schemas.microsoft.com/office/powerpoint/2010/main" Requires="p14">
+            <p:contentPart p14:bwMode="auto" r:id="rId72">
+              <p14:nvContentPartPr>
+                <p14:cNvPr id="43" name="Ink 42">
+                  <a:extLst>
+                    <a:ext uri="{FF2B5EF4-FFF2-40B4-BE49-F238E27FC236}">
+                      <a16:creationId xmlns:a16="http://schemas.microsoft.com/office/drawing/2014/main" id="{0FA7F053-A118-4CDB-B117-7A56C6DF93EC}"/>
+                    </a:ext>
+                  </a:extLst>
+                </p14:cNvPr>
+                <p14:cNvContentPartPr/>
+                <p14:nvPr/>
+              </p14:nvContentPartPr>
+              <p14:xfrm>
+                <a:off x="6799969" y="1417579"/>
+                <a:ext cx="126360" cy="169560"/>
+              </p14:xfrm>
+            </p:contentPart>
+          </mc:Choice>
+          <mc:Fallback>
+            <p:pic>
+              <p:nvPicPr>
+                <p:cNvPr id="43" name="Ink 42">
+                  <a:extLst>
+                    <a:ext uri="{FF2B5EF4-FFF2-40B4-BE49-F238E27FC236}">
+                      <a16:creationId xmlns:a16="http://schemas.microsoft.com/office/drawing/2014/main" id="{0FA7F053-A118-4CDB-B117-7A56C6DF93EC}"/>
+                    </a:ext>
+                  </a:extLst>
+                </p:cNvPr>
+                <p:cNvPicPr/>
+                <p:nvPr/>
+              </p:nvPicPr>
+              <p:blipFill>
+                <a:blip r:embed="rId73"/>
+                <a:stretch>
+                  <a:fillRect/>
+                </a:stretch>
+              </p:blipFill>
+              <p:spPr>
+                <a:xfrm>
+                  <a:off x="6791329" y="1408939"/>
+                  <a:ext cx="144000" cy="187200"/>
+                </a:xfrm>
+                <a:prstGeom prst="rect">
+                  <a:avLst/>
+                </a:prstGeom>
+              </p:spPr>
+            </p:pic>
+          </mc:Fallback>
+        </mc:AlternateContent>
+      </p:grpSp>
+      <mc:AlternateContent xmlns:mc="http://schemas.openxmlformats.org/markup-compatibility/2006">
+        <mc:Choice xmlns:p14="http://schemas.microsoft.com/office/powerpoint/2010/main" Requires="p14">
+          <p:contentPart p14:bwMode="auto" r:id="rId74">
+            <p14:nvContentPartPr>
+              <p14:cNvPr id="47" name="Ink 46">
+                <a:extLst>
+                  <a:ext uri="{FF2B5EF4-FFF2-40B4-BE49-F238E27FC236}">
+                    <a16:creationId xmlns:a16="http://schemas.microsoft.com/office/drawing/2014/main" id="{024E1E57-5975-42E0-BC5A-4250E97B8A4E}"/>
+                  </a:ext>
+                </a:extLst>
+              </p14:cNvPr>
+              <p14:cNvContentPartPr/>
+              <p14:nvPr/>
+            </p14:nvContentPartPr>
+            <p14:xfrm>
+              <a:off x="419689" y="2168539"/>
+              <a:ext cx="326160" cy="147600"/>
+            </p14:xfrm>
+          </p:contentPart>
+        </mc:Choice>
+        <mc:Fallback>
+          <p:pic>
+            <p:nvPicPr>
+              <p:cNvPr id="47" name="Ink 46">
+                <a:extLst>
+                  <a:ext uri="{FF2B5EF4-FFF2-40B4-BE49-F238E27FC236}">
+                    <a16:creationId xmlns:a16="http://schemas.microsoft.com/office/drawing/2014/main" id="{024E1E57-5975-42E0-BC5A-4250E97B8A4E}"/>
+                  </a:ext>
+                </a:extLst>
+              </p:cNvPr>
+              <p:cNvPicPr/>
+              <p:nvPr/>
+            </p:nvPicPr>
+            <p:blipFill>
+              <a:blip r:embed="rId75"/>
+              <a:stretch>
+                <a:fillRect/>
+              </a:stretch>
+            </p:blipFill>
+            <p:spPr>
+              <a:xfrm>
+                <a:off x="410689" y="2159899"/>
+                <a:ext cx="343800" cy="165240"/>
+              </a:xfrm>
+              <a:prstGeom prst="rect">
+                <a:avLst/>
+              </a:prstGeom>
+            </p:spPr>
+          </p:pic>
+        </mc:Fallback>
+      </mc:AlternateContent>
+      <mc:AlternateContent xmlns:mc="http://schemas.openxmlformats.org/markup-compatibility/2006">
+        <mc:Choice xmlns:p14="http://schemas.microsoft.com/office/powerpoint/2010/main" Requires="p14">
+          <p:contentPart p14:bwMode="auto" r:id="rId76">
+            <p14:nvContentPartPr>
+              <p14:cNvPr id="48" name="Ink 47">
+                <a:extLst>
+                  <a:ext uri="{FF2B5EF4-FFF2-40B4-BE49-F238E27FC236}">
+                    <a16:creationId xmlns:a16="http://schemas.microsoft.com/office/drawing/2014/main" id="{02322EB4-68CD-4293-BB85-307E8B6D7D52}"/>
+                  </a:ext>
+                </a:extLst>
+              </p14:cNvPr>
+              <p14:cNvContentPartPr/>
+              <p14:nvPr/>
+            </p14:nvContentPartPr>
+            <p14:xfrm>
+              <a:off x="3165409" y="2715019"/>
+              <a:ext cx="603000" cy="26280"/>
+            </p14:xfrm>
+          </p:contentPart>
+        </mc:Choice>
+        <mc:Fallback>
+          <p:pic>
+            <p:nvPicPr>
+              <p:cNvPr id="48" name="Ink 47">
+                <a:extLst>
+                  <a:ext uri="{FF2B5EF4-FFF2-40B4-BE49-F238E27FC236}">
+                    <a16:creationId xmlns:a16="http://schemas.microsoft.com/office/drawing/2014/main" id="{02322EB4-68CD-4293-BB85-307E8B6D7D52}"/>
+                  </a:ext>
+                </a:extLst>
+              </p:cNvPr>
+              <p:cNvPicPr/>
+              <p:nvPr/>
+            </p:nvPicPr>
+            <p:blipFill>
+              <a:blip r:embed="rId77"/>
+              <a:stretch>
+                <a:fillRect/>
+              </a:stretch>
+            </p:blipFill>
+            <p:spPr>
+              <a:xfrm>
+                <a:off x="3156769" y="2706019"/>
+                <a:ext cx="620640" cy="43920"/>
+              </a:xfrm>
+              <a:prstGeom prst="rect">
+                <a:avLst/>
+              </a:prstGeom>
+            </p:spPr>
+          </p:pic>
+        </mc:Fallback>
+      </mc:AlternateContent>
+      <mc:AlternateContent xmlns:mc="http://schemas.openxmlformats.org/markup-compatibility/2006">
+        <mc:Choice xmlns:p14="http://schemas.microsoft.com/office/powerpoint/2010/main" Requires="p14">
+          <p:contentPart p14:bwMode="auto" r:id="rId78">
+            <p14:nvContentPartPr>
+              <p14:cNvPr id="49" name="Ink 48">
+                <a:extLst>
+                  <a:ext uri="{FF2B5EF4-FFF2-40B4-BE49-F238E27FC236}">
+                    <a16:creationId xmlns:a16="http://schemas.microsoft.com/office/drawing/2014/main" id="{CC3987CF-BB8C-44F7-A26F-A1496F3F5D1C}"/>
+                  </a:ext>
+                </a:extLst>
+              </p14:cNvPr>
+              <p14:cNvContentPartPr/>
+              <p14:nvPr/>
+            </p14:nvContentPartPr>
+            <p14:xfrm>
+              <a:off x="1704529" y="3086179"/>
+              <a:ext cx="682920" cy="41400"/>
+            </p14:xfrm>
+          </p:contentPart>
+        </mc:Choice>
+        <mc:Fallback>
+          <p:pic>
+            <p:nvPicPr>
+              <p:cNvPr id="49" name="Ink 48">
+                <a:extLst>
+                  <a:ext uri="{FF2B5EF4-FFF2-40B4-BE49-F238E27FC236}">
+                    <a16:creationId xmlns:a16="http://schemas.microsoft.com/office/drawing/2014/main" id="{CC3987CF-BB8C-44F7-A26F-A1496F3F5D1C}"/>
+                  </a:ext>
+                </a:extLst>
+              </p:cNvPr>
+              <p:cNvPicPr/>
+              <p:nvPr/>
+            </p:nvPicPr>
+            <p:blipFill>
+              <a:blip r:embed="rId79"/>
+              <a:stretch>
+                <a:fillRect/>
+              </a:stretch>
+            </p:blipFill>
+            <p:spPr>
+              <a:xfrm>
+                <a:off x="1695529" y="3077179"/>
+                <a:ext cx="700560" cy="59040"/>
+              </a:xfrm>
+              <a:prstGeom prst="rect">
+                <a:avLst/>
+              </a:prstGeom>
+            </p:spPr>
+          </p:pic>
+        </mc:Fallback>
+      </mc:AlternateContent>
+      <mc:AlternateContent xmlns:mc="http://schemas.openxmlformats.org/markup-compatibility/2006">
+        <mc:Choice xmlns:p14="http://schemas.microsoft.com/office/powerpoint/2010/main" Requires="p14">
+          <p:contentPart p14:bwMode="auto" r:id="rId80">
+            <p14:nvContentPartPr>
+              <p14:cNvPr id="50" name="Ink 49">
+                <a:extLst>
+                  <a:ext uri="{FF2B5EF4-FFF2-40B4-BE49-F238E27FC236}">
+                    <a16:creationId xmlns:a16="http://schemas.microsoft.com/office/drawing/2014/main" id="{74708D7F-B171-4BA2-8290-4642C6B3FC83}"/>
+                  </a:ext>
+                </a:extLst>
+              </p14:cNvPr>
+              <p14:cNvContentPartPr/>
+              <p14:nvPr/>
+            </p14:nvContentPartPr>
+            <p14:xfrm>
+              <a:off x="2991529" y="3069259"/>
+              <a:ext cx="1089720" cy="56520"/>
+            </p14:xfrm>
+          </p:contentPart>
+        </mc:Choice>
+        <mc:Fallback>
+          <p:pic>
+            <p:nvPicPr>
+              <p:cNvPr id="50" name="Ink 49">
+                <a:extLst>
+                  <a:ext uri="{FF2B5EF4-FFF2-40B4-BE49-F238E27FC236}">
+                    <a16:creationId xmlns:a16="http://schemas.microsoft.com/office/drawing/2014/main" id="{74708D7F-B171-4BA2-8290-4642C6B3FC83}"/>
+                  </a:ext>
+                </a:extLst>
+              </p:cNvPr>
+              <p:cNvPicPr/>
+              <p:nvPr/>
+            </p:nvPicPr>
+            <p:blipFill>
+              <a:blip r:embed="rId81"/>
+              <a:stretch>
+                <a:fillRect/>
+              </a:stretch>
+            </p:blipFill>
+            <p:spPr>
+              <a:xfrm>
+                <a:off x="2982889" y="3060619"/>
+                <a:ext cx="1107360" cy="74160"/>
+              </a:xfrm>
+              <a:prstGeom prst="rect">
+                <a:avLst/>
+              </a:prstGeom>
+            </p:spPr>
+          </p:pic>
+        </mc:Fallback>
+      </mc:AlternateContent>
+      <mc:AlternateContent xmlns:mc="http://schemas.openxmlformats.org/markup-compatibility/2006">
+        <mc:Choice xmlns:p14="http://schemas.microsoft.com/office/powerpoint/2010/main" Requires="p14">
+          <p:contentPart p14:bwMode="auto" r:id="rId82">
+            <p14:nvContentPartPr>
+              <p14:cNvPr id="51" name="Ink 50">
+                <a:extLst>
+                  <a:ext uri="{FF2B5EF4-FFF2-40B4-BE49-F238E27FC236}">
+                    <a16:creationId xmlns:a16="http://schemas.microsoft.com/office/drawing/2014/main" id="{3DBDACC1-21E0-4933-BBDA-F269D73CCE7E}"/>
+                  </a:ext>
+                </a:extLst>
+              </p14:cNvPr>
+              <p14:cNvContentPartPr/>
+              <p14:nvPr/>
+            </p14:nvContentPartPr>
+            <p14:xfrm>
+              <a:off x="765289" y="3617899"/>
+              <a:ext cx="334080" cy="145800"/>
+            </p14:xfrm>
+          </p:contentPart>
+        </mc:Choice>
+        <mc:Fallback>
+          <p:pic>
+            <p:nvPicPr>
+              <p:cNvPr id="51" name="Ink 50">
+                <a:extLst>
+                  <a:ext uri="{FF2B5EF4-FFF2-40B4-BE49-F238E27FC236}">
+                    <a16:creationId xmlns:a16="http://schemas.microsoft.com/office/drawing/2014/main" id="{3DBDACC1-21E0-4933-BBDA-F269D73CCE7E}"/>
+                  </a:ext>
+                </a:extLst>
+              </p:cNvPr>
+              <p:cNvPicPr/>
+              <p:nvPr/>
+            </p:nvPicPr>
+            <p:blipFill>
+              <a:blip r:embed="rId83"/>
+              <a:stretch>
+                <a:fillRect/>
+              </a:stretch>
+            </p:blipFill>
+            <p:spPr>
+              <a:xfrm>
+                <a:off x="756649" y="3609259"/>
+                <a:ext cx="351720" cy="163440"/>
+              </a:xfrm>
+              <a:prstGeom prst="rect">
+                <a:avLst/>
+              </a:prstGeom>
+            </p:spPr>
+          </p:pic>
+        </mc:Fallback>
+      </mc:AlternateContent>
+      <mc:AlternateContent xmlns:mc="http://schemas.openxmlformats.org/markup-compatibility/2006">
+        <mc:Choice xmlns:p14="http://schemas.microsoft.com/office/powerpoint/2010/main" Requires="p14">
+          <p:contentPart p14:bwMode="auto" r:id="rId84">
+            <p14:nvContentPartPr>
+              <p14:cNvPr id="52" name="Ink 51">
+                <a:extLst>
+                  <a:ext uri="{FF2B5EF4-FFF2-40B4-BE49-F238E27FC236}">
+                    <a16:creationId xmlns:a16="http://schemas.microsoft.com/office/drawing/2014/main" id="{E07D16D1-E8E7-4A7C-B2D2-98860939A912}"/>
+                  </a:ext>
+                </a:extLst>
+              </p14:cNvPr>
+              <p14:cNvContentPartPr/>
+              <p14:nvPr/>
+            </p14:nvContentPartPr>
+            <p14:xfrm>
+              <a:off x="498169" y="4288579"/>
+              <a:ext cx="258480" cy="112680"/>
+            </p14:xfrm>
+          </p:contentPart>
+        </mc:Choice>
+        <mc:Fallback>
+          <p:pic>
+            <p:nvPicPr>
+              <p:cNvPr id="52" name="Ink 51">
+                <a:extLst>
+                  <a:ext uri="{FF2B5EF4-FFF2-40B4-BE49-F238E27FC236}">
+                    <a16:creationId xmlns:a16="http://schemas.microsoft.com/office/drawing/2014/main" id="{E07D16D1-E8E7-4A7C-B2D2-98860939A912}"/>
+                  </a:ext>
+                </a:extLst>
+              </p:cNvPr>
+              <p:cNvPicPr/>
+              <p:nvPr/>
+            </p:nvPicPr>
+            <p:blipFill>
+              <a:blip r:embed="rId85"/>
+              <a:stretch>
+                <a:fillRect/>
+              </a:stretch>
+            </p:blipFill>
+            <p:spPr>
+              <a:xfrm>
+                <a:off x="489169" y="4279579"/>
+                <a:ext cx="276120" cy="130320"/>
+              </a:xfrm>
+              <a:prstGeom prst="rect">
+                <a:avLst/>
+              </a:prstGeom>
+            </p:spPr>
+          </p:pic>
+        </mc:Fallback>
+      </mc:AlternateContent>
+      <mc:AlternateContent xmlns:mc="http://schemas.openxmlformats.org/markup-compatibility/2006">
+        <mc:Choice xmlns:p14="http://schemas.microsoft.com/office/powerpoint/2010/main" Requires="p14">
+          <p:contentPart p14:bwMode="auto" r:id="rId86">
+            <p14:nvContentPartPr>
+              <p14:cNvPr id="53" name="Ink 52">
+                <a:extLst>
+                  <a:ext uri="{FF2B5EF4-FFF2-40B4-BE49-F238E27FC236}">
+                    <a16:creationId xmlns:a16="http://schemas.microsoft.com/office/drawing/2014/main" id="{93888E24-43DF-45F9-B27D-C21734A4988F}"/>
+                  </a:ext>
+                </a:extLst>
+              </p14:cNvPr>
+              <p14:cNvContentPartPr/>
+              <p14:nvPr/>
+            </p14:nvContentPartPr>
+            <p14:xfrm>
+              <a:off x="1740169" y="4752259"/>
+              <a:ext cx="930240" cy="20160"/>
+            </p14:xfrm>
+          </p:contentPart>
+        </mc:Choice>
+        <mc:Fallback>
+          <p:pic>
+            <p:nvPicPr>
+              <p:cNvPr id="53" name="Ink 52">
+                <a:extLst>
+                  <a:ext uri="{FF2B5EF4-FFF2-40B4-BE49-F238E27FC236}">
+                    <a16:creationId xmlns:a16="http://schemas.microsoft.com/office/drawing/2014/main" id="{93888E24-43DF-45F9-B27D-C21734A4988F}"/>
+                  </a:ext>
+                </a:extLst>
+              </p:cNvPr>
+              <p:cNvPicPr/>
+              <p:nvPr/>
+            </p:nvPicPr>
+            <p:blipFill>
+              <a:blip r:embed="rId87"/>
+              <a:stretch>
+                <a:fillRect/>
+              </a:stretch>
+            </p:blipFill>
+            <p:spPr>
+              <a:xfrm>
+                <a:off x="1731529" y="4743619"/>
+                <a:ext cx="947880" cy="37800"/>
+              </a:xfrm>
+              <a:prstGeom prst="rect">
+                <a:avLst/>
+              </a:prstGeom>
+            </p:spPr>
+          </p:pic>
+        </mc:Fallback>
+      </mc:AlternateContent>
+      <mc:AlternateContent xmlns:mc="http://schemas.openxmlformats.org/markup-compatibility/2006">
+        <mc:Choice xmlns:p14="http://schemas.microsoft.com/office/powerpoint/2010/main" Requires="p14">
+          <p:contentPart p14:bwMode="auto" r:id="rId88">
+            <p14:nvContentPartPr>
+              <p14:cNvPr id="54" name="Ink 53">
+                <a:extLst>
+                  <a:ext uri="{FF2B5EF4-FFF2-40B4-BE49-F238E27FC236}">
+                    <a16:creationId xmlns:a16="http://schemas.microsoft.com/office/drawing/2014/main" id="{6D86E283-160F-44AB-8555-668775B49384}"/>
+                  </a:ext>
+                </a:extLst>
+              </p14:cNvPr>
+              <p14:cNvContentPartPr/>
+              <p14:nvPr/>
+            </p14:nvContentPartPr>
+            <p14:xfrm>
+              <a:off x="5200129" y="4746499"/>
+              <a:ext cx="1408320" cy="51120"/>
+            </p14:xfrm>
+          </p:contentPart>
+        </mc:Choice>
+        <mc:Fallback>
+          <p:pic>
+            <p:nvPicPr>
+              <p:cNvPr id="54" name="Ink 53">
+                <a:extLst>
+                  <a:ext uri="{FF2B5EF4-FFF2-40B4-BE49-F238E27FC236}">
+                    <a16:creationId xmlns:a16="http://schemas.microsoft.com/office/drawing/2014/main" id="{6D86E283-160F-44AB-8555-668775B49384}"/>
+                  </a:ext>
+                </a:extLst>
+              </p:cNvPr>
+              <p:cNvPicPr/>
+              <p:nvPr/>
+            </p:nvPicPr>
+            <p:blipFill>
+              <a:blip r:embed="rId89"/>
+              <a:stretch>
+                <a:fillRect/>
+              </a:stretch>
+            </p:blipFill>
+            <p:spPr>
+              <a:xfrm>
+                <a:off x="5191489" y="4737499"/>
+                <a:ext cx="1425960" cy="68760"/>
+              </a:xfrm>
+              <a:prstGeom prst="rect">
+                <a:avLst/>
+              </a:prstGeom>
+            </p:spPr>
+          </p:pic>
+        </mc:Fallback>
+      </mc:AlternateContent>
+      <p:grpSp>
+        <p:nvGrpSpPr>
+          <p:cNvPr id="61" name="Group 60">
+            <a:extLst>
+              <a:ext uri="{FF2B5EF4-FFF2-40B4-BE49-F238E27FC236}">
+                <a16:creationId xmlns:a16="http://schemas.microsoft.com/office/drawing/2014/main" id="{04C1A886-B198-4B89-A9A4-26187107BAC6}"/>
+              </a:ext>
+            </a:extLst>
+          </p:cNvPr>
+          <p:cNvGrpSpPr/>
+          <p:nvPr/>
+        </p:nvGrpSpPr>
+        <p:grpSpPr>
+          <a:xfrm>
+            <a:off x="2888569" y="3847579"/>
+            <a:ext cx="1157400" cy="224280"/>
+            <a:chOff x="2888569" y="3847579"/>
+            <a:chExt cx="1157400" cy="224280"/>
+          </a:xfrm>
+        </p:grpSpPr>
+        <mc:AlternateContent xmlns:mc="http://schemas.openxmlformats.org/markup-compatibility/2006">
+          <mc:Choice xmlns:p14="http://schemas.microsoft.com/office/powerpoint/2010/main" Requires="p14">
+            <p:contentPart p14:bwMode="auto" r:id="rId90">
+              <p14:nvContentPartPr>
+                <p14:cNvPr id="55" name="Ink 54">
+                  <a:extLst>
+                    <a:ext uri="{FF2B5EF4-FFF2-40B4-BE49-F238E27FC236}">
+                      <a16:creationId xmlns:a16="http://schemas.microsoft.com/office/drawing/2014/main" id="{D811F7A3-FA8E-4660-BA1A-0B66C5E3AC11}"/>
+                    </a:ext>
+                  </a:extLst>
+                </p14:cNvPr>
+                <p14:cNvContentPartPr/>
+                <p14:nvPr/>
+              </p14:nvContentPartPr>
+              <p14:xfrm>
+                <a:off x="2888569" y="3927859"/>
+                <a:ext cx="298800" cy="130680"/>
+              </p14:xfrm>
+            </p:contentPart>
+          </mc:Choice>
+          <mc:Fallback>
+            <p:pic>
+              <p:nvPicPr>
+                <p:cNvPr id="55" name="Ink 54">
+                  <a:extLst>
+                    <a:ext uri="{FF2B5EF4-FFF2-40B4-BE49-F238E27FC236}">
+                      <a16:creationId xmlns:a16="http://schemas.microsoft.com/office/drawing/2014/main" id="{D811F7A3-FA8E-4660-BA1A-0B66C5E3AC11}"/>
+                    </a:ext>
+                  </a:extLst>
+                </p:cNvPr>
+                <p:cNvPicPr/>
+                <p:nvPr/>
+              </p:nvPicPr>
+              <p:blipFill>
+                <a:blip r:embed="rId91"/>
+                <a:stretch>
+                  <a:fillRect/>
+                </a:stretch>
+              </p:blipFill>
+              <p:spPr>
+                <a:xfrm>
+                  <a:off x="2879569" y="3918859"/>
+                  <a:ext cx="316440" cy="148320"/>
+                </a:xfrm>
+                <a:prstGeom prst="rect">
+                  <a:avLst/>
+                </a:prstGeom>
+              </p:spPr>
+            </p:pic>
+          </mc:Fallback>
+        </mc:AlternateContent>
+        <mc:AlternateContent xmlns:mc="http://schemas.openxmlformats.org/markup-compatibility/2006">
+          <mc:Choice xmlns:p14="http://schemas.microsoft.com/office/powerpoint/2010/main" Requires="p14">
+            <p:contentPart p14:bwMode="auto" r:id="rId92">
+              <p14:nvContentPartPr>
+                <p14:cNvPr id="56" name="Ink 55">
+                  <a:extLst>
+                    <a:ext uri="{FF2B5EF4-FFF2-40B4-BE49-F238E27FC236}">
+                      <a16:creationId xmlns:a16="http://schemas.microsoft.com/office/drawing/2014/main" id="{475DD018-2E4E-4D37-8BFA-4E3149B1582C}"/>
+                    </a:ext>
+                  </a:extLst>
+                </p14:cNvPr>
+                <p14:cNvContentPartPr/>
+                <p14:nvPr/>
+              </p14:nvContentPartPr>
+              <p14:xfrm>
+                <a:off x="3287089" y="3937219"/>
+                <a:ext cx="103680" cy="131400"/>
+              </p14:xfrm>
+            </p:contentPart>
+          </mc:Choice>
+          <mc:Fallback>
+            <p:pic>
+              <p:nvPicPr>
+                <p:cNvPr id="56" name="Ink 55">
+                  <a:extLst>
+                    <a:ext uri="{FF2B5EF4-FFF2-40B4-BE49-F238E27FC236}">
+                      <a16:creationId xmlns:a16="http://schemas.microsoft.com/office/drawing/2014/main" id="{475DD018-2E4E-4D37-8BFA-4E3149B1582C}"/>
+                    </a:ext>
+                  </a:extLst>
+                </p:cNvPr>
+                <p:cNvPicPr/>
+                <p:nvPr/>
+              </p:nvPicPr>
+              <p:blipFill>
+                <a:blip r:embed="rId93"/>
+                <a:stretch>
+                  <a:fillRect/>
+                </a:stretch>
+              </p:blipFill>
+              <p:spPr>
+                <a:xfrm>
+                  <a:off x="3278449" y="3928219"/>
+                  <a:ext cx="121320" cy="149040"/>
+                </a:xfrm>
+                <a:prstGeom prst="rect">
+                  <a:avLst/>
+                </a:prstGeom>
+              </p:spPr>
+            </p:pic>
+          </mc:Fallback>
+        </mc:AlternateContent>
+        <mc:AlternateContent xmlns:mc="http://schemas.openxmlformats.org/markup-compatibility/2006">
+          <mc:Choice xmlns:p14="http://schemas.microsoft.com/office/powerpoint/2010/main" Requires="p14">
+            <p:contentPart p14:bwMode="auto" r:id="rId94">
+              <p14:nvContentPartPr>
+                <p14:cNvPr id="57" name="Ink 56">
+                  <a:extLst>
+                    <a:ext uri="{FF2B5EF4-FFF2-40B4-BE49-F238E27FC236}">
+                      <a16:creationId xmlns:a16="http://schemas.microsoft.com/office/drawing/2014/main" id="{379A51FE-7B1C-452E-9DA8-28261EB1E0D5}"/>
+                    </a:ext>
+                  </a:extLst>
+                </p14:cNvPr>
+                <p14:cNvContentPartPr/>
+                <p14:nvPr/>
+              </p14:nvContentPartPr>
+              <p14:xfrm>
+                <a:off x="3452329" y="3938299"/>
+                <a:ext cx="85320" cy="81000"/>
+              </p14:xfrm>
+            </p:contentPart>
+          </mc:Choice>
+          <mc:Fallback>
+            <p:pic>
+              <p:nvPicPr>
+                <p:cNvPr id="57" name="Ink 56">
+                  <a:extLst>
+                    <a:ext uri="{FF2B5EF4-FFF2-40B4-BE49-F238E27FC236}">
+                      <a16:creationId xmlns:a16="http://schemas.microsoft.com/office/drawing/2014/main" id="{379A51FE-7B1C-452E-9DA8-28261EB1E0D5}"/>
+                    </a:ext>
+                  </a:extLst>
+                </p:cNvPr>
+                <p:cNvPicPr/>
+                <p:nvPr/>
+              </p:nvPicPr>
+              <p:blipFill>
+                <a:blip r:embed="rId95"/>
+                <a:stretch>
+                  <a:fillRect/>
+                </a:stretch>
+              </p:blipFill>
+              <p:spPr>
+                <a:xfrm>
+                  <a:off x="3443689" y="3929659"/>
+                  <a:ext cx="102960" cy="98640"/>
+                </a:xfrm>
+                <a:prstGeom prst="rect">
+                  <a:avLst/>
+                </a:prstGeom>
+              </p:spPr>
+            </p:pic>
+          </mc:Fallback>
+        </mc:AlternateContent>
+        <mc:AlternateContent xmlns:mc="http://schemas.openxmlformats.org/markup-compatibility/2006">
+          <mc:Choice xmlns:p14="http://schemas.microsoft.com/office/powerpoint/2010/main" Requires="p14">
+            <p:contentPart p14:bwMode="auto" r:id="rId96">
+              <p14:nvContentPartPr>
+                <p14:cNvPr id="58" name="Ink 57">
+                  <a:extLst>
+                    <a:ext uri="{FF2B5EF4-FFF2-40B4-BE49-F238E27FC236}">
+                      <a16:creationId xmlns:a16="http://schemas.microsoft.com/office/drawing/2014/main" id="{FFF7FC55-6EB8-4098-8E49-2967A801C06C}"/>
+                    </a:ext>
+                  </a:extLst>
+                </p14:cNvPr>
+                <p14:cNvContentPartPr/>
+                <p14:nvPr/>
+              </p14:nvContentPartPr>
+              <p14:xfrm>
+                <a:off x="3545209" y="3847579"/>
+                <a:ext cx="237960" cy="192600"/>
+              </p14:xfrm>
+            </p:contentPart>
+          </mc:Choice>
+          <mc:Fallback>
+            <p:pic>
+              <p:nvPicPr>
+                <p:cNvPr id="58" name="Ink 57">
+                  <a:extLst>
+                    <a:ext uri="{FF2B5EF4-FFF2-40B4-BE49-F238E27FC236}">
+                      <a16:creationId xmlns:a16="http://schemas.microsoft.com/office/drawing/2014/main" id="{FFF7FC55-6EB8-4098-8E49-2967A801C06C}"/>
+                    </a:ext>
+                  </a:extLst>
+                </p:cNvPr>
+                <p:cNvPicPr/>
+                <p:nvPr/>
+              </p:nvPicPr>
+              <p:blipFill>
+                <a:blip r:embed="rId97"/>
+                <a:stretch>
+                  <a:fillRect/>
+                </a:stretch>
+              </p:blipFill>
+              <p:spPr>
+                <a:xfrm>
+                  <a:off x="3536209" y="3838579"/>
+                  <a:ext cx="255600" cy="210240"/>
+                </a:xfrm>
+                <a:prstGeom prst="rect">
+                  <a:avLst/>
+                </a:prstGeom>
+              </p:spPr>
+            </p:pic>
+          </mc:Fallback>
+        </mc:AlternateContent>
+        <mc:AlternateContent xmlns:mc="http://schemas.openxmlformats.org/markup-compatibility/2006">
+          <mc:Choice xmlns:p14="http://schemas.microsoft.com/office/powerpoint/2010/main" Requires="p14">
+            <p:contentPart p14:bwMode="auto" r:id="rId98">
+              <p14:nvContentPartPr>
+                <p14:cNvPr id="59" name="Ink 58">
+                  <a:extLst>
+                    <a:ext uri="{FF2B5EF4-FFF2-40B4-BE49-F238E27FC236}">
+                      <a16:creationId xmlns:a16="http://schemas.microsoft.com/office/drawing/2014/main" id="{CB8ABF43-53B5-4B6E-B679-27AC2DEC6180}"/>
+                    </a:ext>
+                  </a:extLst>
+                </p14:cNvPr>
+                <p14:cNvContentPartPr/>
+                <p14:nvPr/>
+              </p14:nvContentPartPr>
+              <p14:xfrm>
+                <a:off x="3792889" y="3922099"/>
+                <a:ext cx="131040" cy="116280"/>
+              </p14:xfrm>
+            </p:contentPart>
+          </mc:Choice>
+          <mc:Fallback>
+            <p:pic>
+              <p:nvPicPr>
+                <p:cNvPr id="59" name="Ink 58">
+                  <a:extLst>
+                    <a:ext uri="{FF2B5EF4-FFF2-40B4-BE49-F238E27FC236}">
+                      <a16:creationId xmlns:a16="http://schemas.microsoft.com/office/drawing/2014/main" id="{CB8ABF43-53B5-4B6E-B679-27AC2DEC6180}"/>
+                    </a:ext>
+                  </a:extLst>
+                </p:cNvPr>
+                <p:cNvPicPr/>
+                <p:nvPr/>
+              </p:nvPicPr>
+              <p:blipFill>
+                <a:blip r:embed="rId99"/>
+                <a:stretch>
+                  <a:fillRect/>
+                </a:stretch>
+              </p:blipFill>
+              <p:spPr>
+                <a:xfrm>
+                  <a:off x="3783889" y="3913099"/>
+                  <a:ext cx="148680" cy="133920"/>
+                </a:xfrm>
+                <a:prstGeom prst="rect">
+                  <a:avLst/>
+                </a:prstGeom>
+              </p:spPr>
+            </p:pic>
+          </mc:Fallback>
+        </mc:AlternateContent>
+        <mc:AlternateContent xmlns:mc="http://schemas.openxmlformats.org/markup-compatibility/2006">
+          <mc:Choice xmlns:p14="http://schemas.microsoft.com/office/powerpoint/2010/main" Requires="p14">
+            <p:contentPart p14:bwMode="auto" r:id="rId100">
+              <p14:nvContentPartPr>
+                <p14:cNvPr id="60" name="Ink 59">
+                  <a:extLst>
+                    <a:ext uri="{FF2B5EF4-FFF2-40B4-BE49-F238E27FC236}">
+                      <a16:creationId xmlns:a16="http://schemas.microsoft.com/office/drawing/2014/main" id="{B85A7343-D86E-4DA2-B763-A1D11995AA44}"/>
+                    </a:ext>
+                  </a:extLst>
+                </p14:cNvPr>
+                <p14:cNvContentPartPr/>
+                <p14:nvPr/>
+              </p14:nvContentPartPr>
+              <p14:xfrm>
+                <a:off x="3952369" y="3906979"/>
+                <a:ext cx="93600" cy="164880"/>
+              </p14:xfrm>
+            </p:contentPart>
+          </mc:Choice>
+          <mc:Fallback>
+            <p:pic>
+              <p:nvPicPr>
+                <p:cNvPr id="60" name="Ink 59">
+                  <a:extLst>
+                    <a:ext uri="{FF2B5EF4-FFF2-40B4-BE49-F238E27FC236}">
+                      <a16:creationId xmlns:a16="http://schemas.microsoft.com/office/drawing/2014/main" id="{B85A7343-D86E-4DA2-B763-A1D11995AA44}"/>
+                    </a:ext>
+                  </a:extLst>
+                </p:cNvPr>
+                <p:cNvPicPr/>
+                <p:nvPr/>
+              </p:nvPicPr>
+              <p:blipFill>
+                <a:blip r:embed="rId101"/>
+                <a:stretch>
+                  <a:fillRect/>
+                </a:stretch>
+              </p:blipFill>
+              <p:spPr>
+                <a:xfrm>
+                  <a:off x="3943369" y="3897979"/>
+                  <a:ext cx="111240" cy="182520"/>
+                </a:xfrm>
+                <a:prstGeom prst="rect">
+                  <a:avLst/>
+                </a:prstGeom>
+              </p:spPr>
+            </p:pic>
+          </mc:Fallback>
+        </mc:AlternateContent>
+      </p:grpSp>
+      <p:grpSp>
+        <p:nvGrpSpPr>
+          <p:cNvPr id="64" name="Group 63">
+            <a:extLst>
+              <a:ext uri="{FF2B5EF4-FFF2-40B4-BE49-F238E27FC236}">
+                <a16:creationId xmlns:a16="http://schemas.microsoft.com/office/drawing/2014/main" id="{36CB6E04-98FC-48B2-B6FB-F79D22EF4276}"/>
+              </a:ext>
+            </a:extLst>
+          </p:cNvPr>
+          <p:cNvGrpSpPr/>
+          <p:nvPr/>
+        </p:nvGrpSpPr>
+        <p:grpSpPr>
+          <a:xfrm>
+            <a:off x="2046889" y="4847299"/>
+            <a:ext cx="167760" cy="259560"/>
+            <a:chOff x="2046889" y="4847299"/>
+            <a:chExt cx="167760" cy="259560"/>
+          </a:xfrm>
+        </p:grpSpPr>
+        <mc:AlternateContent xmlns:mc="http://schemas.openxmlformats.org/markup-compatibility/2006">
+          <mc:Choice xmlns:p14="http://schemas.microsoft.com/office/powerpoint/2010/main" Requires="p14">
+            <p:contentPart p14:bwMode="auto" r:id="rId102">
+              <p14:nvContentPartPr>
+                <p14:cNvPr id="62" name="Ink 61">
+                  <a:extLst>
+                    <a:ext uri="{FF2B5EF4-FFF2-40B4-BE49-F238E27FC236}">
+                      <a16:creationId xmlns:a16="http://schemas.microsoft.com/office/drawing/2014/main" id="{8B021050-4F1D-4D72-BAA1-FB16F26A764D}"/>
+                    </a:ext>
+                  </a:extLst>
+                </p14:cNvPr>
+                <p14:cNvContentPartPr/>
+                <p14:nvPr/>
+              </p14:nvContentPartPr>
+              <p14:xfrm>
+                <a:off x="2091529" y="4864579"/>
+                <a:ext cx="45360" cy="242280"/>
+              </p14:xfrm>
+            </p:contentPart>
+          </mc:Choice>
+          <mc:Fallback>
+            <p:pic>
+              <p:nvPicPr>
+                <p:cNvPr id="62" name="Ink 61">
+                  <a:extLst>
+                    <a:ext uri="{FF2B5EF4-FFF2-40B4-BE49-F238E27FC236}">
+                      <a16:creationId xmlns:a16="http://schemas.microsoft.com/office/drawing/2014/main" id="{8B021050-4F1D-4D72-BAA1-FB16F26A764D}"/>
+                    </a:ext>
+                  </a:extLst>
+                </p:cNvPr>
+                <p:cNvPicPr/>
+                <p:nvPr/>
+              </p:nvPicPr>
+              <p:blipFill>
+                <a:blip r:embed="rId103"/>
+                <a:stretch>
+                  <a:fillRect/>
+                </a:stretch>
+              </p:blipFill>
+              <p:spPr>
+                <a:xfrm>
+                  <a:off x="2082529" y="4855579"/>
+                  <a:ext cx="63000" cy="259920"/>
+                </a:xfrm>
+                <a:prstGeom prst="rect">
+                  <a:avLst/>
+                </a:prstGeom>
+              </p:spPr>
+            </p:pic>
+          </mc:Fallback>
+        </mc:AlternateContent>
+        <mc:AlternateContent xmlns:mc="http://schemas.openxmlformats.org/markup-compatibility/2006">
+          <mc:Choice xmlns:p14="http://schemas.microsoft.com/office/powerpoint/2010/main" Requires="p14">
+            <p:contentPart p14:bwMode="auto" r:id="rId104">
+              <p14:nvContentPartPr>
+                <p14:cNvPr id="63" name="Ink 62">
+                  <a:extLst>
+                    <a:ext uri="{FF2B5EF4-FFF2-40B4-BE49-F238E27FC236}">
+                      <a16:creationId xmlns:a16="http://schemas.microsoft.com/office/drawing/2014/main" id="{03721E96-2B3D-4362-8752-B841231CF8E0}"/>
+                    </a:ext>
+                  </a:extLst>
+                </p14:cNvPr>
+                <p14:cNvContentPartPr/>
+                <p14:nvPr/>
+              </p14:nvContentPartPr>
+              <p14:xfrm>
+                <a:off x="2046889" y="4847299"/>
+                <a:ext cx="167760" cy="125280"/>
+              </p14:xfrm>
+            </p:contentPart>
+          </mc:Choice>
+          <mc:Fallback>
+            <p:pic>
+              <p:nvPicPr>
+                <p:cNvPr id="63" name="Ink 62">
+                  <a:extLst>
+                    <a:ext uri="{FF2B5EF4-FFF2-40B4-BE49-F238E27FC236}">
+                      <a16:creationId xmlns:a16="http://schemas.microsoft.com/office/drawing/2014/main" id="{03721E96-2B3D-4362-8752-B841231CF8E0}"/>
+                    </a:ext>
+                  </a:extLst>
+                </p:cNvPr>
+                <p:cNvPicPr/>
+                <p:nvPr/>
+              </p:nvPicPr>
+              <p:blipFill>
+                <a:blip r:embed="rId105"/>
+                <a:stretch>
+                  <a:fillRect/>
+                </a:stretch>
+              </p:blipFill>
+              <p:spPr>
+                <a:xfrm>
+                  <a:off x="2037889" y="4838659"/>
+                  <a:ext cx="185400" cy="142920"/>
+                </a:xfrm>
+                <a:prstGeom prst="rect">
+                  <a:avLst/>
+                </a:prstGeom>
+              </p:spPr>
+            </p:pic>
+          </mc:Fallback>
+        </mc:AlternateContent>
+      </p:grpSp>
     </p:spTree>
     <p:extLst>
       <p:ext uri="{BB962C8B-B14F-4D97-AF65-F5344CB8AC3E}">
